--- a/hateful_excel.pptx
+++ b/hateful_excel.pptx
@@ -4,16 +4,19 @@
   <p:sldMasterIdLst>
     <p:sldMasterId id="2147483708" r:id="rId1"/>
   </p:sldMasterIdLst>
+  <p:handoutMasterIdLst>
+    <p:handoutMasterId r:id="rId36"/>
+  </p:handoutMasterIdLst>
   <p:sldIdLst>
     <p:sldId id="256" r:id="rId2"/>
     <p:sldId id="360" r:id="rId3"/>
     <p:sldId id="320" r:id="rId4"/>
     <p:sldId id="340" r:id="rId5"/>
     <p:sldId id="324" r:id="rId6"/>
-    <p:sldId id="321" r:id="rId7"/>
-    <p:sldId id="323" r:id="rId8"/>
-    <p:sldId id="348" r:id="rId9"/>
-    <p:sldId id="325" r:id="rId10"/>
+    <p:sldId id="361" r:id="rId7"/>
+    <p:sldId id="348" r:id="rId8"/>
+    <p:sldId id="325" r:id="rId9"/>
+    <p:sldId id="362" r:id="rId10"/>
     <p:sldId id="326" r:id="rId11"/>
     <p:sldId id="327" r:id="rId12"/>
     <p:sldId id="341" r:id="rId13"/>
@@ -139,7 +142,7 @@
   </p:defaultTextStyle>
   <p:extLst>
     <p:ext uri="{EFAFB233-063F-42B5-8137-9DF3F51BA10A}">
-      <p15:sldGuideLst xmlns="" xmlns:p15="http://schemas.microsoft.com/office/powerpoint/2012/main">
+      <p15:sldGuideLst xmlns:p15="http://schemas.microsoft.com/office/powerpoint/2012/main" xmlns="">
         <p15:guide id="1" orient="horz" pos="2160">
           <p15:clr>
             <a:srgbClr val="A4A3A4"/>
@@ -154,6 +157,171 @@
     </p:ext>
   </p:extLst>
 </p:presentation>
+</file>
+
+<file path=ppt/handoutMasters/handoutMaster1.xml><?xml version="1.0" encoding="utf-8"?>
+<p:handoutMaster xmlns:a="http://schemas.openxmlformats.org/drawingml/2006/main" xmlns:r="http://schemas.openxmlformats.org/officeDocument/2006/relationships" xmlns:p="http://schemas.openxmlformats.org/presentationml/2006/main">
+  <p:cSld>
+    <p:bg>
+      <p:bgRef idx="1001">
+        <a:schemeClr val="bg1"/>
+      </p:bgRef>
+    </p:bg>
+    <p:spTree>
+      <p:nvGrpSpPr>
+        <p:cNvPr id="1" name=""/>
+        <p:cNvGrpSpPr/>
+        <p:nvPr/>
+      </p:nvGrpSpPr>
+      <p:grpSpPr>
+        <a:xfrm>
+          <a:off x="0" y="0"/>
+          <a:ext cx="0" cy="0"/>
+          <a:chOff x="0" y="0"/>
+          <a:chExt cx="0" cy="0"/>
+        </a:xfrm>
+      </p:grpSpPr>
+      <p:sp>
+        <p:nvSpPr>
+          <p:cNvPr id="2" name="ヘッダー プレースホルダー 1"/>
+          <p:cNvSpPr>
+            <a:spLocks noGrp="1"/>
+          </p:cNvSpPr>
+          <p:nvPr>
+            <p:ph type="hdr" sz="quarter"/>
+          </p:nvPr>
+        </p:nvSpPr>
+        <p:spPr>
+          <a:xfrm>
+            <a:off x="0" y="0"/>
+            <a:ext cx="2971800" cy="457200"/>
+          </a:xfrm>
+          <a:prstGeom prst="rect">
+            <a:avLst/>
+          </a:prstGeom>
+        </p:spPr>
+        <p:txBody>
+          <a:bodyPr vert="horz" lIns="91440" tIns="45720" rIns="91440" bIns="45720" rtlCol="0"/>
+          <a:lstStyle>
+            <a:lvl1pPr algn="l">
+              <a:defRPr sz="1200"/>
+            </a:lvl1pPr>
+          </a:lstStyle>
+          <a:p>
+            <a:endParaRPr kumimoji="1" lang="ja-JP" altLang="en-US"/>
+          </a:p>
+        </p:txBody>
+      </p:sp>
+      <p:sp>
+        <p:nvSpPr>
+          <p:cNvPr id="3" name="日付プレースホルダー 2"/>
+          <p:cNvSpPr>
+            <a:spLocks noGrp="1"/>
+          </p:cNvSpPr>
+          <p:nvPr>
+            <p:ph type="dt" sz="quarter" idx="1"/>
+          </p:nvPr>
+        </p:nvSpPr>
+        <p:spPr>
+          <a:xfrm>
+            <a:off x="3884613" y="0"/>
+            <a:ext cx="2971800" cy="457200"/>
+          </a:xfrm>
+          <a:prstGeom prst="rect">
+            <a:avLst/>
+          </a:prstGeom>
+        </p:spPr>
+        <p:txBody>
+          <a:bodyPr vert="horz" lIns="91440" tIns="45720" rIns="91440" bIns="45720" rtlCol="0"/>
+          <a:lstStyle>
+            <a:lvl1pPr algn="r">
+              <a:defRPr sz="1200"/>
+            </a:lvl1pPr>
+          </a:lstStyle>
+          <a:p>
+            <a:fld id="{5B94A26D-194A-4531-B371-D173F73365E6}" type="datetimeFigureOut">
+              <a:rPr kumimoji="1" lang="ja-JP" altLang="en-US" smtClean="0"/>
+              <a:t>2017/3/9</a:t>
+            </a:fld>
+            <a:endParaRPr kumimoji="1" lang="ja-JP" altLang="en-US"/>
+          </a:p>
+        </p:txBody>
+      </p:sp>
+      <p:sp>
+        <p:nvSpPr>
+          <p:cNvPr id="4" name="フッター プレースホルダー 3"/>
+          <p:cNvSpPr>
+            <a:spLocks noGrp="1"/>
+          </p:cNvSpPr>
+          <p:nvPr>
+            <p:ph type="ftr" sz="quarter" idx="2"/>
+          </p:nvPr>
+        </p:nvSpPr>
+        <p:spPr>
+          <a:xfrm>
+            <a:off x="0" y="8685213"/>
+            <a:ext cx="2971800" cy="457200"/>
+          </a:xfrm>
+          <a:prstGeom prst="rect">
+            <a:avLst/>
+          </a:prstGeom>
+        </p:spPr>
+        <p:txBody>
+          <a:bodyPr vert="horz" lIns="91440" tIns="45720" rIns="91440" bIns="45720" rtlCol="0" anchor="b"/>
+          <a:lstStyle>
+            <a:lvl1pPr algn="l">
+              <a:defRPr sz="1200"/>
+            </a:lvl1pPr>
+          </a:lstStyle>
+          <a:p>
+            <a:endParaRPr kumimoji="1" lang="ja-JP" altLang="en-US"/>
+          </a:p>
+        </p:txBody>
+      </p:sp>
+      <p:sp>
+        <p:nvSpPr>
+          <p:cNvPr id="5" name="スライド番号プレースホルダー 4"/>
+          <p:cNvSpPr>
+            <a:spLocks noGrp="1"/>
+          </p:cNvSpPr>
+          <p:nvPr>
+            <p:ph type="sldNum" sz="quarter" idx="3"/>
+          </p:nvPr>
+        </p:nvSpPr>
+        <p:spPr>
+          <a:xfrm>
+            <a:off x="3884613" y="8685213"/>
+            <a:ext cx="2971800" cy="457200"/>
+          </a:xfrm>
+          <a:prstGeom prst="rect">
+            <a:avLst/>
+          </a:prstGeom>
+        </p:spPr>
+        <p:txBody>
+          <a:bodyPr vert="horz" lIns="91440" tIns="45720" rIns="91440" bIns="45720" rtlCol="0" anchor="b"/>
+          <a:lstStyle>
+            <a:lvl1pPr algn="r">
+              <a:defRPr sz="1200"/>
+            </a:lvl1pPr>
+          </a:lstStyle>
+          <a:p>
+            <a:fld id="{F580CD84-0E5A-4664-A4D0-6911257B0BA3}" type="slidenum">
+              <a:rPr kumimoji="1" lang="ja-JP" altLang="en-US" smtClean="0"/>
+              <a:t>‹#›</a:t>
+            </a:fld>
+            <a:endParaRPr kumimoji="1" lang="ja-JP" altLang="en-US"/>
+          </a:p>
+        </p:txBody>
+      </p:sp>
+    </p:spTree>
+    <p:extLst>
+      <p:ext uri="{BB962C8B-B14F-4D97-AF65-F5344CB8AC3E}">
+        <p14:creationId xmlns:p14="http://schemas.microsoft.com/office/powerpoint/2010/main" val="1525582368"/>
+      </p:ext>
+    </p:extLst>
+  </p:cSld>
+  <p:clrMap bg1="lt1" tx1="dk1" bg2="lt2" tx2="dk2" accent1="accent1" accent2="accent2" accent3="accent3" accent4="accent4" accent5="accent5" accent6="accent6" hlink="hlink" folHlink="folHlink"/>
+</p:handoutMaster>
 </file>
 
 <file path=ppt/slideLayouts/slideLayout1.xml><?xml version="1.0" encoding="utf-8"?>
@@ -290,7 +458,7 @@
           <a:p>
             <a:fld id="{39378AC4-C49C-4159-B332-7738B007311C}" type="datetimeFigureOut">
               <a:rPr kumimoji="1" lang="ja-JP" altLang="en-US" smtClean="0"/>
-              <a:t>2017/3/6</a:t>
+              <a:t>2017/3/9</a:t>
             </a:fld>
             <a:endParaRPr kumimoji="1" lang="ja-JP" altLang="en-US"/>
           </a:p>
@@ -635,7 +803,7 @@
           <a:p>
             <a:fld id="{39378AC4-C49C-4159-B332-7738B007311C}" type="datetimeFigureOut">
               <a:rPr kumimoji="1" lang="ja-JP" altLang="en-US" smtClean="0"/>
-              <a:t>2017/3/6</a:t>
+              <a:t>2017/3/9</a:t>
             </a:fld>
             <a:endParaRPr kumimoji="1" lang="ja-JP" altLang="en-US"/>
           </a:p>
@@ -852,7 +1020,7 @@
           <a:p>
             <a:fld id="{39378AC4-C49C-4159-B332-7738B007311C}" type="datetimeFigureOut">
               <a:rPr kumimoji="1" lang="ja-JP" altLang="en-US" smtClean="0"/>
-              <a:t>2017/3/6</a:t>
+              <a:t>2017/3/9</a:t>
             </a:fld>
             <a:endParaRPr kumimoji="1" lang="ja-JP" altLang="en-US"/>
           </a:p>
@@ -1059,7 +1227,7 @@
           <a:p>
             <a:fld id="{39378AC4-C49C-4159-B332-7738B007311C}" type="datetimeFigureOut">
               <a:rPr kumimoji="1" lang="ja-JP" altLang="en-US" smtClean="0"/>
-              <a:t>2017/3/6</a:t>
+              <a:t>2017/3/9</a:t>
             </a:fld>
             <a:endParaRPr kumimoji="1" lang="ja-JP" altLang="en-US"/>
           </a:p>
@@ -1327,7 +1495,7 @@
           <a:p>
             <a:fld id="{39378AC4-C49C-4159-B332-7738B007311C}" type="datetimeFigureOut">
               <a:rPr kumimoji="1" lang="ja-JP" altLang="en-US" smtClean="0"/>
-              <a:t>2017/3/6</a:t>
+              <a:t>2017/3/9</a:t>
             </a:fld>
             <a:endParaRPr kumimoji="1" lang="ja-JP" altLang="en-US"/>
           </a:p>
@@ -1859,7 +2027,7 @@
           <a:p>
             <a:fld id="{39378AC4-C49C-4159-B332-7738B007311C}" type="datetimeFigureOut">
               <a:rPr kumimoji="1" lang="ja-JP" altLang="en-US" smtClean="0"/>
-              <a:t>2017/3/6</a:t>
+              <a:t>2017/3/9</a:t>
             </a:fld>
             <a:endParaRPr kumimoji="1" lang="ja-JP" altLang="en-US"/>
           </a:p>
@@ -2412,7 +2580,7 @@
           <a:p>
             <a:fld id="{39378AC4-C49C-4159-B332-7738B007311C}" type="datetimeFigureOut">
               <a:rPr kumimoji="1" lang="ja-JP" altLang="en-US" smtClean="0"/>
-              <a:t>2017/3/6</a:t>
+              <a:t>2017/3/9</a:t>
             </a:fld>
             <a:endParaRPr kumimoji="1" lang="ja-JP" altLang="en-US"/>
           </a:p>
@@ -2538,7 +2706,7 @@
           <a:p>
             <a:fld id="{39378AC4-C49C-4159-B332-7738B007311C}" type="datetimeFigureOut">
               <a:rPr kumimoji="1" lang="ja-JP" altLang="en-US" smtClean="0"/>
-              <a:t>2017/3/6</a:t>
+              <a:t>2017/3/9</a:t>
             </a:fld>
             <a:endParaRPr kumimoji="1" lang="ja-JP" altLang="en-US"/>
           </a:p>
@@ -2682,7 +2850,7 @@
           <a:p>
             <a:fld id="{39378AC4-C49C-4159-B332-7738B007311C}" type="datetimeFigureOut">
               <a:rPr kumimoji="1" lang="ja-JP" altLang="en-US" smtClean="0"/>
-              <a:t>2017/3/6</a:t>
+              <a:t>2017/3/9</a:t>
             </a:fld>
             <a:endParaRPr kumimoji="1" lang="ja-JP" altLang="en-US"/>
           </a:p>
@@ -3036,7 +3204,7 @@
           <a:p>
             <a:fld id="{39378AC4-C49C-4159-B332-7738B007311C}" type="datetimeFigureOut">
               <a:rPr kumimoji="1" lang="ja-JP" altLang="en-US" smtClean="0"/>
-              <a:t>2017/3/6</a:t>
+              <a:t>2017/3/9</a:t>
             </a:fld>
             <a:endParaRPr kumimoji="1" lang="ja-JP" altLang="en-US"/>
           </a:p>
@@ -3170,7 +3338,7 @@
           <a:p>
             <a:fld id="{39378AC4-C49C-4159-B332-7738B007311C}" type="datetimeFigureOut">
               <a:rPr kumimoji="1" lang="ja-JP" altLang="en-US" smtClean="0"/>
-              <a:t>2017/3/6</a:t>
+              <a:t>2017/3/9</a:t>
             </a:fld>
             <a:endParaRPr kumimoji="1" lang="ja-JP" altLang="en-US"/>
           </a:p>
@@ -3983,7 +4151,7 @@
           <a:p>
             <a:fld id="{39378AC4-C49C-4159-B332-7738B007311C}" type="datetimeFigureOut">
               <a:rPr kumimoji="1" lang="ja-JP" altLang="en-US" smtClean="0"/>
-              <a:t>2017/3/6</a:t>
+              <a:t>2017/3/9</a:t>
             </a:fld>
             <a:endParaRPr kumimoji="1" lang="ja-JP" altLang="en-US"/>
           </a:p>
@@ -4599,8 +4767,13 @@
                 <a:ea typeface="Meiryo UI" panose="020B0604030504040204" pitchFamily="50" charset="-128"/>
                 <a:cs typeface="Meiryo UI" panose="020B0604030504040204" pitchFamily="50" charset="-128"/>
               </a:rPr>
-              <a:t>2017</a:t>
-            </a:r>
+              <a:t>2017/3</a:t>
+            </a:r>
+            <a:endParaRPr kumimoji="1" lang="en-US" altLang="ja-JP" dirty="0" smtClean="0">
+              <a:latin typeface="Meiryo UI" panose="020B0604030504040204" pitchFamily="50" charset="-128"/>
+              <a:ea typeface="Meiryo UI" panose="020B0604030504040204" pitchFamily="50" charset="-128"/>
+              <a:cs typeface="Meiryo UI" panose="020B0604030504040204" pitchFamily="50" charset="-128"/>
+            </a:endParaRPr>
           </a:p>
           <a:p>
             <a:r>
@@ -8971,19 +9144,23 @@
             </a:pPr>
             <a:r>
               <a:rPr lang="ja-JP" altLang="en-US" sz="4400" dirty="0" smtClean="0"/>
-              <a:t>②ここが嫌だ</a:t>
+              <a:t>②</a:t>
+            </a:r>
+            <a:r>
+              <a:rPr lang="en-US" altLang="ja-JP" sz="4400" dirty="0" smtClean="0"/>
+              <a:t>Excel</a:t>
             </a:r>
             <a:r>
               <a:rPr lang="ja-JP" altLang="en-US" sz="4400" dirty="0" smtClean="0"/>
-              <a:t>よ</a:t>
-            </a:r>
-            <a:r>
-              <a:rPr lang="en-US" altLang="ja-JP" sz="4400" dirty="0" smtClean="0"/>
-              <a:t>MS</a:t>
+              <a:t>のここ</a:t>
             </a:r>
             <a:r>
               <a:rPr lang="ja-JP" altLang="en-US" sz="4400" dirty="0" smtClean="0"/>
-              <a:t>製品</a:t>
+              <a:t>が嫌</a:t>
+            </a:r>
+            <a:r>
+              <a:rPr lang="ja-JP" altLang="en-US" sz="4400" dirty="0" smtClean="0"/>
+              <a:t>だ</a:t>
             </a:r>
             <a:endParaRPr lang="en-US" altLang="ja-JP" sz="4400" dirty="0" smtClean="0"/>
           </a:p>
@@ -10279,15 +10456,7 @@
             </a:r>
             <a:r>
               <a:rPr lang="ja-JP" altLang="en-US" dirty="0" smtClean="0"/>
-              <a:t>支援</a:t>
-            </a:r>
-            <a:r>
-              <a:rPr lang="ja-JP" altLang="en-US" dirty="0" smtClean="0"/>
-              <a:t>に</a:t>
-            </a:r>
-            <a:r>
-              <a:rPr lang="ja-JP" altLang="en-US" dirty="0" smtClean="0"/>
-              <a:t>行きました。大塚（東池袋）</a:t>
+              <a:t>支援に行きました。大塚（東池袋）</a:t>
             </a:r>
             <a:endParaRPr lang="en-US" altLang="ja-JP" dirty="0" smtClean="0"/>
           </a:p>
@@ -10303,11 +10472,45 @@
             </a:pPr>
             <a:r>
               <a:rPr lang="ja-JP" altLang="en-US" dirty="0"/>
+              <a:t>■</a:t>
+            </a:r>
+            <a:r>
+              <a:rPr lang="ja-JP" altLang="en-US" dirty="0" smtClean="0"/>
               <a:t>作業</a:t>
             </a:r>
             <a:r>
               <a:rPr lang="ja-JP" altLang="en-US" dirty="0" smtClean="0"/>
-              <a:t>内容（要約）：</a:t>
+              <a:t>内容（要約</a:t>
+            </a:r>
+            <a:r>
+              <a:rPr lang="ja-JP" altLang="en-US" dirty="0" smtClean="0"/>
+              <a:t>）</a:t>
+            </a:r>
+            <a:endParaRPr lang="en-US" altLang="ja-JP" dirty="0" smtClean="0"/>
+          </a:p>
+          <a:p>
+            <a:pPr marL="82296" indent="0">
+              <a:buNone/>
+            </a:pPr>
+            <a:r>
+              <a:rPr lang="ja-JP" altLang="en-US" dirty="0"/>
+              <a:t>　約</a:t>
+            </a:r>
+            <a:r>
+              <a:rPr lang="ja-JP" altLang="en-US" dirty="0" smtClean="0"/>
+              <a:t>２万ページある</a:t>
+            </a:r>
+            <a:r>
+              <a:rPr lang="en-US" altLang="ja-JP" dirty="0" smtClean="0"/>
+              <a:t>Excel</a:t>
+            </a:r>
+            <a:r>
+              <a:rPr lang="ja-JP" altLang="en-US" dirty="0"/>
+              <a:t>設計書</a:t>
+            </a:r>
+            <a:r>
+              <a:rPr lang="ja-JP" altLang="en-US" dirty="0" smtClean="0"/>
+              <a:t>の</a:t>
             </a:r>
             <a:endParaRPr lang="en-US" altLang="ja-JP" dirty="0" smtClean="0"/>
           </a:p>
@@ -10320,42 +10523,36 @@
               <a:t>　</a:t>
             </a:r>
             <a:r>
+              <a:rPr lang="ja-JP" altLang="en-US" dirty="0" smtClean="0"/>
+              <a:t>見</a:t>
+            </a:r>
+            <a:r>
               <a:rPr lang="ja-JP" altLang="en-US" dirty="0"/>
-              <a:t>約</a:t>
-            </a:r>
-            <a:r>
-              <a:rPr lang="ja-JP" altLang="en-US" dirty="0" smtClean="0"/>
-              <a:t>２万ページある</a:t>
-            </a:r>
+              <a:t>切れチェック＆修正⇒印刷</a:t>
+            </a:r>
+            <a:r>
+              <a:rPr lang="ja-JP" altLang="en-US" dirty="0" smtClean="0"/>
+              <a:t>。</a:t>
+            </a:r>
+            <a:endParaRPr lang="en-US" altLang="ja-JP" dirty="0" smtClean="0"/>
+          </a:p>
+          <a:p>
+            <a:pPr marL="82296" indent="0">
+              <a:buNone/>
+            </a:pPr>
+            <a:endParaRPr lang="en-US" altLang="ja-JP" dirty="0"/>
+          </a:p>
+          <a:p>
+            <a:pPr marL="82296" indent="0">
+              <a:buNone/>
+            </a:pPr>
             <a:r>
               <a:rPr lang="en-US" altLang="ja-JP" dirty="0" smtClean="0"/>
               <a:t>Excel</a:t>
             </a:r>
             <a:r>
-              <a:rPr lang="ja-JP" altLang="en-US" dirty="0"/>
-              <a:t>設計書</a:t>
-            </a:r>
-            <a:r>
-              <a:rPr lang="ja-JP" altLang="en-US" dirty="0" smtClean="0"/>
-              <a:t>の</a:t>
-            </a:r>
-            <a:endParaRPr lang="en-US" altLang="ja-JP" dirty="0" smtClean="0"/>
-          </a:p>
-          <a:p>
-            <a:pPr marL="82296" indent="0">
-              <a:buNone/>
-            </a:pPr>
-            <a:r>
-              <a:rPr lang="ja-JP" altLang="en-US" dirty="0"/>
-              <a:t>　</a:t>
-            </a:r>
-            <a:r>
-              <a:rPr lang="ja-JP" altLang="en-US" dirty="0" smtClean="0"/>
-              <a:t>見</a:t>
-            </a:r>
-            <a:r>
-              <a:rPr lang="ja-JP" altLang="en-US" dirty="0"/>
-              <a:t>切れチェック＆修正⇒印刷。</a:t>
+              <a:rPr lang="ja-JP" altLang="en-US" dirty="0" smtClean="0"/>
+              <a:t>様とたっぷり触れ合いました！</a:t>
             </a:r>
             <a:endParaRPr lang="en-US" altLang="ja-JP" dirty="0" smtClean="0"/>
           </a:p>
@@ -10415,7 +10612,7 @@
           <a:p>
             <a:r>
               <a:rPr kumimoji="1" lang="ja-JP" altLang="en-US" dirty="0" smtClean="0"/>
-              <a:t>前回の感想</a:t>
+              <a:t>おもな観点</a:t>
             </a:r>
             <a:endParaRPr kumimoji="1" lang="ja-JP" altLang="en-US" dirty="0"/>
           </a:p>
@@ -10423,7 +10620,7 @@
       </p:sp>
       <p:sp>
         <p:nvSpPr>
-          <p:cNvPr id="6" name="コンテンツ プレースホルダー 2"/>
+          <p:cNvPr id="3" name="コンテンツ プレースホルダー 2"/>
           <p:cNvSpPr>
             <a:spLocks noGrp="1"/>
           </p:cNvSpPr>
@@ -10433,8 +10630,8 @@
         </p:nvSpPr>
         <p:spPr>
           <a:xfrm>
-            <a:off x="1043608" y="1447800"/>
-            <a:ext cx="7890080" cy="5077544"/>
+            <a:off x="1115616" y="1124744"/>
+            <a:ext cx="8028384" cy="5544616"/>
           </a:xfrm>
         </p:spPr>
         <p:txBody>
@@ -10443,106 +10640,105 @@
           </a:bodyPr>
           <a:lstStyle/>
           <a:p>
-            <a:r>
-              <a:rPr kumimoji="1" lang="en-US" altLang="ja-JP" dirty="0" smtClean="0"/>
-              <a:t>Scheme</a:t>
-            </a:r>
-            <a:r>
-              <a:rPr kumimoji="1" lang="ja-JP" altLang="en-US" dirty="0" smtClean="0"/>
-              <a:t>言語難しい</a:t>
-            </a:r>
-            <a:endParaRPr kumimoji="1" lang="en-US" altLang="ja-JP" dirty="0" smtClean="0"/>
-          </a:p>
-          <a:p>
+            <a:pPr marL="82296" indent="0">
+              <a:buNone/>
+            </a:pPr>
+            <a:r>
+              <a:rPr lang="ja-JP" altLang="en-US" dirty="0" smtClean="0"/>
+              <a:t>・ヘッダーのタイトル名が誤字</a:t>
+            </a:r>
             <a:endParaRPr lang="en-US" altLang="ja-JP" dirty="0"/>
           </a:p>
           <a:p>
-            <a:r>
-              <a:rPr lang="en-US" altLang="ja-JP" dirty="0"/>
-              <a:t>GIMP</a:t>
-            </a:r>
-            <a:r>
-              <a:rPr lang="ja-JP" altLang="en-US" dirty="0" err="1"/>
-              <a:t>に登</a:t>
-            </a:r>
-            <a:r>
-              <a:rPr lang="ja-JP" altLang="en-US" dirty="0"/>
-              <a:t>録するための呪文が</a:t>
-            </a:r>
-            <a:r>
-              <a:rPr lang="ja-JP" altLang="en-US" dirty="0" smtClean="0"/>
-              <a:t>長い</a:t>
-            </a:r>
-            <a:endParaRPr kumimoji="1" lang="en-US" altLang="ja-JP" dirty="0" smtClean="0"/>
-          </a:p>
-          <a:p>
+            <a:pPr marL="82296" indent="0">
+              <a:buNone/>
+            </a:pPr>
+            <a:r>
+              <a:rPr lang="ja-JP" altLang="en-US" dirty="0" smtClean="0"/>
+              <a:t>・二重線は全て太線に修正</a:t>
+            </a:r>
+            <a:endParaRPr lang="en-US" altLang="ja-JP" dirty="0"/>
+          </a:p>
+          <a:p>
+            <a:pPr marL="82296" indent="0">
+              <a:buNone/>
+            </a:pPr>
+            <a:r>
+              <a:rPr lang="ja-JP" altLang="en-US" dirty="0" smtClean="0"/>
+              <a:t>・本文のフォントを統一する</a:t>
+            </a:r>
+            <a:r>
+              <a:rPr lang="en-US" altLang="ja-JP" dirty="0" smtClean="0"/>
+              <a:t>(MS P</a:t>
+            </a:r>
+            <a:r>
+              <a:rPr lang="ja-JP" altLang="en-US" dirty="0" smtClean="0"/>
+              <a:t>明朝 </a:t>
+            </a:r>
+            <a:r>
+              <a:rPr lang="en-US" altLang="ja-JP" dirty="0" smtClean="0"/>
+              <a:t>12pt)</a:t>
+            </a:r>
+          </a:p>
+          <a:p>
+            <a:pPr marL="82296" indent="0">
+              <a:buNone/>
+            </a:pPr>
+            <a:r>
+              <a:rPr lang="ja-JP" altLang="en-US" dirty="0" smtClean="0"/>
+              <a:t>・フッターにはページ番号を設定</a:t>
+            </a:r>
+            <a:endParaRPr lang="en-US" altLang="ja-JP" dirty="0"/>
+          </a:p>
+          <a:p>
+            <a:pPr marL="82296" indent="0">
+              <a:buNone/>
+            </a:pPr>
+            <a:r>
+              <a:rPr lang="ja-JP" altLang="en-US" dirty="0" smtClean="0"/>
+              <a:t>・改ページ位置のずれがある</a:t>
+            </a:r>
             <a:endParaRPr lang="en-US" altLang="ja-JP" dirty="0" smtClean="0"/>
           </a:p>
           <a:p>
-            <a:r>
-              <a:rPr lang="ja-JP" altLang="en-US" dirty="0" smtClean="0"/>
-              <a:t>もうちょっと調べてみたい</a:t>
+            <a:pPr marL="82296" indent="0">
+              <a:buNone/>
+            </a:pPr>
+            <a:r>
+              <a:rPr lang="ja-JP" altLang="en-US" dirty="0" smtClean="0"/>
+              <a:t>・文字がセルからはみ出て欠けている</a:t>
+            </a:r>
+            <a:endParaRPr lang="en-US" altLang="ja-JP" dirty="0" smtClean="0"/>
+          </a:p>
+          <a:p>
+            <a:pPr marL="82296" indent="0">
+              <a:buNone/>
+            </a:pPr>
+            <a:r>
+              <a:rPr lang="ja-JP" altLang="en-US" dirty="0" smtClean="0"/>
+              <a:t>・グレー以外のセル塗りつぶしは解除</a:t>
             </a:r>
             <a:endParaRPr lang="en-US" altLang="ja-JP" dirty="0"/>
-          </a:p>
-        </p:txBody>
-      </p:sp>
-      <p:sp>
-        <p:nvSpPr>
-          <p:cNvPr id="3" name="円/楕円 2"/>
-          <p:cNvSpPr/>
-          <p:nvPr/>
-        </p:nvSpPr>
-        <p:spPr>
-          <a:xfrm>
-            <a:off x="899592" y="3573016"/>
-            <a:ext cx="4680520" cy="864096"/>
-          </a:xfrm>
-          <a:prstGeom prst="ellipse">
-            <a:avLst/>
-          </a:prstGeom>
-          <a:noFill/>
-          <a:ln w="38100">
-            <a:solidFill>
-              <a:srgbClr val="FF0000"/>
-            </a:solidFill>
-          </a:ln>
-        </p:spPr>
-        <p:style>
-          <a:lnRef idx="2">
-            <a:schemeClr val="accent1">
-              <a:shade val="50000"/>
-            </a:schemeClr>
-          </a:lnRef>
-          <a:fillRef idx="1">
-            <a:schemeClr val="accent1"/>
-          </a:fillRef>
-          <a:effectRef idx="0">
-            <a:schemeClr val="accent1"/>
-          </a:effectRef>
-          <a:fontRef idx="minor">
-            <a:schemeClr val="lt1"/>
-          </a:fontRef>
-        </p:style>
-        <p:txBody>
-          <a:bodyPr rtlCol="0" anchor="ctr"/>
-          <a:lstStyle/>
-          <a:p>
-            <a:pPr algn="ctr"/>
-            <a:endParaRPr kumimoji="1" lang="ja-JP" altLang="en-US"/>
           </a:p>
         </p:txBody>
       </p:sp>
     </p:spTree>
     <p:extLst>
       <p:ext uri="{BB962C8B-B14F-4D97-AF65-F5344CB8AC3E}">
-        <p14:creationId xmlns:p14="http://schemas.microsoft.com/office/powerpoint/2010/main" val="1456991535"/>
+        <p14:creationId xmlns:p14="http://schemas.microsoft.com/office/powerpoint/2010/main" val="3084257041"/>
       </p:ext>
     </p:extLst>
   </p:cSld>
   <p:clrMapOvr>
     <a:masterClrMapping/>
   </p:clrMapOvr>
+  <p:timing>
+    <p:tnLst>
+      <p:par>
+        <p:cTn id="1" dur="indefinite" restart="never" nodeType="tmRoot"/>
+      </p:par>
+    </p:tnLst>
+  </p:timing>
 </p:sld>
 </file>
 
@@ -10621,7 +10817,15 @@
             </a:pPr>
             <a:r>
               <a:rPr kumimoji="1" lang="ja-JP" altLang="en-US" sz="4400" dirty="0" smtClean="0"/>
-              <a:t>もうちょっと調べてみた</a:t>
+              <a:t>②</a:t>
+            </a:r>
+            <a:r>
+              <a:rPr kumimoji="1" lang="en-US" altLang="ja-JP" sz="4400" dirty="0" smtClean="0"/>
+              <a:t>Excel</a:t>
+            </a:r>
+            <a:r>
+              <a:rPr kumimoji="1" lang="ja-JP" altLang="en-US" sz="4400" dirty="0" smtClean="0"/>
+              <a:t>のここが嫌だ</a:t>
             </a:r>
             <a:endParaRPr kumimoji="1" lang="en-US" altLang="ja-JP" sz="4400" dirty="0" smtClean="0"/>
           </a:p>
@@ -10630,7 +10834,7 @@
     </p:spTree>
     <p:extLst>
       <p:ext uri="{BB962C8B-B14F-4D97-AF65-F5344CB8AC3E}">
-        <p14:creationId xmlns:p14="http://schemas.microsoft.com/office/powerpoint/2010/main" val="3313609342"/>
+        <p14:creationId xmlns:p14="http://schemas.microsoft.com/office/powerpoint/2010/main" val="2706628285"/>
       </p:ext>
     </p:extLst>
   </p:cSld>
@@ -10679,6 +10883,10 @@
           <a:bodyPr/>
           <a:lstStyle/>
           <a:p>
+            <a:r>
+              <a:rPr kumimoji="1" lang="ja-JP" altLang="en-US" dirty="0" smtClean="0"/>
+              <a:t>一括印刷ができない</a:t>
+            </a:r>
             <a:endParaRPr kumimoji="1" lang="ja-JP" altLang="en-US" dirty="0"/>
           </a:p>
         </p:txBody>
@@ -10695,8 +10903,8 @@
         </p:nvSpPr>
         <p:spPr>
           <a:xfrm>
-            <a:off x="899592" y="1447800"/>
-            <a:ext cx="8136904" cy="4069432"/>
+            <a:off x="1115616" y="1124744"/>
+            <a:ext cx="7818072" cy="5733256"/>
           </a:xfrm>
         </p:spPr>
         <p:txBody>
@@ -10705,45 +10913,131 @@
           </a:bodyPr>
           <a:lstStyle/>
           <a:p>
-            <a:pPr marL="82296" indent="0" algn="ctr">
-              <a:buNone/>
-            </a:pPr>
-            <a:endParaRPr kumimoji="1" lang="en-US" altLang="ja-JP" sz="4400" dirty="0" smtClean="0"/>
-          </a:p>
-          <a:p>
-            <a:pPr marL="82296" indent="0" algn="ctr">
-              <a:buNone/>
-            </a:pPr>
-            <a:endParaRPr kumimoji="1" lang="en-US" altLang="ja-JP" sz="4400" dirty="0" smtClean="0"/>
-          </a:p>
-          <a:p>
-            <a:pPr marL="82296" indent="0" algn="ctr">
-              <a:buNone/>
-            </a:pPr>
-            <a:r>
-              <a:rPr kumimoji="1" lang="ja-JP" altLang="en-US" sz="4400" dirty="0" smtClean="0"/>
-              <a:t>②</a:t>
-            </a:r>
-            <a:r>
-              <a:rPr kumimoji="1" lang="en-US" altLang="ja-JP" sz="4400" dirty="0" smtClean="0"/>
-              <a:t>Scheme</a:t>
-            </a:r>
-            <a:r>
-              <a:rPr kumimoji="1" lang="ja-JP" altLang="en-US" sz="4400" dirty="0" err="1" smtClean="0"/>
-              <a:t>って</a:t>
-            </a:r>
-            <a:r>
-              <a:rPr kumimoji="1" lang="ja-JP" altLang="en-US" sz="4400" dirty="0" smtClean="0"/>
-              <a:t>どんな言語？</a:t>
-            </a:r>
-            <a:endParaRPr kumimoji="1" lang="en-US" altLang="ja-JP" sz="4400" dirty="0" smtClean="0"/>
+            <a:pPr marL="82296" indent="0">
+              <a:buNone/>
+            </a:pPr>
+            <a:r>
+              <a:rPr lang="ja-JP" altLang="en-US" dirty="0" smtClean="0"/>
+              <a:t>・</a:t>
+            </a:r>
+            <a:r>
+              <a:rPr lang="ja-JP" altLang="en-US" dirty="0" smtClean="0"/>
+              <a:t>エクスプローラの右クリック→印刷</a:t>
+            </a:r>
+            <a:endParaRPr lang="en-US" altLang="ja-JP" dirty="0"/>
+          </a:p>
+          <a:p>
+            <a:pPr marL="82296" indent="0">
+              <a:buNone/>
+            </a:pPr>
+            <a:r>
+              <a:rPr lang="ja-JP" altLang="en-US" dirty="0" smtClean="0"/>
+              <a:t>　→</a:t>
+            </a:r>
+            <a:r>
+              <a:rPr lang="ja-JP" altLang="en-US" b="1" dirty="0" smtClean="0"/>
+              <a:t>１シート目しか印刷されない</a:t>
+            </a:r>
+            <a:endParaRPr lang="en-US" altLang="ja-JP" b="1" dirty="0" smtClean="0"/>
+          </a:p>
+          <a:p>
+            <a:pPr marL="82296" indent="0">
+              <a:buNone/>
+            </a:pPr>
+            <a:endParaRPr lang="en-US" altLang="ja-JP" dirty="0"/>
+          </a:p>
+          <a:p>
+            <a:pPr marL="82296" indent="0">
+              <a:buNone/>
+            </a:pPr>
+            <a:r>
+              <a:rPr lang="ja-JP" altLang="en-US" dirty="0" smtClean="0"/>
+              <a:t>・エクスプローラで複数ファイル選択→印刷</a:t>
+            </a:r>
+            <a:endParaRPr lang="en-US" altLang="ja-JP" dirty="0" smtClean="0"/>
+          </a:p>
+          <a:p>
+            <a:pPr marL="82296" indent="0">
+              <a:buNone/>
+            </a:pPr>
+            <a:r>
+              <a:rPr lang="ja-JP" altLang="en-US" dirty="0" smtClean="0"/>
+              <a:t>　→可能なのは</a:t>
+            </a:r>
+            <a:r>
+              <a:rPr lang="en-US" altLang="ja-JP" dirty="0" smtClean="0"/>
+              <a:t>15</a:t>
+            </a:r>
+            <a:r>
+              <a:rPr lang="ja-JP" altLang="en-US" dirty="0" smtClean="0"/>
+              <a:t>ファイルまで</a:t>
+            </a:r>
+            <a:endParaRPr lang="en-US" altLang="ja-JP" dirty="0" smtClean="0"/>
+          </a:p>
+          <a:p>
+            <a:pPr marL="82296" indent="0">
+              <a:buNone/>
+            </a:pPr>
+            <a:endParaRPr lang="en-US" altLang="ja-JP" b="1" dirty="0"/>
+          </a:p>
+          <a:p>
+            <a:pPr marL="82296" indent="0">
+              <a:buNone/>
+            </a:pPr>
+            <a:r>
+              <a:rPr lang="ja-JP" altLang="en-US" dirty="0" smtClean="0"/>
+              <a:t>・ブックを開き、印刷設定で「ブック全体を印刷」</a:t>
+            </a:r>
+            <a:endParaRPr lang="en-US" altLang="ja-JP" dirty="0" smtClean="0"/>
+          </a:p>
+          <a:p>
+            <a:pPr marL="82296" indent="0">
+              <a:buNone/>
+            </a:pPr>
+            <a:r>
+              <a:rPr lang="ja-JP" altLang="en-US" dirty="0"/>
+              <a:t>　</a:t>
+            </a:r>
+            <a:r>
+              <a:rPr lang="ja-JP" altLang="en-US" dirty="0" smtClean="0"/>
+              <a:t>を選択</a:t>
+            </a:r>
+            <a:endParaRPr lang="en-US" altLang="ja-JP" dirty="0" smtClean="0"/>
+          </a:p>
+          <a:p>
+            <a:pPr marL="82296" indent="0">
+              <a:buNone/>
+            </a:pPr>
+            <a:r>
+              <a:rPr lang="ja-JP" altLang="en-US" dirty="0"/>
+              <a:t>　</a:t>
+            </a:r>
+            <a:r>
+              <a:rPr lang="ja-JP" altLang="en-US" dirty="0" smtClean="0"/>
+              <a:t>→全シートが１シートとして印刷される</a:t>
+            </a:r>
+            <a:endParaRPr lang="en-US" altLang="ja-JP" dirty="0" smtClean="0"/>
+          </a:p>
+          <a:p>
+            <a:pPr marL="82296" indent="0">
+              <a:buNone/>
+            </a:pPr>
+            <a:r>
+              <a:rPr lang="ja-JP" altLang="en-US" dirty="0"/>
+              <a:t>　</a:t>
+            </a:r>
+            <a:r>
+              <a:rPr lang="ja-JP" altLang="en-US" dirty="0" smtClean="0"/>
+              <a:t>　（ページ数設定が死亡する）</a:t>
+            </a:r>
+            <a:endParaRPr lang="en-US" altLang="ja-JP" dirty="0"/>
           </a:p>
         </p:txBody>
       </p:sp>
     </p:spTree>
     <p:extLst>
       <p:ext uri="{BB962C8B-B14F-4D97-AF65-F5344CB8AC3E}">
-        <p14:creationId xmlns:p14="http://schemas.microsoft.com/office/powerpoint/2010/main" val="2706628285"/>
+        <p14:creationId xmlns:p14="http://schemas.microsoft.com/office/powerpoint/2010/main" val="1548140014"/>
       </p:ext>
     </p:extLst>
   </p:cSld>
@@ -10793,237 +11087,342 @@
           <a:lstStyle/>
           <a:p>
             <a:r>
-              <a:rPr kumimoji="1" lang="en-US" altLang="ja-JP" dirty="0" smtClean="0"/>
-              <a:t>Lisp</a:t>
+              <a:rPr kumimoji="1" lang="ja-JP" altLang="en-US" dirty="0" smtClean="0"/>
+              <a:t>編集画面とプレビューが違う</a:t>
             </a:r>
             <a:endParaRPr kumimoji="1" lang="ja-JP" altLang="en-US" dirty="0"/>
           </a:p>
         </p:txBody>
       </p:sp>
-      <p:sp>
-        <p:nvSpPr>
-          <p:cNvPr id="3" name="コンテンツ プレースホルダー 2"/>
-          <p:cNvSpPr>
-            <a:spLocks noGrp="1"/>
-          </p:cNvSpPr>
+      <p:pic>
+        <p:nvPicPr>
+          <p:cNvPr id="5" name="コンテンツ プレースホルダー 4"/>
+          <p:cNvPicPr>
+            <a:picLocks noGrp="1" noChangeAspect="1"/>
+          </p:cNvPicPr>
           <p:nvPr>
             <p:ph idx="1"/>
           </p:nvPr>
+        </p:nvPicPr>
+        <p:blipFill>
+          <a:blip r:embed="rId2">
+            <a:extLst>
+              <a:ext uri="{28A0092B-C50C-407E-A947-70E740481C1C}">
+                <a14:useLocalDpi xmlns:a14="http://schemas.microsoft.com/office/drawing/2010/main" val="0"/>
+              </a:ext>
+            </a:extLst>
+          </a:blip>
+          <a:stretch>
+            <a:fillRect/>
+          </a:stretch>
+        </p:blipFill>
+        <p:spPr>
+          <a:xfrm>
+            <a:off x="1435100" y="1772816"/>
+            <a:ext cx="7499350" cy="1836705"/>
+          </a:xfrm>
+        </p:spPr>
+      </p:pic>
+      <p:pic>
+        <p:nvPicPr>
+          <p:cNvPr id="6" name="図 5"/>
+          <p:cNvPicPr>
+            <a:picLocks noChangeAspect="1"/>
+          </p:cNvPicPr>
+          <p:nvPr/>
+        </p:nvPicPr>
+        <p:blipFill>
+          <a:blip r:embed="rId3">
+            <a:extLst>
+              <a:ext uri="{28A0092B-C50C-407E-A947-70E740481C1C}">
+                <a14:useLocalDpi xmlns:a14="http://schemas.microsoft.com/office/drawing/2010/main" val="0"/>
+              </a:ext>
+            </a:extLst>
+          </a:blip>
+          <a:stretch>
+            <a:fillRect/>
+          </a:stretch>
+        </p:blipFill>
+        <p:spPr>
+          <a:xfrm>
+            <a:off x="1403648" y="4653136"/>
+            <a:ext cx="7649643" cy="2000529"/>
+          </a:xfrm>
+          <a:prstGeom prst="rect">
+            <a:avLst/>
+          </a:prstGeom>
+        </p:spPr>
+      </p:pic>
+      <p:sp>
+        <p:nvSpPr>
+          <p:cNvPr id="7" name="コンテンツ プレースホルダー 2"/>
+          <p:cNvSpPr txBox="1">
+            <a:spLocks/>
+          </p:cNvSpPr>
+          <p:nvPr/>
         </p:nvSpPr>
         <p:spPr>
           <a:xfrm>
             <a:off x="1115616" y="1124744"/>
             <a:ext cx="7818072" cy="5544616"/>
           </a:xfrm>
+          <a:prstGeom prst="rect">
+            <a:avLst/>
+          </a:prstGeom>
         </p:spPr>
         <p:txBody>
           <a:bodyPr>
             <a:normAutofit/>
           </a:bodyPr>
-          <a:lstStyle/>
-          <a:p>
-            <a:pPr marL="82296" indent="0">
-              <a:buNone/>
-            </a:pPr>
-            <a:r>
-              <a:rPr lang="ja-JP" altLang="en-US" dirty="0" smtClean="0"/>
-              <a:t>・</a:t>
-            </a:r>
-            <a:r>
-              <a:rPr lang="en-US" altLang="ja-JP" b="1" dirty="0" err="1" smtClean="0"/>
-              <a:t>LIS</a:t>
-            </a:r>
-            <a:r>
-              <a:rPr lang="en-US" altLang="ja-JP" dirty="0" err="1" smtClean="0"/>
-              <a:t>t</a:t>
-            </a:r>
-            <a:r>
-              <a:rPr lang="en-US" altLang="ja-JP" dirty="0" smtClean="0"/>
-              <a:t> </a:t>
-            </a:r>
-            <a:r>
-              <a:rPr lang="en-US" altLang="ja-JP" b="1" dirty="0" smtClean="0"/>
-              <a:t>P</a:t>
-            </a:r>
-            <a:r>
-              <a:rPr lang="en-US" altLang="ja-JP" dirty="0" smtClean="0"/>
-              <a:t>rocessing</a:t>
-            </a:r>
-          </a:p>
-          <a:p>
-            <a:pPr marL="82296" indent="0">
-              <a:buNone/>
-            </a:pPr>
-            <a:r>
-              <a:rPr lang="en-US" altLang="ja-JP" sz="2000" strike="sngStrike" dirty="0"/>
-              <a:t>Lots of Insane Stupid </a:t>
-            </a:r>
-            <a:r>
-              <a:rPr lang="en-US" altLang="ja-JP" sz="2000" strike="sngStrike" dirty="0" smtClean="0"/>
-              <a:t>Parenthesis(</a:t>
-            </a:r>
-            <a:r>
-              <a:rPr lang="ja-JP" altLang="en-US" sz="2000" strike="sngStrike" dirty="0" smtClean="0"/>
-              <a:t>アホみたいな括弧の山</a:t>
-            </a:r>
-            <a:r>
-              <a:rPr lang="en-US" altLang="ja-JP" sz="2000" strike="sngStrike" dirty="0" smtClean="0"/>
-              <a:t>)</a:t>
-            </a:r>
-          </a:p>
-          <a:p>
-            <a:pPr marL="82296" indent="0">
+          <a:lstStyle>
+            <a:lvl1pPr marL="365760" indent="-283464" algn="l" rtl="0" eaLnBrk="1" latinLnBrk="0" hangingPunct="1">
+              <a:lnSpc>
+                <a:spcPct val="100000"/>
+              </a:lnSpc>
+              <a:spcBef>
+                <a:spcPts val="600"/>
+              </a:spcBef>
+              <a:buClr>
+                <a:schemeClr val="accent1"/>
+              </a:buClr>
+              <a:buSzPct val="80000"/>
+              <a:buFont typeface="Wingdings 2"/>
+              <a:buChar char=""/>
+              <a:defRPr kumimoji="1" sz="3200" kern="1200">
+                <a:solidFill>
+                  <a:schemeClr val="tx1"/>
+                </a:solidFill>
+                <a:latin typeface="+mn-lt"/>
+                <a:ea typeface="+mn-ea"/>
+                <a:cs typeface="+mn-cs"/>
+              </a:defRPr>
+            </a:lvl1pPr>
+            <a:lvl2pPr marL="640080" indent="-237744" algn="l" rtl="0" eaLnBrk="1" latinLnBrk="0" hangingPunct="1">
+              <a:lnSpc>
+                <a:spcPct val="100000"/>
+              </a:lnSpc>
+              <a:spcBef>
+                <a:spcPts val="550"/>
+              </a:spcBef>
+              <a:buClr>
+                <a:schemeClr val="accent1"/>
+              </a:buClr>
+              <a:buFont typeface="Verdana"/>
+              <a:buChar char="◦"/>
+              <a:defRPr kumimoji="1" sz="2800" kern="1200">
+                <a:solidFill>
+                  <a:schemeClr val="tx1"/>
+                </a:solidFill>
+                <a:latin typeface="+mn-lt"/>
+                <a:ea typeface="+mn-ea"/>
+                <a:cs typeface="+mn-cs"/>
+              </a:defRPr>
+            </a:lvl2pPr>
+            <a:lvl3pPr marL="886968" indent="-228600" algn="l" rtl="0" eaLnBrk="1" latinLnBrk="0" hangingPunct="1">
+              <a:lnSpc>
+                <a:spcPct val="100000"/>
+              </a:lnSpc>
+              <a:spcBef>
+                <a:spcPct val="20000"/>
+              </a:spcBef>
+              <a:buClr>
+                <a:schemeClr val="accent2"/>
+              </a:buClr>
+              <a:buFont typeface="Wingdings 2"/>
+              <a:buChar char=""/>
+              <a:defRPr kumimoji="1" sz="2400" kern="1200">
+                <a:solidFill>
+                  <a:schemeClr val="tx1"/>
+                </a:solidFill>
+                <a:latin typeface="+mn-lt"/>
+                <a:ea typeface="+mn-ea"/>
+                <a:cs typeface="+mn-cs"/>
+              </a:defRPr>
+            </a:lvl3pPr>
+            <a:lvl4pPr marL="1097280" indent="-173736" algn="l" rtl="0" eaLnBrk="1" latinLnBrk="0" hangingPunct="1">
+              <a:lnSpc>
+                <a:spcPct val="100000"/>
+              </a:lnSpc>
+              <a:spcBef>
+                <a:spcPct val="20000"/>
+              </a:spcBef>
+              <a:buClr>
+                <a:schemeClr val="accent3"/>
+              </a:buClr>
+              <a:buFont typeface="Wingdings 2"/>
+              <a:buChar char=""/>
+              <a:defRPr kumimoji="1" sz="2000" kern="1200">
+                <a:solidFill>
+                  <a:schemeClr val="tx1"/>
+                </a:solidFill>
+                <a:latin typeface="+mn-lt"/>
+                <a:ea typeface="+mn-ea"/>
+                <a:cs typeface="+mn-cs"/>
+              </a:defRPr>
+            </a:lvl4pPr>
+            <a:lvl5pPr marL="1298448" indent="-182880" algn="l" rtl="0" eaLnBrk="1" latinLnBrk="0" hangingPunct="1">
+              <a:lnSpc>
+                <a:spcPct val="100000"/>
+              </a:lnSpc>
+              <a:spcBef>
+                <a:spcPct val="20000"/>
+              </a:spcBef>
+              <a:buClr>
+                <a:schemeClr val="accent4"/>
+              </a:buClr>
+              <a:buFont typeface="Wingdings 2"/>
+              <a:buChar char=""/>
+              <a:defRPr kumimoji="1" sz="2000" kern="1200">
+                <a:solidFill>
+                  <a:schemeClr val="tx1"/>
+                </a:solidFill>
+                <a:latin typeface="+mn-lt"/>
+                <a:ea typeface="+mn-ea"/>
+                <a:cs typeface="+mn-cs"/>
+              </a:defRPr>
+            </a:lvl5pPr>
+            <a:lvl6pPr marL="1508760" indent="-182880" algn="l" rtl="0" eaLnBrk="1" latinLnBrk="0" hangingPunct="1">
+              <a:lnSpc>
+                <a:spcPct val="100000"/>
+              </a:lnSpc>
+              <a:spcBef>
+                <a:spcPct val="20000"/>
+              </a:spcBef>
+              <a:buClr>
+                <a:schemeClr val="accent5"/>
+              </a:buClr>
+              <a:buFont typeface="Wingdings 2"/>
+              <a:buChar char=""/>
+              <a:defRPr kumimoji="1" sz="2000" kern="1200">
+                <a:solidFill>
+                  <a:schemeClr val="tx1"/>
+                </a:solidFill>
+                <a:latin typeface="+mn-lt"/>
+                <a:ea typeface="+mn-ea"/>
+                <a:cs typeface="+mn-cs"/>
+              </a:defRPr>
+            </a:lvl6pPr>
+            <a:lvl7pPr marL="1719072" indent="-182880" algn="l" rtl="0" eaLnBrk="1" latinLnBrk="0" hangingPunct="1">
+              <a:lnSpc>
+                <a:spcPct val="100000"/>
+              </a:lnSpc>
+              <a:spcBef>
+                <a:spcPct val="20000"/>
+              </a:spcBef>
+              <a:buClr>
+                <a:schemeClr val="accent6"/>
+              </a:buClr>
+              <a:buFont typeface="Wingdings 2"/>
+              <a:buChar char=""/>
+              <a:defRPr kumimoji="1" sz="2000" kern="1200">
+                <a:solidFill>
+                  <a:schemeClr val="tx1"/>
+                </a:solidFill>
+                <a:latin typeface="+mn-lt"/>
+                <a:ea typeface="+mn-ea"/>
+                <a:cs typeface="+mn-cs"/>
+              </a:defRPr>
+            </a:lvl7pPr>
+            <a:lvl8pPr marL="1920240" indent="-182880" algn="l" rtl="0" eaLnBrk="1" latinLnBrk="0" hangingPunct="1">
+              <a:lnSpc>
+                <a:spcPct val="100000"/>
+              </a:lnSpc>
+              <a:spcBef>
+                <a:spcPct val="20000"/>
+              </a:spcBef>
+              <a:buClr>
+                <a:schemeClr val="accent6"/>
+              </a:buClr>
+              <a:buFont typeface="Wingdings 2"/>
+              <a:buChar char=""/>
+              <a:defRPr kumimoji="1" sz="2000" kern="1200">
+                <a:solidFill>
+                  <a:schemeClr val="tx1"/>
+                </a:solidFill>
+                <a:latin typeface="+mn-lt"/>
+                <a:ea typeface="+mn-ea"/>
+                <a:cs typeface="+mn-cs"/>
+              </a:defRPr>
+            </a:lvl8pPr>
+            <a:lvl9pPr marL="2130552" indent="-182880" algn="l" rtl="0" eaLnBrk="1" latinLnBrk="0" hangingPunct="1">
+              <a:lnSpc>
+                <a:spcPct val="100000"/>
+              </a:lnSpc>
+              <a:spcBef>
+                <a:spcPct val="20000"/>
+              </a:spcBef>
+              <a:buClr>
+                <a:schemeClr val="accent6"/>
+              </a:buClr>
+              <a:buFont typeface="Wingdings 2"/>
+              <a:buChar char=""/>
+              <a:defRPr kumimoji="1" sz="2000" kern="1200">
+                <a:solidFill>
+                  <a:schemeClr val="tx1"/>
+                </a:solidFill>
+                <a:latin typeface="+mn-lt"/>
+                <a:ea typeface="+mn-ea"/>
+                <a:cs typeface="+mn-cs"/>
+              </a:defRPr>
+            </a:lvl9pPr>
+            <a:extLst/>
+          </a:lstStyle>
+          <a:p>
+            <a:pPr marL="82296" indent="0">
+              <a:buFont typeface="Wingdings 2"/>
+              <a:buNone/>
+            </a:pPr>
+            <a:r>
+              <a:rPr lang="ja-JP" altLang="en-US" dirty="0" smtClean="0"/>
+              <a:t>・編集画面</a:t>
+            </a:r>
+            <a:endParaRPr lang="en-US" altLang="ja-JP" dirty="0" smtClean="0"/>
+          </a:p>
+          <a:p>
+            <a:pPr marL="82296" indent="0">
+              <a:buFont typeface="Wingdings 2"/>
+              <a:buNone/>
+            </a:pPr>
+            <a:endParaRPr lang="en-US" altLang="ja-JP" dirty="0" smtClean="0"/>
+          </a:p>
+          <a:p>
+            <a:pPr marL="82296" indent="0">
+              <a:buFont typeface="Wingdings 2"/>
               <a:buNone/>
             </a:pPr>
             <a:endParaRPr lang="en-US" altLang="ja-JP" dirty="0"/>
           </a:p>
           <a:p>
             <a:pPr marL="82296" indent="0">
-              <a:buNone/>
-            </a:pPr>
-            <a:r>
-              <a:rPr lang="ja-JP" altLang="en-US" dirty="0" smtClean="0"/>
-              <a:t>・現在使われる高級言語では</a:t>
-            </a:r>
+              <a:buFont typeface="Wingdings 2"/>
+              <a:buNone/>
+            </a:pPr>
             <a:endParaRPr lang="en-US" altLang="ja-JP" dirty="0" smtClean="0"/>
           </a:p>
           <a:p>
             <a:pPr marL="82296" indent="0">
-              <a:buNone/>
-            </a:pPr>
-            <a:r>
-              <a:rPr lang="ja-JP" altLang="en-US" dirty="0"/>
-              <a:t>　</a:t>
-            </a:r>
-            <a:r>
-              <a:rPr lang="en-US" altLang="ja-JP" dirty="0" smtClean="0"/>
-              <a:t>Fortran</a:t>
-            </a:r>
-            <a:r>
-              <a:rPr lang="ja-JP" altLang="en-US" dirty="0" smtClean="0"/>
-              <a:t>に次いで古い言語</a:t>
+              <a:buFont typeface="Wingdings 2"/>
+              <a:buNone/>
+            </a:pPr>
+            <a:endParaRPr lang="en-US" altLang="ja-JP" dirty="0"/>
+          </a:p>
+          <a:p>
+            <a:pPr marL="82296" indent="0">
+              <a:buFont typeface="Wingdings 2"/>
+              <a:buNone/>
+            </a:pPr>
+            <a:r>
+              <a:rPr lang="ja-JP" altLang="en-US" dirty="0" smtClean="0"/>
+              <a:t>・印刷プレビュー</a:t>
             </a:r>
             <a:endParaRPr lang="en-US" altLang="ja-JP" dirty="0" smtClean="0"/>
-          </a:p>
-          <a:p>
-            <a:pPr marL="82296" indent="0">
-              <a:buNone/>
-            </a:pPr>
-            <a:r>
-              <a:rPr lang="en-US" altLang="ja-JP" dirty="0" smtClean="0"/>
-              <a:t>(Fortran:1957</a:t>
-            </a:r>
-            <a:r>
-              <a:rPr lang="ja-JP" altLang="en-US" dirty="0" smtClean="0"/>
-              <a:t>年</a:t>
-            </a:r>
-            <a:r>
-              <a:rPr lang="en-US" altLang="ja-JP" dirty="0" smtClean="0"/>
-              <a:t>  Lisp:1958</a:t>
-            </a:r>
-            <a:r>
-              <a:rPr lang="ja-JP" altLang="en-US" dirty="0" smtClean="0"/>
-              <a:t>年</a:t>
-            </a:r>
-            <a:r>
-              <a:rPr lang="en-US" altLang="ja-JP" dirty="0" smtClean="0"/>
-              <a:t>)</a:t>
-            </a:r>
-          </a:p>
-          <a:p>
-            <a:pPr marL="82296" indent="0">
-              <a:buNone/>
-            </a:pPr>
-            <a:r>
-              <a:rPr lang="en-US" altLang="ja-JP" sz="1800" dirty="0" smtClean="0"/>
-              <a:t>(</a:t>
-            </a:r>
-            <a:r>
-              <a:rPr lang="ja-JP" altLang="en-US" sz="1800" dirty="0" smtClean="0"/>
-              <a:t>ちなみに</a:t>
-            </a:r>
-            <a:r>
-              <a:rPr lang="en-US" altLang="ja-JP" sz="1800" dirty="0" smtClean="0"/>
-              <a:t>COBOL</a:t>
-            </a:r>
-            <a:r>
-              <a:rPr lang="ja-JP" altLang="en-US" sz="1800" dirty="0" smtClean="0"/>
-              <a:t>は</a:t>
-            </a:r>
-            <a:r>
-              <a:rPr lang="en-US" altLang="ja-JP" sz="1800" dirty="0" smtClean="0"/>
-              <a:t>1959~60</a:t>
-            </a:r>
-            <a:r>
-              <a:rPr lang="ja-JP" altLang="en-US" sz="1800" dirty="0" smtClean="0"/>
-              <a:t>年</a:t>
-            </a:r>
-            <a:r>
-              <a:rPr lang="en-US" altLang="ja-JP" sz="1800" dirty="0" smtClean="0"/>
-              <a:t>)</a:t>
-            </a:r>
-            <a:endParaRPr lang="en-US" altLang="ja-JP" dirty="0" smtClean="0"/>
-          </a:p>
-          <a:p>
-            <a:pPr marL="82296" indent="0">
-              <a:buNone/>
-            </a:pPr>
-            <a:endParaRPr lang="en-US" altLang="ja-JP" dirty="0" smtClean="0"/>
-          </a:p>
-          <a:p>
-            <a:pPr marL="82296" indent="0">
-              <a:buNone/>
-            </a:pPr>
-            <a:r>
-              <a:rPr lang="ja-JP" altLang="en-US" dirty="0" smtClean="0"/>
-              <a:t>・</a:t>
-            </a:r>
-            <a:r>
-              <a:rPr lang="en-US" altLang="ja-JP" b="1" dirty="0" smtClean="0"/>
-              <a:t>S</a:t>
-            </a:r>
-            <a:r>
-              <a:rPr lang="ja-JP" altLang="en-US" b="1" dirty="0" smtClean="0"/>
-              <a:t>式</a:t>
-            </a:r>
-            <a:r>
-              <a:rPr lang="ja-JP" altLang="en-US" dirty="0" smtClean="0"/>
-              <a:t>と前置記法</a:t>
-            </a:r>
-            <a:r>
-              <a:rPr lang="en-US" altLang="ja-JP" dirty="0" smtClean="0"/>
-              <a:t>(</a:t>
-            </a:r>
-            <a:r>
-              <a:rPr lang="ja-JP" altLang="en-US" dirty="0" smtClean="0"/>
-              <a:t>ポーランド記法</a:t>
-            </a:r>
-            <a:r>
-              <a:rPr lang="en-US" altLang="ja-JP" dirty="0" smtClean="0"/>
-              <a:t>)</a:t>
-            </a:r>
-            <a:r>
-              <a:rPr lang="ja-JP" altLang="en-US" dirty="0" smtClean="0"/>
-              <a:t>が特徴</a:t>
-            </a:r>
-            <a:endParaRPr lang="en-US" altLang="ja-JP" dirty="0" smtClean="0"/>
-          </a:p>
-          <a:p>
-            <a:pPr marL="82296" indent="0">
-              <a:buNone/>
-            </a:pPr>
-            <a:r>
-              <a:rPr lang="ja-JP" altLang="en-US" dirty="0"/>
-              <a:t>　</a:t>
-            </a:r>
-            <a:endParaRPr lang="en-US" altLang="ja-JP" dirty="0"/>
           </a:p>
         </p:txBody>
       </p:sp>
     </p:spTree>
     <p:extLst>
       <p:ext uri="{BB962C8B-B14F-4D97-AF65-F5344CB8AC3E}">
-        <p14:creationId xmlns:p14="http://schemas.microsoft.com/office/powerpoint/2010/main" val="1548140014"/>
+        <p14:creationId xmlns:p14="http://schemas.microsoft.com/office/powerpoint/2010/main" val="4120712808"/>
       </p:ext>
     </p:extLst>
   </p:cSld>
@@ -11299,4 +11698,289 @@
   <a:objectDefaults/>
   <a:extraClrSchemeLst/>
 </a:theme>
+</file>
+
+<file path=ppt/theme/theme2.xml><?xml version="1.0" encoding="utf-8"?>
+<a:theme xmlns:a="http://schemas.openxmlformats.org/drawingml/2006/main" name="Office ​​テーマ">
+  <a:themeElements>
+    <a:clrScheme name="Office">
+      <a:dk1>
+        <a:sysClr val="windowText" lastClr="000000"/>
+      </a:dk1>
+      <a:lt1>
+        <a:sysClr val="window" lastClr="FFFFFF"/>
+      </a:lt1>
+      <a:dk2>
+        <a:srgbClr val="1F497D"/>
+      </a:dk2>
+      <a:lt2>
+        <a:srgbClr val="EEECE1"/>
+      </a:lt2>
+      <a:accent1>
+        <a:srgbClr val="4F81BD"/>
+      </a:accent1>
+      <a:accent2>
+        <a:srgbClr val="C0504D"/>
+      </a:accent2>
+      <a:accent3>
+        <a:srgbClr val="9BBB59"/>
+      </a:accent3>
+      <a:accent4>
+        <a:srgbClr val="8064A2"/>
+      </a:accent4>
+      <a:accent5>
+        <a:srgbClr val="4BACC6"/>
+      </a:accent5>
+      <a:accent6>
+        <a:srgbClr val="F79646"/>
+      </a:accent6>
+      <a:hlink>
+        <a:srgbClr val="0000FF"/>
+      </a:hlink>
+      <a:folHlink>
+        <a:srgbClr val="800080"/>
+      </a:folHlink>
+    </a:clrScheme>
+    <a:fontScheme name="Office">
+      <a:majorFont>
+        <a:latin typeface="Calibri"/>
+        <a:ea typeface=""/>
+        <a:cs typeface=""/>
+        <a:font script="Jpan" typeface="ＭＳ Ｐゴシック"/>
+        <a:font script="Hang" typeface="맑은 고딕"/>
+        <a:font script="Hans" typeface="宋体"/>
+        <a:font script="Hant" typeface="新細明體"/>
+        <a:font script="Arab" typeface="Times New Roman"/>
+        <a:font script="Hebr" typeface="Times New Roman"/>
+        <a:font script="Thai" typeface="Angsana New"/>
+        <a:font script="Ethi" typeface="Nyala"/>
+        <a:font script="Beng" typeface="Vrinda"/>
+        <a:font script="Gujr" typeface="Shruti"/>
+        <a:font script="Khmr" typeface="MoolBoran"/>
+        <a:font script="Knda" typeface="Tunga"/>
+        <a:font script="Guru" typeface="Raavi"/>
+        <a:font script="Cans" typeface="Euphemia"/>
+        <a:font script="Cher" typeface="Plantagenet Cherokee"/>
+        <a:font script="Yiii" typeface="Microsoft Yi Baiti"/>
+        <a:font script="Tibt" typeface="Microsoft Himalaya"/>
+        <a:font script="Thaa" typeface="MV Boli"/>
+        <a:font script="Deva" typeface="Mangal"/>
+        <a:font script="Telu" typeface="Gautami"/>
+        <a:font script="Taml" typeface="Latha"/>
+        <a:font script="Syrc" typeface="Estrangelo Edessa"/>
+        <a:font script="Orya" typeface="Kalinga"/>
+        <a:font script="Mlym" typeface="Kartika"/>
+        <a:font script="Laoo" typeface="DokChampa"/>
+        <a:font script="Sinh" typeface="Iskoola Pota"/>
+        <a:font script="Mong" typeface="Mongolian Baiti"/>
+        <a:font script="Viet" typeface="Times New Roman"/>
+        <a:font script="Uigh" typeface="Microsoft Uighur"/>
+        <a:font script="Geor" typeface="Sylfaen"/>
+      </a:majorFont>
+      <a:minorFont>
+        <a:latin typeface="Calibri"/>
+        <a:ea typeface=""/>
+        <a:cs typeface=""/>
+        <a:font script="Jpan" typeface="ＭＳ Ｐゴシック"/>
+        <a:font script="Hang" typeface="맑은 고딕"/>
+        <a:font script="Hans" typeface="宋体"/>
+        <a:font script="Hant" typeface="新細明體"/>
+        <a:font script="Arab" typeface="Arial"/>
+        <a:font script="Hebr" typeface="Arial"/>
+        <a:font script="Thai" typeface="Cordia New"/>
+        <a:font script="Ethi" typeface="Nyala"/>
+        <a:font script="Beng" typeface="Vrinda"/>
+        <a:font script="Gujr" typeface="Shruti"/>
+        <a:font script="Khmr" typeface="DaunPenh"/>
+        <a:font script="Knda" typeface="Tunga"/>
+        <a:font script="Guru" typeface="Raavi"/>
+        <a:font script="Cans" typeface="Euphemia"/>
+        <a:font script="Cher" typeface="Plantagenet Cherokee"/>
+        <a:font script="Yiii" typeface="Microsoft Yi Baiti"/>
+        <a:font script="Tibt" typeface="Microsoft Himalaya"/>
+        <a:font script="Thaa" typeface="MV Boli"/>
+        <a:font script="Deva" typeface="Mangal"/>
+        <a:font script="Telu" typeface="Gautami"/>
+        <a:font script="Taml" typeface="Latha"/>
+        <a:font script="Syrc" typeface="Estrangelo Edessa"/>
+        <a:font script="Orya" typeface="Kalinga"/>
+        <a:font script="Mlym" typeface="Kartika"/>
+        <a:font script="Laoo" typeface="DokChampa"/>
+        <a:font script="Sinh" typeface="Iskoola Pota"/>
+        <a:font script="Mong" typeface="Mongolian Baiti"/>
+        <a:font script="Viet" typeface="Arial"/>
+        <a:font script="Uigh" typeface="Microsoft Uighur"/>
+        <a:font script="Geor" typeface="Sylfaen"/>
+      </a:minorFont>
+    </a:fontScheme>
+    <a:fmtScheme name="Office">
+      <a:fillStyleLst>
+        <a:solidFill>
+          <a:schemeClr val="phClr"/>
+        </a:solidFill>
+        <a:gradFill rotWithShape="1">
+          <a:gsLst>
+            <a:gs pos="0">
+              <a:schemeClr val="phClr">
+                <a:tint val="50000"/>
+                <a:satMod val="300000"/>
+              </a:schemeClr>
+            </a:gs>
+            <a:gs pos="35000">
+              <a:schemeClr val="phClr">
+                <a:tint val="37000"/>
+                <a:satMod val="300000"/>
+              </a:schemeClr>
+            </a:gs>
+            <a:gs pos="100000">
+              <a:schemeClr val="phClr">
+                <a:tint val="15000"/>
+                <a:satMod val="350000"/>
+              </a:schemeClr>
+            </a:gs>
+          </a:gsLst>
+          <a:lin ang="16200000" scaled="1"/>
+        </a:gradFill>
+        <a:gradFill rotWithShape="1">
+          <a:gsLst>
+            <a:gs pos="0">
+              <a:schemeClr val="phClr">
+                <a:shade val="51000"/>
+                <a:satMod val="130000"/>
+              </a:schemeClr>
+            </a:gs>
+            <a:gs pos="80000">
+              <a:schemeClr val="phClr">
+                <a:shade val="93000"/>
+                <a:satMod val="130000"/>
+              </a:schemeClr>
+            </a:gs>
+            <a:gs pos="100000">
+              <a:schemeClr val="phClr">
+                <a:shade val="94000"/>
+                <a:satMod val="135000"/>
+              </a:schemeClr>
+            </a:gs>
+          </a:gsLst>
+          <a:lin ang="16200000" scaled="0"/>
+        </a:gradFill>
+      </a:fillStyleLst>
+      <a:lnStyleLst>
+        <a:ln w="9525" cap="flat" cmpd="sng" algn="ctr">
+          <a:solidFill>
+            <a:schemeClr val="phClr">
+              <a:shade val="95000"/>
+              <a:satMod val="105000"/>
+            </a:schemeClr>
+          </a:solidFill>
+          <a:prstDash val="solid"/>
+        </a:ln>
+        <a:ln w="25400" cap="flat" cmpd="sng" algn="ctr">
+          <a:solidFill>
+            <a:schemeClr val="phClr"/>
+          </a:solidFill>
+          <a:prstDash val="solid"/>
+        </a:ln>
+        <a:ln w="38100" cap="flat" cmpd="sng" algn="ctr">
+          <a:solidFill>
+            <a:schemeClr val="phClr"/>
+          </a:solidFill>
+          <a:prstDash val="solid"/>
+        </a:ln>
+      </a:lnStyleLst>
+      <a:effectStyleLst>
+        <a:effectStyle>
+          <a:effectLst>
+            <a:outerShdw blurRad="40000" dist="20000" dir="5400000" rotWithShape="0">
+              <a:srgbClr val="000000">
+                <a:alpha val="38000"/>
+              </a:srgbClr>
+            </a:outerShdw>
+          </a:effectLst>
+        </a:effectStyle>
+        <a:effectStyle>
+          <a:effectLst>
+            <a:outerShdw blurRad="40000" dist="23000" dir="5400000" rotWithShape="0">
+              <a:srgbClr val="000000">
+                <a:alpha val="35000"/>
+              </a:srgbClr>
+            </a:outerShdw>
+          </a:effectLst>
+        </a:effectStyle>
+        <a:effectStyle>
+          <a:effectLst>
+            <a:outerShdw blurRad="40000" dist="23000" dir="5400000" rotWithShape="0">
+              <a:srgbClr val="000000">
+                <a:alpha val="35000"/>
+              </a:srgbClr>
+            </a:outerShdw>
+          </a:effectLst>
+          <a:scene3d>
+            <a:camera prst="orthographicFront">
+              <a:rot lat="0" lon="0" rev="0"/>
+            </a:camera>
+            <a:lightRig rig="threePt" dir="t">
+              <a:rot lat="0" lon="0" rev="1200000"/>
+            </a:lightRig>
+          </a:scene3d>
+          <a:sp3d>
+            <a:bevelT w="63500" h="25400"/>
+          </a:sp3d>
+        </a:effectStyle>
+      </a:effectStyleLst>
+      <a:bgFillStyleLst>
+        <a:solidFill>
+          <a:schemeClr val="phClr"/>
+        </a:solidFill>
+        <a:gradFill rotWithShape="1">
+          <a:gsLst>
+            <a:gs pos="0">
+              <a:schemeClr val="phClr">
+                <a:tint val="40000"/>
+                <a:satMod val="350000"/>
+              </a:schemeClr>
+            </a:gs>
+            <a:gs pos="40000">
+              <a:schemeClr val="phClr">
+                <a:tint val="45000"/>
+                <a:shade val="99000"/>
+                <a:satMod val="350000"/>
+              </a:schemeClr>
+            </a:gs>
+            <a:gs pos="100000">
+              <a:schemeClr val="phClr">
+                <a:shade val="20000"/>
+                <a:satMod val="255000"/>
+              </a:schemeClr>
+            </a:gs>
+          </a:gsLst>
+          <a:path path="circle">
+            <a:fillToRect l="50000" t="-80000" r="50000" b="180000"/>
+          </a:path>
+        </a:gradFill>
+        <a:gradFill rotWithShape="1">
+          <a:gsLst>
+            <a:gs pos="0">
+              <a:schemeClr val="phClr">
+                <a:tint val="80000"/>
+                <a:satMod val="300000"/>
+              </a:schemeClr>
+            </a:gs>
+            <a:gs pos="100000">
+              <a:schemeClr val="phClr">
+                <a:shade val="30000"/>
+                <a:satMod val="200000"/>
+              </a:schemeClr>
+            </a:gs>
+          </a:gsLst>
+          <a:path path="circle">
+            <a:fillToRect l="50000" t="50000" r="50000" b="50000"/>
+          </a:path>
+        </a:gradFill>
+      </a:bgFillStyleLst>
+    </a:fmtScheme>
+  </a:themeElements>
+  <a:objectDefaults/>
+  <a:extraClrSchemeLst/>
+</a:theme>
 </file>
--- a/hateful_excel.pptx
+++ b/hateful_excel.pptx
@@ -5,7 +5,7 @@
     <p:sldMasterId id="2147483720" r:id="rId1"/>
   </p:sldMasterIdLst>
   <p:handoutMasterIdLst>
-    <p:handoutMasterId r:id="rId34"/>
+    <p:handoutMasterId r:id="rId38"/>
   </p:handoutMasterIdLst>
   <p:sldIdLst>
     <p:sldId id="256" r:id="rId2"/>
@@ -15,31 +15,35 @@
     <p:sldId id="324" r:id="rId6"/>
     <p:sldId id="377" r:id="rId7"/>
     <p:sldId id="363" r:id="rId8"/>
-    <p:sldId id="361" r:id="rId9"/>
+    <p:sldId id="325" r:id="rId9"/>
     <p:sldId id="364" r:id="rId10"/>
-    <p:sldId id="365" r:id="rId11"/>
-    <p:sldId id="367" r:id="rId12"/>
-    <p:sldId id="325" r:id="rId13"/>
-    <p:sldId id="368" r:id="rId14"/>
-    <p:sldId id="378" r:id="rId15"/>
-    <p:sldId id="362" r:id="rId16"/>
-    <p:sldId id="370" r:id="rId17"/>
-    <p:sldId id="371" r:id="rId18"/>
-    <p:sldId id="373" r:id="rId19"/>
-    <p:sldId id="372" r:id="rId20"/>
-    <p:sldId id="374" r:id="rId21"/>
-    <p:sldId id="375" r:id="rId22"/>
-    <p:sldId id="379" r:id="rId23"/>
-    <p:sldId id="380" r:id="rId24"/>
-    <p:sldId id="382" r:id="rId25"/>
-    <p:sldId id="383" r:id="rId26"/>
-    <p:sldId id="384" r:id="rId27"/>
-    <p:sldId id="386" r:id="rId28"/>
-    <p:sldId id="387" r:id="rId29"/>
-    <p:sldId id="388" r:id="rId30"/>
-    <p:sldId id="385" r:id="rId31"/>
-    <p:sldId id="389" r:id="rId32"/>
-    <p:sldId id="390" r:id="rId33"/>
+    <p:sldId id="361" r:id="rId11"/>
+    <p:sldId id="392" r:id="rId12"/>
+    <p:sldId id="393" r:id="rId13"/>
+    <p:sldId id="365" r:id="rId14"/>
+    <p:sldId id="367" r:id="rId15"/>
+    <p:sldId id="391" r:id="rId16"/>
+    <p:sldId id="394" r:id="rId17"/>
+    <p:sldId id="378" r:id="rId18"/>
+    <p:sldId id="362" r:id="rId19"/>
+    <p:sldId id="370" r:id="rId20"/>
+    <p:sldId id="371" r:id="rId21"/>
+    <p:sldId id="373" r:id="rId22"/>
+    <p:sldId id="372" r:id="rId23"/>
+    <p:sldId id="374" r:id="rId24"/>
+    <p:sldId id="395" r:id="rId25"/>
+    <p:sldId id="375" r:id="rId26"/>
+    <p:sldId id="379" r:id="rId27"/>
+    <p:sldId id="380" r:id="rId28"/>
+    <p:sldId id="382" r:id="rId29"/>
+    <p:sldId id="383" r:id="rId30"/>
+    <p:sldId id="384" r:id="rId31"/>
+    <p:sldId id="386" r:id="rId32"/>
+    <p:sldId id="387" r:id="rId33"/>
+    <p:sldId id="388" r:id="rId34"/>
+    <p:sldId id="385" r:id="rId35"/>
+    <p:sldId id="389" r:id="rId36"/>
+    <p:sldId id="390" r:id="rId37"/>
   </p:sldIdLst>
   <p:sldSz cx="9144000" cy="6858000" type="screen4x3"/>
   <p:notesSz cx="6858000" cy="9144000"/>
@@ -140,7 +144,7 @@
   </p:defaultTextStyle>
   <p:extLst>
     <p:ext uri="{EFAFB233-063F-42B5-8137-9DF3F51BA10A}">
-      <p15:sldGuideLst xmlns:p15="http://schemas.microsoft.com/office/powerpoint/2012/main" xmlns="">
+      <p15:sldGuideLst xmlns="" xmlns:p15="http://schemas.microsoft.com/office/powerpoint/2012/main">
         <p15:guide id="1" orient="horz" pos="2160">
           <p15:clr>
             <a:srgbClr val="A4A3A4"/>
@@ -239,7 +243,7 @@
           <a:p>
             <a:fld id="{5B94A26D-194A-4531-B371-D173F73365E6}" type="datetimeFigureOut">
               <a:rPr kumimoji="1" lang="ja-JP" altLang="en-US" smtClean="0"/>
-              <a:t>2017/3/12</a:t>
+              <a:t>2017/3/13</a:t>
             </a:fld>
             <a:endParaRPr kumimoji="1" lang="ja-JP" altLang="en-US"/>
           </a:p>
@@ -706,7 +710,7 @@
           <a:p>
             <a:fld id="{39378AC4-C49C-4159-B332-7738B007311C}" type="datetimeFigureOut">
               <a:rPr kumimoji="1" lang="ja-JP" altLang="en-US" smtClean="0"/>
-              <a:t>2017/3/12</a:t>
+              <a:t>2017/3/13</a:t>
             </a:fld>
             <a:endParaRPr kumimoji="1" lang="ja-JP" altLang="en-US"/>
           </a:p>
@@ -903,7 +907,7 @@
           <a:p>
             <a:fld id="{39378AC4-C49C-4159-B332-7738B007311C}" type="datetimeFigureOut">
               <a:rPr kumimoji="1" lang="ja-JP" altLang="en-US" smtClean="0"/>
-              <a:t>2017/3/12</a:t>
+              <a:t>2017/3/13</a:t>
             </a:fld>
             <a:endParaRPr kumimoji="1" lang="ja-JP" altLang="en-US"/>
           </a:p>
@@ -1110,7 +1114,7 @@
           <a:p>
             <a:fld id="{39378AC4-C49C-4159-B332-7738B007311C}" type="datetimeFigureOut">
               <a:rPr kumimoji="1" lang="ja-JP" altLang="en-US" smtClean="0"/>
-              <a:t>2017/3/12</a:t>
+              <a:t>2017/3/13</a:t>
             </a:fld>
             <a:endParaRPr kumimoji="1" lang="ja-JP" altLang="en-US"/>
           </a:p>
@@ -1311,7 +1315,7 @@
           <a:p>
             <a:fld id="{39378AC4-C49C-4159-B332-7738B007311C}" type="datetimeFigureOut">
               <a:rPr kumimoji="1" lang="ja-JP" altLang="en-US" smtClean="0"/>
-              <a:t>2017/3/12</a:t>
+              <a:t>2017/3/13</a:t>
             </a:fld>
             <a:endParaRPr kumimoji="1" lang="ja-JP" altLang="en-US"/>
           </a:p>
@@ -1766,7 +1770,7 @@
           <a:p>
             <a:fld id="{39378AC4-C49C-4159-B332-7738B007311C}" type="datetimeFigureOut">
               <a:rPr kumimoji="1" lang="ja-JP" altLang="en-US" smtClean="0"/>
-              <a:t>2017/3/12</a:t>
+              <a:t>2017/3/13</a:t>
             </a:fld>
             <a:endParaRPr kumimoji="1" lang="ja-JP" altLang="en-US"/>
           </a:p>
@@ -2094,7 +2098,7 @@
           <a:p>
             <a:fld id="{39378AC4-C49C-4159-B332-7738B007311C}" type="datetimeFigureOut">
               <a:rPr kumimoji="1" lang="ja-JP" altLang="en-US" smtClean="0"/>
-              <a:t>2017/3/12</a:t>
+              <a:t>2017/3/13</a:t>
             </a:fld>
             <a:endParaRPr kumimoji="1" lang="ja-JP" altLang="en-US"/>
           </a:p>
@@ -2532,7 +2536,7 @@
           <a:p>
             <a:fld id="{39378AC4-C49C-4159-B332-7738B007311C}" type="datetimeFigureOut">
               <a:rPr kumimoji="1" lang="ja-JP" altLang="en-US" smtClean="0"/>
-              <a:t>2017/3/12</a:t>
+              <a:t>2017/3/13</a:t>
             </a:fld>
             <a:endParaRPr kumimoji="1" lang="ja-JP" altLang="en-US"/>
           </a:p>
@@ -2654,7 +2658,7 @@
           <a:p>
             <a:fld id="{39378AC4-C49C-4159-B332-7738B007311C}" type="datetimeFigureOut">
               <a:rPr kumimoji="1" lang="ja-JP" altLang="en-US" smtClean="0"/>
-              <a:t>2017/3/12</a:t>
+              <a:t>2017/3/13</a:t>
             </a:fld>
             <a:endParaRPr kumimoji="1" lang="ja-JP" altLang="en-US"/>
           </a:p>
@@ -2744,7 +2748,7 @@
           <a:p>
             <a:fld id="{39378AC4-C49C-4159-B332-7738B007311C}" type="datetimeFigureOut">
               <a:rPr kumimoji="1" lang="ja-JP" altLang="en-US" smtClean="0"/>
-              <a:t>2017/3/12</a:t>
+              <a:t>2017/3/13</a:t>
             </a:fld>
             <a:endParaRPr kumimoji="1" lang="ja-JP" altLang="en-US"/>
           </a:p>
@@ -3025,7 +3029,7 @@
           <a:p>
             <a:fld id="{39378AC4-C49C-4159-B332-7738B007311C}" type="datetimeFigureOut">
               <a:rPr kumimoji="1" lang="ja-JP" altLang="en-US" smtClean="0"/>
-              <a:t>2017/3/12</a:t>
+              <a:t>2017/3/13</a:t>
             </a:fld>
             <a:endParaRPr kumimoji="1" lang="ja-JP" altLang="en-US"/>
           </a:p>
@@ -3284,7 +3288,7 @@
           <a:p>
             <a:fld id="{39378AC4-C49C-4159-B332-7738B007311C}" type="datetimeFigureOut">
               <a:rPr kumimoji="1" lang="ja-JP" altLang="en-US" smtClean="0"/>
-              <a:t>2017/3/12</a:t>
+              <a:t>2017/3/13</a:t>
             </a:fld>
             <a:endParaRPr kumimoji="1" lang="ja-JP" altLang="en-US"/>
           </a:p>
@@ -3720,7 +3724,7 @@
           <a:p>
             <a:fld id="{39378AC4-C49C-4159-B332-7738B007311C}" type="datetimeFigureOut">
               <a:rPr kumimoji="1" lang="ja-JP" altLang="en-US" smtClean="0"/>
-              <a:t>2017/3/12</a:t>
+              <a:t>2017/3/13</a:t>
             </a:fld>
             <a:endParaRPr kumimoji="1" lang="ja-JP" altLang="en-US"/>
           </a:p>
@@ -4132,7 +4136,7 @@
         </p:nvSpPr>
         <p:spPr>
           <a:xfrm>
-            <a:off x="971600" y="1556792"/>
+            <a:off x="611560" y="1556792"/>
             <a:ext cx="7867600" cy="1472184"/>
           </a:xfrm>
         </p:spPr>
@@ -4341,7 +4345,11 @@
           <a:p>
             <a:r>
               <a:rPr kumimoji="1" lang="ja-JP" altLang="en-US" dirty="0" smtClean="0"/>
-              <a:t>ヘッダーの修正</a:t>
+              <a:t>２）内容</a:t>
+            </a:r>
+            <a:r>
+              <a:rPr kumimoji="1" lang="ja-JP" altLang="en-US" dirty="0" smtClean="0"/>
+              <a:t>の修正</a:t>
             </a:r>
             <a:endParaRPr kumimoji="1" lang="ja-JP" altLang="en-US" dirty="0"/>
           </a:p>
@@ -4374,7 +4382,7 @@
             </a:pPr>
             <a:r>
               <a:rPr lang="ja-JP" altLang="en-US" dirty="0" smtClean="0"/>
-              <a:t>・ヘッダーの内容、フォント変更</a:t>
+              <a:t>・特定のセルの値修正</a:t>
             </a:r>
             <a:endParaRPr lang="en-US" altLang="ja-JP" dirty="0" smtClean="0"/>
           </a:p>
@@ -4382,6 +4390,10 @@
             <a:pPr marL="82296" indent="0">
               <a:buNone/>
             </a:pPr>
+            <a:r>
+              <a:rPr lang="ja-JP" altLang="en-US" dirty="0" smtClean="0"/>
+              <a:t>・特定文字の置換</a:t>
+            </a:r>
             <a:endParaRPr lang="en-US" altLang="ja-JP" dirty="0"/>
           </a:p>
           <a:p>
@@ -4390,23 +4402,27 @@
             </a:pPr>
             <a:r>
               <a:rPr lang="ja-JP" altLang="en-US" dirty="0" smtClean="0"/>
-              <a:t>なんとなく今回は</a:t>
-            </a:r>
-            <a:r>
-              <a:rPr lang="en-US" altLang="ja-JP" dirty="0" smtClean="0"/>
-              <a:t>Java</a:t>
-            </a:r>
+              <a:t>・罫線の編集</a:t>
+            </a:r>
+            <a:endParaRPr lang="en-US" altLang="ja-JP" dirty="0"/>
+          </a:p>
+          <a:p>
+            <a:pPr marL="82296" indent="0">
+              <a:buNone/>
+            </a:pPr>
             <a:r>
               <a:rPr lang="ja-JP" altLang="en-US" dirty="0" smtClean="0"/>
-              <a:t>の </a:t>
-            </a:r>
-            <a:r>
-              <a:rPr lang="en-US" altLang="ja-JP" dirty="0" smtClean="0"/>
-              <a:t>apache poi</a:t>
-            </a:r>
+              <a:t>・フォント変更</a:t>
+            </a:r>
+            <a:endParaRPr lang="en-US" altLang="ja-JP" dirty="0" smtClean="0"/>
+          </a:p>
+          <a:p>
+            <a:pPr marL="82296" indent="0">
+              <a:buNone/>
+            </a:pPr>
             <a:r>
               <a:rPr lang="ja-JP" altLang="en-US" dirty="0" smtClean="0"/>
-              <a:t>で。</a:t>
+              <a:t>・塗りつぶし設定</a:t>
             </a:r>
             <a:endParaRPr lang="en-US" altLang="ja-JP" dirty="0" smtClean="0"/>
           </a:p>
@@ -4414,19 +4430,19 @@
             <a:pPr marL="82296" indent="0">
               <a:buNone/>
             </a:pPr>
+            <a:endParaRPr lang="en-US" altLang="ja-JP" dirty="0"/>
+          </a:p>
+          <a:p>
+            <a:pPr marL="82296" indent="0">
+              <a:buNone/>
+            </a:pPr>
             <a:r>
               <a:rPr lang="ja-JP" altLang="en-US" dirty="0" smtClean="0"/>
-              <a:t>ヘッダーは編集画面で確認しづらいので</a:t>
-            </a:r>
-            <a:endParaRPr lang="en-US" altLang="ja-JP" dirty="0" smtClean="0"/>
-          </a:p>
-          <a:p>
-            <a:pPr marL="82296" indent="0">
-              <a:buNone/>
-            </a:pPr>
+              <a:t>この辺りは</a:t>
+            </a:r>
             <a:r>
               <a:rPr lang="ja-JP" altLang="en-US" dirty="0" smtClean="0"/>
-              <a:t>効果大。</a:t>
+              <a:t>マクロでなんとかできます。</a:t>
             </a:r>
             <a:endParaRPr lang="en-US" altLang="ja-JP" dirty="0"/>
           </a:p>
@@ -4435,7 +4451,7 @@
     </p:spTree>
     <p:extLst>
       <p:ext uri="{BB962C8B-B14F-4D97-AF65-F5344CB8AC3E}">
-        <p14:creationId xmlns:p14="http://schemas.microsoft.com/office/powerpoint/2010/main" val="3888104876"/>
+        <p14:creationId xmlns:p14="http://schemas.microsoft.com/office/powerpoint/2010/main" val="3084257041"/>
       </p:ext>
     </p:extLst>
   </p:cSld>
@@ -4481,12 +4497,18 @@
         </p:nvSpPr>
         <p:spPr/>
         <p:txBody>
-          <a:bodyPr/>
+          <a:bodyPr>
+            <a:normAutofit/>
+          </a:bodyPr>
           <a:lstStyle/>
           <a:p>
             <a:r>
               <a:rPr kumimoji="1" lang="ja-JP" altLang="en-US" dirty="0" smtClean="0"/>
-              <a:t>マクロで</a:t>
+              <a:t>罫線の編集</a:t>
+            </a:r>
+            <a:r>
+              <a:rPr kumimoji="1" lang="en-US" altLang="ja-JP" dirty="0" smtClean="0"/>
+              <a:t>VBA</a:t>
             </a:r>
             <a:endParaRPr kumimoji="1" lang="ja-JP" altLang="en-US" dirty="0"/>
           </a:p>
@@ -4504,8 +4526,8 @@
         </p:nvSpPr>
         <p:spPr>
           <a:xfrm>
-            <a:off x="1115616" y="1124744"/>
-            <a:ext cx="8028384" cy="5544616"/>
+            <a:off x="179512" y="1124744"/>
+            <a:ext cx="8964488" cy="5733256"/>
           </a:xfrm>
         </p:spPr>
         <p:txBody>
@@ -4518,17 +4540,348 @@
               <a:buNone/>
             </a:pPr>
             <a:r>
-              <a:rPr lang="ja-JP" altLang="en-US" dirty="0" smtClean="0"/>
-              <a:t>それぞれマクロの内容貼る。</a:t>
-            </a:r>
-            <a:endParaRPr lang="en-US" altLang="ja-JP" dirty="0"/>
+              <a:rPr lang="en-US" altLang="ja-JP" sz="2400" dirty="0" smtClean="0"/>
+              <a:t> ‘ </a:t>
+            </a:r>
+            <a:r>
+              <a:rPr lang="ja-JP" altLang="en-US" sz="2400" dirty="0"/>
+              <a:t>シートで使用している最終</a:t>
+            </a:r>
+            <a:r>
+              <a:rPr lang="ja-JP" altLang="en-US" sz="2400" dirty="0" smtClean="0"/>
+              <a:t>行</a:t>
+            </a:r>
+            <a:endParaRPr lang="en-US" altLang="ja-JP" sz="2400" dirty="0" smtClean="0"/>
+          </a:p>
+          <a:p>
+            <a:pPr marL="82296" indent="0">
+              <a:buNone/>
+            </a:pPr>
+            <a:r>
+              <a:rPr lang="en-US" altLang="ja-JP" sz="2400" dirty="0" err="1" smtClean="0"/>
+              <a:t>maxRow</a:t>
+            </a:r>
+            <a:r>
+              <a:rPr lang="en-US" altLang="ja-JP" sz="2400" dirty="0" smtClean="0"/>
+              <a:t> = </a:t>
+            </a:r>
+            <a:r>
+              <a:rPr lang="en-US" altLang="ja-JP" sz="2400" dirty="0" err="1" smtClean="0"/>
+              <a:t>ws.Range</a:t>
+            </a:r>
+            <a:r>
+              <a:rPr lang="en-US" altLang="ja-JP" sz="2400" dirty="0"/>
+              <a:t>("A1").</a:t>
+            </a:r>
+            <a:r>
+              <a:rPr lang="en-US" altLang="ja-JP" sz="2400" dirty="0" err="1"/>
+              <a:t>SpecialCells</a:t>
+            </a:r>
+            <a:r>
+              <a:rPr lang="en-US" altLang="ja-JP" sz="2400" dirty="0"/>
+              <a:t>(</a:t>
+            </a:r>
+            <a:r>
+              <a:rPr lang="en-US" altLang="ja-JP" sz="2400" dirty="0" err="1"/>
+              <a:t>xlLastCell</a:t>
+            </a:r>
+            <a:r>
+              <a:rPr lang="en-US" altLang="ja-JP" sz="2400" dirty="0"/>
+              <a:t>).</a:t>
+            </a:r>
+            <a:r>
+              <a:rPr lang="en-US" altLang="ja-JP" sz="2400" dirty="0" smtClean="0"/>
+              <a:t>Row</a:t>
+            </a:r>
+            <a:endParaRPr lang="ja-JP" altLang="en-US" sz="2400" dirty="0"/>
+          </a:p>
+          <a:p>
+            <a:pPr marL="82296" indent="0">
+              <a:buNone/>
+            </a:pPr>
+            <a:r>
+              <a:rPr lang="en-US" altLang="ja-JP" sz="2400" dirty="0" smtClean="0"/>
+              <a:t>  For </a:t>
+            </a:r>
+            <a:r>
+              <a:rPr lang="en-US" altLang="ja-JP" sz="2400" dirty="0" err="1"/>
+              <a:t>i</a:t>
+            </a:r>
+            <a:r>
+              <a:rPr lang="en-US" altLang="ja-JP" sz="2400" dirty="0"/>
+              <a:t> = 5 To </a:t>
+            </a:r>
+            <a:r>
+              <a:rPr lang="en-US" altLang="ja-JP" sz="2400" dirty="0" err="1"/>
+              <a:t>maxRow</a:t>
+            </a:r>
+            <a:endParaRPr lang="en-US" altLang="ja-JP" sz="2400" dirty="0"/>
+          </a:p>
+          <a:p>
+            <a:pPr marL="82296" indent="0">
+              <a:buNone/>
+            </a:pPr>
+            <a:r>
+              <a:rPr lang="en-US" altLang="ja-JP" sz="2400" dirty="0" smtClean="0"/>
+              <a:t>    For </a:t>
+            </a:r>
+            <a:r>
+              <a:rPr lang="en-US" altLang="ja-JP" sz="2400" dirty="0"/>
+              <a:t>j = 2 To 63 </a:t>
+            </a:r>
+            <a:r>
+              <a:rPr lang="en-US" altLang="ja-JP" sz="2400" dirty="0" smtClean="0"/>
+              <a:t> ‘ 63</a:t>
+            </a:r>
+            <a:r>
+              <a:rPr lang="ja-JP" altLang="en-US" sz="2400" dirty="0" smtClean="0"/>
+              <a:t>は対象</a:t>
+            </a:r>
+            <a:r>
+              <a:rPr lang="ja-JP" altLang="en-US" sz="2400" dirty="0"/>
+              <a:t>シートの横幅</a:t>
+            </a:r>
+          </a:p>
+          <a:p>
+            <a:pPr marL="82296" indent="0">
+              <a:buNone/>
+            </a:pPr>
+            <a:r>
+              <a:rPr lang="en-US" altLang="ja-JP" sz="2400" dirty="0" smtClean="0"/>
+              <a:t>      Set </a:t>
+            </a:r>
+            <a:r>
+              <a:rPr lang="en-US" altLang="ja-JP" sz="2400" dirty="0" err="1" smtClean="0"/>
+              <a:t>bs</a:t>
+            </a:r>
+            <a:r>
+              <a:rPr lang="en-US" altLang="ja-JP" sz="2400" dirty="0" smtClean="0"/>
+              <a:t> = </a:t>
+            </a:r>
+            <a:r>
+              <a:rPr lang="en-US" altLang="ja-JP" sz="2400" dirty="0" err="1" smtClean="0"/>
+              <a:t>ws.Cells</a:t>
+            </a:r>
+            <a:r>
+              <a:rPr lang="en-US" altLang="ja-JP" sz="2400" dirty="0" smtClean="0"/>
+              <a:t>(</a:t>
+            </a:r>
+            <a:r>
+              <a:rPr lang="en-US" altLang="ja-JP" sz="2400" dirty="0" err="1" smtClean="0"/>
+              <a:t>i</a:t>
+            </a:r>
+            <a:r>
+              <a:rPr lang="en-US" altLang="ja-JP" sz="2400" dirty="0" smtClean="0"/>
+              <a:t>, j).Borders(</a:t>
+            </a:r>
+            <a:r>
+              <a:rPr lang="en-US" altLang="ja-JP" sz="2400" dirty="0" err="1" smtClean="0"/>
+              <a:t>xlEdgeBottom</a:t>
+            </a:r>
+            <a:r>
+              <a:rPr lang="en-US" altLang="ja-JP" sz="2400" dirty="0" smtClean="0"/>
+              <a:t>)</a:t>
+            </a:r>
+          </a:p>
+          <a:p>
+            <a:pPr marL="82296" indent="0">
+              <a:buNone/>
+            </a:pPr>
+            <a:r>
+              <a:rPr lang="en-US" altLang="ja-JP" sz="2400" dirty="0" smtClean="0"/>
+              <a:t>      ‘ </a:t>
+            </a:r>
+            <a:r>
+              <a:rPr lang="ja-JP" altLang="en-US" sz="2400" dirty="0" smtClean="0"/>
+              <a:t>二重線→太線</a:t>
+            </a:r>
+            <a:endParaRPr lang="en-US" altLang="ja-JP" sz="2400" dirty="0" smtClean="0"/>
+          </a:p>
+          <a:p>
+            <a:pPr marL="82296" indent="0">
+              <a:buNone/>
+            </a:pPr>
+            <a:r>
+              <a:rPr lang="en-US" altLang="ja-JP" sz="2400" dirty="0" smtClean="0"/>
+              <a:t>      If </a:t>
+            </a:r>
+            <a:r>
+              <a:rPr lang="en-US" altLang="ja-JP" sz="2400" dirty="0" err="1"/>
+              <a:t>bs.LineStyle</a:t>
+            </a:r>
+            <a:r>
+              <a:rPr lang="en-US" altLang="ja-JP" sz="2400" dirty="0"/>
+              <a:t> = </a:t>
+            </a:r>
+            <a:r>
+              <a:rPr lang="en-US" altLang="ja-JP" sz="2400" dirty="0" err="1"/>
+              <a:t>xlDouble</a:t>
+            </a:r>
+            <a:r>
+              <a:rPr lang="en-US" altLang="ja-JP" sz="2400" dirty="0"/>
+              <a:t> Then</a:t>
+            </a:r>
+          </a:p>
+          <a:p>
+            <a:pPr marL="82296" indent="0">
+              <a:buNone/>
+            </a:pPr>
+            <a:r>
+              <a:rPr lang="en-US" altLang="ja-JP" sz="2400" dirty="0" smtClean="0"/>
+              <a:t>        </a:t>
+            </a:r>
+            <a:r>
+              <a:rPr lang="en-US" altLang="ja-JP" sz="2400" dirty="0" err="1" smtClean="0"/>
+              <a:t>bs.LineStyle</a:t>
+            </a:r>
+            <a:r>
+              <a:rPr lang="en-US" altLang="ja-JP" sz="2400" dirty="0" smtClean="0"/>
+              <a:t> </a:t>
+            </a:r>
+            <a:r>
+              <a:rPr lang="en-US" altLang="ja-JP" sz="2400" dirty="0"/>
+              <a:t>= </a:t>
+            </a:r>
+            <a:r>
+              <a:rPr lang="en-US" altLang="ja-JP" sz="2400" dirty="0" err="1"/>
+              <a:t>xlContinuous</a:t>
+            </a:r>
+            <a:endParaRPr lang="en-US" altLang="ja-JP" sz="2400" dirty="0"/>
+          </a:p>
+          <a:p>
+            <a:pPr marL="82296" indent="0">
+              <a:buNone/>
+            </a:pPr>
+            <a:r>
+              <a:rPr lang="en-US" altLang="ja-JP" sz="2400" dirty="0" smtClean="0"/>
+              <a:t>        </a:t>
+            </a:r>
+            <a:r>
+              <a:rPr lang="en-US" altLang="ja-JP" sz="2400" dirty="0" err="1" smtClean="0"/>
+              <a:t>bs.Weight</a:t>
+            </a:r>
+            <a:r>
+              <a:rPr lang="en-US" altLang="ja-JP" sz="2400" dirty="0" smtClean="0"/>
+              <a:t> </a:t>
+            </a:r>
+            <a:r>
+              <a:rPr lang="en-US" altLang="ja-JP" sz="2400" dirty="0"/>
+              <a:t>= </a:t>
+            </a:r>
+            <a:r>
+              <a:rPr lang="en-US" altLang="ja-JP" sz="2400" dirty="0" err="1"/>
+              <a:t>xlMedium</a:t>
+            </a:r>
+            <a:endParaRPr lang="en-US" altLang="ja-JP" sz="2400" dirty="0"/>
+          </a:p>
+          <a:p>
+            <a:pPr marL="82296" indent="0">
+              <a:buNone/>
+            </a:pPr>
+            <a:r>
+              <a:rPr lang="en-US" altLang="ja-JP" sz="2400" dirty="0" smtClean="0"/>
+              <a:t>      End If</a:t>
+            </a:r>
+          </a:p>
+          <a:p>
+            <a:pPr marL="82296" indent="0">
+              <a:buNone/>
+            </a:pPr>
+            <a:r>
+              <a:rPr lang="en-US" altLang="ja-JP" sz="2400" dirty="0" smtClean="0"/>
+              <a:t>      Next</a:t>
+            </a:r>
+            <a:endParaRPr lang="en-US" altLang="ja-JP" sz="2400" dirty="0"/>
+          </a:p>
+          <a:p>
+            <a:pPr marL="82296" indent="0">
+              <a:buNone/>
+            </a:pPr>
+            <a:r>
+              <a:rPr lang="en-US" altLang="ja-JP" sz="2400" dirty="0" smtClean="0"/>
+              <a:t>    Next</a:t>
+            </a:r>
+            <a:endParaRPr lang="en-US" altLang="ja-JP" sz="2400" dirty="0"/>
+          </a:p>
+        </p:txBody>
+      </p:sp>
+      <p:cxnSp>
+        <p:nvCxnSpPr>
+          <p:cNvPr id="6" name="直線コネクタ 5"/>
+          <p:cNvCxnSpPr/>
+          <p:nvPr/>
+        </p:nvCxnSpPr>
+        <p:spPr>
+          <a:xfrm>
+            <a:off x="4499992" y="2060848"/>
+            <a:ext cx="4032448" cy="0"/>
+          </a:xfrm>
+          <a:prstGeom prst="line">
+            <a:avLst/>
+          </a:prstGeom>
+          <a:ln w="38100">
+            <a:solidFill>
+              <a:srgbClr val="FFFF00"/>
+            </a:solidFill>
+          </a:ln>
+        </p:spPr>
+        <p:style>
+          <a:lnRef idx="1">
+            <a:schemeClr val="accent1"/>
+          </a:lnRef>
+          <a:fillRef idx="0">
+            <a:schemeClr val="accent1"/>
+          </a:fillRef>
+          <a:effectRef idx="0">
+            <a:schemeClr val="accent1"/>
+          </a:effectRef>
+          <a:fontRef idx="minor">
+            <a:schemeClr val="tx1"/>
+          </a:fontRef>
+        </p:style>
+      </p:cxnSp>
+      <p:sp>
+        <p:nvSpPr>
+          <p:cNvPr id="9" name="テキスト ボックス 8"/>
+          <p:cNvSpPr txBox="1"/>
+          <p:nvPr/>
+        </p:nvSpPr>
+        <p:spPr>
+          <a:xfrm>
+            <a:off x="6948264" y="2080034"/>
+            <a:ext cx="1728192" cy="461665"/>
+          </a:xfrm>
+          <a:prstGeom prst="rect">
+            <a:avLst/>
+          </a:prstGeom>
+          <a:noFill/>
+        </p:spPr>
+        <p:txBody>
+          <a:bodyPr wrap="square" rtlCol="0">
+            <a:spAutoFit/>
+          </a:bodyPr>
+          <a:lstStyle/>
+          <a:p>
+            <a:r>
+              <a:rPr kumimoji="1" lang="ja-JP" altLang="en-US" sz="2400" b="1" dirty="0" smtClean="0">
+                <a:solidFill>
+                  <a:srgbClr val="FFFF00"/>
+                </a:solidFill>
+              </a:rPr>
+              <a:t>べんり</a:t>
+            </a:r>
+            <a:endParaRPr kumimoji="1" lang="ja-JP" altLang="en-US" sz="2400" b="1" dirty="0">
+              <a:solidFill>
+                <a:srgbClr val="FFFF00"/>
+              </a:solidFill>
+            </a:endParaRPr>
           </a:p>
         </p:txBody>
       </p:sp>
     </p:spTree>
     <p:extLst>
       <p:ext uri="{BB962C8B-B14F-4D97-AF65-F5344CB8AC3E}">
-        <p14:creationId xmlns:p14="http://schemas.microsoft.com/office/powerpoint/2010/main" val="3211148256"/>
+        <p14:creationId xmlns:p14="http://schemas.microsoft.com/office/powerpoint/2010/main" val="1524908180"/>
       </p:ext>
     </p:extLst>
   </p:cSld>
@@ -4578,8 +4931,12 @@
           <a:lstStyle/>
           <a:p>
             <a:r>
+              <a:rPr kumimoji="1" lang="en-US" altLang="ja-JP" dirty="0" smtClean="0"/>
+              <a:t>Tips</a:t>
+            </a:r>
+            <a:r>
               <a:rPr kumimoji="1" lang="ja-JP" altLang="en-US" dirty="0" smtClean="0"/>
-              <a:t>一括印刷ができない問題</a:t>
+              <a:t>）罫線のクソさ</a:t>
             </a:r>
             <a:endParaRPr kumimoji="1" lang="ja-JP" altLang="en-US" dirty="0"/>
           </a:p>
@@ -4597,8 +4954,8 @@
         </p:nvSpPr>
         <p:spPr>
           <a:xfrm>
-            <a:off x="107504" y="1124744"/>
-            <a:ext cx="9036496" cy="5733256"/>
+            <a:off x="539552" y="1124744"/>
+            <a:ext cx="8604448" cy="5544616"/>
           </a:xfrm>
         </p:spPr>
         <p:txBody>
@@ -4611,123 +4968,149 @@
               <a:buNone/>
             </a:pPr>
             <a:r>
-              <a:rPr lang="ja-JP" altLang="en-US" sz="2800" dirty="0" smtClean="0"/>
-              <a:t>・エクスプローラの右クリック→印刷</a:t>
-            </a:r>
-            <a:endParaRPr lang="en-US" altLang="ja-JP" sz="2800" dirty="0"/>
-          </a:p>
-          <a:p>
-            <a:pPr marL="82296" indent="0">
-              <a:buNone/>
-            </a:pPr>
-            <a:r>
-              <a:rPr lang="ja-JP" altLang="en-US" sz="2800" dirty="0" smtClean="0"/>
-              <a:t>　→</a:t>
-            </a:r>
-            <a:r>
-              <a:rPr lang="ja-JP" altLang="en-US" sz="2800" b="1" dirty="0" smtClean="0"/>
-              <a:t>１シート目しか印刷されない</a:t>
-            </a:r>
-            <a:endParaRPr lang="en-US" altLang="ja-JP" sz="2800" b="1" dirty="0" smtClean="0"/>
-          </a:p>
-          <a:p>
-            <a:pPr marL="82296" indent="0">
-              <a:buNone/>
-            </a:pPr>
-            <a:endParaRPr lang="en-US" altLang="ja-JP" sz="2800" dirty="0"/>
-          </a:p>
-          <a:p>
-            <a:pPr marL="82296" indent="0">
-              <a:buNone/>
-            </a:pPr>
-            <a:r>
-              <a:rPr lang="ja-JP" altLang="en-US" sz="2800" dirty="0" smtClean="0"/>
-              <a:t>・エクスプローラで複数ファイル選択→印刷</a:t>
-            </a:r>
-            <a:endParaRPr lang="en-US" altLang="ja-JP" sz="2800" dirty="0" smtClean="0"/>
-          </a:p>
-          <a:p>
-            <a:pPr marL="82296" indent="0">
-              <a:buNone/>
-            </a:pPr>
-            <a:r>
-              <a:rPr lang="ja-JP" altLang="en-US" sz="2800" dirty="0" smtClean="0"/>
-              <a:t>　→可能なのは</a:t>
-            </a:r>
-            <a:r>
-              <a:rPr lang="en-US" altLang="ja-JP" sz="2800" dirty="0" smtClean="0"/>
-              <a:t>15</a:t>
-            </a:r>
-            <a:r>
-              <a:rPr lang="ja-JP" altLang="en-US" sz="2800" dirty="0" smtClean="0"/>
-              <a:t>ファイルまで</a:t>
-            </a:r>
-            <a:endParaRPr lang="en-US" altLang="ja-JP" sz="2800" dirty="0" smtClean="0"/>
-          </a:p>
-          <a:p>
-            <a:pPr marL="82296" indent="0">
-              <a:buNone/>
-            </a:pPr>
-            <a:endParaRPr lang="en-US" altLang="ja-JP" sz="2800" b="1" dirty="0"/>
-          </a:p>
-          <a:p>
-            <a:pPr marL="82296" indent="0">
-              <a:buNone/>
-            </a:pPr>
-            <a:r>
-              <a:rPr lang="ja-JP" altLang="en-US" sz="2800" dirty="0" smtClean="0"/>
-              <a:t>・ブックを開き、印刷設定で「ブック全体を印刷」</a:t>
-            </a:r>
-            <a:endParaRPr lang="en-US" altLang="ja-JP" sz="2800" dirty="0" smtClean="0"/>
-          </a:p>
-          <a:p>
-            <a:pPr marL="82296" indent="0">
-              <a:buNone/>
-            </a:pPr>
-            <a:r>
-              <a:rPr lang="ja-JP" altLang="en-US" sz="2800" dirty="0"/>
-              <a:t>　</a:t>
-            </a:r>
-            <a:r>
-              <a:rPr lang="ja-JP" altLang="en-US" sz="2800" dirty="0" smtClean="0"/>
-              <a:t>を選択</a:t>
-            </a:r>
-            <a:endParaRPr lang="en-US" altLang="ja-JP" sz="2800" dirty="0" smtClean="0"/>
-          </a:p>
-          <a:p>
-            <a:pPr marL="82296" indent="0">
-              <a:buNone/>
-            </a:pPr>
-            <a:r>
-              <a:rPr lang="ja-JP" altLang="en-US" sz="2800" dirty="0"/>
-              <a:t>　</a:t>
-            </a:r>
-            <a:r>
-              <a:rPr lang="ja-JP" altLang="en-US" sz="2800" dirty="0" smtClean="0"/>
-              <a:t>→全シートが１シートとして印刷される</a:t>
-            </a:r>
-            <a:endParaRPr lang="en-US" altLang="ja-JP" sz="2800" dirty="0" smtClean="0"/>
-          </a:p>
-          <a:p>
-            <a:pPr marL="82296" indent="0">
-              <a:buNone/>
-            </a:pPr>
-            <a:r>
-              <a:rPr lang="ja-JP" altLang="en-US" sz="2800" dirty="0"/>
-              <a:t>　</a:t>
-            </a:r>
-            <a:r>
-              <a:rPr lang="ja-JP" altLang="en-US" sz="2800" dirty="0" smtClean="0"/>
-              <a:t>　（ページ数設定が死亡する）</a:t>
-            </a:r>
-            <a:endParaRPr lang="en-US" altLang="ja-JP" sz="2800" dirty="0"/>
+              <a:rPr lang="en-US" altLang="ja-JP" dirty="0" smtClean="0"/>
+              <a:t>Excel</a:t>
+            </a:r>
+            <a:r>
+              <a:rPr lang="ja-JP" altLang="en-US" dirty="0" smtClean="0"/>
+              <a:t>の編集が全てセル単位なことの弊害。</a:t>
+            </a:r>
+            <a:endParaRPr lang="en-US" altLang="ja-JP" dirty="0" smtClean="0"/>
+          </a:p>
+          <a:p>
+            <a:pPr marL="82296" indent="0">
+              <a:buNone/>
+            </a:pPr>
+            <a:endParaRPr lang="en-US" altLang="ja-JP" dirty="0"/>
+          </a:p>
+          <a:p>
+            <a:pPr marL="82296" indent="0">
+              <a:buNone/>
+            </a:pPr>
+            <a:endParaRPr lang="en-US" altLang="ja-JP" dirty="0" smtClean="0"/>
+          </a:p>
+          <a:p>
+            <a:pPr marL="82296" indent="0">
+              <a:buNone/>
+            </a:pPr>
+            <a:r>
+              <a:rPr lang="ja-JP" altLang="en-US" dirty="0" smtClean="0"/>
+              <a:t>これって</a:t>
+            </a:r>
+            <a:endParaRPr lang="en-US" altLang="ja-JP" dirty="0"/>
+          </a:p>
+          <a:p>
+            <a:pPr marL="82296" indent="0">
+              <a:buNone/>
+            </a:pPr>
+            <a:r>
+              <a:rPr lang="ja-JP" altLang="en-US" dirty="0" smtClean="0"/>
+              <a:t>・</a:t>
+            </a:r>
+            <a:r>
+              <a:rPr lang="en-US" altLang="ja-JP" dirty="0" smtClean="0"/>
+              <a:t>A1</a:t>
+            </a:r>
+            <a:r>
+              <a:rPr lang="ja-JP" altLang="en-US" dirty="0" smtClean="0"/>
+              <a:t>セルから見た底部の太線？</a:t>
+            </a:r>
+            <a:endParaRPr lang="en-US" altLang="ja-JP" dirty="0" smtClean="0"/>
+          </a:p>
+          <a:p>
+            <a:pPr marL="82296" indent="0">
+              <a:buNone/>
+            </a:pPr>
+            <a:r>
+              <a:rPr lang="ja-JP" altLang="en-US" dirty="0" smtClean="0"/>
+              <a:t>・</a:t>
+            </a:r>
+            <a:r>
+              <a:rPr lang="en-US" altLang="ja-JP" dirty="0" smtClean="0"/>
+              <a:t>A2</a:t>
+            </a:r>
+            <a:r>
+              <a:rPr lang="ja-JP" altLang="en-US" dirty="0" smtClean="0"/>
+              <a:t>セルから見た頂部の太線？</a:t>
+            </a:r>
+            <a:endParaRPr lang="en-US" altLang="ja-JP" dirty="0" smtClean="0"/>
+          </a:p>
+          <a:p>
+            <a:pPr marL="82296" indent="0">
+              <a:buNone/>
+            </a:pPr>
+            <a:r>
+              <a:rPr lang="ja-JP" altLang="en-US" dirty="0" smtClean="0"/>
+              <a:t>・両サイドとも太線？</a:t>
+            </a:r>
+            <a:endParaRPr lang="en-US" altLang="ja-JP" dirty="0" smtClean="0"/>
+          </a:p>
+          <a:p>
+            <a:pPr marL="82296" indent="0">
+              <a:buNone/>
+            </a:pPr>
+            <a:r>
+              <a:rPr lang="ja-JP" altLang="en-US" dirty="0"/>
+              <a:t>全体的に</a:t>
+            </a:r>
+            <a:r>
+              <a:rPr lang="ja-JP" altLang="en-US" dirty="0" smtClean="0"/>
+              <a:t>挙動が直感的でなく非常にクソです。</a:t>
+            </a:r>
+            <a:endParaRPr lang="en-US" altLang="ja-JP" dirty="0" smtClean="0"/>
+          </a:p>
+          <a:p>
+            <a:pPr marL="82296" indent="0">
+              <a:buNone/>
+            </a:pPr>
+            <a:endParaRPr lang="en-US" altLang="ja-JP" dirty="0"/>
+          </a:p>
+          <a:p>
+            <a:pPr marL="82296" indent="0">
+              <a:buNone/>
+            </a:pPr>
+            <a:r>
+              <a:rPr lang="ja-JP" altLang="en-US" dirty="0" smtClean="0"/>
+              <a:t>→マクロでやる場合も両サイドを意識しましょう。</a:t>
+            </a:r>
+            <a:endParaRPr lang="en-US" altLang="ja-JP" dirty="0"/>
           </a:p>
         </p:txBody>
       </p:sp>
+      <p:pic>
+        <p:nvPicPr>
+          <p:cNvPr id="4" name="図 3"/>
+          <p:cNvPicPr>
+            <a:picLocks noChangeAspect="1"/>
+          </p:cNvPicPr>
+          <p:nvPr/>
+        </p:nvPicPr>
+        <p:blipFill>
+          <a:blip r:embed="rId2">
+            <a:extLst>
+              <a:ext uri="{28A0092B-C50C-407E-A947-70E740481C1C}">
+                <a14:useLocalDpi xmlns:a14="http://schemas.microsoft.com/office/drawing/2010/main" val="0"/>
+              </a:ext>
+            </a:extLst>
+          </a:blip>
+          <a:stretch>
+            <a:fillRect/>
+          </a:stretch>
+        </p:blipFill>
+        <p:spPr>
+          <a:xfrm>
+            <a:off x="971600" y="1700808"/>
+            <a:ext cx="1800200" cy="980798"/>
+          </a:xfrm>
+          <a:prstGeom prst="rect">
+            <a:avLst/>
+          </a:prstGeom>
+        </p:spPr>
+      </p:pic>
     </p:spTree>
     <p:extLst>
       <p:ext uri="{BB962C8B-B14F-4D97-AF65-F5344CB8AC3E}">
-        <p14:creationId xmlns:p14="http://schemas.microsoft.com/office/powerpoint/2010/main" val="1548140014"/>
+        <p14:creationId xmlns:p14="http://schemas.microsoft.com/office/powerpoint/2010/main" val="3194300418"/>
       </p:ext>
     </p:extLst>
   </p:cSld>
@@ -4778,7 +5161,11 @@
           <a:p>
             <a:r>
               <a:rPr kumimoji="1" lang="ja-JP" altLang="en-US" dirty="0" smtClean="0"/>
-              <a:t>一括印刷マクロ</a:t>
+              <a:t>３）ヘッダー</a:t>
+            </a:r>
+            <a:r>
+              <a:rPr kumimoji="1" lang="ja-JP" altLang="en-US" dirty="0" smtClean="0"/>
+              <a:t>の修正</a:t>
             </a:r>
             <a:endParaRPr kumimoji="1" lang="ja-JP" altLang="en-US" dirty="0"/>
           </a:p>
@@ -4796,8 +5183,8 @@
         </p:nvSpPr>
         <p:spPr>
           <a:xfrm>
-            <a:off x="755576" y="1124744"/>
-            <a:ext cx="7818072" cy="5733256"/>
+            <a:off x="1115616" y="1124744"/>
+            <a:ext cx="8028384" cy="5544616"/>
           </a:xfrm>
         </p:spPr>
         <p:txBody>
@@ -4811,7 +5198,7 @@
             </a:pPr>
             <a:r>
               <a:rPr lang="ja-JP" altLang="en-US" dirty="0" smtClean="0"/>
-              <a:t>マクロを貼る。</a:t>
+              <a:t>・ヘッダーの内容、フォント変更</a:t>
             </a:r>
             <a:endParaRPr lang="en-US" altLang="ja-JP" dirty="0" smtClean="0"/>
           </a:p>
@@ -4825,6 +5212,26 @@
             <a:pPr marL="82296" indent="0">
               <a:buNone/>
             </a:pPr>
+            <a:r>
+              <a:rPr lang="ja-JP" altLang="en-US" dirty="0" smtClean="0"/>
+              <a:t>なんとなく今回は</a:t>
+            </a:r>
+            <a:r>
+              <a:rPr lang="en-US" altLang="ja-JP" dirty="0" smtClean="0"/>
+              <a:t>Java</a:t>
+            </a:r>
+            <a:r>
+              <a:rPr lang="ja-JP" altLang="en-US" dirty="0" smtClean="0"/>
+              <a:t>の </a:t>
+            </a:r>
+            <a:r>
+              <a:rPr lang="en-US" altLang="ja-JP" dirty="0" smtClean="0"/>
+              <a:t>apache poi</a:t>
+            </a:r>
+            <a:r>
+              <a:rPr lang="ja-JP" altLang="en-US" dirty="0" smtClean="0"/>
+              <a:t>で。</a:t>
+            </a:r>
             <a:endParaRPr lang="en-US" altLang="ja-JP" dirty="0" smtClean="0"/>
           </a:p>
           <a:p>
@@ -4833,7 +5240,17 @@
             </a:pPr>
             <a:r>
               <a:rPr lang="ja-JP" altLang="en-US" dirty="0" smtClean="0"/>
-              <a:t>（不本意ながら）今後も使えそうかも</a:t>
+              <a:t>ヘッダーは編集画面で確認しづらいので</a:t>
+            </a:r>
+            <a:endParaRPr lang="en-US" altLang="ja-JP" dirty="0" smtClean="0"/>
+          </a:p>
+          <a:p>
+            <a:pPr marL="82296" indent="0">
+              <a:buNone/>
+            </a:pPr>
+            <a:r>
+              <a:rPr lang="ja-JP" altLang="en-US" dirty="0" smtClean="0"/>
+              <a:t>効果大。</a:t>
             </a:r>
             <a:endParaRPr lang="en-US" altLang="ja-JP" dirty="0"/>
           </a:p>
@@ -4842,7 +5259,7 @@
     </p:spTree>
     <p:extLst>
       <p:ext uri="{BB962C8B-B14F-4D97-AF65-F5344CB8AC3E}">
-        <p14:creationId xmlns:p14="http://schemas.microsoft.com/office/powerpoint/2010/main" val="1331697671"/>
+        <p14:creationId xmlns:p14="http://schemas.microsoft.com/office/powerpoint/2010/main" val="3888104876"/>
       </p:ext>
     </p:extLst>
   </p:cSld>
@@ -4886,6 +5303,2021 @@
             <p:ph type="title"/>
           </p:nvPr>
         </p:nvSpPr>
+        <p:spPr>
+          <a:xfrm>
+            <a:off x="457200" y="274638"/>
+            <a:ext cx="8291264" cy="1143000"/>
+          </a:xfrm>
+        </p:spPr>
+        <p:txBody>
+          <a:bodyPr>
+            <a:normAutofit/>
+          </a:bodyPr>
+          <a:lstStyle/>
+          <a:p>
+            <a:r>
+              <a:rPr kumimoji="1" lang="ja-JP" altLang="en-US" dirty="0" smtClean="0"/>
+              <a:t>こんなのっぽい</a:t>
+            </a:r>
+            <a:r>
+              <a:rPr kumimoji="1" lang="en-US" altLang="ja-JP" dirty="0" smtClean="0"/>
+              <a:t>(</a:t>
+            </a:r>
+            <a:r>
+              <a:rPr lang="ja-JP" altLang="en-US" dirty="0"/>
+              <a:t>例外</a:t>
+            </a:r>
+            <a:r>
+              <a:rPr lang="ja-JP" altLang="en-US" dirty="0" smtClean="0"/>
+              <a:t>とか色々省略</a:t>
+            </a:r>
+            <a:r>
+              <a:rPr kumimoji="1" lang="en-US" altLang="ja-JP" dirty="0" smtClean="0"/>
+              <a:t>)</a:t>
+            </a:r>
+            <a:endParaRPr kumimoji="1" lang="ja-JP" altLang="en-US" dirty="0"/>
+          </a:p>
+        </p:txBody>
+      </p:sp>
+      <p:sp>
+        <p:nvSpPr>
+          <p:cNvPr id="3" name="コンテンツ プレースホルダー 2"/>
+          <p:cNvSpPr>
+            <a:spLocks noGrp="1"/>
+          </p:cNvSpPr>
+          <p:nvPr>
+            <p:ph idx="1"/>
+          </p:nvPr>
+        </p:nvSpPr>
+        <p:spPr>
+          <a:xfrm>
+            <a:off x="0" y="1124744"/>
+            <a:ext cx="9144000" cy="3096344"/>
+          </a:xfrm>
+        </p:spPr>
+        <p:txBody>
+          <a:bodyPr>
+            <a:normAutofit/>
+          </a:bodyPr>
+          <a:lstStyle/>
+          <a:p>
+            <a:pPr marL="36576" indent="0">
+              <a:buNone/>
+            </a:pPr>
+            <a:r>
+              <a:rPr lang="en-US" altLang="ja-JP" sz="2000" dirty="0"/>
+              <a:t>workbook = </a:t>
+            </a:r>
+            <a:r>
+              <a:rPr lang="en-US" altLang="ja-JP" sz="2000" dirty="0" err="1"/>
+              <a:t>WorkbookFactory.create</a:t>
+            </a:r>
+            <a:r>
+              <a:rPr lang="en-US" altLang="ja-JP" sz="2000" dirty="0"/>
+              <a:t>(new </a:t>
+            </a:r>
+            <a:r>
+              <a:rPr lang="en-US" altLang="ja-JP" sz="2000" dirty="0" err="1"/>
+              <a:t>FileInputStream</a:t>
+            </a:r>
+            <a:r>
+              <a:rPr lang="en-US" altLang="ja-JP" sz="2000" dirty="0"/>
+              <a:t>(</a:t>
+            </a:r>
+            <a:r>
+              <a:rPr lang="en-US" altLang="ja-JP" sz="2000" dirty="0" err="1"/>
+              <a:t>filePath</a:t>
+            </a:r>
+            <a:r>
+              <a:rPr lang="en-US" altLang="ja-JP" sz="2000" dirty="0"/>
+              <a:t>));</a:t>
+            </a:r>
+          </a:p>
+          <a:p>
+            <a:pPr marL="36576" indent="0">
+              <a:buNone/>
+            </a:pPr>
+            <a:r>
+              <a:rPr lang="en-US" altLang="ja-JP" sz="2000" dirty="0" err="1"/>
+              <a:t>int</a:t>
+            </a:r>
+            <a:r>
+              <a:rPr lang="en-US" altLang="ja-JP" sz="2000" dirty="0"/>
+              <a:t> </a:t>
+            </a:r>
+            <a:r>
+              <a:rPr lang="en-US" altLang="ja-JP" sz="2000" dirty="0" err="1"/>
+              <a:t>sheetCount</a:t>
+            </a:r>
+            <a:r>
+              <a:rPr lang="en-US" altLang="ja-JP" sz="2000" dirty="0"/>
+              <a:t> = </a:t>
+            </a:r>
+            <a:r>
+              <a:rPr lang="en-US" altLang="ja-JP" sz="2000" dirty="0" err="1"/>
+              <a:t>workbook.getNumberOfSheets</a:t>
+            </a:r>
+            <a:r>
+              <a:rPr lang="en-US" altLang="ja-JP" sz="2000" dirty="0"/>
+              <a:t>();</a:t>
+            </a:r>
+          </a:p>
+          <a:p>
+            <a:pPr marL="36576" indent="0">
+              <a:buNone/>
+            </a:pPr>
+            <a:r>
+              <a:rPr lang="nn-NO" altLang="ja-JP" sz="2000" dirty="0"/>
+              <a:t>for (int i = 0; i &lt; sheetCount; i++) {</a:t>
+            </a:r>
+          </a:p>
+          <a:p>
+            <a:pPr marL="36576" indent="0">
+              <a:buNone/>
+            </a:pPr>
+            <a:r>
+              <a:rPr lang="en-US" altLang="ja-JP" sz="2000" dirty="0" smtClean="0"/>
+              <a:t>  </a:t>
+            </a:r>
+            <a:r>
+              <a:rPr lang="en-US" altLang="ja-JP" sz="2000" dirty="0" err="1" smtClean="0"/>
+              <a:t>workbook.getSheetAt</a:t>
+            </a:r>
+            <a:r>
+              <a:rPr lang="en-US" altLang="ja-JP" sz="2000" dirty="0" smtClean="0"/>
+              <a:t>(</a:t>
+            </a:r>
+            <a:r>
+              <a:rPr lang="en-US" altLang="ja-JP" sz="2000" dirty="0" err="1" smtClean="0"/>
+              <a:t>i</a:t>
+            </a:r>
+            <a:r>
+              <a:rPr lang="en-US" altLang="ja-JP" sz="2000" dirty="0" smtClean="0"/>
+              <a:t>)</a:t>
+            </a:r>
+          </a:p>
+          <a:p>
+            <a:pPr marL="36576" indent="0">
+              <a:buNone/>
+            </a:pPr>
+            <a:r>
+              <a:rPr lang="en-US" altLang="ja-JP" sz="2000" dirty="0"/>
+              <a:t> </a:t>
+            </a:r>
+            <a:r>
+              <a:rPr lang="en-US" altLang="ja-JP" sz="2000" dirty="0" smtClean="0"/>
+              <a:t>    .</a:t>
+            </a:r>
+            <a:r>
+              <a:rPr lang="en-US" altLang="ja-JP" sz="2000" dirty="0" err="1" smtClean="0"/>
+              <a:t>getFooter</a:t>
+            </a:r>
+            <a:r>
+              <a:rPr lang="en-US" altLang="ja-JP" sz="2000" dirty="0"/>
+              <a:t>().</a:t>
+            </a:r>
+            <a:r>
+              <a:rPr lang="en-US" altLang="ja-JP" sz="2000" dirty="0" err="1"/>
+              <a:t>setCenter</a:t>
+            </a:r>
+            <a:r>
+              <a:rPr lang="en-US" altLang="ja-JP" sz="2000" dirty="0"/>
+              <a:t>(</a:t>
+            </a:r>
+            <a:r>
+              <a:rPr lang="en-US" altLang="ja-JP" sz="2000" dirty="0" err="1"/>
+              <a:t>HSSFFooter.font</a:t>
+            </a:r>
+            <a:r>
+              <a:rPr lang="en-US" altLang="ja-JP" sz="2000" dirty="0"/>
+              <a:t>("</a:t>
+            </a:r>
+            <a:r>
+              <a:rPr lang="ja-JP" altLang="en-US" sz="2000" dirty="0"/>
+              <a:t>ＭＳ Ｐゴシック</a:t>
+            </a:r>
+            <a:r>
+              <a:rPr lang="en-US" altLang="ja-JP" sz="2000" dirty="0"/>
+              <a:t>", "</a:t>
+            </a:r>
+            <a:r>
+              <a:rPr lang="ja-JP" altLang="en-US" sz="2000" dirty="0"/>
+              <a:t>標準</a:t>
+            </a:r>
+            <a:r>
+              <a:rPr lang="en-US" altLang="ja-JP" sz="2000" dirty="0" smtClean="0"/>
+              <a:t>")</a:t>
+            </a:r>
+            <a:endParaRPr lang="en-US" altLang="ja-JP" sz="2000" dirty="0"/>
+          </a:p>
+          <a:p>
+            <a:pPr marL="36576" indent="0">
+              <a:buNone/>
+            </a:pPr>
+            <a:r>
+              <a:rPr lang="en-US" altLang="ja-JP" sz="2000" dirty="0" smtClean="0"/>
+              <a:t>     + </a:t>
+            </a:r>
+            <a:r>
+              <a:rPr lang="en-US" altLang="ja-JP" sz="2000" dirty="0" err="1"/>
+              <a:t>HSSFFooter.fontSize</a:t>
+            </a:r>
+            <a:r>
+              <a:rPr lang="en-US" altLang="ja-JP" sz="2000" dirty="0"/>
+              <a:t>((short) 12) + </a:t>
+            </a:r>
+            <a:r>
+              <a:rPr lang="en-US" altLang="ja-JP" sz="2000" dirty="0" err="1"/>
+              <a:t>HSSFFooter.page</a:t>
+            </a:r>
+            <a:r>
+              <a:rPr lang="en-US" altLang="ja-JP" sz="2000" dirty="0" smtClean="0"/>
+              <a:t>()</a:t>
+            </a:r>
+          </a:p>
+          <a:p>
+            <a:pPr marL="36576" indent="0">
+              <a:buNone/>
+            </a:pPr>
+            <a:r>
+              <a:rPr lang="en-US" altLang="ja-JP" sz="2000" dirty="0"/>
+              <a:t> </a:t>
+            </a:r>
+            <a:r>
+              <a:rPr lang="en-US" altLang="ja-JP" sz="2000" dirty="0" smtClean="0"/>
+              <a:t>    + </a:t>
+            </a:r>
+            <a:r>
+              <a:rPr lang="en-US" altLang="ja-JP" sz="2000" dirty="0"/>
+              <a:t>" / " + </a:t>
+            </a:r>
+            <a:r>
+              <a:rPr lang="en-US" altLang="ja-JP" sz="2000" dirty="0" err="1"/>
+              <a:t>HSSFFooter.numPages</a:t>
+            </a:r>
+            <a:r>
+              <a:rPr lang="en-US" altLang="ja-JP" sz="2000" dirty="0"/>
+              <a:t>());</a:t>
+            </a:r>
+          </a:p>
+          <a:p>
+            <a:pPr marL="36576" indent="0">
+              <a:buNone/>
+            </a:pPr>
+            <a:r>
+              <a:rPr lang="en-US" altLang="ja-JP" sz="2000" dirty="0" smtClean="0"/>
+              <a:t>}</a:t>
+            </a:r>
+            <a:endParaRPr lang="en-US" altLang="ja-JP" sz="2000" dirty="0"/>
+          </a:p>
+        </p:txBody>
+      </p:sp>
+    </p:spTree>
+    <p:extLst>
+      <p:ext uri="{BB962C8B-B14F-4D97-AF65-F5344CB8AC3E}">
+        <p14:creationId xmlns:p14="http://schemas.microsoft.com/office/powerpoint/2010/main" val="3211148256"/>
+      </p:ext>
+    </p:extLst>
+  </p:cSld>
+  <p:clrMapOvr>
+    <a:masterClrMapping/>
+  </p:clrMapOvr>
+  <p:timing>
+    <p:tnLst>
+      <p:par>
+        <p:cTn id="1" dur="indefinite" restart="never" nodeType="tmRoot"/>
+      </p:par>
+    </p:tnLst>
+  </p:timing>
+</p:sld>
+</file>
+
+<file path=ppt/slides/slide15.xml><?xml version="1.0" encoding="utf-8"?>
+<p:sld xmlns:a="http://schemas.openxmlformats.org/drawingml/2006/main" xmlns:r="http://schemas.openxmlformats.org/officeDocument/2006/relationships" xmlns:p="http://schemas.openxmlformats.org/presentationml/2006/main">
+  <p:cSld>
+    <p:spTree>
+      <p:nvGrpSpPr>
+        <p:cNvPr id="1" name=""/>
+        <p:cNvGrpSpPr/>
+        <p:nvPr/>
+      </p:nvGrpSpPr>
+      <p:grpSpPr>
+        <a:xfrm>
+          <a:off x="0" y="0"/>
+          <a:ext cx="0" cy="0"/>
+          <a:chOff x="0" y="0"/>
+          <a:chExt cx="0" cy="0"/>
+        </a:xfrm>
+      </p:grpSpPr>
+      <p:sp>
+        <p:nvSpPr>
+          <p:cNvPr id="2" name="タイトル 1"/>
+          <p:cNvSpPr>
+            <a:spLocks noGrp="1"/>
+          </p:cNvSpPr>
+          <p:nvPr>
+            <p:ph type="title"/>
+          </p:nvPr>
+        </p:nvSpPr>
+        <p:spPr>
+          <a:xfrm>
+            <a:off x="457200" y="274638"/>
+            <a:ext cx="8507288" cy="1143000"/>
+          </a:xfrm>
+        </p:spPr>
+        <p:txBody>
+          <a:bodyPr>
+            <a:normAutofit fontScale="90000"/>
+          </a:bodyPr>
+          <a:lstStyle/>
+          <a:p>
+            <a:r>
+              <a:rPr kumimoji="1" lang="ja-JP" altLang="en-US" dirty="0" smtClean="0"/>
+              <a:t>４）印刷設定がブック毎に保存される</a:t>
+            </a:r>
+            <a:endParaRPr kumimoji="1" lang="ja-JP" altLang="en-US" dirty="0"/>
+          </a:p>
+        </p:txBody>
+      </p:sp>
+      <p:sp>
+        <p:nvSpPr>
+          <p:cNvPr id="3" name="コンテンツ プレースホルダー 2"/>
+          <p:cNvSpPr>
+            <a:spLocks noGrp="1"/>
+          </p:cNvSpPr>
+          <p:nvPr>
+            <p:ph idx="1"/>
+          </p:nvPr>
+        </p:nvSpPr>
+        <p:spPr>
+          <a:xfrm>
+            <a:off x="539552" y="1124744"/>
+            <a:ext cx="8604448" cy="5544616"/>
+          </a:xfrm>
+        </p:spPr>
+        <p:txBody>
+          <a:bodyPr>
+            <a:normAutofit/>
+          </a:bodyPr>
+          <a:lstStyle/>
+          <a:p>
+            <a:pPr marL="82296" indent="0">
+              <a:buNone/>
+            </a:pPr>
+            <a:r>
+              <a:rPr lang="ja-JP" altLang="en-US" dirty="0" smtClean="0"/>
+              <a:t>・間違えて片面印刷したファイルとかが曲者</a:t>
+            </a:r>
+            <a:endParaRPr lang="en-US" altLang="ja-JP" dirty="0" smtClean="0"/>
+          </a:p>
+          <a:p>
+            <a:pPr marL="82296" indent="0">
+              <a:buNone/>
+            </a:pPr>
+            <a:r>
+              <a:rPr lang="ja-JP" altLang="en-US" dirty="0" smtClean="0"/>
+              <a:t>・プリンタの設定より優先されるため無視できない</a:t>
+            </a:r>
+            <a:endParaRPr lang="en-US" altLang="ja-JP" dirty="0" smtClean="0"/>
+          </a:p>
+          <a:p>
+            <a:pPr marL="82296" indent="0">
+              <a:buNone/>
+            </a:pPr>
+            <a:r>
+              <a:rPr lang="ja-JP" altLang="en-US" dirty="0" smtClean="0"/>
+              <a:t>・保存しないようにはできないらしい</a:t>
+            </a:r>
+            <a:endParaRPr lang="en-US" altLang="ja-JP" dirty="0" smtClean="0"/>
+          </a:p>
+          <a:p>
+            <a:pPr marL="82296" indent="0">
+              <a:buNone/>
+            </a:pPr>
+            <a:endParaRPr lang="en-US" altLang="ja-JP" dirty="0"/>
+          </a:p>
+          <a:p>
+            <a:pPr marL="82296" indent="0">
+              <a:buNone/>
+            </a:pPr>
+            <a:r>
+              <a:rPr lang="ja-JP" altLang="en-US" dirty="0" smtClean="0"/>
+              <a:t>例）↓一括印刷したらこういうことになった</a:t>
+            </a:r>
+            <a:endParaRPr lang="en-US" altLang="ja-JP" dirty="0" smtClean="0"/>
+          </a:p>
+          <a:p>
+            <a:pPr marL="82296" indent="0">
+              <a:buNone/>
+            </a:pPr>
+            <a:endParaRPr lang="en-US" altLang="ja-JP" dirty="0"/>
+          </a:p>
+          <a:p>
+            <a:pPr marL="82296" indent="0">
+              <a:buNone/>
+            </a:pPr>
+            <a:endParaRPr lang="en-US" altLang="ja-JP" dirty="0"/>
+          </a:p>
+        </p:txBody>
+      </p:sp>
+      <p:grpSp>
+        <p:nvGrpSpPr>
+          <p:cNvPr id="8" name="グループ化 7"/>
+          <p:cNvGrpSpPr/>
+          <p:nvPr/>
+        </p:nvGrpSpPr>
+        <p:grpSpPr>
+          <a:xfrm>
+            <a:off x="1259632" y="4787107"/>
+            <a:ext cx="1207434" cy="1594221"/>
+            <a:chOff x="1259632" y="4725144"/>
+            <a:chExt cx="1207434" cy="1594221"/>
+          </a:xfrm>
+        </p:grpSpPr>
+        <p:sp>
+          <p:nvSpPr>
+            <p:cNvPr id="4" name="メモ 3"/>
+            <p:cNvSpPr/>
+            <p:nvPr/>
+          </p:nvSpPr>
+          <p:spPr bwMode="gray">
+            <a:xfrm>
+              <a:off x="1259632" y="4725144"/>
+              <a:ext cx="1207434" cy="1594221"/>
+            </a:xfrm>
+            <a:prstGeom prst="foldedCorner">
+              <a:avLst>
+                <a:gd name="adj" fmla="val 22917"/>
+              </a:avLst>
+            </a:prstGeom>
+            <a:solidFill>
+              <a:srgbClr val="FFFFFF"/>
+            </a:solidFill>
+            <a:ln w="9525" cap="flat" cmpd="sng" algn="ctr">
+              <a:solidFill>
+                <a:srgbClr val="87867E"/>
+              </a:solidFill>
+              <a:prstDash val="solid"/>
+              <a:round/>
+              <a:headEnd type="none" w="med" len="med"/>
+              <a:tailEnd type="none" w="med" len="med"/>
+            </a:ln>
+            <a:effectLst/>
+            <a:extLst>
+              <a:ext uri="{AF507438-7753-43E0-B8FC-AC1667EBCBE1}">
+                <a14:hiddenEffects xmlns:a14="http://schemas.microsoft.com/office/drawing/2010/main">
+                  <a:effectLst>
+                    <a:outerShdw dist="53882" dir="2700000" algn="ctr" rotWithShape="0">
+                      <a:schemeClr val="bg2">
+                        <a:alpha val="50000"/>
+                      </a:schemeClr>
+                    </a:outerShdw>
+                  </a:effectLst>
+                </a14:hiddenEffects>
+              </a:ext>
+            </a:extLst>
+          </p:spPr>
+          <p:txBody>
+            <a:bodyPr rot="0" spcFirstLastPara="0" vert="horz" wrap="square" lIns="91440" tIns="45720" rIns="91440" bIns="45720" numCol="1" spcCol="0" rtlCol="0" fromWordArt="0" anchor="ctr" anchorCtr="0" forceAA="0" compatLnSpc="1">
+              <a:prstTxWarp prst="textNoShape">
+                <a:avLst/>
+              </a:prstTxWarp>
+              <a:noAutofit/>
+            </a:bodyPr>
+            <a:lstStyle>
+              <a:lvl1pPr marL="0" indent="0">
+                <a:defRPr sz="1100">
+                  <a:latin typeface="+mn-lt"/>
+                  <a:ea typeface="+mn-ea"/>
+                  <a:cs typeface="+mn-cs"/>
+                </a:defRPr>
+              </a:lvl1pPr>
+              <a:lvl2pPr marL="457200" indent="0">
+                <a:defRPr sz="1100">
+                  <a:latin typeface="+mn-lt"/>
+                  <a:ea typeface="+mn-ea"/>
+                  <a:cs typeface="+mn-cs"/>
+                </a:defRPr>
+              </a:lvl2pPr>
+              <a:lvl3pPr marL="914400" indent="0">
+                <a:defRPr sz="1100">
+                  <a:latin typeface="+mn-lt"/>
+                  <a:ea typeface="+mn-ea"/>
+                  <a:cs typeface="+mn-cs"/>
+                </a:defRPr>
+              </a:lvl3pPr>
+              <a:lvl4pPr marL="1371600" indent="0">
+                <a:defRPr sz="1100">
+                  <a:latin typeface="+mn-lt"/>
+                  <a:ea typeface="+mn-ea"/>
+                  <a:cs typeface="+mn-cs"/>
+                </a:defRPr>
+              </a:lvl4pPr>
+              <a:lvl5pPr marL="1828800" indent="0">
+                <a:defRPr sz="1100">
+                  <a:latin typeface="+mn-lt"/>
+                  <a:ea typeface="+mn-ea"/>
+                  <a:cs typeface="+mn-cs"/>
+                </a:defRPr>
+              </a:lvl5pPr>
+              <a:lvl6pPr marL="2286000" indent="0">
+                <a:defRPr sz="1100">
+                  <a:latin typeface="+mn-lt"/>
+                  <a:ea typeface="+mn-ea"/>
+                  <a:cs typeface="+mn-cs"/>
+                </a:defRPr>
+              </a:lvl6pPr>
+              <a:lvl7pPr marL="2743200" indent="0">
+                <a:defRPr sz="1100">
+                  <a:latin typeface="+mn-lt"/>
+                  <a:ea typeface="+mn-ea"/>
+                  <a:cs typeface="+mn-cs"/>
+                </a:defRPr>
+              </a:lvl7pPr>
+              <a:lvl8pPr marL="3200400" indent="0">
+                <a:defRPr sz="1100">
+                  <a:latin typeface="+mn-lt"/>
+                  <a:ea typeface="+mn-ea"/>
+                  <a:cs typeface="+mn-cs"/>
+                </a:defRPr>
+              </a:lvl8pPr>
+              <a:lvl9pPr marL="3657600" indent="0">
+                <a:defRPr sz="1100">
+                  <a:latin typeface="+mn-lt"/>
+                  <a:ea typeface="+mn-ea"/>
+                  <a:cs typeface="+mn-cs"/>
+                </a:defRPr>
+              </a:lvl9pPr>
+            </a:lstStyle>
+            <a:p>
+              <a:r>
+                <a:rPr lang="en-US" altLang="ja-JP" sz="1000">
+                  <a:latin typeface="Meiryo UI" panose="020B0604030504040204" pitchFamily="50" charset="-128"/>
+                  <a:ea typeface="Meiryo UI" panose="020B0604030504040204" pitchFamily="50" charset="-128"/>
+                  <a:cs typeface="Meiryo UI" panose="020B0604030504040204" pitchFamily="50" charset="-128"/>
+                </a:rPr>
+                <a:t>CSV</a:t>
+              </a:r>
+              <a:endParaRPr lang="ja-JP" altLang="en-US" sz="1000">
+                <a:latin typeface="Meiryo UI" panose="020B0604030504040204" pitchFamily="50" charset="-128"/>
+                <a:ea typeface="Meiryo UI" panose="020B0604030504040204" pitchFamily="50" charset="-128"/>
+                <a:cs typeface="Meiryo UI" panose="020B0604030504040204" pitchFamily="50" charset="-128"/>
+              </a:endParaRPr>
+            </a:p>
+          </p:txBody>
+        </p:sp>
+        <p:sp>
+          <p:nvSpPr>
+            <p:cNvPr id="5" name="円/楕円 4"/>
+            <p:cNvSpPr/>
+            <p:nvPr/>
+          </p:nvSpPr>
+          <p:spPr>
+            <a:xfrm>
+              <a:off x="1403648" y="5085184"/>
+              <a:ext cx="144016" cy="144016"/>
+            </a:xfrm>
+            <a:prstGeom prst="ellipse">
+              <a:avLst/>
+            </a:prstGeom>
+            <a:solidFill>
+              <a:schemeClr val="tx1"/>
+            </a:solidFill>
+            <a:ln w="15875">
+              <a:solidFill>
+                <a:schemeClr val="bg1"/>
+              </a:solidFill>
+            </a:ln>
+          </p:spPr>
+          <p:style>
+            <a:lnRef idx="2">
+              <a:schemeClr val="accent1">
+                <a:shade val="50000"/>
+              </a:schemeClr>
+            </a:lnRef>
+            <a:fillRef idx="1">
+              <a:schemeClr val="accent1"/>
+            </a:fillRef>
+            <a:effectRef idx="0">
+              <a:schemeClr val="accent1"/>
+            </a:effectRef>
+            <a:fontRef idx="minor">
+              <a:schemeClr val="lt1"/>
+            </a:fontRef>
+          </p:style>
+          <p:txBody>
+            <a:bodyPr rtlCol="0" anchor="ctr"/>
+            <a:lstStyle/>
+            <a:p>
+              <a:pPr algn="ctr"/>
+              <a:endParaRPr kumimoji="1" lang="ja-JP" altLang="en-US"/>
+            </a:p>
+          </p:txBody>
+        </p:sp>
+        <p:sp>
+          <p:nvSpPr>
+            <p:cNvPr id="7" name="円/楕円 6"/>
+            <p:cNvSpPr/>
+            <p:nvPr/>
+          </p:nvSpPr>
+          <p:spPr>
+            <a:xfrm>
+              <a:off x="1403648" y="5805264"/>
+              <a:ext cx="144016" cy="144016"/>
+            </a:xfrm>
+            <a:prstGeom prst="ellipse">
+              <a:avLst/>
+            </a:prstGeom>
+            <a:solidFill>
+              <a:schemeClr val="tx1"/>
+            </a:solidFill>
+            <a:ln w="15875">
+              <a:solidFill>
+                <a:schemeClr val="bg1"/>
+              </a:solidFill>
+            </a:ln>
+          </p:spPr>
+          <p:style>
+            <a:lnRef idx="2">
+              <a:schemeClr val="accent1">
+                <a:shade val="50000"/>
+              </a:schemeClr>
+            </a:lnRef>
+            <a:fillRef idx="1">
+              <a:schemeClr val="accent1"/>
+            </a:fillRef>
+            <a:effectRef idx="0">
+              <a:schemeClr val="accent1"/>
+            </a:effectRef>
+            <a:fontRef idx="minor">
+              <a:schemeClr val="lt1"/>
+            </a:fontRef>
+          </p:style>
+          <p:txBody>
+            <a:bodyPr rtlCol="0" anchor="ctr"/>
+            <a:lstStyle/>
+            <a:p>
+              <a:pPr algn="ctr"/>
+              <a:endParaRPr kumimoji="1" lang="ja-JP" altLang="en-US"/>
+            </a:p>
+          </p:txBody>
+        </p:sp>
+      </p:grpSp>
+      <p:grpSp>
+        <p:nvGrpSpPr>
+          <p:cNvPr id="9" name="グループ化 8"/>
+          <p:cNvGrpSpPr/>
+          <p:nvPr/>
+        </p:nvGrpSpPr>
+        <p:grpSpPr>
+          <a:xfrm>
+            <a:off x="1619672" y="4715099"/>
+            <a:ext cx="1207434" cy="1594221"/>
+            <a:chOff x="1259632" y="4725144"/>
+            <a:chExt cx="1207434" cy="1594221"/>
+          </a:xfrm>
+        </p:grpSpPr>
+        <p:sp>
+          <p:nvSpPr>
+            <p:cNvPr id="10" name="メモ 9"/>
+            <p:cNvSpPr/>
+            <p:nvPr/>
+          </p:nvSpPr>
+          <p:spPr bwMode="gray">
+            <a:xfrm>
+              <a:off x="1259632" y="4725144"/>
+              <a:ext cx="1207434" cy="1594221"/>
+            </a:xfrm>
+            <a:prstGeom prst="foldedCorner">
+              <a:avLst>
+                <a:gd name="adj" fmla="val 22917"/>
+              </a:avLst>
+            </a:prstGeom>
+            <a:solidFill>
+              <a:srgbClr val="FFFFFF"/>
+            </a:solidFill>
+            <a:ln w="9525" cap="flat" cmpd="sng" algn="ctr">
+              <a:solidFill>
+                <a:srgbClr val="87867E"/>
+              </a:solidFill>
+              <a:prstDash val="solid"/>
+              <a:round/>
+              <a:headEnd type="none" w="med" len="med"/>
+              <a:tailEnd type="none" w="med" len="med"/>
+            </a:ln>
+            <a:effectLst/>
+            <a:extLst>
+              <a:ext uri="{AF507438-7753-43E0-B8FC-AC1667EBCBE1}">
+                <a14:hiddenEffects xmlns:a14="http://schemas.microsoft.com/office/drawing/2010/main">
+                  <a:effectLst>
+                    <a:outerShdw dist="53882" dir="2700000" algn="ctr" rotWithShape="0">
+                      <a:schemeClr val="bg2">
+                        <a:alpha val="50000"/>
+                      </a:schemeClr>
+                    </a:outerShdw>
+                  </a:effectLst>
+                </a14:hiddenEffects>
+              </a:ext>
+            </a:extLst>
+          </p:spPr>
+          <p:txBody>
+            <a:bodyPr rot="0" spcFirstLastPara="0" vert="horz" wrap="square" lIns="91440" tIns="45720" rIns="91440" bIns="45720" numCol="1" spcCol="0" rtlCol="0" fromWordArt="0" anchor="ctr" anchorCtr="0" forceAA="0" compatLnSpc="1">
+              <a:prstTxWarp prst="textNoShape">
+                <a:avLst/>
+              </a:prstTxWarp>
+              <a:noAutofit/>
+            </a:bodyPr>
+            <a:lstStyle>
+              <a:lvl1pPr marL="0" indent="0">
+                <a:defRPr sz="1100">
+                  <a:latin typeface="+mn-lt"/>
+                  <a:ea typeface="+mn-ea"/>
+                  <a:cs typeface="+mn-cs"/>
+                </a:defRPr>
+              </a:lvl1pPr>
+              <a:lvl2pPr marL="457200" indent="0">
+                <a:defRPr sz="1100">
+                  <a:latin typeface="+mn-lt"/>
+                  <a:ea typeface="+mn-ea"/>
+                  <a:cs typeface="+mn-cs"/>
+                </a:defRPr>
+              </a:lvl2pPr>
+              <a:lvl3pPr marL="914400" indent="0">
+                <a:defRPr sz="1100">
+                  <a:latin typeface="+mn-lt"/>
+                  <a:ea typeface="+mn-ea"/>
+                  <a:cs typeface="+mn-cs"/>
+                </a:defRPr>
+              </a:lvl3pPr>
+              <a:lvl4pPr marL="1371600" indent="0">
+                <a:defRPr sz="1100">
+                  <a:latin typeface="+mn-lt"/>
+                  <a:ea typeface="+mn-ea"/>
+                  <a:cs typeface="+mn-cs"/>
+                </a:defRPr>
+              </a:lvl4pPr>
+              <a:lvl5pPr marL="1828800" indent="0">
+                <a:defRPr sz="1100">
+                  <a:latin typeface="+mn-lt"/>
+                  <a:ea typeface="+mn-ea"/>
+                  <a:cs typeface="+mn-cs"/>
+                </a:defRPr>
+              </a:lvl5pPr>
+              <a:lvl6pPr marL="2286000" indent="0">
+                <a:defRPr sz="1100">
+                  <a:latin typeface="+mn-lt"/>
+                  <a:ea typeface="+mn-ea"/>
+                  <a:cs typeface="+mn-cs"/>
+                </a:defRPr>
+              </a:lvl6pPr>
+              <a:lvl7pPr marL="2743200" indent="0">
+                <a:defRPr sz="1100">
+                  <a:latin typeface="+mn-lt"/>
+                  <a:ea typeface="+mn-ea"/>
+                  <a:cs typeface="+mn-cs"/>
+                </a:defRPr>
+              </a:lvl7pPr>
+              <a:lvl8pPr marL="3200400" indent="0">
+                <a:defRPr sz="1100">
+                  <a:latin typeface="+mn-lt"/>
+                  <a:ea typeface="+mn-ea"/>
+                  <a:cs typeface="+mn-cs"/>
+                </a:defRPr>
+              </a:lvl8pPr>
+              <a:lvl9pPr marL="3657600" indent="0">
+                <a:defRPr sz="1100">
+                  <a:latin typeface="+mn-lt"/>
+                  <a:ea typeface="+mn-ea"/>
+                  <a:cs typeface="+mn-cs"/>
+                </a:defRPr>
+              </a:lvl9pPr>
+            </a:lstStyle>
+            <a:p>
+              <a:r>
+                <a:rPr lang="en-US" altLang="ja-JP" sz="1000">
+                  <a:latin typeface="Meiryo UI" panose="020B0604030504040204" pitchFamily="50" charset="-128"/>
+                  <a:ea typeface="Meiryo UI" panose="020B0604030504040204" pitchFamily="50" charset="-128"/>
+                  <a:cs typeface="Meiryo UI" panose="020B0604030504040204" pitchFamily="50" charset="-128"/>
+                </a:rPr>
+                <a:t>CSV</a:t>
+              </a:r>
+              <a:endParaRPr lang="ja-JP" altLang="en-US" sz="1000">
+                <a:latin typeface="Meiryo UI" panose="020B0604030504040204" pitchFamily="50" charset="-128"/>
+                <a:ea typeface="Meiryo UI" panose="020B0604030504040204" pitchFamily="50" charset="-128"/>
+                <a:cs typeface="Meiryo UI" panose="020B0604030504040204" pitchFamily="50" charset="-128"/>
+              </a:endParaRPr>
+            </a:p>
+          </p:txBody>
+        </p:sp>
+        <p:sp>
+          <p:nvSpPr>
+            <p:cNvPr id="11" name="円/楕円 10"/>
+            <p:cNvSpPr/>
+            <p:nvPr/>
+          </p:nvSpPr>
+          <p:spPr>
+            <a:xfrm>
+              <a:off x="1403648" y="5085184"/>
+              <a:ext cx="144016" cy="144016"/>
+            </a:xfrm>
+            <a:prstGeom prst="ellipse">
+              <a:avLst/>
+            </a:prstGeom>
+            <a:solidFill>
+              <a:schemeClr val="tx1"/>
+            </a:solidFill>
+            <a:ln w="15875">
+              <a:solidFill>
+                <a:schemeClr val="bg1"/>
+              </a:solidFill>
+            </a:ln>
+          </p:spPr>
+          <p:style>
+            <a:lnRef idx="2">
+              <a:schemeClr val="accent1">
+                <a:shade val="50000"/>
+              </a:schemeClr>
+            </a:lnRef>
+            <a:fillRef idx="1">
+              <a:schemeClr val="accent1"/>
+            </a:fillRef>
+            <a:effectRef idx="0">
+              <a:schemeClr val="accent1"/>
+            </a:effectRef>
+            <a:fontRef idx="minor">
+              <a:schemeClr val="lt1"/>
+            </a:fontRef>
+          </p:style>
+          <p:txBody>
+            <a:bodyPr rtlCol="0" anchor="ctr"/>
+            <a:lstStyle/>
+            <a:p>
+              <a:pPr algn="ctr"/>
+              <a:endParaRPr kumimoji="1" lang="ja-JP" altLang="en-US"/>
+            </a:p>
+          </p:txBody>
+        </p:sp>
+        <p:sp>
+          <p:nvSpPr>
+            <p:cNvPr id="12" name="円/楕円 11"/>
+            <p:cNvSpPr/>
+            <p:nvPr/>
+          </p:nvSpPr>
+          <p:spPr>
+            <a:xfrm>
+              <a:off x="1403648" y="5805264"/>
+              <a:ext cx="144016" cy="144016"/>
+            </a:xfrm>
+            <a:prstGeom prst="ellipse">
+              <a:avLst/>
+            </a:prstGeom>
+            <a:solidFill>
+              <a:schemeClr val="tx1"/>
+            </a:solidFill>
+            <a:ln w="15875">
+              <a:solidFill>
+                <a:schemeClr val="bg1"/>
+              </a:solidFill>
+            </a:ln>
+          </p:spPr>
+          <p:style>
+            <a:lnRef idx="2">
+              <a:schemeClr val="accent1">
+                <a:shade val="50000"/>
+              </a:schemeClr>
+            </a:lnRef>
+            <a:fillRef idx="1">
+              <a:schemeClr val="accent1"/>
+            </a:fillRef>
+            <a:effectRef idx="0">
+              <a:schemeClr val="accent1"/>
+            </a:effectRef>
+            <a:fontRef idx="minor">
+              <a:schemeClr val="lt1"/>
+            </a:fontRef>
+          </p:style>
+          <p:txBody>
+            <a:bodyPr rtlCol="0" anchor="ctr"/>
+            <a:lstStyle/>
+            <a:p>
+              <a:pPr algn="ctr"/>
+              <a:endParaRPr kumimoji="1" lang="ja-JP" altLang="en-US"/>
+            </a:p>
+          </p:txBody>
+        </p:sp>
+      </p:grpSp>
+      <p:sp>
+        <p:nvSpPr>
+          <p:cNvPr id="14" name="メモ 13"/>
+          <p:cNvSpPr/>
+          <p:nvPr/>
+        </p:nvSpPr>
+        <p:spPr bwMode="gray">
+          <a:xfrm>
+            <a:off x="1972093" y="4643091"/>
+            <a:ext cx="1207434" cy="1594221"/>
+          </a:xfrm>
+          <a:prstGeom prst="foldedCorner">
+            <a:avLst>
+              <a:gd name="adj" fmla="val 22917"/>
+            </a:avLst>
+          </a:prstGeom>
+          <a:solidFill>
+            <a:srgbClr val="FFFFFF"/>
+          </a:solidFill>
+          <a:ln w="9525" cap="flat" cmpd="sng" algn="ctr">
+            <a:solidFill>
+              <a:srgbClr val="87867E"/>
+            </a:solidFill>
+            <a:prstDash val="solid"/>
+            <a:round/>
+            <a:headEnd type="none" w="med" len="med"/>
+            <a:tailEnd type="none" w="med" len="med"/>
+          </a:ln>
+          <a:effectLst/>
+          <a:extLst>
+            <a:ext uri="{AF507438-7753-43E0-B8FC-AC1667EBCBE1}">
+              <a14:hiddenEffects xmlns:a14="http://schemas.microsoft.com/office/drawing/2010/main">
+                <a:effectLst>
+                  <a:outerShdw dist="53882" dir="2700000" algn="ctr" rotWithShape="0">
+                    <a:schemeClr val="bg2">
+                      <a:alpha val="50000"/>
+                    </a:schemeClr>
+                  </a:outerShdw>
+                </a:effectLst>
+              </a14:hiddenEffects>
+            </a:ext>
+          </a:extLst>
+        </p:spPr>
+        <p:txBody>
+          <a:bodyPr rot="0" spcFirstLastPara="0" vert="horz" wrap="square" lIns="91440" tIns="45720" rIns="91440" bIns="45720" numCol="1" spcCol="0" rtlCol="0" fromWordArt="0" anchor="ctr" anchorCtr="0" forceAA="0" compatLnSpc="1">
+            <a:prstTxWarp prst="textNoShape">
+              <a:avLst/>
+            </a:prstTxWarp>
+            <a:noAutofit/>
+          </a:bodyPr>
+          <a:lstStyle>
+            <a:lvl1pPr marL="0" indent="0">
+              <a:defRPr sz="1100">
+                <a:latin typeface="+mn-lt"/>
+                <a:ea typeface="+mn-ea"/>
+                <a:cs typeface="+mn-cs"/>
+              </a:defRPr>
+            </a:lvl1pPr>
+            <a:lvl2pPr marL="457200" indent="0">
+              <a:defRPr sz="1100">
+                <a:latin typeface="+mn-lt"/>
+                <a:ea typeface="+mn-ea"/>
+                <a:cs typeface="+mn-cs"/>
+              </a:defRPr>
+            </a:lvl2pPr>
+            <a:lvl3pPr marL="914400" indent="0">
+              <a:defRPr sz="1100">
+                <a:latin typeface="+mn-lt"/>
+                <a:ea typeface="+mn-ea"/>
+                <a:cs typeface="+mn-cs"/>
+              </a:defRPr>
+            </a:lvl3pPr>
+            <a:lvl4pPr marL="1371600" indent="0">
+              <a:defRPr sz="1100">
+                <a:latin typeface="+mn-lt"/>
+                <a:ea typeface="+mn-ea"/>
+                <a:cs typeface="+mn-cs"/>
+              </a:defRPr>
+            </a:lvl4pPr>
+            <a:lvl5pPr marL="1828800" indent="0">
+              <a:defRPr sz="1100">
+                <a:latin typeface="+mn-lt"/>
+                <a:ea typeface="+mn-ea"/>
+                <a:cs typeface="+mn-cs"/>
+              </a:defRPr>
+            </a:lvl5pPr>
+            <a:lvl6pPr marL="2286000" indent="0">
+              <a:defRPr sz="1100">
+                <a:latin typeface="+mn-lt"/>
+                <a:ea typeface="+mn-ea"/>
+                <a:cs typeface="+mn-cs"/>
+              </a:defRPr>
+            </a:lvl6pPr>
+            <a:lvl7pPr marL="2743200" indent="0">
+              <a:defRPr sz="1100">
+                <a:latin typeface="+mn-lt"/>
+                <a:ea typeface="+mn-ea"/>
+                <a:cs typeface="+mn-cs"/>
+              </a:defRPr>
+            </a:lvl7pPr>
+            <a:lvl8pPr marL="3200400" indent="0">
+              <a:defRPr sz="1100">
+                <a:latin typeface="+mn-lt"/>
+                <a:ea typeface="+mn-ea"/>
+                <a:cs typeface="+mn-cs"/>
+              </a:defRPr>
+            </a:lvl8pPr>
+            <a:lvl9pPr marL="3657600" indent="0">
+              <a:defRPr sz="1100">
+                <a:latin typeface="+mn-lt"/>
+                <a:ea typeface="+mn-ea"/>
+                <a:cs typeface="+mn-cs"/>
+              </a:defRPr>
+            </a:lvl9pPr>
+          </a:lstStyle>
+          <a:p>
+            <a:r>
+              <a:rPr lang="en-US" altLang="ja-JP" sz="1000">
+                <a:latin typeface="Meiryo UI" panose="020B0604030504040204" pitchFamily="50" charset="-128"/>
+                <a:ea typeface="Meiryo UI" panose="020B0604030504040204" pitchFamily="50" charset="-128"/>
+                <a:cs typeface="Meiryo UI" panose="020B0604030504040204" pitchFamily="50" charset="-128"/>
+              </a:rPr>
+              <a:t>CSV</a:t>
+            </a:r>
+            <a:endParaRPr lang="ja-JP" altLang="en-US" sz="1000">
+              <a:latin typeface="Meiryo UI" panose="020B0604030504040204" pitchFamily="50" charset="-128"/>
+              <a:ea typeface="Meiryo UI" panose="020B0604030504040204" pitchFamily="50" charset="-128"/>
+              <a:cs typeface="Meiryo UI" panose="020B0604030504040204" pitchFamily="50" charset="-128"/>
+            </a:endParaRPr>
+          </a:p>
+        </p:txBody>
+      </p:sp>
+      <p:grpSp>
+        <p:nvGrpSpPr>
+          <p:cNvPr id="17" name="グループ化 16"/>
+          <p:cNvGrpSpPr/>
+          <p:nvPr/>
+        </p:nvGrpSpPr>
+        <p:grpSpPr>
+          <a:xfrm>
+            <a:off x="2419532" y="4571083"/>
+            <a:ext cx="1207434" cy="1594221"/>
+            <a:chOff x="1259632" y="4725144"/>
+            <a:chExt cx="1207434" cy="1594221"/>
+          </a:xfrm>
+        </p:grpSpPr>
+        <p:sp>
+          <p:nvSpPr>
+            <p:cNvPr id="18" name="メモ 17"/>
+            <p:cNvSpPr/>
+            <p:nvPr/>
+          </p:nvSpPr>
+          <p:spPr bwMode="gray">
+            <a:xfrm>
+              <a:off x="1259632" y="4725144"/>
+              <a:ext cx="1207434" cy="1594221"/>
+            </a:xfrm>
+            <a:prstGeom prst="foldedCorner">
+              <a:avLst>
+                <a:gd name="adj" fmla="val 22917"/>
+              </a:avLst>
+            </a:prstGeom>
+            <a:solidFill>
+              <a:srgbClr val="FFFFFF"/>
+            </a:solidFill>
+            <a:ln w="9525" cap="flat" cmpd="sng" algn="ctr">
+              <a:solidFill>
+                <a:srgbClr val="87867E"/>
+              </a:solidFill>
+              <a:prstDash val="solid"/>
+              <a:round/>
+              <a:headEnd type="none" w="med" len="med"/>
+              <a:tailEnd type="none" w="med" len="med"/>
+            </a:ln>
+            <a:effectLst/>
+            <a:extLst>
+              <a:ext uri="{AF507438-7753-43E0-B8FC-AC1667EBCBE1}">
+                <a14:hiddenEffects xmlns:a14="http://schemas.microsoft.com/office/drawing/2010/main">
+                  <a:effectLst>
+                    <a:outerShdw dist="53882" dir="2700000" algn="ctr" rotWithShape="0">
+                      <a:schemeClr val="bg2">
+                        <a:alpha val="50000"/>
+                      </a:schemeClr>
+                    </a:outerShdw>
+                  </a:effectLst>
+                </a14:hiddenEffects>
+              </a:ext>
+            </a:extLst>
+          </p:spPr>
+          <p:txBody>
+            <a:bodyPr rot="0" spcFirstLastPara="0" vert="horz" wrap="square" lIns="91440" tIns="45720" rIns="91440" bIns="45720" numCol="1" spcCol="0" rtlCol="0" fromWordArt="0" anchor="ctr" anchorCtr="0" forceAA="0" compatLnSpc="1">
+              <a:prstTxWarp prst="textNoShape">
+                <a:avLst/>
+              </a:prstTxWarp>
+              <a:noAutofit/>
+            </a:bodyPr>
+            <a:lstStyle>
+              <a:lvl1pPr marL="0" indent="0">
+                <a:defRPr sz="1100">
+                  <a:latin typeface="+mn-lt"/>
+                  <a:ea typeface="+mn-ea"/>
+                  <a:cs typeface="+mn-cs"/>
+                </a:defRPr>
+              </a:lvl1pPr>
+              <a:lvl2pPr marL="457200" indent="0">
+                <a:defRPr sz="1100">
+                  <a:latin typeface="+mn-lt"/>
+                  <a:ea typeface="+mn-ea"/>
+                  <a:cs typeface="+mn-cs"/>
+                </a:defRPr>
+              </a:lvl2pPr>
+              <a:lvl3pPr marL="914400" indent="0">
+                <a:defRPr sz="1100">
+                  <a:latin typeface="+mn-lt"/>
+                  <a:ea typeface="+mn-ea"/>
+                  <a:cs typeface="+mn-cs"/>
+                </a:defRPr>
+              </a:lvl3pPr>
+              <a:lvl4pPr marL="1371600" indent="0">
+                <a:defRPr sz="1100">
+                  <a:latin typeface="+mn-lt"/>
+                  <a:ea typeface="+mn-ea"/>
+                  <a:cs typeface="+mn-cs"/>
+                </a:defRPr>
+              </a:lvl4pPr>
+              <a:lvl5pPr marL="1828800" indent="0">
+                <a:defRPr sz="1100">
+                  <a:latin typeface="+mn-lt"/>
+                  <a:ea typeface="+mn-ea"/>
+                  <a:cs typeface="+mn-cs"/>
+                </a:defRPr>
+              </a:lvl5pPr>
+              <a:lvl6pPr marL="2286000" indent="0">
+                <a:defRPr sz="1100">
+                  <a:latin typeface="+mn-lt"/>
+                  <a:ea typeface="+mn-ea"/>
+                  <a:cs typeface="+mn-cs"/>
+                </a:defRPr>
+              </a:lvl6pPr>
+              <a:lvl7pPr marL="2743200" indent="0">
+                <a:defRPr sz="1100">
+                  <a:latin typeface="+mn-lt"/>
+                  <a:ea typeface="+mn-ea"/>
+                  <a:cs typeface="+mn-cs"/>
+                </a:defRPr>
+              </a:lvl7pPr>
+              <a:lvl8pPr marL="3200400" indent="0">
+                <a:defRPr sz="1100">
+                  <a:latin typeface="+mn-lt"/>
+                  <a:ea typeface="+mn-ea"/>
+                  <a:cs typeface="+mn-cs"/>
+                </a:defRPr>
+              </a:lvl8pPr>
+              <a:lvl9pPr marL="3657600" indent="0">
+                <a:defRPr sz="1100">
+                  <a:latin typeface="+mn-lt"/>
+                  <a:ea typeface="+mn-ea"/>
+                  <a:cs typeface="+mn-cs"/>
+                </a:defRPr>
+              </a:lvl9pPr>
+            </a:lstStyle>
+            <a:p>
+              <a:r>
+                <a:rPr lang="en-US" altLang="ja-JP" sz="1000">
+                  <a:latin typeface="Meiryo UI" panose="020B0604030504040204" pitchFamily="50" charset="-128"/>
+                  <a:ea typeface="Meiryo UI" panose="020B0604030504040204" pitchFamily="50" charset="-128"/>
+                  <a:cs typeface="Meiryo UI" panose="020B0604030504040204" pitchFamily="50" charset="-128"/>
+                </a:rPr>
+                <a:t>CSV</a:t>
+              </a:r>
+              <a:endParaRPr lang="ja-JP" altLang="en-US" sz="1000">
+                <a:latin typeface="Meiryo UI" panose="020B0604030504040204" pitchFamily="50" charset="-128"/>
+                <a:ea typeface="Meiryo UI" panose="020B0604030504040204" pitchFamily="50" charset="-128"/>
+                <a:cs typeface="Meiryo UI" panose="020B0604030504040204" pitchFamily="50" charset="-128"/>
+              </a:endParaRPr>
+            </a:p>
+          </p:txBody>
+        </p:sp>
+        <p:sp>
+          <p:nvSpPr>
+            <p:cNvPr id="19" name="円/楕円 18"/>
+            <p:cNvSpPr/>
+            <p:nvPr/>
+          </p:nvSpPr>
+          <p:spPr>
+            <a:xfrm>
+              <a:off x="1403648" y="5085184"/>
+              <a:ext cx="144016" cy="144016"/>
+            </a:xfrm>
+            <a:prstGeom prst="ellipse">
+              <a:avLst/>
+            </a:prstGeom>
+            <a:solidFill>
+              <a:schemeClr val="tx1"/>
+            </a:solidFill>
+            <a:ln w="15875">
+              <a:solidFill>
+                <a:schemeClr val="bg1"/>
+              </a:solidFill>
+            </a:ln>
+          </p:spPr>
+          <p:style>
+            <a:lnRef idx="2">
+              <a:schemeClr val="accent1">
+                <a:shade val="50000"/>
+              </a:schemeClr>
+            </a:lnRef>
+            <a:fillRef idx="1">
+              <a:schemeClr val="accent1"/>
+            </a:fillRef>
+            <a:effectRef idx="0">
+              <a:schemeClr val="accent1"/>
+            </a:effectRef>
+            <a:fontRef idx="minor">
+              <a:schemeClr val="lt1"/>
+            </a:fontRef>
+          </p:style>
+          <p:txBody>
+            <a:bodyPr rtlCol="0" anchor="ctr"/>
+            <a:lstStyle/>
+            <a:p>
+              <a:pPr algn="ctr"/>
+              <a:endParaRPr kumimoji="1" lang="ja-JP" altLang="en-US"/>
+            </a:p>
+          </p:txBody>
+        </p:sp>
+        <p:sp>
+          <p:nvSpPr>
+            <p:cNvPr id="20" name="円/楕円 19"/>
+            <p:cNvSpPr/>
+            <p:nvPr/>
+          </p:nvSpPr>
+          <p:spPr>
+            <a:xfrm>
+              <a:off x="1403648" y="5805264"/>
+              <a:ext cx="144016" cy="144016"/>
+            </a:xfrm>
+            <a:prstGeom prst="ellipse">
+              <a:avLst/>
+            </a:prstGeom>
+            <a:solidFill>
+              <a:schemeClr val="tx1"/>
+            </a:solidFill>
+            <a:ln w="15875">
+              <a:solidFill>
+                <a:schemeClr val="bg1"/>
+              </a:solidFill>
+            </a:ln>
+          </p:spPr>
+          <p:style>
+            <a:lnRef idx="2">
+              <a:schemeClr val="accent1">
+                <a:shade val="50000"/>
+              </a:schemeClr>
+            </a:lnRef>
+            <a:fillRef idx="1">
+              <a:schemeClr val="accent1"/>
+            </a:fillRef>
+            <a:effectRef idx="0">
+              <a:schemeClr val="accent1"/>
+            </a:effectRef>
+            <a:fontRef idx="minor">
+              <a:schemeClr val="lt1"/>
+            </a:fontRef>
+          </p:style>
+          <p:txBody>
+            <a:bodyPr rtlCol="0" anchor="ctr"/>
+            <a:lstStyle/>
+            <a:p>
+              <a:pPr algn="ctr"/>
+              <a:endParaRPr kumimoji="1" lang="ja-JP" altLang="en-US"/>
+            </a:p>
+          </p:txBody>
+        </p:sp>
+      </p:grpSp>
+      <p:grpSp>
+        <p:nvGrpSpPr>
+          <p:cNvPr id="21" name="グループ化 20"/>
+          <p:cNvGrpSpPr/>
+          <p:nvPr/>
+        </p:nvGrpSpPr>
+        <p:grpSpPr>
+          <a:xfrm>
+            <a:off x="2827106" y="4499075"/>
+            <a:ext cx="1207434" cy="1594221"/>
+            <a:chOff x="1259632" y="4725144"/>
+            <a:chExt cx="1207434" cy="1594221"/>
+          </a:xfrm>
+        </p:grpSpPr>
+        <p:sp>
+          <p:nvSpPr>
+            <p:cNvPr id="22" name="メモ 21"/>
+            <p:cNvSpPr/>
+            <p:nvPr/>
+          </p:nvSpPr>
+          <p:spPr bwMode="gray">
+            <a:xfrm>
+              <a:off x="1259632" y="4725144"/>
+              <a:ext cx="1207434" cy="1594221"/>
+            </a:xfrm>
+            <a:prstGeom prst="foldedCorner">
+              <a:avLst>
+                <a:gd name="adj" fmla="val 22917"/>
+              </a:avLst>
+            </a:prstGeom>
+            <a:solidFill>
+              <a:srgbClr val="FFFFFF"/>
+            </a:solidFill>
+            <a:ln w="9525" cap="flat" cmpd="sng" algn="ctr">
+              <a:solidFill>
+                <a:srgbClr val="87867E"/>
+              </a:solidFill>
+              <a:prstDash val="solid"/>
+              <a:round/>
+              <a:headEnd type="none" w="med" len="med"/>
+              <a:tailEnd type="none" w="med" len="med"/>
+            </a:ln>
+            <a:effectLst/>
+            <a:extLst>
+              <a:ext uri="{AF507438-7753-43E0-B8FC-AC1667EBCBE1}">
+                <a14:hiddenEffects xmlns:a14="http://schemas.microsoft.com/office/drawing/2010/main">
+                  <a:effectLst>
+                    <a:outerShdw dist="53882" dir="2700000" algn="ctr" rotWithShape="0">
+                      <a:schemeClr val="bg2">
+                        <a:alpha val="50000"/>
+                      </a:schemeClr>
+                    </a:outerShdw>
+                  </a:effectLst>
+                </a14:hiddenEffects>
+              </a:ext>
+            </a:extLst>
+          </p:spPr>
+          <p:txBody>
+            <a:bodyPr rot="0" spcFirstLastPara="0" vert="horz" wrap="square" lIns="91440" tIns="45720" rIns="91440" bIns="45720" numCol="1" spcCol="0" rtlCol="0" fromWordArt="0" anchor="ctr" anchorCtr="0" forceAA="0" compatLnSpc="1">
+              <a:prstTxWarp prst="textNoShape">
+                <a:avLst/>
+              </a:prstTxWarp>
+              <a:noAutofit/>
+            </a:bodyPr>
+            <a:lstStyle>
+              <a:lvl1pPr marL="0" indent="0">
+                <a:defRPr sz="1100">
+                  <a:latin typeface="+mn-lt"/>
+                  <a:ea typeface="+mn-ea"/>
+                  <a:cs typeface="+mn-cs"/>
+                </a:defRPr>
+              </a:lvl1pPr>
+              <a:lvl2pPr marL="457200" indent="0">
+                <a:defRPr sz="1100">
+                  <a:latin typeface="+mn-lt"/>
+                  <a:ea typeface="+mn-ea"/>
+                  <a:cs typeface="+mn-cs"/>
+                </a:defRPr>
+              </a:lvl2pPr>
+              <a:lvl3pPr marL="914400" indent="0">
+                <a:defRPr sz="1100">
+                  <a:latin typeface="+mn-lt"/>
+                  <a:ea typeface="+mn-ea"/>
+                  <a:cs typeface="+mn-cs"/>
+                </a:defRPr>
+              </a:lvl3pPr>
+              <a:lvl4pPr marL="1371600" indent="0">
+                <a:defRPr sz="1100">
+                  <a:latin typeface="+mn-lt"/>
+                  <a:ea typeface="+mn-ea"/>
+                  <a:cs typeface="+mn-cs"/>
+                </a:defRPr>
+              </a:lvl4pPr>
+              <a:lvl5pPr marL="1828800" indent="0">
+                <a:defRPr sz="1100">
+                  <a:latin typeface="+mn-lt"/>
+                  <a:ea typeface="+mn-ea"/>
+                  <a:cs typeface="+mn-cs"/>
+                </a:defRPr>
+              </a:lvl5pPr>
+              <a:lvl6pPr marL="2286000" indent="0">
+                <a:defRPr sz="1100">
+                  <a:latin typeface="+mn-lt"/>
+                  <a:ea typeface="+mn-ea"/>
+                  <a:cs typeface="+mn-cs"/>
+                </a:defRPr>
+              </a:lvl6pPr>
+              <a:lvl7pPr marL="2743200" indent="0">
+                <a:defRPr sz="1100">
+                  <a:latin typeface="+mn-lt"/>
+                  <a:ea typeface="+mn-ea"/>
+                  <a:cs typeface="+mn-cs"/>
+                </a:defRPr>
+              </a:lvl7pPr>
+              <a:lvl8pPr marL="3200400" indent="0">
+                <a:defRPr sz="1100">
+                  <a:latin typeface="+mn-lt"/>
+                  <a:ea typeface="+mn-ea"/>
+                  <a:cs typeface="+mn-cs"/>
+                </a:defRPr>
+              </a:lvl8pPr>
+              <a:lvl9pPr marL="3657600" indent="0">
+                <a:defRPr sz="1100">
+                  <a:latin typeface="+mn-lt"/>
+                  <a:ea typeface="+mn-ea"/>
+                  <a:cs typeface="+mn-cs"/>
+                </a:defRPr>
+              </a:lvl9pPr>
+            </a:lstStyle>
+            <a:p>
+              <a:r>
+                <a:rPr lang="en-US" altLang="ja-JP" sz="1000">
+                  <a:latin typeface="Meiryo UI" panose="020B0604030504040204" pitchFamily="50" charset="-128"/>
+                  <a:ea typeface="Meiryo UI" panose="020B0604030504040204" pitchFamily="50" charset="-128"/>
+                  <a:cs typeface="Meiryo UI" panose="020B0604030504040204" pitchFamily="50" charset="-128"/>
+                </a:rPr>
+                <a:t>CSV</a:t>
+              </a:r>
+              <a:endParaRPr lang="ja-JP" altLang="en-US" sz="1000">
+                <a:latin typeface="Meiryo UI" panose="020B0604030504040204" pitchFamily="50" charset="-128"/>
+                <a:ea typeface="Meiryo UI" panose="020B0604030504040204" pitchFamily="50" charset="-128"/>
+                <a:cs typeface="Meiryo UI" panose="020B0604030504040204" pitchFamily="50" charset="-128"/>
+              </a:endParaRPr>
+            </a:p>
+          </p:txBody>
+        </p:sp>
+        <p:sp>
+          <p:nvSpPr>
+            <p:cNvPr id="23" name="円/楕円 22"/>
+            <p:cNvSpPr/>
+            <p:nvPr/>
+          </p:nvSpPr>
+          <p:spPr>
+            <a:xfrm>
+              <a:off x="1403648" y="5085184"/>
+              <a:ext cx="144016" cy="144016"/>
+            </a:xfrm>
+            <a:prstGeom prst="ellipse">
+              <a:avLst/>
+            </a:prstGeom>
+            <a:solidFill>
+              <a:schemeClr val="tx1"/>
+            </a:solidFill>
+            <a:ln w="15875">
+              <a:solidFill>
+                <a:schemeClr val="bg1"/>
+              </a:solidFill>
+            </a:ln>
+          </p:spPr>
+          <p:style>
+            <a:lnRef idx="2">
+              <a:schemeClr val="accent1">
+                <a:shade val="50000"/>
+              </a:schemeClr>
+            </a:lnRef>
+            <a:fillRef idx="1">
+              <a:schemeClr val="accent1"/>
+            </a:fillRef>
+            <a:effectRef idx="0">
+              <a:schemeClr val="accent1"/>
+            </a:effectRef>
+            <a:fontRef idx="minor">
+              <a:schemeClr val="lt1"/>
+            </a:fontRef>
+          </p:style>
+          <p:txBody>
+            <a:bodyPr rtlCol="0" anchor="ctr"/>
+            <a:lstStyle/>
+            <a:p>
+              <a:pPr algn="ctr"/>
+              <a:endParaRPr kumimoji="1" lang="ja-JP" altLang="en-US"/>
+            </a:p>
+          </p:txBody>
+        </p:sp>
+        <p:sp>
+          <p:nvSpPr>
+            <p:cNvPr id="24" name="円/楕円 23"/>
+            <p:cNvSpPr/>
+            <p:nvPr/>
+          </p:nvSpPr>
+          <p:spPr>
+            <a:xfrm>
+              <a:off x="1403648" y="5805264"/>
+              <a:ext cx="144016" cy="144016"/>
+            </a:xfrm>
+            <a:prstGeom prst="ellipse">
+              <a:avLst/>
+            </a:prstGeom>
+            <a:solidFill>
+              <a:schemeClr val="tx1"/>
+            </a:solidFill>
+            <a:ln w="15875">
+              <a:solidFill>
+                <a:schemeClr val="bg1"/>
+              </a:solidFill>
+            </a:ln>
+          </p:spPr>
+          <p:style>
+            <a:lnRef idx="2">
+              <a:schemeClr val="accent1">
+                <a:shade val="50000"/>
+              </a:schemeClr>
+            </a:lnRef>
+            <a:fillRef idx="1">
+              <a:schemeClr val="accent1"/>
+            </a:fillRef>
+            <a:effectRef idx="0">
+              <a:schemeClr val="accent1"/>
+            </a:effectRef>
+            <a:fontRef idx="minor">
+              <a:schemeClr val="lt1"/>
+            </a:fontRef>
+          </p:style>
+          <p:txBody>
+            <a:bodyPr rtlCol="0" anchor="ctr"/>
+            <a:lstStyle/>
+            <a:p>
+              <a:pPr algn="ctr"/>
+              <a:endParaRPr kumimoji="1" lang="ja-JP" altLang="en-US"/>
+            </a:p>
+          </p:txBody>
+        </p:sp>
+      </p:grpSp>
+      <p:grpSp>
+        <p:nvGrpSpPr>
+          <p:cNvPr id="25" name="グループ化 24"/>
+          <p:cNvGrpSpPr/>
+          <p:nvPr/>
+        </p:nvGrpSpPr>
+        <p:grpSpPr>
+          <a:xfrm>
+            <a:off x="3275856" y="4427067"/>
+            <a:ext cx="1207434" cy="1594221"/>
+            <a:chOff x="1259632" y="4725144"/>
+            <a:chExt cx="1207434" cy="1594221"/>
+          </a:xfrm>
+        </p:grpSpPr>
+        <p:sp>
+          <p:nvSpPr>
+            <p:cNvPr id="26" name="メモ 25"/>
+            <p:cNvSpPr/>
+            <p:nvPr/>
+          </p:nvSpPr>
+          <p:spPr bwMode="gray">
+            <a:xfrm>
+              <a:off x="1259632" y="4725144"/>
+              <a:ext cx="1207434" cy="1594221"/>
+            </a:xfrm>
+            <a:prstGeom prst="foldedCorner">
+              <a:avLst>
+                <a:gd name="adj" fmla="val 22917"/>
+              </a:avLst>
+            </a:prstGeom>
+            <a:solidFill>
+              <a:srgbClr val="FFFFFF"/>
+            </a:solidFill>
+            <a:ln w="9525" cap="flat" cmpd="sng" algn="ctr">
+              <a:solidFill>
+                <a:srgbClr val="87867E"/>
+              </a:solidFill>
+              <a:prstDash val="solid"/>
+              <a:round/>
+              <a:headEnd type="none" w="med" len="med"/>
+              <a:tailEnd type="none" w="med" len="med"/>
+            </a:ln>
+            <a:effectLst/>
+            <a:extLst>
+              <a:ext uri="{AF507438-7753-43E0-B8FC-AC1667EBCBE1}">
+                <a14:hiddenEffects xmlns:a14="http://schemas.microsoft.com/office/drawing/2010/main">
+                  <a:effectLst>
+                    <a:outerShdw dist="53882" dir="2700000" algn="ctr" rotWithShape="0">
+                      <a:schemeClr val="bg2">
+                        <a:alpha val="50000"/>
+                      </a:schemeClr>
+                    </a:outerShdw>
+                  </a:effectLst>
+                </a14:hiddenEffects>
+              </a:ext>
+            </a:extLst>
+          </p:spPr>
+          <p:txBody>
+            <a:bodyPr rot="0" spcFirstLastPara="0" vert="horz" wrap="square" lIns="91440" tIns="45720" rIns="91440" bIns="45720" numCol="1" spcCol="0" rtlCol="0" fromWordArt="0" anchor="ctr" anchorCtr="0" forceAA="0" compatLnSpc="1">
+              <a:prstTxWarp prst="textNoShape">
+                <a:avLst/>
+              </a:prstTxWarp>
+              <a:noAutofit/>
+            </a:bodyPr>
+            <a:lstStyle>
+              <a:lvl1pPr marL="0" indent="0">
+                <a:defRPr sz="1100">
+                  <a:latin typeface="+mn-lt"/>
+                  <a:ea typeface="+mn-ea"/>
+                  <a:cs typeface="+mn-cs"/>
+                </a:defRPr>
+              </a:lvl1pPr>
+              <a:lvl2pPr marL="457200" indent="0">
+                <a:defRPr sz="1100">
+                  <a:latin typeface="+mn-lt"/>
+                  <a:ea typeface="+mn-ea"/>
+                  <a:cs typeface="+mn-cs"/>
+                </a:defRPr>
+              </a:lvl2pPr>
+              <a:lvl3pPr marL="914400" indent="0">
+                <a:defRPr sz="1100">
+                  <a:latin typeface="+mn-lt"/>
+                  <a:ea typeface="+mn-ea"/>
+                  <a:cs typeface="+mn-cs"/>
+                </a:defRPr>
+              </a:lvl3pPr>
+              <a:lvl4pPr marL="1371600" indent="0">
+                <a:defRPr sz="1100">
+                  <a:latin typeface="+mn-lt"/>
+                  <a:ea typeface="+mn-ea"/>
+                  <a:cs typeface="+mn-cs"/>
+                </a:defRPr>
+              </a:lvl4pPr>
+              <a:lvl5pPr marL="1828800" indent="0">
+                <a:defRPr sz="1100">
+                  <a:latin typeface="+mn-lt"/>
+                  <a:ea typeface="+mn-ea"/>
+                  <a:cs typeface="+mn-cs"/>
+                </a:defRPr>
+              </a:lvl5pPr>
+              <a:lvl6pPr marL="2286000" indent="0">
+                <a:defRPr sz="1100">
+                  <a:latin typeface="+mn-lt"/>
+                  <a:ea typeface="+mn-ea"/>
+                  <a:cs typeface="+mn-cs"/>
+                </a:defRPr>
+              </a:lvl6pPr>
+              <a:lvl7pPr marL="2743200" indent="0">
+                <a:defRPr sz="1100">
+                  <a:latin typeface="+mn-lt"/>
+                  <a:ea typeface="+mn-ea"/>
+                  <a:cs typeface="+mn-cs"/>
+                </a:defRPr>
+              </a:lvl7pPr>
+              <a:lvl8pPr marL="3200400" indent="0">
+                <a:defRPr sz="1100">
+                  <a:latin typeface="+mn-lt"/>
+                  <a:ea typeface="+mn-ea"/>
+                  <a:cs typeface="+mn-cs"/>
+                </a:defRPr>
+              </a:lvl8pPr>
+              <a:lvl9pPr marL="3657600" indent="0">
+                <a:defRPr sz="1100">
+                  <a:latin typeface="+mn-lt"/>
+                  <a:ea typeface="+mn-ea"/>
+                  <a:cs typeface="+mn-cs"/>
+                </a:defRPr>
+              </a:lvl9pPr>
+            </a:lstStyle>
+            <a:p>
+              <a:r>
+                <a:rPr lang="en-US" altLang="ja-JP" sz="1000">
+                  <a:latin typeface="Meiryo UI" panose="020B0604030504040204" pitchFamily="50" charset="-128"/>
+                  <a:ea typeface="Meiryo UI" panose="020B0604030504040204" pitchFamily="50" charset="-128"/>
+                  <a:cs typeface="Meiryo UI" panose="020B0604030504040204" pitchFamily="50" charset="-128"/>
+                </a:rPr>
+                <a:t>CSV</a:t>
+              </a:r>
+              <a:endParaRPr lang="ja-JP" altLang="en-US" sz="1000">
+                <a:latin typeface="Meiryo UI" panose="020B0604030504040204" pitchFamily="50" charset="-128"/>
+                <a:ea typeface="Meiryo UI" panose="020B0604030504040204" pitchFamily="50" charset="-128"/>
+                <a:cs typeface="Meiryo UI" panose="020B0604030504040204" pitchFamily="50" charset="-128"/>
+              </a:endParaRPr>
+            </a:p>
+          </p:txBody>
+        </p:sp>
+        <p:sp>
+          <p:nvSpPr>
+            <p:cNvPr id="27" name="円/楕円 26"/>
+            <p:cNvSpPr/>
+            <p:nvPr/>
+          </p:nvSpPr>
+          <p:spPr>
+            <a:xfrm>
+              <a:off x="1403648" y="5085184"/>
+              <a:ext cx="144016" cy="144016"/>
+            </a:xfrm>
+            <a:prstGeom prst="ellipse">
+              <a:avLst/>
+            </a:prstGeom>
+            <a:solidFill>
+              <a:schemeClr val="tx1"/>
+            </a:solidFill>
+            <a:ln w="15875">
+              <a:solidFill>
+                <a:schemeClr val="bg1"/>
+              </a:solidFill>
+            </a:ln>
+          </p:spPr>
+          <p:style>
+            <a:lnRef idx="2">
+              <a:schemeClr val="accent1">
+                <a:shade val="50000"/>
+              </a:schemeClr>
+            </a:lnRef>
+            <a:fillRef idx="1">
+              <a:schemeClr val="accent1"/>
+            </a:fillRef>
+            <a:effectRef idx="0">
+              <a:schemeClr val="accent1"/>
+            </a:effectRef>
+            <a:fontRef idx="minor">
+              <a:schemeClr val="lt1"/>
+            </a:fontRef>
+          </p:style>
+          <p:txBody>
+            <a:bodyPr rtlCol="0" anchor="ctr"/>
+            <a:lstStyle/>
+            <a:p>
+              <a:pPr algn="ctr"/>
+              <a:endParaRPr kumimoji="1" lang="ja-JP" altLang="en-US"/>
+            </a:p>
+          </p:txBody>
+        </p:sp>
+        <p:sp>
+          <p:nvSpPr>
+            <p:cNvPr id="28" name="円/楕円 27"/>
+            <p:cNvSpPr/>
+            <p:nvPr/>
+          </p:nvSpPr>
+          <p:spPr>
+            <a:xfrm>
+              <a:off x="1403648" y="5805264"/>
+              <a:ext cx="144016" cy="144016"/>
+            </a:xfrm>
+            <a:prstGeom prst="ellipse">
+              <a:avLst/>
+            </a:prstGeom>
+            <a:solidFill>
+              <a:schemeClr val="tx1"/>
+            </a:solidFill>
+            <a:ln w="15875">
+              <a:solidFill>
+                <a:schemeClr val="bg1"/>
+              </a:solidFill>
+            </a:ln>
+          </p:spPr>
+          <p:style>
+            <a:lnRef idx="2">
+              <a:schemeClr val="accent1">
+                <a:shade val="50000"/>
+              </a:schemeClr>
+            </a:lnRef>
+            <a:fillRef idx="1">
+              <a:schemeClr val="accent1"/>
+            </a:fillRef>
+            <a:effectRef idx="0">
+              <a:schemeClr val="accent1"/>
+            </a:effectRef>
+            <a:fontRef idx="minor">
+              <a:schemeClr val="lt1"/>
+            </a:fontRef>
+          </p:style>
+          <p:txBody>
+            <a:bodyPr rtlCol="0" anchor="ctr"/>
+            <a:lstStyle/>
+            <a:p>
+              <a:pPr algn="ctr"/>
+              <a:endParaRPr kumimoji="1" lang="ja-JP" altLang="en-US"/>
+            </a:p>
+          </p:txBody>
+        </p:sp>
+      </p:grpSp>
+    </p:spTree>
+    <p:extLst>
+      <p:ext uri="{BB962C8B-B14F-4D97-AF65-F5344CB8AC3E}">
+        <p14:creationId xmlns:p14="http://schemas.microsoft.com/office/powerpoint/2010/main" val="1057887386"/>
+      </p:ext>
+    </p:extLst>
+  </p:cSld>
+  <p:clrMapOvr>
+    <a:masterClrMapping/>
+  </p:clrMapOvr>
+  <p:timing>
+    <p:tnLst>
+      <p:par>
+        <p:cTn id="1" dur="indefinite" restart="never" nodeType="tmRoot"/>
+      </p:par>
+    </p:tnLst>
+  </p:timing>
+</p:sld>
+</file>
+
+<file path=ppt/slides/slide16.xml><?xml version="1.0" encoding="utf-8"?>
+<p:sld xmlns:a="http://schemas.openxmlformats.org/drawingml/2006/main" xmlns:r="http://schemas.openxmlformats.org/officeDocument/2006/relationships" xmlns:p="http://schemas.openxmlformats.org/presentationml/2006/main">
+  <p:cSld>
+    <p:spTree>
+      <p:nvGrpSpPr>
+        <p:cNvPr id="1" name=""/>
+        <p:cNvGrpSpPr/>
+        <p:nvPr/>
+      </p:nvGrpSpPr>
+      <p:grpSpPr>
+        <a:xfrm>
+          <a:off x="0" y="0"/>
+          <a:ext cx="0" cy="0"/>
+          <a:chOff x="0" y="0"/>
+          <a:chExt cx="0" cy="0"/>
+        </a:xfrm>
+      </p:grpSpPr>
+      <p:sp>
+        <p:nvSpPr>
+          <p:cNvPr id="2" name="タイトル 1"/>
+          <p:cNvSpPr>
+            <a:spLocks noGrp="1"/>
+          </p:cNvSpPr>
+          <p:nvPr>
+            <p:ph type="title"/>
+          </p:nvPr>
+        </p:nvSpPr>
+        <p:spPr>
+          <a:xfrm>
+            <a:off x="457200" y="274638"/>
+            <a:ext cx="8507288" cy="1143000"/>
+          </a:xfrm>
+        </p:spPr>
+        <p:txBody>
+          <a:bodyPr>
+            <a:normAutofit/>
+          </a:bodyPr>
+          <a:lstStyle/>
+          <a:p>
+            <a:r>
+              <a:rPr kumimoji="1" lang="ja-JP" altLang="en-US" dirty="0" smtClean="0"/>
+              <a:t>印刷設定のリセット方法</a:t>
+            </a:r>
+            <a:endParaRPr kumimoji="1" lang="ja-JP" altLang="en-US" dirty="0"/>
+          </a:p>
+        </p:txBody>
+      </p:sp>
+      <p:sp>
+        <p:nvSpPr>
+          <p:cNvPr id="3" name="コンテンツ プレースホルダー 2"/>
+          <p:cNvSpPr>
+            <a:spLocks noGrp="1"/>
+          </p:cNvSpPr>
+          <p:nvPr>
+            <p:ph idx="1"/>
+          </p:nvPr>
+        </p:nvSpPr>
+        <p:spPr>
+          <a:xfrm>
+            <a:off x="539552" y="1124744"/>
+            <a:ext cx="8604448" cy="5544616"/>
+          </a:xfrm>
+        </p:spPr>
+        <p:txBody>
+          <a:bodyPr>
+            <a:normAutofit/>
+          </a:bodyPr>
+          <a:lstStyle/>
+          <a:p>
+            <a:pPr marL="82296" indent="0">
+              <a:buNone/>
+            </a:pPr>
+            <a:r>
+              <a:rPr lang="ja-JP" altLang="en-US" i="1" u="sng" dirty="0" smtClean="0"/>
+              <a:t>一度別のプリンタへ変更し、戻すとリセットできる</a:t>
+            </a:r>
+            <a:endParaRPr lang="en-US" altLang="ja-JP" i="1" u="sng" dirty="0" smtClean="0"/>
+          </a:p>
+          <a:p>
+            <a:pPr marL="82296" indent="0">
+              <a:buNone/>
+            </a:pPr>
+            <a:endParaRPr lang="en-US" altLang="ja-JP" dirty="0"/>
+          </a:p>
+          <a:p>
+            <a:pPr marL="82296" indent="0">
+              <a:buNone/>
+            </a:pPr>
+            <a:r>
+              <a:rPr lang="ja-JP" altLang="en-US" dirty="0" smtClean="0"/>
+              <a:t>参考：</a:t>
+            </a:r>
+            <a:r>
+              <a:rPr lang="en-US" altLang="ja-JP" dirty="0"/>
+              <a:t>http://www.freia.jp/taka/blog/697</a:t>
+            </a:r>
+            <a:r>
+              <a:rPr lang="en-US" altLang="ja-JP" dirty="0" smtClean="0"/>
+              <a:t>/</a:t>
+            </a:r>
+          </a:p>
+          <a:p>
+            <a:pPr marL="82296" indent="0">
+              <a:buNone/>
+            </a:pPr>
+            <a:endParaRPr lang="en-US" altLang="ja-JP" dirty="0" smtClean="0"/>
+          </a:p>
+          <a:p>
+            <a:pPr marL="82296" indent="0">
+              <a:buNone/>
+            </a:pPr>
+            <a:r>
+              <a:rPr lang="ja-JP" altLang="en-US" dirty="0" smtClean="0"/>
+              <a:t>「ブックを開く→仮のプリンタを設定→戻す」</a:t>
+            </a:r>
+            <a:endParaRPr lang="en-US" altLang="ja-JP" dirty="0" smtClean="0"/>
+          </a:p>
+          <a:p>
+            <a:pPr marL="82296" indent="0">
+              <a:buNone/>
+            </a:pPr>
+            <a:r>
+              <a:rPr lang="ja-JP" altLang="en-US" dirty="0" smtClean="0"/>
+              <a:t>なマクロを組めば</a:t>
+            </a:r>
+            <a:r>
+              <a:rPr lang="en-US" altLang="ja-JP" dirty="0" smtClean="0"/>
+              <a:t>OK</a:t>
+            </a:r>
+            <a:r>
+              <a:rPr lang="ja-JP" altLang="en-US" dirty="0" smtClean="0"/>
+              <a:t>！</a:t>
+            </a:r>
+            <a:endParaRPr lang="en-US" altLang="ja-JP" dirty="0" smtClean="0"/>
+          </a:p>
+          <a:p>
+            <a:pPr marL="82296" indent="0">
+              <a:buNone/>
+            </a:pPr>
+            <a:r>
+              <a:rPr lang="ja-JP" altLang="en-US" dirty="0" smtClean="0"/>
+              <a:t>環境依存なため使いまわしづらいのに注意！</a:t>
+            </a:r>
+            <a:endParaRPr lang="en-US" altLang="ja-JP" dirty="0" smtClean="0"/>
+          </a:p>
+          <a:p>
+            <a:pPr marL="82296" indent="0">
+              <a:buNone/>
+            </a:pPr>
+            <a:endParaRPr lang="en-US" altLang="ja-JP" dirty="0" smtClean="0"/>
+          </a:p>
+          <a:p>
+            <a:pPr marL="82296" indent="0">
+              <a:buNone/>
+            </a:pPr>
+            <a:r>
+              <a:rPr lang="en-US" altLang="ja-JP" dirty="0" smtClean="0"/>
+              <a:t>‘ </a:t>
+            </a:r>
+            <a:r>
+              <a:rPr lang="ja-JP" altLang="en-US" dirty="0" smtClean="0"/>
+              <a:t>プリンタの変更</a:t>
+            </a:r>
+            <a:endParaRPr lang="en-US" altLang="ja-JP" dirty="0" smtClean="0"/>
+          </a:p>
+          <a:p>
+            <a:pPr marL="82296" indent="0">
+              <a:buNone/>
+            </a:pPr>
+            <a:r>
+              <a:rPr lang="en-US" altLang="ja-JP" dirty="0" err="1" smtClean="0"/>
+              <a:t>Application.ActivePrinter</a:t>
+            </a:r>
+            <a:r>
+              <a:rPr lang="en-US" altLang="ja-JP" dirty="0" smtClean="0"/>
+              <a:t> </a:t>
+            </a:r>
+            <a:r>
+              <a:rPr lang="en-US" altLang="ja-JP" dirty="0"/>
+              <a:t>= “Fax on Ne04:”</a:t>
+            </a:r>
+          </a:p>
+        </p:txBody>
+      </p:sp>
+    </p:spTree>
+    <p:extLst>
+      <p:ext uri="{BB962C8B-B14F-4D97-AF65-F5344CB8AC3E}">
+        <p14:creationId xmlns:p14="http://schemas.microsoft.com/office/powerpoint/2010/main" val="3075754345"/>
+      </p:ext>
+    </p:extLst>
+  </p:cSld>
+  <p:clrMapOvr>
+    <a:masterClrMapping/>
+  </p:clrMapOvr>
+  <p:timing>
+    <p:tnLst>
+      <p:par>
+        <p:cTn id="1" dur="indefinite" restart="never" nodeType="tmRoot"/>
+      </p:par>
+    </p:tnLst>
+  </p:timing>
+</p:sld>
+</file>
+
+<file path=ppt/slides/slide17.xml><?xml version="1.0" encoding="utf-8"?>
+<p:sld xmlns:a="http://schemas.openxmlformats.org/drawingml/2006/main" xmlns:r="http://schemas.openxmlformats.org/officeDocument/2006/relationships" xmlns:p="http://schemas.openxmlformats.org/presentationml/2006/main">
+  <p:cSld>
+    <p:spTree>
+      <p:nvGrpSpPr>
+        <p:cNvPr id="1" name=""/>
+        <p:cNvGrpSpPr/>
+        <p:nvPr/>
+      </p:nvGrpSpPr>
+      <p:grpSpPr>
+        <a:xfrm>
+          <a:off x="0" y="0"/>
+          <a:ext cx="0" cy="0"/>
+          <a:chOff x="0" y="0"/>
+          <a:chExt cx="0" cy="0"/>
+        </a:xfrm>
+      </p:grpSpPr>
+      <p:sp>
+        <p:nvSpPr>
+          <p:cNvPr id="2" name="タイトル 1"/>
+          <p:cNvSpPr>
+            <a:spLocks noGrp="1"/>
+          </p:cNvSpPr>
+          <p:nvPr>
+            <p:ph type="title"/>
+          </p:nvPr>
+        </p:nvSpPr>
         <p:spPr/>
         <p:txBody>
           <a:bodyPr/>
@@ -4960,7 +7392,7 @@
 </p:sld>
 </file>
 
-<file path=ppt/slides/slide15.xml><?xml version="1.0" encoding="utf-8"?>
+<file path=ppt/slides/slide18.xml><?xml version="1.0" encoding="utf-8"?>
 <p:sld xmlns:a="http://schemas.openxmlformats.org/drawingml/2006/main" xmlns:r="http://schemas.openxmlformats.org/officeDocument/2006/relationships" xmlns:p="http://schemas.openxmlformats.org/presentationml/2006/main">
   <p:cSld>
     <p:spTree>
@@ -5345,7 +7777,7 @@
 </p:sld>
 </file>
 
-<file path=ppt/slides/slide16.xml><?xml version="1.0" encoding="utf-8"?>
+<file path=ppt/slides/slide19.xml><?xml version="1.0" encoding="utf-8"?>
 <p:sld xmlns:a="http://schemas.openxmlformats.org/drawingml/2006/main" xmlns:r="http://schemas.openxmlformats.org/officeDocument/2006/relationships" xmlns:p="http://schemas.openxmlformats.org/presentationml/2006/main">
   <p:cSld>
     <p:spTree>
@@ -5758,7 +8190,7 @@
 </p:sld>
 </file>
 
-<file path=ppt/slides/slide17.xml><?xml version="1.0" encoding="utf-8"?>
+<file path=ppt/slides/slide2.xml><?xml version="1.0" encoding="utf-8"?>
 <p:sld xmlns:a="http://schemas.openxmlformats.org/drawingml/2006/main" xmlns:r="http://schemas.openxmlformats.org/officeDocument/2006/relationships" xmlns:p="http://schemas.openxmlformats.org/presentationml/2006/main">
   <p:cSld>
     <p:spTree>
@@ -5792,6 +8224,119 @@
           <a:p>
             <a:r>
               <a:rPr kumimoji="1" lang="ja-JP" altLang="en-US" dirty="0" smtClean="0"/>
+              <a:t>注意点</a:t>
+            </a:r>
+            <a:endParaRPr kumimoji="1" lang="ja-JP" altLang="en-US" dirty="0"/>
+          </a:p>
+        </p:txBody>
+      </p:sp>
+      <p:sp>
+        <p:nvSpPr>
+          <p:cNvPr id="3" name="コンテンツ プレースホルダー 2"/>
+          <p:cNvSpPr>
+            <a:spLocks noGrp="1"/>
+          </p:cNvSpPr>
+          <p:nvPr>
+            <p:ph idx="1"/>
+          </p:nvPr>
+        </p:nvSpPr>
+        <p:spPr>
+          <a:xfrm>
+            <a:off x="899592" y="1447800"/>
+            <a:ext cx="8136904" cy="4069432"/>
+          </a:xfrm>
+        </p:spPr>
+        <p:txBody>
+          <a:bodyPr>
+            <a:normAutofit/>
+          </a:bodyPr>
+          <a:lstStyle/>
+          <a:p>
+            <a:pPr marL="82296" indent="0" algn="ctr">
+              <a:buNone/>
+            </a:pPr>
+            <a:endParaRPr kumimoji="1" lang="en-US" altLang="ja-JP" sz="4400" dirty="0" smtClean="0"/>
+          </a:p>
+          <a:p>
+            <a:pPr marL="82296" indent="0" algn="ctr">
+              <a:buNone/>
+            </a:pPr>
+            <a:r>
+              <a:rPr lang="ja-JP" altLang="en-US" sz="4400" dirty="0"/>
+              <a:t>主に作った</a:t>
+            </a:r>
+            <a:r>
+              <a:rPr kumimoji="1" lang="ja-JP" altLang="en-US" sz="4400" dirty="0" smtClean="0"/>
+              <a:t>マクロ紹介と</a:t>
+            </a:r>
+            <a:endParaRPr kumimoji="1" lang="en-US" altLang="ja-JP" sz="4400" dirty="0" smtClean="0"/>
+          </a:p>
+          <a:p>
+            <a:pPr marL="82296" indent="0" algn="ctr">
+              <a:buNone/>
+            </a:pPr>
+            <a:r>
+              <a:rPr kumimoji="1" lang="ja-JP" altLang="en-US" sz="4400" dirty="0" smtClean="0"/>
+              <a:t>愚痴です。</a:t>
+            </a:r>
+            <a:endParaRPr kumimoji="1" lang="en-US" altLang="ja-JP" sz="4400" dirty="0" smtClean="0"/>
+          </a:p>
+        </p:txBody>
+      </p:sp>
+    </p:spTree>
+    <p:extLst>
+      <p:ext uri="{BB962C8B-B14F-4D97-AF65-F5344CB8AC3E}">
+        <p14:creationId xmlns:p14="http://schemas.microsoft.com/office/powerpoint/2010/main" val="75281077"/>
+      </p:ext>
+    </p:extLst>
+  </p:cSld>
+  <p:clrMapOvr>
+    <a:masterClrMapping/>
+  </p:clrMapOvr>
+  <p:timing>
+    <p:tnLst>
+      <p:par>
+        <p:cTn id="1" dur="indefinite" restart="never" nodeType="tmRoot"/>
+      </p:par>
+    </p:tnLst>
+  </p:timing>
+</p:sld>
+</file>
+
+<file path=ppt/slides/slide20.xml><?xml version="1.0" encoding="utf-8"?>
+<p:sld xmlns:a="http://schemas.openxmlformats.org/drawingml/2006/main" xmlns:r="http://schemas.openxmlformats.org/officeDocument/2006/relationships" xmlns:p="http://schemas.openxmlformats.org/presentationml/2006/main">
+  <p:cSld>
+    <p:spTree>
+      <p:nvGrpSpPr>
+        <p:cNvPr id="1" name=""/>
+        <p:cNvGrpSpPr/>
+        <p:nvPr/>
+      </p:nvGrpSpPr>
+      <p:grpSpPr>
+        <a:xfrm>
+          <a:off x="0" y="0"/>
+          <a:ext cx="0" cy="0"/>
+          <a:chOff x="0" y="0"/>
+          <a:chExt cx="0" cy="0"/>
+        </a:xfrm>
+      </p:grpSpPr>
+      <p:sp>
+        <p:nvSpPr>
+          <p:cNvPr id="2" name="タイトル 1"/>
+          <p:cNvSpPr>
+            <a:spLocks noGrp="1"/>
+          </p:cNvSpPr>
+          <p:nvPr>
+            <p:ph type="title"/>
+          </p:nvPr>
+        </p:nvSpPr>
+        <p:spPr/>
+        <p:txBody>
+          <a:bodyPr/>
+          <a:lstStyle/>
+          <a:p>
+            <a:r>
+              <a:rPr kumimoji="1" lang="ja-JP" altLang="en-US" dirty="0" smtClean="0"/>
               <a:t>改ページがずれてる</a:t>
             </a:r>
             <a:endParaRPr kumimoji="1" lang="ja-JP" altLang="en-US" dirty="0"/>
@@ -6105,7 +8650,7 @@
 </p:sld>
 </file>
 
-<file path=ppt/slides/slide18.xml><?xml version="1.0" encoding="utf-8"?>
+<file path=ppt/slides/slide21.xml><?xml version="1.0" encoding="utf-8"?>
 <p:sld xmlns:a="http://schemas.openxmlformats.org/drawingml/2006/main" xmlns:r="http://schemas.openxmlformats.org/officeDocument/2006/relationships" xmlns:p="http://schemas.openxmlformats.org/presentationml/2006/main">
   <p:cSld>
     <p:spTree>
@@ -6715,7 +9260,7 @@
 </p:sld>
 </file>
 
-<file path=ppt/slides/slide19.xml><?xml version="1.0" encoding="utf-8"?>
+<file path=ppt/slides/slide22.xml><?xml version="1.0" encoding="utf-8"?>
 <p:sld xmlns:a="http://schemas.openxmlformats.org/drawingml/2006/main" xmlns:r="http://schemas.openxmlformats.org/officeDocument/2006/relationships" xmlns:p="http://schemas.openxmlformats.org/presentationml/2006/main">
   <p:cSld>
     <p:spTree>
@@ -7032,869 +9577,6 @@
 </p:sld>
 </file>
 
-<file path=ppt/slides/slide2.xml><?xml version="1.0" encoding="utf-8"?>
-<p:sld xmlns:a="http://schemas.openxmlformats.org/drawingml/2006/main" xmlns:r="http://schemas.openxmlformats.org/officeDocument/2006/relationships" xmlns:p="http://schemas.openxmlformats.org/presentationml/2006/main">
-  <p:cSld>
-    <p:spTree>
-      <p:nvGrpSpPr>
-        <p:cNvPr id="1" name=""/>
-        <p:cNvGrpSpPr/>
-        <p:nvPr/>
-      </p:nvGrpSpPr>
-      <p:grpSpPr>
-        <a:xfrm>
-          <a:off x="0" y="0"/>
-          <a:ext cx="0" cy="0"/>
-          <a:chOff x="0" y="0"/>
-          <a:chExt cx="0" cy="0"/>
-        </a:xfrm>
-      </p:grpSpPr>
-      <p:sp>
-        <p:nvSpPr>
-          <p:cNvPr id="2" name="タイトル 1"/>
-          <p:cNvSpPr>
-            <a:spLocks noGrp="1"/>
-          </p:cNvSpPr>
-          <p:nvPr>
-            <p:ph type="title"/>
-          </p:nvPr>
-        </p:nvSpPr>
-        <p:spPr/>
-        <p:txBody>
-          <a:bodyPr/>
-          <a:lstStyle/>
-          <a:p>
-            <a:r>
-              <a:rPr kumimoji="1" lang="ja-JP" altLang="en-US" dirty="0" smtClean="0"/>
-              <a:t>注意点</a:t>
-            </a:r>
-            <a:endParaRPr kumimoji="1" lang="ja-JP" altLang="en-US" dirty="0"/>
-          </a:p>
-        </p:txBody>
-      </p:sp>
-      <p:sp>
-        <p:nvSpPr>
-          <p:cNvPr id="3" name="コンテンツ プレースホルダー 2"/>
-          <p:cNvSpPr>
-            <a:spLocks noGrp="1"/>
-          </p:cNvSpPr>
-          <p:nvPr>
-            <p:ph idx="1"/>
-          </p:nvPr>
-        </p:nvSpPr>
-        <p:spPr>
-          <a:xfrm>
-            <a:off x="899592" y="1447800"/>
-            <a:ext cx="8136904" cy="4069432"/>
-          </a:xfrm>
-        </p:spPr>
-        <p:txBody>
-          <a:bodyPr>
-            <a:normAutofit/>
-          </a:bodyPr>
-          <a:lstStyle/>
-          <a:p>
-            <a:pPr marL="82296" indent="0" algn="ctr">
-              <a:buNone/>
-            </a:pPr>
-            <a:endParaRPr kumimoji="1" lang="en-US" altLang="ja-JP" sz="4400" dirty="0" smtClean="0"/>
-          </a:p>
-          <a:p>
-            <a:pPr marL="82296" indent="0" algn="ctr">
-              <a:buNone/>
-            </a:pPr>
-            <a:r>
-              <a:rPr lang="ja-JP" altLang="en-US" sz="4400" dirty="0"/>
-              <a:t>主に作った</a:t>
-            </a:r>
-            <a:r>
-              <a:rPr kumimoji="1" lang="ja-JP" altLang="en-US" sz="4400" dirty="0" smtClean="0"/>
-              <a:t>マクロ紹介と</a:t>
-            </a:r>
-            <a:endParaRPr kumimoji="1" lang="en-US" altLang="ja-JP" sz="4400" dirty="0" smtClean="0"/>
-          </a:p>
-          <a:p>
-            <a:pPr marL="82296" indent="0" algn="ctr">
-              <a:buNone/>
-            </a:pPr>
-            <a:r>
-              <a:rPr kumimoji="1" lang="ja-JP" altLang="en-US" sz="4400" dirty="0" smtClean="0"/>
-              <a:t>愚痴です。</a:t>
-            </a:r>
-            <a:endParaRPr kumimoji="1" lang="en-US" altLang="ja-JP" sz="4400" dirty="0" smtClean="0"/>
-          </a:p>
-        </p:txBody>
-      </p:sp>
-    </p:spTree>
-    <p:extLst>
-      <p:ext uri="{BB962C8B-B14F-4D97-AF65-F5344CB8AC3E}">
-        <p14:creationId xmlns:p14="http://schemas.microsoft.com/office/powerpoint/2010/main" val="75281077"/>
-      </p:ext>
-    </p:extLst>
-  </p:cSld>
-  <p:clrMapOvr>
-    <a:masterClrMapping/>
-  </p:clrMapOvr>
-  <p:timing>
-    <p:tnLst>
-      <p:par>
-        <p:cTn id="1" dur="indefinite" restart="never" nodeType="tmRoot"/>
-      </p:par>
-    </p:tnLst>
-  </p:timing>
-</p:sld>
-</file>
-
-<file path=ppt/slides/slide20.xml><?xml version="1.0" encoding="utf-8"?>
-<p:sld xmlns:a="http://schemas.openxmlformats.org/drawingml/2006/main" xmlns:r="http://schemas.openxmlformats.org/officeDocument/2006/relationships" xmlns:p="http://schemas.openxmlformats.org/presentationml/2006/main">
-  <p:cSld>
-    <p:spTree>
-      <p:nvGrpSpPr>
-        <p:cNvPr id="1" name=""/>
-        <p:cNvGrpSpPr/>
-        <p:nvPr/>
-      </p:nvGrpSpPr>
-      <p:grpSpPr>
-        <a:xfrm>
-          <a:off x="0" y="0"/>
-          <a:ext cx="0" cy="0"/>
-          <a:chOff x="0" y="0"/>
-          <a:chExt cx="0" cy="0"/>
-        </a:xfrm>
-      </p:grpSpPr>
-      <p:sp>
-        <p:nvSpPr>
-          <p:cNvPr id="2" name="タイトル 1"/>
-          <p:cNvSpPr>
-            <a:spLocks noGrp="1"/>
-          </p:cNvSpPr>
-          <p:nvPr>
-            <p:ph type="title"/>
-          </p:nvPr>
-        </p:nvSpPr>
-        <p:spPr/>
-        <p:txBody>
-          <a:bodyPr/>
-          <a:lstStyle/>
-          <a:p>
-            <a:r>
-              <a:rPr kumimoji="1" lang="en-US" altLang="ja-JP" dirty="0" smtClean="0"/>
-              <a:t>MS</a:t>
-            </a:r>
-            <a:r>
-              <a:rPr kumimoji="1" lang="ja-JP" altLang="en-US" dirty="0" smtClean="0"/>
-              <a:t>のエクスプローラもアレ</a:t>
-            </a:r>
-            <a:endParaRPr kumimoji="1" lang="ja-JP" altLang="en-US" dirty="0"/>
-          </a:p>
-        </p:txBody>
-      </p:sp>
-      <p:sp>
-        <p:nvSpPr>
-          <p:cNvPr id="7" name="コンテンツ プレースホルダー 2"/>
-          <p:cNvSpPr txBox="1">
-            <a:spLocks/>
-          </p:cNvSpPr>
-          <p:nvPr/>
-        </p:nvSpPr>
-        <p:spPr>
-          <a:xfrm>
-            <a:off x="467544" y="1124744"/>
-            <a:ext cx="7818072" cy="5544616"/>
-          </a:xfrm>
-          <a:prstGeom prst="rect">
-            <a:avLst/>
-          </a:prstGeom>
-        </p:spPr>
-        <p:txBody>
-          <a:bodyPr>
-            <a:normAutofit/>
-          </a:bodyPr>
-          <a:lstStyle>
-            <a:lvl1pPr marL="365760" indent="-283464" algn="l" rtl="0" eaLnBrk="1" latinLnBrk="0" hangingPunct="1">
-              <a:lnSpc>
-                <a:spcPct val="100000"/>
-              </a:lnSpc>
-              <a:spcBef>
-                <a:spcPts val="600"/>
-              </a:spcBef>
-              <a:buClr>
-                <a:schemeClr val="accent1"/>
-              </a:buClr>
-              <a:buSzPct val="80000"/>
-              <a:buFont typeface="Wingdings 2"/>
-              <a:buChar char=""/>
-              <a:defRPr kumimoji="1" sz="3200" kern="1200">
-                <a:solidFill>
-                  <a:schemeClr val="tx1"/>
-                </a:solidFill>
-                <a:latin typeface="+mn-lt"/>
-                <a:ea typeface="+mn-ea"/>
-                <a:cs typeface="+mn-cs"/>
-              </a:defRPr>
-            </a:lvl1pPr>
-            <a:lvl2pPr marL="640080" indent="-237744" algn="l" rtl="0" eaLnBrk="1" latinLnBrk="0" hangingPunct="1">
-              <a:lnSpc>
-                <a:spcPct val="100000"/>
-              </a:lnSpc>
-              <a:spcBef>
-                <a:spcPts val="550"/>
-              </a:spcBef>
-              <a:buClr>
-                <a:schemeClr val="accent1"/>
-              </a:buClr>
-              <a:buFont typeface="Verdana"/>
-              <a:buChar char="◦"/>
-              <a:defRPr kumimoji="1" sz="2800" kern="1200">
-                <a:solidFill>
-                  <a:schemeClr val="tx1"/>
-                </a:solidFill>
-                <a:latin typeface="+mn-lt"/>
-                <a:ea typeface="+mn-ea"/>
-                <a:cs typeface="+mn-cs"/>
-              </a:defRPr>
-            </a:lvl2pPr>
-            <a:lvl3pPr marL="886968" indent="-228600" algn="l" rtl="0" eaLnBrk="1" latinLnBrk="0" hangingPunct="1">
-              <a:lnSpc>
-                <a:spcPct val="100000"/>
-              </a:lnSpc>
-              <a:spcBef>
-                <a:spcPct val="20000"/>
-              </a:spcBef>
-              <a:buClr>
-                <a:schemeClr val="accent2"/>
-              </a:buClr>
-              <a:buFont typeface="Wingdings 2"/>
-              <a:buChar char=""/>
-              <a:defRPr kumimoji="1" sz="2400" kern="1200">
-                <a:solidFill>
-                  <a:schemeClr val="tx1"/>
-                </a:solidFill>
-                <a:latin typeface="+mn-lt"/>
-                <a:ea typeface="+mn-ea"/>
-                <a:cs typeface="+mn-cs"/>
-              </a:defRPr>
-            </a:lvl3pPr>
-            <a:lvl4pPr marL="1097280" indent="-173736" algn="l" rtl="0" eaLnBrk="1" latinLnBrk="0" hangingPunct="1">
-              <a:lnSpc>
-                <a:spcPct val="100000"/>
-              </a:lnSpc>
-              <a:spcBef>
-                <a:spcPct val="20000"/>
-              </a:spcBef>
-              <a:buClr>
-                <a:schemeClr val="accent3"/>
-              </a:buClr>
-              <a:buFont typeface="Wingdings 2"/>
-              <a:buChar char=""/>
-              <a:defRPr kumimoji="1" sz="2000" kern="1200">
-                <a:solidFill>
-                  <a:schemeClr val="tx1"/>
-                </a:solidFill>
-                <a:latin typeface="+mn-lt"/>
-                <a:ea typeface="+mn-ea"/>
-                <a:cs typeface="+mn-cs"/>
-              </a:defRPr>
-            </a:lvl4pPr>
-            <a:lvl5pPr marL="1298448" indent="-182880" algn="l" rtl="0" eaLnBrk="1" latinLnBrk="0" hangingPunct="1">
-              <a:lnSpc>
-                <a:spcPct val="100000"/>
-              </a:lnSpc>
-              <a:spcBef>
-                <a:spcPct val="20000"/>
-              </a:spcBef>
-              <a:buClr>
-                <a:schemeClr val="accent4"/>
-              </a:buClr>
-              <a:buFont typeface="Wingdings 2"/>
-              <a:buChar char=""/>
-              <a:defRPr kumimoji="1" sz="2000" kern="1200">
-                <a:solidFill>
-                  <a:schemeClr val="tx1"/>
-                </a:solidFill>
-                <a:latin typeface="+mn-lt"/>
-                <a:ea typeface="+mn-ea"/>
-                <a:cs typeface="+mn-cs"/>
-              </a:defRPr>
-            </a:lvl5pPr>
-            <a:lvl6pPr marL="1508760" indent="-182880" algn="l" rtl="0" eaLnBrk="1" latinLnBrk="0" hangingPunct="1">
-              <a:lnSpc>
-                <a:spcPct val="100000"/>
-              </a:lnSpc>
-              <a:spcBef>
-                <a:spcPct val="20000"/>
-              </a:spcBef>
-              <a:buClr>
-                <a:schemeClr val="accent5"/>
-              </a:buClr>
-              <a:buFont typeface="Wingdings 2"/>
-              <a:buChar char=""/>
-              <a:defRPr kumimoji="1" sz="2000" kern="1200">
-                <a:solidFill>
-                  <a:schemeClr val="tx1"/>
-                </a:solidFill>
-                <a:latin typeface="+mn-lt"/>
-                <a:ea typeface="+mn-ea"/>
-                <a:cs typeface="+mn-cs"/>
-              </a:defRPr>
-            </a:lvl6pPr>
-            <a:lvl7pPr marL="1719072" indent="-182880" algn="l" rtl="0" eaLnBrk="1" latinLnBrk="0" hangingPunct="1">
-              <a:lnSpc>
-                <a:spcPct val="100000"/>
-              </a:lnSpc>
-              <a:spcBef>
-                <a:spcPct val="20000"/>
-              </a:spcBef>
-              <a:buClr>
-                <a:schemeClr val="accent6"/>
-              </a:buClr>
-              <a:buFont typeface="Wingdings 2"/>
-              <a:buChar char=""/>
-              <a:defRPr kumimoji="1" sz="2000" kern="1200">
-                <a:solidFill>
-                  <a:schemeClr val="tx1"/>
-                </a:solidFill>
-                <a:latin typeface="+mn-lt"/>
-                <a:ea typeface="+mn-ea"/>
-                <a:cs typeface="+mn-cs"/>
-              </a:defRPr>
-            </a:lvl7pPr>
-            <a:lvl8pPr marL="1920240" indent="-182880" algn="l" rtl="0" eaLnBrk="1" latinLnBrk="0" hangingPunct="1">
-              <a:lnSpc>
-                <a:spcPct val="100000"/>
-              </a:lnSpc>
-              <a:spcBef>
-                <a:spcPct val="20000"/>
-              </a:spcBef>
-              <a:buClr>
-                <a:schemeClr val="accent6"/>
-              </a:buClr>
-              <a:buFont typeface="Wingdings 2"/>
-              <a:buChar char=""/>
-              <a:defRPr kumimoji="1" sz="2000" kern="1200">
-                <a:solidFill>
-                  <a:schemeClr val="tx1"/>
-                </a:solidFill>
-                <a:latin typeface="+mn-lt"/>
-                <a:ea typeface="+mn-ea"/>
-                <a:cs typeface="+mn-cs"/>
-              </a:defRPr>
-            </a:lvl8pPr>
-            <a:lvl9pPr marL="2130552" indent="-182880" algn="l" rtl="0" eaLnBrk="1" latinLnBrk="0" hangingPunct="1">
-              <a:lnSpc>
-                <a:spcPct val="100000"/>
-              </a:lnSpc>
-              <a:spcBef>
-                <a:spcPct val="20000"/>
-              </a:spcBef>
-              <a:buClr>
-                <a:schemeClr val="accent6"/>
-              </a:buClr>
-              <a:buFont typeface="Wingdings 2"/>
-              <a:buChar char=""/>
-              <a:defRPr kumimoji="1" sz="2000" kern="1200">
-                <a:solidFill>
-                  <a:schemeClr val="tx1"/>
-                </a:solidFill>
-                <a:latin typeface="+mn-lt"/>
-                <a:ea typeface="+mn-ea"/>
-                <a:cs typeface="+mn-cs"/>
-              </a:defRPr>
-            </a:lvl9pPr>
-            <a:extLst/>
-          </a:lstStyle>
-          <a:p>
-            <a:pPr marL="82296" indent="0">
-              <a:buFont typeface="Wingdings 2"/>
-              <a:buNone/>
-            </a:pPr>
-            <a:r>
-              <a:rPr lang="ja-JP" altLang="en-US" dirty="0" smtClean="0"/>
-              <a:t>・ここに並び順のへんな画像を貼る</a:t>
-            </a:r>
-            <a:endParaRPr lang="en-US" altLang="ja-JP" dirty="0" smtClean="0"/>
-          </a:p>
-          <a:p>
-            <a:pPr marL="82296" indent="0">
-              <a:buFont typeface="Wingdings 2"/>
-              <a:buNone/>
-            </a:pPr>
-            <a:endParaRPr lang="en-US" altLang="ja-JP" dirty="0"/>
-          </a:p>
-        </p:txBody>
-      </p:sp>
-    </p:spTree>
-    <p:extLst>
-      <p:ext uri="{BB962C8B-B14F-4D97-AF65-F5344CB8AC3E}">
-        <p14:creationId xmlns:p14="http://schemas.microsoft.com/office/powerpoint/2010/main" val="3655091657"/>
-      </p:ext>
-    </p:extLst>
-  </p:cSld>
-  <p:clrMapOvr>
-    <a:masterClrMapping/>
-  </p:clrMapOvr>
-  <p:timing>
-    <p:tnLst>
-      <p:par>
-        <p:cTn id="1" dur="indefinite" restart="never" nodeType="tmRoot"/>
-      </p:par>
-    </p:tnLst>
-  </p:timing>
-</p:sld>
-</file>
-
-<file path=ppt/slides/slide21.xml><?xml version="1.0" encoding="utf-8"?>
-<p:sld xmlns:a="http://schemas.openxmlformats.org/drawingml/2006/main" xmlns:r="http://schemas.openxmlformats.org/officeDocument/2006/relationships" xmlns:p="http://schemas.openxmlformats.org/presentationml/2006/main">
-  <p:cSld>
-    <p:spTree>
-      <p:nvGrpSpPr>
-        <p:cNvPr id="1" name=""/>
-        <p:cNvGrpSpPr/>
-        <p:nvPr/>
-      </p:nvGrpSpPr>
-      <p:grpSpPr>
-        <a:xfrm>
-          <a:off x="0" y="0"/>
-          <a:ext cx="0" cy="0"/>
-          <a:chOff x="0" y="0"/>
-          <a:chExt cx="0" cy="0"/>
-        </a:xfrm>
-      </p:grpSpPr>
-      <p:sp>
-        <p:nvSpPr>
-          <p:cNvPr id="2" name="タイトル 1"/>
-          <p:cNvSpPr>
-            <a:spLocks noGrp="1"/>
-          </p:cNvSpPr>
-          <p:nvPr>
-            <p:ph type="title"/>
-          </p:nvPr>
-        </p:nvSpPr>
-        <p:spPr/>
-        <p:txBody>
-          <a:bodyPr/>
-          <a:lstStyle/>
-          <a:p>
-            <a:endParaRPr kumimoji="1" lang="ja-JP" altLang="en-US" dirty="0"/>
-          </a:p>
-        </p:txBody>
-      </p:sp>
-      <p:sp>
-        <p:nvSpPr>
-          <p:cNvPr id="3" name="コンテンツ プレースホルダー 2"/>
-          <p:cNvSpPr>
-            <a:spLocks noGrp="1"/>
-          </p:cNvSpPr>
-          <p:nvPr>
-            <p:ph idx="1"/>
-          </p:nvPr>
-        </p:nvSpPr>
-        <p:spPr>
-          <a:xfrm>
-            <a:off x="395536" y="1447800"/>
-            <a:ext cx="8136904" cy="4069432"/>
-          </a:xfrm>
-        </p:spPr>
-        <p:txBody>
-          <a:bodyPr>
-            <a:normAutofit/>
-          </a:bodyPr>
-          <a:lstStyle/>
-          <a:p>
-            <a:pPr marL="82296" indent="0" algn="ctr">
-              <a:buNone/>
-            </a:pPr>
-            <a:endParaRPr kumimoji="1" lang="en-US" altLang="ja-JP" sz="4400" dirty="0" smtClean="0"/>
-          </a:p>
-          <a:p>
-            <a:pPr marL="82296" indent="0" algn="ctr">
-              <a:buNone/>
-            </a:pPr>
-            <a:endParaRPr kumimoji="1" lang="en-US" altLang="ja-JP" sz="4400" dirty="0" smtClean="0"/>
-          </a:p>
-          <a:p>
-            <a:pPr marL="82296" indent="0" algn="ctr">
-              <a:buNone/>
-            </a:pPr>
-            <a:r>
-              <a:rPr kumimoji="1" lang="ja-JP" altLang="en-US" sz="4400" dirty="0" smtClean="0"/>
-              <a:t>④まとめ</a:t>
-            </a:r>
-            <a:endParaRPr kumimoji="1" lang="en-US" altLang="ja-JP" sz="4400" dirty="0" smtClean="0"/>
-          </a:p>
-        </p:txBody>
-      </p:sp>
-    </p:spTree>
-    <p:extLst>
-      <p:ext uri="{BB962C8B-B14F-4D97-AF65-F5344CB8AC3E}">
-        <p14:creationId xmlns:p14="http://schemas.microsoft.com/office/powerpoint/2010/main" val="2598387404"/>
-      </p:ext>
-    </p:extLst>
-  </p:cSld>
-  <p:clrMapOvr>
-    <a:masterClrMapping/>
-  </p:clrMapOvr>
-  <p:timing>
-    <p:tnLst>
-      <p:par>
-        <p:cTn id="1" dur="indefinite" restart="never" nodeType="tmRoot"/>
-      </p:par>
-    </p:tnLst>
-  </p:timing>
-</p:sld>
-</file>
-
-<file path=ppt/slides/slide22.xml><?xml version="1.0" encoding="utf-8"?>
-<p:sld xmlns:a="http://schemas.openxmlformats.org/drawingml/2006/main" xmlns:r="http://schemas.openxmlformats.org/officeDocument/2006/relationships" xmlns:p="http://schemas.openxmlformats.org/presentationml/2006/main">
-  <p:cSld>
-    <p:spTree>
-      <p:nvGrpSpPr>
-        <p:cNvPr id="1" name=""/>
-        <p:cNvGrpSpPr/>
-        <p:nvPr/>
-      </p:nvGrpSpPr>
-      <p:grpSpPr>
-        <a:xfrm>
-          <a:off x="0" y="0"/>
-          <a:ext cx="0" cy="0"/>
-          <a:chOff x="0" y="0"/>
-          <a:chExt cx="0" cy="0"/>
-        </a:xfrm>
-      </p:grpSpPr>
-      <p:sp>
-        <p:nvSpPr>
-          <p:cNvPr id="2" name="タイトル 1"/>
-          <p:cNvSpPr>
-            <a:spLocks noGrp="1"/>
-          </p:cNvSpPr>
-          <p:nvPr>
-            <p:ph type="title"/>
-          </p:nvPr>
-        </p:nvSpPr>
-        <p:spPr/>
-        <p:txBody>
-          <a:bodyPr/>
-          <a:lstStyle/>
-          <a:p>
-            <a:r>
-              <a:rPr kumimoji="1" lang="ja-JP" altLang="en-US" dirty="0" smtClean="0"/>
-              <a:t>まとめ</a:t>
-            </a:r>
-            <a:endParaRPr kumimoji="1" lang="ja-JP" altLang="en-US" dirty="0"/>
-          </a:p>
-        </p:txBody>
-      </p:sp>
-      <p:sp>
-        <p:nvSpPr>
-          <p:cNvPr id="7" name="コンテンツ プレースホルダー 2"/>
-          <p:cNvSpPr txBox="1">
-            <a:spLocks/>
-          </p:cNvSpPr>
-          <p:nvPr/>
-        </p:nvSpPr>
-        <p:spPr>
-          <a:xfrm>
-            <a:off x="467544" y="1124744"/>
-            <a:ext cx="7818072" cy="5544616"/>
-          </a:xfrm>
-          <a:prstGeom prst="rect">
-            <a:avLst/>
-          </a:prstGeom>
-        </p:spPr>
-        <p:txBody>
-          <a:bodyPr>
-            <a:normAutofit/>
-          </a:bodyPr>
-          <a:lstStyle>
-            <a:lvl1pPr marL="365760" indent="-283464" algn="l" rtl="0" eaLnBrk="1" latinLnBrk="0" hangingPunct="1">
-              <a:lnSpc>
-                <a:spcPct val="100000"/>
-              </a:lnSpc>
-              <a:spcBef>
-                <a:spcPts val="600"/>
-              </a:spcBef>
-              <a:buClr>
-                <a:schemeClr val="accent1"/>
-              </a:buClr>
-              <a:buSzPct val="80000"/>
-              <a:buFont typeface="Wingdings 2"/>
-              <a:buChar char=""/>
-              <a:defRPr kumimoji="1" sz="3200" kern="1200">
-                <a:solidFill>
-                  <a:schemeClr val="tx1"/>
-                </a:solidFill>
-                <a:latin typeface="+mn-lt"/>
-                <a:ea typeface="+mn-ea"/>
-                <a:cs typeface="+mn-cs"/>
-              </a:defRPr>
-            </a:lvl1pPr>
-            <a:lvl2pPr marL="640080" indent="-237744" algn="l" rtl="0" eaLnBrk="1" latinLnBrk="0" hangingPunct="1">
-              <a:lnSpc>
-                <a:spcPct val="100000"/>
-              </a:lnSpc>
-              <a:spcBef>
-                <a:spcPts val="550"/>
-              </a:spcBef>
-              <a:buClr>
-                <a:schemeClr val="accent1"/>
-              </a:buClr>
-              <a:buFont typeface="Verdana"/>
-              <a:buChar char="◦"/>
-              <a:defRPr kumimoji="1" sz="2800" kern="1200">
-                <a:solidFill>
-                  <a:schemeClr val="tx1"/>
-                </a:solidFill>
-                <a:latin typeface="+mn-lt"/>
-                <a:ea typeface="+mn-ea"/>
-                <a:cs typeface="+mn-cs"/>
-              </a:defRPr>
-            </a:lvl2pPr>
-            <a:lvl3pPr marL="886968" indent="-228600" algn="l" rtl="0" eaLnBrk="1" latinLnBrk="0" hangingPunct="1">
-              <a:lnSpc>
-                <a:spcPct val="100000"/>
-              </a:lnSpc>
-              <a:spcBef>
-                <a:spcPct val="20000"/>
-              </a:spcBef>
-              <a:buClr>
-                <a:schemeClr val="accent2"/>
-              </a:buClr>
-              <a:buFont typeface="Wingdings 2"/>
-              <a:buChar char=""/>
-              <a:defRPr kumimoji="1" sz="2400" kern="1200">
-                <a:solidFill>
-                  <a:schemeClr val="tx1"/>
-                </a:solidFill>
-                <a:latin typeface="+mn-lt"/>
-                <a:ea typeface="+mn-ea"/>
-                <a:cs typeface="+mn-cs"/>
-              </a:defRPr>
-            </a:lvl3pPr>
-            <a:lvl4pPr marL="1097280" indent="-173736" algn="l" rtl="0" eaLnBrk="1" latinLnBrk="0" hangingPunct="1">
-              <a:lnSpc>
-                <a:spcPct val="100000"/>
-              </a:lnSpc>
-              <a:spcBef>
-                <a:spcPct val="20000"/>
-              </a:spcBef>
-              <a:buClr>
-                <a:schemeClr val="accent3"/>
-              </a:buClr>
-              <a:buFont typeface="Wingdings 2"/>
-              <a:buChar char=""/>
-              <a:defRPr kumimoji="1" sz="2000" kern="1200">
-                <a:solidFill>
-                  <a:schemeClr val="tx1"/>
-                </a:solidFill>
-                <a:latin typeface="+mn-lt"/>
-                <a:ea typeface="+mn-ea"/>
-                <a:cs typeface="+mn-cs"/>
-              </a:defRPr>
-            </a:lvl4pPr>
-            <a:lvl5pPr marL="1298448" indent="-182880" algn="l" rtl="0" eaLnBrk="1" latinLnBrk="0" hangingPunct="1">
-              <a:lnSpc>
-                <a:spcPct val="100000"/>
-              </a:lnSpc>
-              <a:spcBef>
-                <a:spcPct val="20000"/>
-              </a:spcBef>
-              <a:buClr>
-                <a:schemeClr val="accent4"/>
-              </a:buClr>
-              <a:buFont typeface="Wingdings 2"/>
-              <a:buChar char=""/>
-              <a:defRPr kumimoji="1" sz="2000" kern="1200">
-                <a:solidFill>
-                  <a:schemeClr val="tx1"/>
-                </a:solidFill>
-                <a:latin typeface="+mn-lt"/>
-                <a:ea typeface="+mn-ea"/>
-                <a:cs typeface="+mn-cs"/>
-              </a:defRPr>
-            </a:lvl5pPr>
-            <a:lvl6pPr marL="1508760" indent="-182880" algn="l" rtl="0" eaLnBrk="1" latinLnBrk="0" hangingPunct="1">
-              <a:lnSpc>
-                <a:spcPct val="100000"/>
-              </a:lnSpc>
-              <a:spcBef>
-                <a:spcPct val="20000"/>
-              </a:spcBef>
-              <a:buClr>
-                <a:schemeClr val="accent5"/>
-              </a:buClr>
-              <a:buFont typeface="Wingdings 2"/>
-              <a:buChar char=""/>
-              <a:defRPr kumimoji="1" sz="2000" kern="1200">
-                <a:solidFill>
-                  <a:schemeClr val="tx1"/>
-                </a:solidFill>
-                <a:latin typeface="+mn-lt"/>
-                <a:ea typeface="+mn-ea"/>
-                <a:cs typeface="+mn-cs"/>
-              </a:defRPr>
-            </a:lvl6pPr>
-            <a:lvl7pPr marL="1719072" indent="-182880" algn="l" rtl="0" eaLnBrk="1" latinLnBrk="0" hangingPunct="1">
-              <a:lnSpc>
-                <a:spcPct val="100000"/>
-              </a:lnSpc>
-              <a:spcBef>
-                <a:spcPct val="20000"/>
-              </a:spcBef>
-              <a:buClr>
-                <a:schemeClr val="accent6"/>
-              </a:buClr>
-              <a:buFont typeface="Wingdings 2"/>
-              <a:buChar char=""/>
-              <a:defRPr kumimoji="1" sz="2000" kern="1200">
-                <a:solidFill>
-                  <a:schemeClr val="tx1"/>
-                </a:solidFill>
-                <a:latin typeface="+mn-lt"/>
-                <a:ea typeface="+mn-ea"/>
-                <a:cs typeface="+mn-cs"/>
-              </a:defRPr>
-            </a:lvl7pPr>
-            <a:lvl8pPr marL="1920240" indent="-182880" algn="l" rtl="0" eaLnBrk="1" latinLnBrk="0" hangingPunct="1">
-              <a:lnSpc>
-                <a:spcPct val="100000"/>
-              </a:lnSpc>
-              <a:spcBef>
-                <a:spcPct val="20000"/>
-              </a:spcBef>
-              <a:buClr>
-                <a:schemeClr val="accent6"/>
-              </a:buClr>
-              <a:buFont typeface="Wingdings 2"/>
-              <a:buChar char=""/>
-              <a:defRPr kumimoji="1" sz="2000" kern="1200">
-                <a:solidFill>
-                  <a:schemeClr val="tx1"/>
-                </a:solidFill>
-                <a:latin typeface="+mn-lt"/>
-                <a:ea typeface="+mn-ea"/>
-                <a:cs typeface="+mn-cs"/>
-              </a:defRPr>
-            </a:lvl8pPr>
-            <a:lvl9pPr marL="2130552" indent="-182880" algn="l" rtl="0" eaLnBrk="1" latinLnBrk="0" hangingPunct="1">
-              <a:lnSpc>
-                <a:spcPct val="100000"/>
-              </a:lnSpc>
-              <a:spcBef>
-                <a:spcPct val="20000"/>
-              </a:spcBef>
-              <a:buClr>
-                <a:schemeClr val="accent6"/>
-              </a:buClr>
-              <a:buFont typeface="Wingdings 2"/>
-              <a:buChar char=""/>
-              <a:defRPr kumimoji="1" sz="2000" kern="1200">
-                <a:solidFill>
-                  <a:schemeClr val="tx1"/>
-                </a:solidFill>
-                <a:latin typeface="+mn-lt"/>
-                <a:ea typeface="+mn-ea"/>
-                <a:cs typeface="+mn-cs"/>
-              </a:defRPr>
-            </a:lvl9pPr>
-            <a:extLst/>
-          </a:lstStyle>
-          <a:p>
-            <a:pPr marL="82296" indent="0">
-              <a:buFont typeface="Wingdings 2"/>
-              <a:buNone/>
-            </a:pPr>
-            <a:r>
-              <a:rPr lang="ja-JP" altLang="en-US" dirty="0" smtClean="0"/>
-              <a:t>・</a:t>
-            </a:r>
-            <a:r>
-              <a:rPr lang="en-US" altLang="ja-JP" dirty="0" smtClean="0"/>
-              <a:t>VBA</a:t>
-            </a:r>
-            <a:r>
-              <a:rPr lang="ja-JP" altLang="en-US" dirty="0" smtClean="0"/>
-              <a:t>と</a:t>
-            </a:r>
-            <a:r>
-              <a:rPr lang="en-US" altLang="ja-JP" dirty="0" smtClean="0"/>
-              <a:t>poi</a:t>
-            </a:r>
-            <a:r>
-              <a:rPr lang="ja-JP" altLang="en-US" dirty="0" smtClean="0"/>
-              <a:t>について雑感</a:t>
-            </a:r>
-            <a:endParaRPr lang="en-US" altLang="ja-JP" dirty="0" smtClean="0"/>
-          </a:p>
-          <a:p>
-            <a:pPr marL="82296" indent="0">
-              <a:buFont typeface="Wingdings 2"/>
-              <a:buNone/>
-            </a:pPr>
-            <a:endParaRPr lang="en-US" altLang="ja-JP" dirty="0"/>
-          </a:p>
-          <a:p>
-            <a:pPr marL="82296" indent="0">
-              <a:buFont typeface="Wingdings 2"/>
-              <a:buNone/>
-            </a:pPr>
-            <a:endParaRPr lang="en-US" altLang="ja-JP" dirty="0" smtClean="0"/>
-          </a:p>
-          <a:p>
-            <a:pPr marL="82296" indent="0">
-              <a:buFont typeface="Wingdings 2"/>
-              <a:buNone/>
-            </a:pPr>
-            <a:r>
-              <a:rPr lang="ja-JP" altLang="en-US" dirty="0" smtClean="0"/>
-              <a:t>・結局</a:t>
-            </a:r>
-            <a:r>
-              <a:rPr lang="en-US" altLang="ja-JP" dirty="0" smtClean="0"/>
-              <a:t>excel</a:t>
-            </a:r>
-            <a:r>
-              <a:rPr lang="ja-JP" altLang="en-US" dirty="0" smtClean="0"/>
-              <a:t>使うのや</a:t>
-            </a:r>
-            <a:r>
-              <a:rPr lang="ja-JP" altLang="en-US" dirty="0" err="1" smtClean="0"/>
-              <a:t>めるんが</a:t>
-            </a:r>
-            <a:r>
-              <a:rPr lang="ja-JP" altLang="en-US" dirty="0" smtClean="0"/>
-              <a:t>一番</a:t>
-            </a:r>
-            <a:endParaRPr lang="en-US" altLang="ja-JP" dirty="0" smtClean="0"/>
-          </a:p>
-          <a:p>
-            <a:pPr marL="82296" indent="0">
-              <a:buFont typeface="Wingdings 2"/>
-              <a:buNone/>
-            </a:pPr>
-            <a:endParaRPr lang="en-US" altLang="ja-JP" dirty="0"/>
-          </a:p>
-        </p:txBody>
-      </p:sp>
-    </p:spTree>
-    <p:extLst>
-      <p:ext uri="{BB962C8B-B14F-4D97-AF65-F5344CB8AC3E}">
-        <p14:creationId xmlns:p14="http://schemas.microsoft.com/office/powerpoint/2010/main" val="1358451711"/>
-      </p:ext>
-    </p:extLst>
-  </p:cSld>
-  <p:clrMapOvr>
-    <a:masterClrMapping/>
-  </p:clrMapOvr>
-  <p:timing>
-    <p:tnLst>
-      <p:par>
-        <p:cTn id="1" dur="indefinite" restart="never" nodeType="tmRoot"/>
-      </p:par>
-    </p:tnLst>
-  </p:timing>
-</p:sld>
-</file>
-
 <file path=ppt/slides/slide23.xml><?xml version="1.0" encoding="utf-8"?>
 <p:sld xmlns:a="http://schemas.openxmlformats.org/drawingml/2006/main" xmlns:r="http://schemas.openxmlformats.org/officeDocument/2006/relationships" xmlns:p="http://schemas.openxmlformats.org/presentationml/2006/main">
   <p:cSld>
@@ -7927,59 +9609,343 @@
           <a:bodyPr/>
           <a:lstStyle/>
           <a:p>
+            <a:r>
+              <a:rPr kumimoji="1" lang="en-US" altLang="ja-JP" dirty="0" smtClean="0"/>
+              <a:t>MS</a:t>
+            </a:r>
+            <a:r>
+              <a:rPr kumimoji="1" lang="ja-JP" altLang="en-US" dirty="0" smtClean="0"/>
+              <a:t>のエクスプローラもアレ</a:t>
+            </a:r>
             <a:endParaRPr kumimoji="1" lang="ja-JP" altLang="en-US" dirty="0"/>
           </a:p>
         </p:txBody>
       </p:sp>
       <p:sp>
         <p:nvSpPr>
-          <p:cNvPr id="3" name="コンテンツ プレースホルダー 2"/>
-          <p:cNvSpPr>
-            <a:spLocks noGrp="1"/>
+          <p:cNvPr id="7" name="コンテンツ プレースホルダー 2"/>
+          <p:cNvSpPr txBox="1">
+            <a:spLocks/>
           </p:cNvSpPr>
-          <p:nvPr>
-            <p:ph idx="1"/>
-          </p:nvPr>
+          <p:nvPr/>
         </p:nvSpPr>
         <p:spPr>
           <a:xfrm>
-            <a:off x="395536" y="1447800"/>
-            <a:ext cx="8136904" cy="4069432"/>
+            <a:off x="467544" y="1124744"/>
+            <a:ext cx="7818072" cy="5733256"/>
           </a:xfrm>
+          <a:prstGeom prst="rect">
+            <a:avLst/>
+          </a:prstGeom>
         </p:spPr>
         <p:txBody>
           <a:bodyPr>
             <a:normAutofit/>
           </a:bodyPr>
-          <a:lstStyle/>
-          <a:p>
-            <a:pPr marL="82296" indent="0" algn="ctr">
-              <a:buNone/>
-            </a:pPr>
-            <a:endParaRPr kumimoji="1" lang="en-US" altLang="ja-JP" sz="4400" dirty="0" smtClean="0"/>
-          </a:p>
-          <a:p>
-            <a:pPr marL="82296" indent="0" algn="ctr">
-              <a:buNone/>
-            </a:pPr>
-            <a:endParaRPr kumimoji="1" lang="en-US" altLang="ja-JP" sz="4400" dirty="0" smtClean="0"/>
-          </a:p>
-          <a:p>
-            <a:pPr marL="82296" indent="0" algn="ctr">
-              <a:buNone/>
-            </a:pPr>
-            <a:r>
-              <a:rPr kumimoji="1" lang="ja-JP" altLang="en-US" sz="4400" dirty="0" smtClean="0"/>
-              <a:t>⑤大塚駅ランチ</a:t>
-            </a:r>
-            <a:endParaRPr kumimoji="1" lang="en-US" altLang="ja-JP" sz="4400" dirty="0" smtClean="0"/>
+          <a:lstStyle>
+            <a:lvl1pPr marL="365760" indent="-283464" algn="l" rtl="0" eaLnBrk="1" latinLnBrk="0" hangingPunct="1">
+              <a:lnSpc>
+                <a:spcPct val="100000"/>
+              </a:lnSpc>
+              <a:spcBef>
+                <a:spcPts val="600"/>
+              </a:spcBef>
+              <a:buClr>
+                <a:schemeClr val="accent1"/>
+              </a:buClr>
+              <a:buSzPct val="80000"/>
+              <a:buFont typeface="Wingdings 2"/>
+              <a:buChar char=""/>
+              <a:defRPr kumimoji="1" sz="3200" kern="1200">
+                <a:solidFill>
+                  <a:schemeClr val="tx1"/>
+                </a:solidFill>
+                <a:latin typeface="+mn-lt"/>
+                <a:ea typeface="+mn-ea"/>
+                <a:cs typeface="+mn-cs"/>
+              </a:defRPr>
+            </a:lvl1pPr>
+            <a:lvl2pPr marL="640080" indent="-237744" algn="l" rtl="0" eaLnBrk="1" latinLnBrk="0" hangingPunct="1">
+              <a:lnSpc>
+                <a:spcPct val="100000"/>
+              </a:lnSpc>
+              <a:spcBef>
+                <a:spcPts val="550"/>
+              </a:spcBef>
+              <a:buClr>
+                <a:schemeClr val="accent1"/>
+              </a:buClr>
+              <a:buFont typeface="Verdana"/>
+              <a:buChar char="◦"/>
+              <a:defRPr kumimoji="1" sz="2800" kern="1200">
+                <a:solidFill>
+                  <a:schemeClr val="tx1"/>
+                </a:solidFill>
+                <a:latin typeface="+mn-lt"/>
+                <a:ea typeface="+mn-ea"/>
+                <a:cs typeface="+mn-cs"/>
+              </a:defRPr>
+            </a:lvl2pPr>
+            <a:lvl3pPr marL="886968" indent="-228600" algn="l" rtl="0" eaLnBrk="1" latinLnBrk="0" hangingPunct="1">
+              <a:lnSpc>
+                <a:spcPct val="100000"/>
+              </a:lnSpc>
+              <a:spcBef>
+                <a:spcPct val="20000"/>
+              </a:spcBef>
+              <a:buClr>
+                <a:schemeClr val="accent2"/>
+              </a:buClr>
+              <a:buFont typeface="Wingdings 2"/>
+              <a:buChar char=""/>
+              <a:defRPr kumimoji="1" sz="2400" kern="1200">
+                <a:solidFill>
+                  <a:schemeClr val="tx1"/>
+                </a:solidFill>
+                <a:latin typeface="+mn-lt"/>
+                <a:ea typeface="+mn-ea"/>
+                <a:cs typeface="+mn-cs"/>
+              </a:defRPr>
+            </a:lvl3pPr>
+            <a:lvl4pPr marL="1097280" indent="-173736" algn="l" rtl="0" eaLnBrk="1" latinLnBrk="0" hangingPunct="1">
+              <a:lnSpc>
+                <a:spcPct val="100000"/>
+              </a:lnSpc>
+              <a:spcBef>
+                <a:spcPct val="20000"/>
+              </a:spcBef>
+              <a:buClr>
+                <a:schemeClr val="accent3"/>
+              </a:buClr>
+              <a:buFont typeface="Wingdings 2"/>
+              <a:buChar char=""/>
+              <a:defRPr kumimoji="1" sz="2000" kern="1200">
+                <a:solidFill>
+                  <a:schemeClr val="tx1"/>
+                </a:solidFill>
+                <a:latin typeface="+mn-lt"/>
+                <a:ea typeface="+mn-ea"/>
+                <a:cs typeface="+mn-cs"/>
+              </a:defRPr>
+            </a:lvl4pPr>
+            <a:lvl5pPr marL="1298448" indent="-182880" algn="l" rtl="0" eaLnBrk="1" latinLnBrk="0" hangingPunct="1">
+              <a:lnSpc>
+                <a:spcPct val="100000"/>
+              </a:lnSpc>
+              <a:spcBef>
+                <a:spcPct val="20000"/>
+              </a:spcBef>
+              <a:buClr>
+                <a:schemeClr val="accent4"/>
+              </a:buClr>
+              <a:buFont typeface="Wingdings 2"/>
+              <a:buChar char=""/>
+              <a:defRPr kumimoji="1" sz="2000" kern="1200">
+                <a:solidFill>
+                  <a:schemeClr val="tx1"/>
+                </a:solidFill>
+                <a:latin typeface="+mn-lt"/>
+                <a:ea typeface="+mn-ea"/>
+                <a:cs typeface="+mn-cs"/>
+              </a:defRPr>
+            </a:lvl5pPr>
+            <a:lvl6pPr marL="1508760" indent="-182880" algn="l" rtl="0" eaLnBrk="1" latinLnBrk="0" hangingPunct="1">
+              <a:lnSpc>
+                <a:spcPct val="100000"/>
+              </a:lnSpc>
+              <a:spcBef>
+                <a:spcPct val="20000"/>
+              </a:spcBef>
+              <a:buClr>
+                <a:schemeClr val="accent5"/>
+              </a:buClr>
+              <a:buFont typeface="Wingdings 2"/>
+              <a:buChar char=""/>
+              <a:defRPr kumimoji="1" sz="2000" kern="1200">
+                <a:solidFill>
+                  <a:schemeClr val="tx1"/>
+                </a:solidFill>
+                <a:latin typeface="+mn-lt"/>
+                <a:ea typeface="+mn-ea"/>
+                <a:cs typeface="+mn-cs"/>
+              </a:defRPr>
+            </a:lvl6pPr>
+            <a:lvl7pPr marL="1719072" indent="-182880" algn="l" rtl="0" eaLnBrk="1" latinLnBrk="0" hangingPunct="1">
+              <a:lnSpc>
+                <a:spcPct val="100000"/>
+              </a:lnSpc>
+              <a:spcBef>
+                <a:spcPct val="20000"/>
+              </a:spcBef>
+              <a:buClr>
+                <a:schemeClr val="accent6"/>
+              </a:buClr>
+              <a:buFont typeface="Wingdings 2"/>
+              <a:buChar char=""/>
+              <a:defRPr kumimoji="1" sz="2000" kern="1200">
+                <a:solidFill>
+                  <a:schemeClr val="tx1"/>
+                </a:solidFill>
+                <a:latin typeface="+mn-lt"/>
+                <a:ea typeface="+mn-ea"/>
+                <a:cs typeface="+mn-cs"/>
+              </a:defRPr>
+            </a:lvl7pPr>
+            <a:lvl8pPr marL="1920240" indent="-182880" algn="l" rtl="0" eaLnBrk="1" latinLnBrk="0" hangingPunct="1">
+              <a:lnSpc>
+                <a:spcPct val="100000"/>
+              </a:lnSpc>
+              <a:spcBef>
+                <a:spcPct val="20000"/>
+              </a:spcBef>
+              <a:buClr>
+                <a:schemeClr val="accent6"/>
+              </a:buClr>
+              <a:buFont typeface="Wingdings 2"/>
+              <a:buChar char=""/>
+              <a:defRPr kumimoji="1" sz="2000" kern="1200">
+                <a:solidFill>
+                  <a:schemeClr val="tx1"/>
+                </a:solidFill>
+                <a:latin typeface="+mn-lt"/>
+                <a:ea typeface="+mn-ea"/>
+                <a:cs typeface="+mn-cs"/>
+              </a:defRPr>
+            </a:lvl8pPr>
+            <a:lvl9pPr marL="2130552" indent="-182880" algn="l" rtl="0" eaLnBrk="1" latinLnBrk="0" hangingPunct="1">
+              <a:lnSpc>
+                <a:spcPct val="100000"/>
+              </a:lnSpc>
+              <a:spcBef>
+                <a:spcPct val="20000"/>
+              </a:spcBef>
+              <a:buClr>
+                <a:schemeClr val="accent6"/>
+              </a:buClr>
+              <a:buFont typeface="Wingdings 2"/>
+              <a:buChar char=""/>
+              <a:defRPr kumimoji="1" sz="2000" kern="1200">
+                <a:solidFill>
+                  <a:schemeClr val="tx1"/>
+                </a:solidFill>
+                <a:latin typeface="+mn-lt"/>
+                <a:ea typeface="+mn-ea"/>
+                <a:cs typeface="+mn-cs"/>
+              </a:defRPr>
+            </a:lvl9pPr>
+            <a:extLst/>
+          </a:lstStyle>
+          <a:p>
+            <a:pPr marL="82296" indent="0">
+              <a:buFont typeface="Wingdings 2"/>
+              <a:buNone/>
+            </a:pPr>
+            <a:r>
+              <a:rPr lang="ja-JP" altLang="en-US" dirty="0" smtClean="0"/>
+              <a:t>・エクスプローラのファイル並び順が変</a:t>
+            </a:r>
+            <a:endParaRPr lang="en-US" altLang="ja-JP" dirty="0" smtClean="0"/>
+          </a:p>
+          <a:p>
+            <a:pPr marL="82296" indent="0">
+              <a:buFont typeface="Wingdings 2"/>
+              <a:buNone/>
+            </a:pPr>
+            <a:endParaRPr lang="en-US" altLang="ja-JP" dirty="0" smtClean="0"/>
+          </a:p>
+          <a:p>
+            <a:pPr marL="82296" indent="0">
+              <a:buFont typeface="Wingdings 2"/>
+              <a:buNone/>
+            </a:pPr>
+            <a:endParaRPr lang="en-US" altLang="ja-JP" dirty="0"/>
+          </a:p>
+          <a:p>
+            <a:pPr marL="82296" indent="0">
+              <a:buFont typeface="Wingdings 2"/>
+              <a:buNone/>
+            </a:pPr>
+            <a:endParaRPr lang="en-US" altLang="ja-JP" dirty="0" smtClean="0"/>
+          </a:p>
+          <a:p>
+            <a:pPr marL="82296" indent="0">
+              <a:buFont typeface="Wingdings 2"/>
+              <a:buNone/>
+            </a:pPr>
+            <a:endParaRPr lang="en-US" altLang="ja-JP" dirty="0" smtClean="0"/>
+          </a:p>
+          <a:p>
+            <a:pPr marL="82296" indent="0">
+              <a:buFont typeface="Wingdings 2"/>
+              <a:buNone/>
+            </a:pPr>
+            <a:endParaRPr lang="en-US" altLang="ja-JP" dirty="0"/>
+          </a:p>
+          <a:p>
+            <a:pPr marL="82296" indent="0">
+              <a:buFont typeface="Wingdings 2"/>
+              <a:buNone/>
+            </a:pPr>
+            <a:endParaRPr lang="en-US" altLang="ja-JP" dirty="0"/>
+          </a:p>
+          <a:p>
+            <a:pPr marL="82296" indent="0">
+              <a:buFont typeface="Wingdings 2"/>
+              <a:buNone/>
+            </a:pPr>
+            <a:r>
+              <a:rPr lang="ja-JP" altLang="en-US" dirty="0" smtClean="0"/>
+              <a:t>プログラムで処理すると</a:t>
+            </a:r>
+            <a:endParaRPr lang="en-US" altLang="ja-JP" dirty="0" smtClean="0"/>
+          </a:p>
+          <a:p>
+            <a:pPr marL="82296" indent="0">
+              <a:buFont typeface="Wingdings 2"/>
+              <a:buNone/>
+            </a:pPr>
+            <a:r>
+              <a:rPr lang="ja-JP" altLang="en-US" dirty="0" smtClean="0"/>
+              <a:t>全然違う並び順になるはず・・・</a:t>
+            </a:r>
+            <a:endParaRPr lang="en-US" altLang="ja-JP" dirty="0"/>
           </a:p>
         </p:txBody>
       </p:sp>
+      <p:pic>
+        <p:nvPicPr>
+          <p:cNvPr id="5" name="図 4"/>
+          <p:cNvPicPr>
+            <a:picLocks noChangeAspect="1"/>
+          </p:cNvPicPr>
+          <p:nvPr/>
+        </p:nvPicPr>
+        <p:blipFill>
+          <a:blip r:embed="rId2">
+            <a:extLst>
+              <a:ext uri="{28A0092B-C50C-407E-A947-70E740481C1C}">
+                <a14:useLocalDpi xmlns:a14="http://schemas.microsoft.com/office/drawing/2010/main" val="0"/>
+              </a:ext>
+            </a:extLst>
+          </a:blip>
+          <a:stretch>
+            <a:fillRect/>
+          </a:stretch>
+        </p:blipFill>
+        <p:spPr>
+          <a:xfrm>
+            <a:off x="1043608" y="1844824"/>
+            <a:ext cx="5849166" cy="2372056"/>
+          </a:xfrm>
+          <a:prstGeom prst="rect">
+            <a:avLst/>
+          </a:prstGeom>
+        </p:spPr>
+      </p:pic>
     </p:spTree>
     <p:extLst>
       <p:ext uri="{BB962C8B-B14F-4D97-AF65-F5344CB8AC3E}">
-        <p14:creationId xmlns:p14="http://schemas.microsoft.com/office/powerpoint/2010/main" val="4024685519"/>
+        <p14:creationId xmlns:p14="http://schemas.microsoft.com/office/powerpoint/2010/main" val="3655091657"/>
       </p:ext>
     </p:extLst>
   </p:cSld>
@@ -8025,6 +9991,915 @@
         </p:nvSpPr>
         <p:spPr/>
         <p:txBody>
+          <a:bodyPr>
+            <a:normAutofit/>
+          </a:bodyPr>
+          <a:lstStyle/>
+          <a:p>
+            <a:r>
+              <a:rPr kumimoji="1" lang="ja-JP" altLang="en-US" dirty="0" smtClean="0"/>
+              <a:t>エクスプローラの並び順</a:t>
+            </a:r>
+            <a:endParaRPr kumimoji="1" lang="ja-JP" altLang="en-US" dirty="0"/>
+          </a:p>
+        </p:txBody>
+      </p:sp>
+      <p:sp>
+        <p:nvSpPr>
+          <p:cNvPr id="7" name="コンテンツ プレースホルダー 2"/>
+          <p:cNvSpPr txBox="1">
+            <a:spLocks/>
+          </p:cNvSpPr>
+          <p:nvPr/>
+        </p:nvSpPr>
+        <p:spPr>
+          <a:xfrm>
+            <a:off x="467544" y="1124744"/>
+            <a:ext cx="7818072" cy="5733256"/>
+          </a:xfrm>
+          <a:prstGeom prst="rect">
+            <a:avLst/>
+          </a:prstGeom>
+        </p:spPr>
+        <p:txBody>
+          <a:bodyPr>
+            <a:normAutofit/>
+          </a:bodyPr>
+          <a:lstStyle>
+            <a:lvl1pPr marL="365760" indent="-283464" algn="l" rtl="0" eaLnBrk="1" latinLnBrk="0" hangingPunct="1">
+              <a:lnSpc>
+                <a:spcPct val="100000"/>
+              </a:lnSpc>
+              <a:spcBef>
+                <a:spcPts val="600"/>
+              </a:spcBef>
+              <a:buClr>
+                <a:schemeClr val="accent1"/>
+              </a:buClr>
+              <a:buSzPct val="80000"/>
+              <a:buFont typeface="Wingdings 2"/>
+              <a:buChar char=""/>
+              <a:defRPr kumimoji="1" sz="3200" kern="1200">
+                <a:solidFill>
+                  <a:schemeClr val="tx1"/>
+                </a:solidFill>
+                <a:latin typeface="+mn-lt"/>
+                <a:ea typeface="+mn-ea"/>
+                <a:cs typeface="+mn-cs"/>
+              </a:defRPr>
+            </a:lvl1pPr>
+            <a:lvl2pPr marL="640080" indent="-237744" algn="l" rtl="0" eaLnBrk="1" latinLnBrk="0" hangingPunct="1">
+              <a:lnSpc>
+                <a:spcPct val="100000"/>
+              </a:lnSpc>
+              <a:spcBef>
+                <a:spcPts val="550"/>
+              </a:spcBef>
+              <a:buClr>
+                <a:schemeClr val="accent1"/>
+              </a:buClr>
+              <a:buFont typeface="Verdana"/>
+              <a:buChar char="◦"/>
+              <a:defRPr kumimoji="1" sz="2800" kern="1200">
+                <a:solidFill>
+                  <a:schemeClr val="tx1"/>
+                </a:solidFill>
+                <a:latin typeface="+mn-lt"/>
+                <a:ea typeface="+mn-ea"/>
+                <a:cs typeface="+mn-cs"/>
+              </a:defRPr>
+            </a:lvl2pPr>
+            <a:lvl3pPr marL="886968" indent="-228600" algn="l" rtl="0" eaLnBrk="1" latinLnBrk="0" hangingPunct="1">
+              <a:lnSpc>
+                <a:spcPct val="100000"/>
+              </a:lnSpc>
+              <a:spcBef>
+                <a:spcPct val="20000"/>
+              </a:spcBef>
+              <a:buClr>
+                <a:schemeClr val="accent2"/>
+              </a:buClr>
+              <a:buFont typeface="Wingdings 2"/>
+              <a:buChar char=""/>
+              <a:defRPr kumimoji="1" sz="2400" kern="1200">
+                <a:solidFill>
+                  <a:schemeClr val="tx1"/>
+                </a:solidFill>
+                <a:latin typeface="+mn-lt"/>
+                <a:ea typeface="+mn-ea"/>
+                <a:cs typeface="+mn-cs"/>
+              </a:defRPr>
+            </a:lvl3pPr>
+            <a:lvl4pPr marL="1097280" indent="-173736" algn="l" rtl="0" eaLnBrk="1" latinLnBrk="0" hangingPunct="1">
+              <a:lnSpc>
+                <a:spcPct val="100000"/>
+              </a:lnSpc>
+              <a:spcBef>
+                <a:spcPct val="20000"/>
+              </a:spcBef>
+              <a:buClr>
+                <a:schemeClr val="accent3"/>
+              </a:buClr>
+              <a:buFont typeface="Wingdings 2"/>
+              <a:buChar char=""/>
+              <a:defRPr kumimoji="1" sz="2000" kern="1200">
+                <a:solidFill>
+                  <a:schemeClr val="tx1"/>
+                </a:solidFill>
+                <a:latin typeface="+mn-lt"/>
+                <a:ea typeface="+mn-ea"/>
+                <a:cs typeface="+mn-cs"/>
+              </a:defRPr>
+            </a:lvl4pPr>
+            <a:lvl5pPr marL="1298448" indent="-182880" algn="l" rtl="0" eaLnBrk="1" latinLnBrk="0" hangingPunct="1">
+              <a:lnSpc>
+                <a:spcPct val="100000"/>
+              </a:lnSpc>
+              <a:spcBef>
+                <a:spcPct val="20000"/>
+              </a:spcBef>
+              <a:buClr>
+                <a:schemeClr val="accent4"/>
+              </a:buClr>
+              <a:buFont typeface="Wingdings 2"/>
+              <a:buChar char=""/>
+              <a:defRPr kumimoji="1" sz="2000" kern="1200">
+                <a:solidFill>
+                  <a:schemeClr val="tx1"/>
+                </a:solidFill>
+                <a:latin typeface="+mn-lt"/>
+                <a:ea typeface="+mn-ea"/>
+                <a:cs typeface="+mn-cs"/>
+              </a:defRPr>
+            </a:lvl5pPr>
+            <a:lvl6pPr marL="1508760" indent="-182880" algn="l" rtl="0" eaLnBrk="1" latinLnBrk="0" hangingPunct="1">
+              <a:lnSpc>
+                <a:spcPct val="100000"/>
+              </a:lnSpc>
+              <a:spcBef>
+                <a:spcPct val="20000"/>
+              </a:spcBef>
+              <a:buClr>
+                <a:schemeClr val="accent5"/>
+              </a:buClr>
+              <a:buFont typeface="Wingdings 2"/>
+              <a:buChar char=""/>
+              <a:defRPr kumimoji="1" sz="2000" kern="1200">
+                <a:solidFill>
+                  <a:schemeClr val="tx1"/>
+                </a:solidFill>
+                <a:latin typeface="+mn-lt"/>
+                <a:ea typeface="+mn-ea"/>
+                <a:cs typeface="+mn-cs"/>
+              </a:defRPr>
+            </a:lvl6pPr>
+            <a:lvl7pPr marL="1719072" indent="-182880" algn="l" rtl="0" eaLnBrk="1" latinLnBrk="0" hangingPunct="1">
+              <a:lnSpc>
+                <a:spcPct val="100000"/>
+              </a:lnSpc>
+              <a:spcBef>
+                <a:spcPct val="20000"/>
+              </a:spcBef>
+              <a:buClr>
+                <a:schemeClr val="accent6"/>
+              </a:buClr>
+              <a:buFont typeface="Wingdings 2"/>
+              <a:buChar char=""/>
+              <a:defRPr kumimoji="1" sz="2000" kern="1200">
+                <a:solidFill>
+                  <a:schemeClr val="tx1"/>
+                </a:solidFill>
+                <a:latin typeface="+mn-lt"/>
+                <a:ea typeface="+mn-ea"/>
+                <a:cs typeface="+mn-cs"/>
+              </a:defRPr>
+            </a:lvl7pPr>
+            <a:lvl8pPr marL="1920240" indent="-182880" algn="l" rtl="0" eaLnBrk="1" latinLnBrk="0" hangingPunct="1">
+              <a:lnSpc>
+                <a:spcPct val="100000"/>
+              </a:lnSpc>
+              <a:spcBef>
+                <a:spcPct val="20000"/>
+              </a:spcBef>
+              <a:buClr>
+                <a:schemeClr val="accent6"/>
+              </a:buClr>
+              <a:buFont typeface="Wingdings 2"/>
+              <a:buChar char=""/>
+              <a:defRPr kumimoji="1" sz="2000" kern="1200">
+                <a:solidFill>
+                  <a:schemeClr val="tx1"/>
+                </a:solidFill>
+                <a:latin typeface="+mn-lt"/>
+                <a:ea typeface="+mn-ea"/>
+                <a:cs typeface="+mn-cs"/>
+              </a:defRPr>
+            </a:lvl8pPr>
+            <a:lvl9pPr marL="2130552" indent="-182880" algn="l" rtl="0" eaLnBrk="1" latinLnBrk="0" hangingPunct="1">
+              <a:lnSpc>
+                <a:spcPct val="100000"/>
+              </a:lnSpc>
+              <a:spcBef>
+                <a:spcPct val="20000"/>
+              </a:spcBef>
+              <a:buClr>
+                <a:schemeClr val="accent6"/>
+              </a:buClr>
+              <a:buFont typeface="Wingdings 2"/>
+              <a:buChar char=""/>
+              <a:defRPr kumimoji="1" sz="2000" kern="1200">
+                <a:solidFill>
+                  <a:schemeClr val="tx1"/>
+                </a:solidFill>
+                <a:latin typeface="+mn-lt"/>
+                <a:ea typeface="+mn-ea"/>
+                <a:cs typeface="+mn-cs"/>
+              </a:defRPr>
+            </a:lvl9pPr>
+            <a:extLst/>
+          </a:lstStyle>
+          <a:p>
+            <a:pPr marL="82296" indent="0">
+              <a:buFont typeface="Wingdings 2"/>
+              <a:buNone/>
+            </a:pPr>
+            <a:r>
+              <a:rPr lang="ja-JP" altLang="en-US" dirty="0" smtClean="0"/>
+              <a:t>レジストリを書き換えれば変更できるらしい</a:t>
+            </a:r>
+            <a:endParaRPr lang="en-US" altLang="ja-JP" dirty="0" smtClean="0"/>
+          </a:p>
+          <a:p>
+            <a:pPr marL="82296" indent="0">
+              <a:buFont typeface="Wingdings 2"/>
+              <a:buNone/>
+            </a:pPr>
+            <a:endParaRPr lang="en-US" altLang="ja-JP" dirty="0"/>
+          </a:p>
+          <a:p>
+            <a:pPr marL="82296" indent="0">
+              <a:buNone/>
+            </a:pPr>
+            <a:r>
+              <a:rPr lang="ja-JP" altLang="en-US" dirty="0" smtClean="0"/>
+              <a:t>参考：</a:t>
+            </a:r>
+            <a:endParaRPr lang="en-US" altLang="ja-JP" dirty="0" smtClean="0"/>
+          </a:p>
+          <a:p>
+            <a:pPr marL="82296" indent="0">
+              <a:buNone/>
+            </a:pPr>
+            <a:r>
+              <a:rPr lang="en-US" altLang="ja-JP" dirty="0" smtClean="0"/>
+              <a:t>http</a:t>
+            </a:r>
+            <a:r>
+              <a:rPr lang="en-US" altLang="ja-JP" dirty="0"/>
+              <a:t>://www.yume-map.net/?p=2575</a:t>
+            </a:r>
+          </a:p>
+          <a:p>
+            <a:pPr marL="82296" indent="0">
+              <a:buFont typeface="Wingdings 2"/>
+              <a:buNone/>
+            </a:pPr>
+            <a:endParaRPr lang="en-US" altLang="ja-JP" dirty="0"/>
+          </a:p>
+          <a:p>
+            <a:pPr marL="82296" indent="0">
+              <a:buNone/>
+            </a:pPr>
+            <a:endParaRPr lang="en-US" altLang="ja-JP" dirty="0" smtClean="0"/>
+          </a:p>
+          <a:p>
+            <a:pPr marL="82296" indent="0">
+              <a:buNone/>
+            </a:pPr>
+            <a:endParaRPr lang="en-US" altLang="ja-JP" dirty="0" smtClean="0"/>
+          </a:p>
+          <a:p>
+            <a:pPr marL="82296" indent="0" algn="ctr">
+              <a:buNone/>
+            </a:pPr>
+            <a:r>
+              <a:rPr lang="ja-JP" altLang="en-US" dirty="0" smtClean="0"/>
+              <a:t>今回は</a:t>
+            </a:r>
+            <a:r>
+              <a:rPr lang="en-US" altLang="ja-JP" dirty="0" smtClean="0"/>
+              <a:t>PJ</a:t>
+            </a:r>
+            <a:r>
+              <a:rPr lang="ja-JP" altLang="en-US" dirty="0" smtClean="0"/>
+              <a:t>特性上どうにもできませんでした</a:t>
+            </a:r>
+            <a:endParaRPr lang="en-US" altLang="ja-JP" dirty="0"/>
+          </a:p>
+        </p:txBody>
+      </p:sp>
+    </p:spTree>
+    <p:extLst>
+      <p:ext uri="{BB962C8B-B14F-4D97-AF65-F5344CB8AC3E}">
+        <p14:creationId xmlns:p14="http://schemas.microsoft.com/office/powerpoint/2010/main" val="3377537266"/>
+      </p:ext>
+    </p:extLst>
+  </p:cSld>
+  <p:clrMapOvr>
+    <a:masterClrMapping/>
+  </p:clrMapOvr>
+  <p:timing>
+    <p:tnLst>
+      <p:par>
+        <p:cTn id="1" dur="indefinite" restart="never" nodeType="tmRoot"/>
+      </p:par>
+    </p:tnLst>
+  </p:timing>
+</p:sld>
+</file>
+
+<file path=ppt/slides/slide25.xml><?xml version="1.0" encoding="utf-8"?>
+<p:sld xmlns:a="http://schemas.openxmlformats.org/drawingml/2006/main" xmlns:r="http://schemas.openxmlformats.org/officeDocument/2006/relationships" xmlns:p="http://schemas.openxmlformats.org/presentationml/2006/main">
+  <p:cSld>
+    <p:spTree>
+      <p:nvGrpSpPr>
+        <p:cNvPr id="1" name=""/>
+        <p:cNvGrpSpPr/>
+        <p:nvPr/>
+      </p:nvGrpSpPr>
+      <p:grpSpPr>
+        <a:xfrm>
+          <a:off x="0" y="0"/>
+          <a:ext cx="0" cy="0"/>
+          <a:chOff x="0" y="0"/>
+          <a:chExt cx="0" cy="0"/>
+        </a:xfrm>
+      </p:grpSpPr>
+      <p:sp>
+        <p:nvSpPr>
+          <p:cNvPr id="2" name="タイトル 1"/>
+          <p:cNvSpPr>
+            <a:spLocks noGrp="1"/>
+          </p:cNvSpPr>
+          <p:nvPr>
+            <p:ph type="title"/>
+          </p:nvPr>
+        </p:nvSpPr>
+        <p:spPr/>
+        <p:txBody>
+          <a:bodyPr/>
+          <a:lstStyle/>
+          <a:p>
+            <a:endParaRPr kumimoji="1" lang="ja-JP" altLang="en-US" dirty="0"/>
+          </a:p>
+        </p:txBody>
+      </p:sp>
+      <p:sp>
+        <p:nvSpPr>
+          <p:cNvPr id="3" name="コンテンツ プレースホルダー 2"/>
+          <p:cNvSpPr>
+            <a:spLocks noGrp="1"/>
+          </p:cNvSpPr>
+          <p:nvPr>
+            <p:ph idx="1"/>
+          </p:nvPr>
+        </p:nvSpPr>
+        <p:spPr>
+          <a:xfrm>
+            <a:off x="395536" y="1447800"/>
+            <a:ext cx="8136904" cy="4069432"/>
+          </a:xfrm>
+        </p:spPr>
+        <p:txBody>
+          <a:bodyPr>
+            <a:normAutofit/>
+          </a:bodyPr>
+          <a:lstStyle/>
+          <a:p>
+            <a:pPr marL="82296" indent="0" algn="ctr">
+              <a:buNone/>
+            </a:pPr>
+            <a:endParaRPr kumimoji="1" lang="en-US" altLang="ja-JP" sz="4400" dirty="0" smtClean="0"/>
+          </a:p>
+          <a:p>
+            <a:pPr marL="82296" indent="0" algn="ctr">
+              <a:buNone/>
+            </a:pPr>
+            <a:endParaRPr kumimoji="1" lang="en-US" altLang="ja-JP" sz="4400" dirty="0" smtClean="0"/>
+          </a:p>
+          <a:p>
+            <a:pPr marL="82296" indent="0" algn="ctr">
+              <a:buNone/>
+            </a:pPr>
+            <a:r>
+              <a:rPr kumimoji="1" lang="ja-JP" altLang="en-US" sz="4400" dirty="0" smtClean="0"/>
+              <a:t>④まとめ</a:t>
+            </a:r>
+            <a:endParaRPr kumimoji="1" lang="en-US" altLang="ja-JP" sz="4400" dirty="0" smtClean="0"/>
+          </a:p>
+        </p:txBody>
+      </p:sp>
+    </p:spTree>
+    <p:extLst>
+      <p:ext uri="{BB962C8B-B14F-4D97-AF65-F5344CB8AC3E}">
+        <p14:creationId xmlns:p14="http://schemas.microsoft.com/office/powerpoint/2010/main" val="2598387404"/>
+      </p:ext>
+    </p:extLst>
+  </p:cSld>
+  <p:clrMapOvr>
+    <a:masterClrMapping/>
+  </p:clrMapOvr>
+  <p:timing>
+    <p:tnLst>
+      <p:par>
+        <p:cTn id="1" dur="indefinite" restart="never" nodeType="tmRoot"/>
+      </p:par>
+    </p:tnLst>
+  </p:timing>
+</p:sld>
+</file>
+
+<file path=ppt/slides/slide26.xml><?xml version="1.0" encoding="utf-8"?>
+<p:sld xmlns:a="http://schemas.openxmlformats.org/drawingml/2006/main" xmlns:r="http://schemas.openxmlformats.org/officeDocument/2006/relationships" xmlns:p="http://schemas.openxmlformats.org/presentationml/2006/main">
+  <p:cSld>
+    <p:spTree>
+      <p:nvGrpSpPr>
+        <p:cNvPr id="1" name=""/>
+        <p:cNvGrpSpPr/>
+        <p:nvPr/>
+      </p:nvGrpSpPr>
+      <p:grpSpPr>
+        <a:xfrm>
+          <a:off x="0" y="0"/>
+          <a:ext cx="0" cy="0"/>
+          <a:chOff x="0" y="0"/>
+          <a:chExt cx="0" cy="0"/>
+        </a:xfrm>
+      </p:grpSpPr>
+      <p:sp>
+        <p:nvSpPr>
+          <p:cNvPr id="2" name="タイトル 1"/>
+          <p:cNvSpPr>
+            <a:spLocks noGrp="1"/>
+          </p:cNvSpPr>
+          <p:nvPr>
+            <p:ph type="title"/>
+          </p:nvPr>
+        </p:nvSpPr>
+        <p:spPr/>
+        <p:txBody>
+          <a:bodyPr/>
+          <a:lstStyle/>
+          <a:p>
+            <a:r>
+              <a:rPr kumimoji="1" lang="ja-JP" altLang="en-US" dirty="0" smtClean="0"/>
+              <a:t>まとめ</a:t>
+            </a:r>
+            <a:endParaRPr kumimoji="1" lang="ja-JP" altLang="en-US" dirty="0"/>
+          </a:p>
+        </p:txBody>
+      </p:sp>
+      <p:sp>
+        <p:nvSpPr>
+          <p:cNvPr id="7" name="コンテンツ プレースホルダー 2"/>
+          <p:cNvSpPr txBox="1">
+            <a:spLocks/>
+          </p:cNvSpPr>
+          <p:nvPr/>
+        </p:nvSpPr>
+        <p:spPr>
+          <a:xfrm>
+            <a:off x="467544" y="1124744"/>
+            <a:ext cx="7818072" cy="5544616"/>
+          </a:xfrm>
+          <a:prstGeom prst="rect">
+            <a:avLst/>
+          </a:prstGeom>
+        </p:spPr>
+        <p:txBody>
+          <a:bodyPr>
+            <a:normAutofit/>
+          </a:bodyPr>
+          <a:lstStyle>
+            <a:lvl1pPr marL="365760" indent="-283464" algn="l" rtl="0" eaLnBrk="1" latinLnBrk="0" hangingPunct="1">
+              <a:lnSpc>
+                <a:spcPct val="100000"/>
+              </a:lnSpc>
+              <a:spcBef>
+                <a:spcPts val="600"/>
+              </a:spcBef>
+              <a:buClr>
+                <a:schemeClr val="accent1"/>
+              </a:buClr>
+              <a:buSzPct val="80000"/>
+              <a:buFont typeface="Wingdings 2"/>
+              <a:buChar char=""/>
+              <a:defRPr kumimoji="1" sz="3200" kern="1200">
+                <a:solidFill>
+                  <a:schemeClr val="tx1"/>
+                </a:solidFill>
+                <a:latin typeface="+mn-lt"/>
+                <a:ea typeface="+mn-ea"/>
+                <a:cs typeface="+mn-cs"/>
+              </a:defRPr>
+            </a:lvl1pPr>
+            <a:lvl2pPr marL="640080" indent="-237744" algn="l" rtl="0" eaLnBrk="1" latinLnBrk="0" hangingPunct="1">
+              <a:lnSpc>
+                <a:spcPct val="100000"/>
+              </a:lnSpc>
+              <a:spcBef>
+                <a:spcPts val="550"/>
+              </a:spcBef>
+              <a:buClr>
+                <a:schemeClr val="accent1"/>
+              </a:buClr>
+              <a:buFont typeface="Verdana"/>
+              <a:buChar char="◦"/>
+              <a:defRPr kumimoji="1" sz="2800" kern="1200">
+                <a:solidFill>
+                  <a:schemeClr val="tx1"/>
+                </a:solidFill>
+                <a:latin typeface="+mn-lt"/>
+                <a:ea typeface="+mn-ea"/>
+                <a:cs typeface="+mn-cs"/>
+              </a:defRPr>
+            </a:lvl2pPr>
+            <a:lvl3pPr marL="886968" indent="-228600" algn="l" rtl="0" eaLnBrk="1" latinLnBrk="0" hangingPunct="1">
+              <a:lnSpc>
+                <a:spcPct val="100000"/>
+              </a:lnSpc>
+              <a:spcBef>
+                <a:spcPct val="20000"/>
+              </a:spcBef>
+              <a:buClr>
+                <a:schemeClr val="accent2"/>
+              </a:buClr>
+              <a:buFont typeface="Wingdings 2"/>
+              <a:buChar char=""/>
+              <a:defRPr kumimoji="1" sz="2400" kern="1200">
+                <a:solidFill>
+                  <a:schemeClr val="tx1"/>
+                </a:solidFill>
+                <a:latin typeface="+mn-lt"/>
+                <a:ea typeface="+mn-ea"/>
+                <a:cs typeface="+mn-cs"/>
+              </a:defRPr>
+            </a:lvl3pPr>
+            <a:lvl4pPr marL="1097280" indent="-173736" algn="l" rtl="0" eaLnBrk="1" latinLnBrk="0" hangingPunct="1">
+              <a:lnSpc>
+                <a:spcPct val="100000"/>
+              </a:lnSpc>
+              <a:spcBef>
+                <a:spcPct val="20000"/>
+              </a:spcBef>
+              <a:buClr>
+                <a:schemeClr val="accent3"/>
+              </a:buClr>
+              <a:buFont typeface="Wingdings 2"/>
+              <a:buChar char=""/>
+              <a:defRPr kumimoji="1" sz="2000" kern="1200">
+                <a:solidFill>
+                  <a:schemeClr val="tx1"/>
+                </a:solidFill>
+                <a:latin typeface="+mn-lt"/>
+                <a:ea typeface="+mn-ea"/>
+                <a:cs typeface="+mn-cs"/>
+              </a:defRPr>
+            </a:lvl4pPr>
+            <a:lvl5pPr marL="1298448" indent="-182880" algn="l" rtl="0" eaLnBrk="1" latinLnBrk="0" hangingPunct="1">
+              <a:lnSpc>
+                <a:spcPct val="100000"/>
+              </a:lnSpc>
+              <a:spcBef>
+                <a:spcPct val="20000"/>
+              </a:spcBef>
+              <a:buClr>
+                <a:schemeClr val="accent4"/>
+              </a:buClr>
+              <a:buFont typeface="Wingdings 2"/>
+              <a:buChar char=""/>
+              <a:defRPr kumimoji="1" sz="2000" kern="1200">
+                <a:solidFill>
+                  <a:schemeClr val="tx1"/>
+                </a:solidFill>
+                <a:latin typeface="+mn-lt"/>
+                <a:ea typeface="+mn-ea"/>
+                <a:cs typeface="+mn-cs"/>
+              </a:defRPr>
+            </a:lvl5pPr>
+            <a:lvl6pPr marL="1508760" indent="-182880" algn="l" rtl="0" eaLnBrk="1" latinLnBrk="0" hangingPunct="1">
+              <a:lnSpc>
+                <a:spcPct val="100000"/>
+              </a:lnSpc>
+              <a:spcBef>
+                <a:spcPct val="20000"/>
+              </a:spcBef>
+              <a:buClr>
+                <a:schemeClr val="accent5"/>
+              </a:buClr>
+              <a:buFont typeface="Wingdings 2"/>
+              <a:buChar char=""/>
+              <a:defRPr kumimoji="1" sz="2000" kern="1200">
+                <a:solidFill>
+                  <a:schemeClr val="tx1"/>
+                </a:solidFill>
+                <a:latin typeface="+mn-lt"/>
+                <a:ea typeface="+mn-ea"/>
+                <a:cs typeface="+mn-cs"/>
+              </a:defRPr>
+            </a:lvl6pPr>
+            <a:lvl7pPr marL="1719072" indent="-182880" algn="l" rtl="0" eaLnBrk="1" latinLnBrk="0" hangingPunct="1">
+              <a:lnSpc>
+                <a:spcPct val="100000"/>
+              </a:lnSpc>
+              <a:spcBef>
+                <a:spcPct val="20000"/>
+              </a:spcBef>
+              <a:buClr>
+                <a:schemeClr val="accent6"/>
+              </a:buClr>
+              <a:buFont typeface="Wingdings 2"/>
+              <a:buChar char=""/>
+              <a:defRPr kumimoji="1" sz="2000" kern="1200">
+                <a:solidFill>
+                  <a:schemeClr val="tx1"/>
+                </a:solidFill>
+                <a:latin typeface="+mn-lt"/>
+                <a:ea typeface="+mn-ea"/>
+                <a:cs typeface="+mn-cs"/>
+              </a:defRPr>
+            </a:lvl7pPr>
+            <a:lvl8pPr marL="1920240" indent="-182880" algn="l" rtl="0" eaLnBrk="1" latinLnBrk="0" hangingPunct="1">
+              <a:lnSpc>
+                <a:spcPct val="100000"/>
+              </a:lnSpc>
+              <a:spcBef>
+                <a:spcPct val="20000"/>
+              </a:spcBef>
+              <a:buClr>
+                <a:schemeClr val="accent6"/>
+              </a:buClr>
+              <a:buFont typeface="Wingdings 2"/>
+              <a:buChar char=""/>
+              <a:defRPr kumimoji="1" sz="2000" kern="1200">
+                <a:solidFill>
+                  <a:schemeClr val="tx1"/>
+                </a:solidFill>
+                <a:latin typeface="+mn-lt"/>
+                <a:ea typeface="+mn-ea"/>
+                <a:cs typeface="+mn-cs"/>
+              </a:defRPr>
+            </a:lvl8pPr>
+            <a:lvl9pPr marL="2130552" indent="-182880" algn="l" rtl="0" eaLnBrk="1" latinLnBrk="0" hangingPunct="1">
+              <a:lnSpc>
+                <a:spcPct val="100000"/>
+              </a:lnSpc>
+              <a:spcBef>
+                <a:spcPct val="20000"/>
+              </a:spcBef>
+              <a:buClr>
+                <a:schemeClr val="accent6"/>
+              </a:buClr>
+              <a:buFont typeface="Wingdings 2"/>
+              <a:buChar char=""/>
+              <a:defRPr kumimoji="1" sz="2000" kern="1200">
+                <a:solidFill>
+                  <a:schemeClr val="tx1"/>
+                </a:solidFill>
+                <a:latin typeface="+mn-lt"/>
+                <a:ea typeface="+mn-ea"/>
+                <a:cs typeface="+mn-cs"/>
+              </a:defRPr>
+            </a:lvl9pPr>
+            <a:extLst/>
+          </a:lstStyle>
+          <a:p>
+            <a:pPr marL="82296" indent="0">
+              <a:buFont typeface="Wingdings 2"/>
+              <a:buNone/>
+            </a:pPr>
+            <a:r>
+              <a:rPr lang="ja-JP" altLang="en-US" dirty="0" smtClean="0"/>
+              <a:t>・</a:t>
+            </a:r>
+            <a:r>
+              <a:rPr lang="en-US" altLang="ja-JP" dirty="0" smtClean="0"/>
+              <a:t>VBA</a:t>
+            </a:r>
+            <a:r>
+              <a:rPr lang="ja-JP" altLang="en-US" dirty="0" smtClean="0"/>
+              <a:t>と</a:t>
+            </a:r>
+            <a:r>
+              <a:rPr lang="en-US" altLang="ja-JP" dirty="0" smtClean="0"/>
+              <a:t>poi</a:t>
+            </a:r>
+            <a:r>
+              <a:rPr lang="ja-JP" altLang="en-US" dirty="0" smtClean="0"/>
+              <a:t>について雑感</a:t>
+            </a:r>
+            <a:endParaRPr lang="en-US" altLang="ja-JP" dirty="0" smtClean="0"/>
+          </a:p>
+          <a:p>
+            <a:pPr marL="82296" indent="0">
+              <a:buFont typeface="Wingdings 2"/>
+              <a:buNone/>
+            </a:pPr>
+            <a:endParaRPr lang="en-US" altLang="ja-JP" dirty="0"/>
+          </a:p>
+          <a:p>
+            <a:pPr marL="82296" indent="0">
+              <a:buFont typeface="Wingdings 2"/>
+              <a:buNone/>
+            </a:pPr>
+            <a:endParaRPr lang="en-US" altLang="ja-JP" dirty="0" smtClean="0"/>
+          </a:p>
+          <a:p>
+            <a:pPr marL="82296" indent="0">
+              <a:buFont typeface="Wingdings 2"/>
+              <a:buNone/>
+            </a:pPr>
+            <a:r>
+              <a:rPr lang="ja-JP" altLang="en-US" dirty="0" smtClean="0"/>
+              <a:t>・結局</a:t>
+            </a:r>
+            <a:r>
+              <a:rPr lang="en-US" altLang="ja-JP" dirty="0" smtClean="0"/>
+              <a:t>excel</a:t>
+            </a:r>
+            <a:r>
+              <a:rPr lang="ja-JP" altLang="en-US" dirty="0" smtClean="0"/>
+              <a:t>使うのや</a:t>
+            </a:r>
+            <a:r>
+              <a:rPr lang="ja-JP" altLang="en-US" dirty="0" err="1" smtClean="0"/>
+              <a:t>めるんが</a:t>
+            </a:r>
+            <a:r>
+              <a:rPr lang="ja-JP" altLang="en-US" dirty="0" smtClean="0"/>
+              <a:t>一番</a:t>
+            </a:r>
+            <a:endParaRPr lang="en-US" altLang="ja-JP" dirty="0" smtClean="0"/>
+          </a:p>
+          <a:p>
+            <a:pPr marL="82296" indent="0">
+              <a:buFont typeface="Wingdings 2"/>
+              <a:buNone/>
+            </a:pPr>
+            <a:endParaRPr lang="en-US" altLang="ja-JP" dirty="0"/>
+          </a:p>
+        </p:txBody>
+      </p:sp>
+    </p:spTree>
+    <p:extLst>
+      <p:ext uri="{BB962C8B-B14F-4D97-AF65-F5344CB8AC3E}">
+        <p14:creationId xmlns:p14="http://schemas.microsoft.com/office/powerpoint/2010/main" val="1358451711"/>
+      </p:ext>
+    </p:extLst>
+  </p:cSld>
+  <p:clrMapOvr>
+    <a:masterClrMapping/>
+  </p:clrMapOvr>
+  <p:timing>
+    <p:tnLst>
+      <p:par>
+        <p:cTn id="1" dur="indefinite" restart="never" nodeType="tmRoot"/>
+      </p:par>
+    </p:tnLst>
+  </p:timing>
+</p:sld>
+</file>
+
+<file path=ppt/slides/slide27.xml><?xml version="1.0" encoding="utf-8"?>
+<p:sld xmlns:a="http://schemas.openxmlformats.org/drawingml/2006/main" xmlns:r="http://schemas.openxmlformats.org/officeDocument/2006/relationships" xmlns:p="http://schemas.openxmlformats.org/presentationml/2006/main">
+  <p:cSld>
+    <p:spTree>
+      <p:nvGrpSpPr>
+        <p:cNvPr id="1" name=""/>
+        <p:cNvGrpSpPr/>
+        <p:nvPr/>
+      </p:nvGrpSpPr>
+      <p:grpSpPr>
+        <a:xfrm>
+          <a:off x="0" y="0"/>
+          <a:ext cx="0" cy="0"/>
+          <a:chOff x="0" y="0"/>
+          <a:chExt cx="0" cy="0"/>
+        </a:xfrm>
+      </p:grpSpPr>
+      <p:sp>
+        <p:nvSpPr>
+          <p:cNvPr id="2" name="タイトル 1"/>
+          <p:cNvSpPr>
+            <a:spLocks noGrp="1"/>
+          </p:cNvSpPr>
+          <p:nvPr>
+            <p:ph type="title"/>
+          </p:nvPr>
+        </p:nvSpPr>
+        <p:spPr/>
+        <p:txBody>
+          <a:bodyPr/>
+          <a:lstStyle/>
+          <a:p>
+            <a:endParaRPr kumimoji="1" lang="ja-JP" altLang="en-US" dirty="0"/>
+          </a:p>
+        </p:txBody>
+      </p:sp>
+      <p:sp>
+        <p:nvSpPr>
+          <p:cNvPr id="3" name="コンテンツ プレースホルダー 2"/>
+          <p:cNvSpPr>
+            <a:spLocks noGrp="1"/>
+          </p:cNvSpPr>
+          <p:nvPr>
+            <p:ph idx="1"/>
+          </p:nvPr>
+        </p:nvSpPr>
+        <p:spPr>
+          <a:xfrm>
+            <a:off x="395536" y="1447800"/>
+            <a:ext cx="8136904" cy="4069432"/>
+          </a:xfrm>
+        </p:spPr>
+        <p:txBody>
+          <a:bodyPr>
+            <a:normAutofit/>
+          </a:bodyPr>
+          <a:lstStyle/>
+          <a:p>
+            <a:pPr marL="82296" indent="0" algn="ctr">
+              <a:buNone/>
+            </a:pPr>
+            <a:endParaRPr kumimoji="1" lang="en-US" altLang="ja-JP" sz="4400" dirty="0" smtClean="0"/>
+          </a:p>
+          <a:p>
+            <a:pPr marL="82296" indent="0" algn="ctr">
+              <a:buNone/>
+            </a:pPr>
+            <a:endParaRPr kumimoji="1" lang="en-US" altLang="ja-JP" sz="4400" dirty="0" smtClean="0"/>
+          </a:p>
+          <a:p>
+            <a:pPr marL="82296" indent="0" algn="ctr">
+              <a:buNone/>
+            </a:pPr>
+            <a:r>
+              <a:rPr kumimoji="1" lang="ja-JP" altLang="en-US" sz="4400" dirty="0" smtClean="0"/>
+              <a:t>⑤大塚駅ランチ</a:t>
+            </a:r>
+            <a:endParaRPr kumimoji="1" lang="en-US" altLang="ja-JP" sz="4400" dirty="0" smtClean="0"/>
+          </a:p>
+        </p:txBody>
+      </p:sp>
+    </p:spTree>
+    <p:extLst>
+      <p:ext uri="{BB962C8B-B14F-4D97-AF65-F5344CB8AC3E}">
+        <p14:creationId xmlns:p14="http://schemas.microsoft.com/office/powerpoint/2010/main" val="4024685519"/>
+      </p:ext>
+    </p:extLst>
+  </p:cSld>
+  <p:clrMapOvr>
+    <a:masterClrMapping/>
+  </p:clrMapOvr>
+  <p:timing>
+    <p:tnLst>
+      <p:par>
+        <p:cTn id="1" dur="indefinite" restart="never" nodeType="tmRoot"/>
+      </p:par>
+    </p:tnLst>
+  </p:timing>
+</p:sld>
+</file>
+
+<file path=ppt/slides/slide28.xml><?xml version="1.0" encoding="utf-8"?>
+<p:sld xmlns:a="http://schemas.openxmlformats.org/drawingml/2006/main" xmlns:r="http://schemas.openxmlformats.org/officeDocument/2006/relationships" xmlns:p="http://schemas.openxmlformats.org/presentationml/2006/main">
+  <p:cSld>
+    <p:spTree>
+      <p:nvGrpSpPr>
+        <p:cNvPr id="1" name=""/>
+        <p:cNvGrpSpPr/>
+        <p:nvPr/>
+      </p:nvGrpSpPr>
+      <p:grpSpPr>
+        <a:xfrm>
+          <a:off x="0" y="0"/>
+          <a:ext cx="0" cy="0"/>
+          <a:chOff x="0" y="0"/>
+          <a:chExt cx="0" cy="0"/>
+        </a:xfrm>
+      </p:grpSpPr>
+      <p:sp>
+        <p:nvSpPr>
+          <p:cNvPr id="2" name="タイトル 1"/>
+          <p:cNvSpPr>
+            <a:spLocks noGrp="1"/>
+          </p:cNvSpPr>
+          <p:nvPr>
+            <p:ph type="title"/>
+          </p:nvPr>
+        </p:nvSpPr>
+        <p:spPr/>
+        <p:txBody>
           <a:bodyPr/>
           <a:lstStyle/>
           <a:p>
@@ -8311,7 +11186,6 @@
               <a:rPr lang="en-US" altLang="ja-JP" dirty="0" smtClean="0"/>
               <a:t>good</a:t>
             </a:r>
-            <a:endParaRPr lang="en-US" altLang="ja-JP" dirty="0" smtClean="0"/>
           </a:p>
           <a:p>
             <a:pPr marL="82296" indent="0">
@@ -8383,7 +11257,7 @@
 </p:sld>
 </file>
 
-<file path=ppt/slides/slide25.xml><?xml version="1.0" encoding="utf-8"?>
+<file path=ppt/slides/slide29.xml><?xml version="1.0" encoding="utf-8"?>
 <p:sld xmlns:a="http://schemas.openxmlformats.org/drawingml/2006/main" xmlns:r="http://schemas.openxmlformats.org/officeDocument/2006/relationships" xmlns:p="http://schemas.openxmlformats.org/presentationml/2006/main">
   <p:cSld>
     <p:spTree>
@@ -8767,7 +11641,152 @@
 </p:sld>
 </file>
 
-<file path=ppt/slides/slide26.xml><?xml version="1.0" encoding="utf-8"?>
+<file path=ppt/slides/slide3.xml><?xml version="1.0" encoding="utf-8"?>
+<p:sld xmlns:a="http://schemas.openxmlformats.org/drawingml/2006/main" xmlns:r="http://schemas.openxmlformats.org/officeDocument/2006/relationships" xmlns:p="http://schemas.openxmlformats.org/presentationml/2006/main">
+  <p:cSld>
+    <p:spTree>
+      <p:nvGrpSpPr>
+        <p:cNvPr id="1" name=""/>
+        <p:cNvGrpSpPr/>
+        <p:nvPr/>
+      </p:nvGrpSpPr>
+      <p:grpSpPr>
+        <a:xfrm>
+          <a:off x="0" y="0"/>
+          <a:ext cx="0" cy="0"/>
+          <a:chOff x="0" y="0"/>
+          <a:chExt cx="0" cy="0"/>
+        </a:xfrm>
+      </p:grpSpPr>
+      <p:sp>
+        <p:nvSpPr>
+          <p:cNvPr id="2" name="タイトル 1"/>
+          <p:cNvSpPr>
+            <a:spLocks noGrp="1"/>
+          </p:cNvSpPr>
+          <p:nvPr>
+            <p:ph type="title"/>
+          </p:nvPr>
+        </p:nvSpPr>
+        <p:spPr/>
+        <p:txBody>
+          <a:bodyPr/>
+          <a:lstStyle/>
+          <a:p>
+            <a:r>
+              <a:rPr kumimoji="1" lang="ja-JP" altLang="en-US" dirty="0" smtClean="0"/>
+              <a:t>もくじ</a:t>
+            </a:r>
+            <a:endParaRPr kumimoji="1" lang="ja-JP" altLang="en-US" dirty="0"/>
+          </a:p>
+        </p:txBody>
+      </p:sp>
+      <p:sp>
+        <p:nvSpPr>
+          <p:cNvPr id="3" name="コンテンツ プレースホルダー 2"/>
+          <p:cNvSpPr>
+            <a:spLocks noGrp="1"/>
+          </p:cNvSpPr>
+          <p:nvPr>
+            <p:ph idx="1"/>
+          </p:nvPr>
+        </p:nvSpPr>
+        <p:spPr>
+          <a:xfrm>
+            <a:off x="899592" y="1447800"/>
+            <a:ext cx="8136904" cy="5221560"/>
+          </a:xfrm>
+        </p:spPr>
+        <p:txBody>
+          <a:bodyPr>
+            <a:normAutofit/>
+          </a:bodyPr>
+          <a:lstStyle/>
+          <a:p>
+            <a:pPr marL="82296" indent="0">
+              <a:buNone/>
+            </a:pPr>
+            <a:r>
+              <a:rPr kumimoji="1" lang="ja-JP" altLang="en-US" sz="4400" dirty="0" smtClean="0"/>
+              <a:t>①背景</a:t>
+            </a:r>
+            <a:endParaRPr kumimoji="1" lang="en-US" altLang="ja-JP" sz="4400" dirty="0" smtClean="0"/>
+          </a:p>
+          <a:p>
+            <a:pPr marL="82296" indent="0">
+              <a:buNone/>
+            </a:pPr>
+            <a:r>
+              <a:rPr lang="ja-JP" altLang="en-US" sz="4400" dirty="0" smtClean="0"/>
+              <a:t>②やったこと</a:t>
+            </a:r>
+            <a:endParaRPr lang="en-US" altLang="ja-JP" sz="4400" dirty="0" smtClean="0"/>
+          </a:p>
+          <a:p>
+            <a:pPr marL="82296" indent="0">
+              <a:buNone/>
+            </a:pPr>
+            <a:r>
+              <a:rPr lang="ja-JP" altLang="en-US" sz="4400" dirty="0" smtClean="0"/>
+              <a:t>③</a:t>
+            </a:r>
+            <a:r>
+              <a:rPr lang="ja-JP" altLang="en-US" sz="4400" dirty="0"/>
+              <a:t>やれなかったこと</a:t>
+            </a:r>
+            <a:endParaRPr lang="en-US" altLang="ja-JP" sz="4400" dirty="0" smtClean="0"/>
+          </a:p>
+          <a:p>
+            <a:pPr marL="82296" indent="0">
+              <a:buNone/>
+            </a:pPr>
+            <a:r>
+              <a:rPr kumimoji="1" lang="ja-JP" altLang="en-US" sz="4400" dirty="0" smtClean="0"/>
+              <a:t>④まとめ</a:t>
+            </a:r>
+            <a:endParaRPr kumimoji="1" lang="en-US" altLang="ja-JP" sz="4400" dirty="0" smtClean="0"/>
+          </a:p>
+          <a:p>
+            <a:pPr marL="82296" indent="0">
+              <a:buNone/>
+            </a:pPr>
+            <a:r>
+              <a:rPr lang="ja-JP" altLang="en-US" sz="4400" dirty="0" smtClean="0"/>
+              <a:t>⑤</a:t>
+            </a:r>
+            <a:r>
+              <a:rPr kumimoji="1" lang="ja-JP" altLang="en-US" sz="4400" dirty="0" smtClean="0"/>
+              <a:t>大塚</a:t>
+            </a:r>
+            <a:r>
+              <a:rPr kumimoji="1" lang="ja-JP" altLang="en-US" sz="4400" dirty="0" smtClean="0"/>
+              <a:t>は良い街です</a:t>
+            </a:r>
+            <a:endParaRPr kumimoji="1" lang="en-US" altLang="ja-JP" sz="4400" dirty="0" smtClean="0"/>
+          </a:p>
+        </p:txBody>
+      </p:sp>
+    </p:spTree>
+    <p:extLst>
+      <p:ext uri="{BB962C8B-B14F-4D97-AF65-F5344CB8AC3E}">
+        <p14:creationId xmlns:p14="http://schemas.microsoft.com/office/powerpoint/2010/main" val="2475628937"/>
+      </p:ext>
+    </p:extLst>
+  </p:cSld>
+  <p:clrMapOvr>
+    <a:masterClrMapping/>
+  </p:clrMapOvr>
+  <p:timing>
+    <p:tnLst>
+      <p:par>
+        <p:cTn id="1" dur="indefinite" restart="never" nodeType="tmRoot"/>
+      </p:par>
+    </p:tnLst>
+  </p:timing>
+</p:sld>
+</file>
+
+<file path=ppt/slides/slide30.xml><?xml version="1.0" encoding="utf-8"?>
 <p:sld xmlns:a="http://schemas.openxmlformats.org/drawingml/2006/main" xmlns:r="http://schemas.openxmlformats.org/officeDocument/2006/relationships" xmlns:p="http://schemas.openxmlformats.org/presentationml/2006/main">
   <p:cSld>
     <p:spTree>
@@ -9150,7 +12169,7 @@
 </p:sld>
 </file>
 
-<file path=ppt/slides/slide27.xml><?xml version="1.0" encoding="utf-8"?>
+<file path=ppt/slides/slide31.xml><?xml version="1.0" encoding="utf-8"?>
 <p:sld xmlns:a="http://schemas.openxmlformats.org/drawingml/2006/main" xmlns:r="http://schemas.openxmlformats.org/officeDocument/2006/relationships" xmlns:p="http://schemas.openxmlformats.org/presentationml/2006/main">
   <p:cSld>
     <p:spTree>
@@ -9518,7 +12537,7 @@
 </p:sld>
 </file>
 
-<file path=ppt/slides/slide28.xml><?xml version="1.0" encoding="utf-8"?>
+<file path=ppt/slides/slide32.xml><?xml version="1.0" encoding="utf-8"?>
 <p:sld xmlns:a="http://schemas.openxmlformats.org/drawingml/2006/main" xmlns:r="http://schemas.openxmlformats.org/officeDocument/2006/relationships" xmlns:p="http://schemas.openxmlformats.org/presentationml/2006/main">
   <p:cSld>
     <p:spTree>
@@ -9879,7 +12898,7 @@
 </p:sld>
 </file>
 
-<file path=ppt/slides/slide29.xml><?xml version="1.0" encoding="utf-8"?>
+<file path=ppt/slides/slide33.xml><?xml version="1.0" encoding="utf-8"?>
 <p:sld xmlns:a="http://schemas.openxmlformats.org/drawingml/2006/main" xmlns:r="http://schemas.openxmlformats.org/officeDocument/2006/relationships" xmlns:p="http://schemas.openxmlformats.org/presentationml/2006/main">
   <p:cSld>
     <p:spTree>
@@ -10233,154 +13252,7 @@
 </p:sld>
 </file>
 
-<file path=ppt/slides/slide3.xml><?xml version="1.0" encoding="utf-8"?>
-<p:sld xmlns:a="http://schemas.openxmlformats.org/drawingml/2006/main" xmlns:r="http://schemas.openxmlformats.org/officeDocument/2006/relationships" xmlns:p="http://schemas.openxmlformats.org/presentationml/2006/main">
-  <p:cSld>
-    <p:spTree>
-      <p:nvGrpSpPr>
-        <p:cNvPr id="1" name=""/>
-        <p:cNvGrpSpPr/>
-        <p:nvPr/>
-      </p:nvGrpSpPr>
-      <p:grpSpPr>
-        <a:xfrm>
-          <a:off x="0" y="0"/>
-          <a:ext cx="0" cy="0"/>
-          <a:chOff x="0" y="0"/>
-          <a:chExt cx="0" cy="0"/>
-        </a:xfrm>
-      </p:grpSpPr>
-      <p:sp>
-        <p:nvSpPr>
-          <p:cNvPr id="2" name="タイトル 1"/>
-          <p:cNvSpPr>
-            <a:spLocks noGrp="1"/>
-          </p:cNvSpPr>
-          <p:nvPr>
-            <p:ph type="title"/>
-          </p:nvPr>
-        </p:nvSpPr>
-        <p:spPr/>
-        <p:txBody>
-          <a:bodyPr/>
-          <a:lstStyle/>
-          <a:p>
-            <a:r>
-              <a:rPr kumimoji="1" lang="ja-JP" altLang="en-US" dirty="0" smtClean="0"/>
-              <a:t>もくじ</a:t>
-            </a:r>
-            <a:endParaRPr kumimoji="1" lang="ja-JP" altLang="en-US" dirty="0"/>
-          </a:p>
-        </p:txBody>
-      </p:sp>
-      <p:sp>
-        <p:nvSpPr>
-          <p:cNvPr id="3" name="コンテンツ プレースホルダー 2"/>
-          <p:cNvSpPr>
-            <a:spLocks noGrp="1"/>
-          </p:cNvSpPr>
-          <p:nvPr>
-            <p:ph idx="1"/>
-          </p:nvPr>
-        </p:nvSpPr>
-        <p:spPr>
-          <a:xfrm>
-            <a:off x="899592" y="1447800"/>
-            <a:ext cx="8136904" cy="5221560"/>
-          </a:xfrm>
-        </p:spPr>
-        <p:txBody>
-          <a:bodyPr>
-            <a:normAutofit/>
-          </a:bodyPr>
-          <a:lstStyle/>
-          <a:p>
-            <a:pPr marL="82296" indent="0">
-              <a:buNone/>
-            </a:pPr>
-            <a:r>
-              <a:rPr kumimoji="1" lang="ja-JP" altLang="en-US" sz="4400" dirty="0" smtClean="0"/>
-              <a:t>①背景</a:t>
-            </a:r>
-            <a:endParaRPr kumimoji="1" lang="en-US" altLang="ja-JP" sz="4400" dirty="0" smtClean="0"/>
-          </a:p>
-          <a:p>
-            <a:pPr marL="82296" indent="0">
-              <a:buNone/>
-            </a:pPr>
-            <a:r>
-              <a:rPr lang="ja-JP" altLang="en-US" sz="4400" dirty="0" smtClean="0"/>
-              <a:t>②やったこと</a:t>
-            </a:r>
-            <a:endParaRPr lang="en-US" altLang="ja-JP" sz="4400" dirty="0" smtClean="0"/>
-          </a:p>
-          <a:p>
-            <a:pPr marL="82296" indent="0">
-              <a:buNone/>
-            </a:pPr>
-            <a:r>
-              <a:rPr lang="ja-JP" altLang="en-US" sz="4400" dirty="0" smtClean="0"/>
-              <a:t>③</a:t>
-            </a:r>
-            <a:r>
-              <a:rPr lang="ja-JP" altLang="en-US" sz="4400" dirty="0"/>
-              <a:t>やれなかったこと</a:t>
-            </a:r>
-            <a:endParaRPr lang="en-US" altLang="ja-JP" sz="4400" dirty="0" smtClean="0"/>
-          </a:p>
-          <a:p>
-            <a:pPr marL="82296" indent="0">
-              <a:buNone/>
-            </a:pPr>
-            <a:r>
-              <a:rPr kumimoji="1" lang="ja-JP" altLang="en-US" sz="4400" dirty="0" smtClean="0"/>
-              <a:t>④理想</a:t>
-            </a:r>
-            <a:endParaRPr kumimoji="1" lang="en-US" altLang="ja-JP" sz="4400" dirty="0" smtClean="0"/>
-          </a:p>
-          <a:p>
-            <a:pPr marL="82296" indent="0">
-              <a:buNone/>
-            </a:pPr>
-            <a:r>
-              <a:rPr lang="ja-JP" altLang="en-US" sz="4400" dirty="0" smtClean="0"/>
-              <a:t>⑤</a:t>
-            </a:r>
-            <a:endParaRPr lang="en-US" altLang="ja-JP" sz="4400" dirty="0" smtClean="0"/>
-          </a:p>
-          <a:p>
-            <a:pPr marL="82296" indent="0">
-              <a:buNone/>
-            </a:pPr>
-            <a:r>
-              <a:rPr kumimoji="1" lang="ja-JP" altLang="en-US" sz="4400" dirty="0" smtClean="0"/>
-              <a:t>⑥大塚は良い街です</a:t>
-            </a:r>
-            <a:endParaRPr kumimoji="1" lang="en-US" altLang="ja-JP" sz="4400" dirty="0" smtClean="0"/>
-          </a:p>
-        </p:txBody>
-      </p:sp>
-    </p:spTree>
-    <p:extLst>
-      <p:ext uri="{BB962C8B-B14F-4D97-AF65-F5344CB8AC3E}">
-        <p14:creationId xmlns:p14="http://schemas.microsoft.com/office/powerpoint/2010/main" val="2475628937"/>
-      </p:ext>
-    </p:extLst>
-  </p:cSld>
-  <p:clrMapOvr>
-    <a:masterClrMapping/>
-  </p:clrMapOvr>
-  <p:timing>
-    <p:tnLst>
-      <p:par>
-        <p:cTn id="1" dur="indefinite" restart="never" nodeType="tmRoot"/>
-      </p:par>
-    </p:tnLst>
-  </p:timing>
-</p:sld>
-</file>
-
-<file path=ppt/slides/slide30.xml><?xml version="1.0" encoding="utf-8"?>
+<file path=ppt/slides/slide34.xml><?xml version="1.0" encoding="utf-8"?>
 <p:sld xmlns:a="http://schemas.openxmlformats.org/drawingml/2006/main" xmlns:r="http://schemas.openxmlformats.org/officeDocument/2006/relationships" xmlns:p="http://schemas.openxmlformats.org/presentationml/2006/main">
   <p:cSld>
     <p:spTree>
@@ -11293,7 +14165,7 @@
 </p:sld>
 </file>
 
-<file path=ppt/slides/slide31.xml><?xml version="1.0" encoding="utf-8"?>
+<file path=ppt/slides/slide35.xml><?xml version="1.0" encoding="utf-8"?>
 <p:sld xmlns:a="http://schemas.openxmlformats.org/drawingml/2006/main" xmlns:r="http://schemas.openxmlformats.org/officeDocument/2006/relationships" xmlns:p="http://schemas.openxmlformats.org/presentationml/2006/main">
   <p:cSld>
     <p:spTree>
@@ -11412,7 +14284,7 @@
 </p:sld>
 </file>
 
-<file path=ppt/slides/slide32.xml><?xml version="1.0" encoding="utf-8"?>
+<file path=ppt/slides/slide36.xml><?xml version="1.0" encoding="utf-8"?>
 <p:sld xmlns:a="http://schemas.openxmlformats.org/drawingml/2006/main" xmlns:r="http://schemas.openxmlformats.org/officeDocument/2006/relationships" xmlns:p="http://schemas.openxmlformats.org/presentationml/2006/main">
   <p:cSld>
     <p:spTree>
@@ -11978,7 +14850,11 @@
             </a:r>
             <a:r>
               <a:rPr kumimoji="1" lang="ja-JP" altLang="en-US" dirty="0" smtClean="0"/>
-              <a:t>おもな観点</a:t>
+              <a:t>おも</a:t>
+            </a:r>
+            <a:r>
+              <a:rPr kumimoji="1" lang="ja-JP" altLang="en-US" dirty="0" smtClean="0"/>
+              <a:t>な要件・観点</a:t>
             </a:r>
             <a:endParaRPr kumimoji="1" lang="ja-JP" altLang="en-US" dirty="0"/>
           </a:p>
@@ -12011,7 +14887,21 @@
             </a:pPr>
             <a:r>
               <a:rPr lang="ja-JP" altLang="en-US" dirty="0" smtClean="0"/>
-              <a:t>・タイトル行に誤字</a:t>
+              <a:t>・印刷は両面、パンチ穴あり</a:t>
+            </a:r>
+            <a:endParaRPr lang="en-US" altLang="ja-JP" dirty="0" smtClean="0"/>
+          </a:p>
+          <a:p>
+            <a:pPr marL="82296" indent="0">
+              <a:buNone/>
+            </a:pPr>
+            <a:r>
+              <a:rPr lang="ja-JP" altLang="en-US" dirty="0" smtClean="0"/>
+              <a:t>・</a:t>
+            </a:r>
+            <a:r>
+              <a:rPr lang="ja-JP" altLang="en-US" dirty="0" smtClean="0"/>
+              <a:t>タイトル行に誤字</a:t>
             </a:r>
             <a:endParaRPr lang="en-US" altLang="ja-JP" dirty="0"/>
           </a:p>
@@ -12135,14 +15025,23 @@
             <p:ph type="title"/>
           </p:nvPr>
         </p:nvSpPr>
-        <p:spPr/>
+        <p:spPr>
+          <a:xfrm>
+            <a:off x="457200" y="274638"/>
+            <a:ext cx="8219256" cy="1143000"/>
+          </a:xfrm>
+        </p:spPr>
         <p:txBody>
           <a:bodyPr/>
           <a:lstStyle/>
           <a:p>
             <a:r>
               <a:rPr kumimoji="1" lang="ja-JP" altLang="en-US" dirty="0" smtClean="0"/>
-              <a:t>内容の修正</a:t>
+              <a:t>１）一括</a:t>
+            </a:r>
+            <a:r>
+              <a:rPr kumimoji="1" lang="ja-JP" altLang="en-US" dirty="0" smtClean="0"/>
+              <a:t>印刷ができない問題</a:t>
             </a:r>
             <a:endParaRPr kumimoji="1" lang="ja-JP" altLang="en-US" dirty="0"/>
           </a:p>
@@ -12160,8 +15059,8 @@
         </p:nvSpPr>
         <p:spPr>
           <a:xfrm>
-            <a:off x="1115616" y="1124744"/>
-            <a:ext cx="8028384" cy="5544616"/>
+            <a:off x="107504" y="1124744"/>
+            <a:ext cx="9036496" cy="5733256"/>
           </a:xfrm>
         </p:spPr>
         <p:txBody>
@@ -12174,73 +15073,123 @@
               <a:buNone/>
             </a:pPr>
             <a:r>
-              <a:rPr lang="ja-JP" altLang="en-US" dirty="0" smtClean="0"/>
-              <a:t>・特定のセルの値修正</a:t>
-            </a:r>
-            <a:endParaRPr lang="en-US" altLang="ja-JP" dirty="0" smtClean="0"/>
-          </a:p>
-          <a:p>
-            <a:pPr marL="82296" indent="0">
-              <a:buNone/>
-            </a:pPr>
-            <a:r>
-              <a:rPr lang="ja-JP" altLang="en-US" dirty="0" smtClean="0"/>
-              <a:t>・特定文字の置換</a:t>
-            </a:r>
-            <a:endParaRPr lang="en-US" altLang="ja-JP" dirty="0"/>
-          </a:p>
-          <a:p>
-            <a:pPr marL="82296" indent="0">
-              <a:buNone/>
-            </a:pPr>
-            <a:r>
-              <a:rPr lang="ja-JP" altLang="en-US" dirty="0" smtClean="0"/>
-              <a:t>・罫線の編集</a:t>
-            </a:r>
-            <a:endParaRPr lang="en-US" altLang="ja-JP" dirty="0"/>
-          </a:p>
-          <a:p>
-            <a:pPr marL="82296" indent="0">
-              <a:buNone/>
-            </a:pPr>
-            <a:r>
-              <a:rPr lang="ja-JP" altLang="en-US" dirty="0" smtClean="0"/>
-              <a:t>・フォント変更</a:t>
-            </a:r>
-            <a:endParaRPr lang="en-US" altLang="ja-JP" dirty="0" smtClean="0"/>
-          </a:p>
-          <a:p>
-            <a:pPr marL="82296" indent="0">
-              <a:buNone/>
-            </a:pPr>
-            <a:r>
-              <a:rPr lang="ja-JP" altLang="en-US" dirty="0" smtClean="0"/>
-              <a:t>・塗りつぶし設定</a:t>
-            </a:r>
-            <a:endParaRPr lang="en-US" altLang="ja-JP" dirty="0" smtClean="0"/>
-          </a:p>
-          <a:p>
-            <a:pPr marL="82296" indent="0">
-              <a:buNone/>
-            </a:pPr>
-            <a:endParaRPr lang="en-US" altLang="ja-JP" dirty="0"/>
-          </a:p>
-          <a:p>
-            <a:pPr marL="82296" indent="0">
-              <a:buNone/>
-            </a:pPr>
-            <a:r>
-              <a:rPr lang="ja-JP" altLang="en-US" dirty="0" smtClean="0"/>
-              <a:t>この辺りはマクロなどでなんとかできました。</a:t>
-            </a:r>
-            <a:endParaRPr lang="en-US" altLang="ja-JP" dirty="0"/>
+              <a:rPr lang="ja-JP" altLang="en-US" sz="2800" dirty="0" smtClean="0"/>
+              <a:t>・エクスプローラの右クリック→印刷</a:t>
+            </a:r>
+            <a:endParaRPr lang="en-US" altLang="ja-JP" sz="2800" dirty="0"/>
+          </a:p>
+          <a:p>
+            <a:pPr marL="82296" indent="0">
+              <a:buNone/>
+            </a:pPr>
+            <a:r>
+              <a:rPr lang="ja-JP" altLang="en-US" sz="2800" dirty="0" smtClean="0"/>
+              <a:t>　→</a:t>
+            </a:r>
+            <a:r>
+              <a:rPr lang="ja-JP" altLang="en-US" sz="2800" b="1" dirty="0" smtClean="0"/>
+              <a:t>１シート目しか印刷されない</a:t>
+            </a:r>
+            <a:endParaRPr lang="en-US" altLang="ja-JP" sz="2800" b="1" dirty="0" smtClean="0"/>
+          </a:p>
+          <a:p>
+            <a:pPr marL="82296" indent="0">
+              <a:buNone/>
+            </a:pPr>
+            <a:endParaRPr lang="en-US" altLang="ja-JP" sz="2800" dirty="0"/>
+          </a:p>
+          <a:p>
+            <a:pPr marL="82296" indent="0">
+              <a:buNone/>
+            </a:pPr>
+            <a:r>
+              <a:rPr lang="ja-JP" altLang="en-US" sz="2800" dirty="0" smtClean="0"/>
+              <a:t>・エクスプローラで複数ファイル選択→印刷</a:t>
+            </a:r>
+            <a:endParaRPr lang="en-US" altLang="ja-JP" sz="2800" dirty="0" smtClean="0"/>
+          </a:p>
+          <a:p>
+            <a:pPr marL="82296" indent="0">
+              <a:buNone/>
+            </a:pPr>
+            <a:r>
+              <a:rPr lang="ja-JP" altLang="en-US" sz="2800" dirty="0" smtClean="0"/>
+              <a:t>　→可能なのは</a:t>
+            </a:r>
+            <a:r>
+              <a:rPr lang="en-US" altLang="ja-JP" sz="2800" dirty="0" smtClean="0"/>
+              <a:t>15</a:t>
+            </a:r>
+            <a:r>
+              <a:rPr lang="ja-JP" altLang="en-US" sz="2800" dirty="0" smtClean="0"/>
+              <a:t>ファイルまで</a:t>
+            </a:r>
+            <a:endParaRPr lang="en-US" altLang="ja-JP" sz="2800" dirty="0" smtClean="0"/>
+          </a:p>
+          <a:p>
+            <a:pPr marL="82296" indent="0">
+              <a:buNone/>
+            </a:pPr>
+            <a:endParaRPr lang="en-US" altLang="ja-JP" sz="2800" b="1" dirty="0"/>
+          </a:p>
+          <a:p>
+            <a:pPr marL="82296" indent="0">
+              <a:buNone/>
+            </a:pPr>
+            <a:r>
+              <a:rPr lang="ja-JP" altLang="en-US" sz="2800" dirty="0" smtClean="0"/>
+              <a:t>・ブックを開き、印刷設定で「ブック全体を印刷」</a:t>
+            </a:r>
+            <a:endParaRPr lang="en-US" altLang="ja-JP" sz="2800" dirty="0" smtClean="0"/>
+          </a:p>
+          <a:p>
+            <a:pPr marL="82296" indent="0">
+              <a:buNone/>
+            </a:pPr>
+            <a:r>
+              <a:rPr lang="ja-JP" altLang="en-US" sz="2800" dirty="0"/>
+              <a:t>　</a:t>
+            </a:r>
+            <a:r>
+              <a:rPr lang="ja-JP" altLang="en-US" sz="2800" dirty="0" smtClean="0"/>
+              <a:t>を選択</a:t>
+            </a:r>
+            <a:endParaRPr lang="en-US" altLang="ja-JP" sz="2800" dirty="0" smtClean="0"/>
+          </a:p>
+          <a:p>
+            <a:pPr marL="82296" indent="0">
+              <a:buNone/>
+            </a:pPr>
+            <a:r>
+              <a:rPr lang="ja-JP" altLang="en-US" sz="2800" dirty="0"/>
+              <a:t>　</a:t>
+            </a:r>
+            <a:r>
+              <a:rPr lang="ja-JP" altLang="en-US" sz="2800" dirty="0" smtClean="0"/>
+              <a:t>→全シートが１シートとして印刷される</a:t>
+            </a:r>
+            <a:endParaRPr lang="en-US" altLang="ja-JP" sz="2800" dirty="0" smtClean="0"/>
+          </a:p>
+          <a:p>
+            <a:pPr marL="82296" indent="0">
+              <a:buNone/>
+            </a:pPr>
+            <a:r>
+              <a:rPr lang="ja-JP" altLang="en-US" sz="2800" dirty="0"/>
+              <a:t>　</a:t>
+            </a:r>
+            <a:r>
+              <a:rPr lang="ja-JP" altLang="en-US" sz="2800" dirty="0" smtClean="0"/>
+              <a:t>　（ページ数設定が死亡する）</a:t>
+            </a:r>
+            <a:endParaRPr lang="en-US" altLang="ja-JP" sz="2800" dirty="0"/>
           </a:p>
         </p:txBody>
       </p:sp>
     </p:spTree>
     <p:extLst>
       <p:ext uri="{BB962C8B-B14F-4D97-AF65-F5344CB8AC3E}">
-        <p14:creationId xmlns:p14="http://schemas.microsoft.com/office/powerpoint/2010/main" val="3084257041"/>
+        <p14:creationId xmlns:p14="http://schemas.microsoft.com/office/powerpoint/2010/main" val="1548140014"/>
       </p:ext>
     </p:extLst>
   </p:cSld>
@@ -12284,14 +15233,33 @@
             <p:ph type="title"/>
           </p:nvPr>
         </p:nvSpPr>
-        <p:spPr/>
+        <p:spPr>
+          <a:xfrm>
+            <a:off x="457200" y="274638"/>
+            <a:ext cx="8003232" cy="1143000"/>
+          </a:xfrm>
+        </p:spPr>
         <p:txBody>
-          <a:bodyPr/>
+          <a:bodyPr>
+            <a:normAutofit/>
+          </a:bodyPr>
           <a:lstStyle/>
           <a:p>
             <a:r>
               <a:rPr kumimoji="1" lang="ja-JP" altLang="en-US" dirty="0" smtClean="0"/>
-              <a:t>マクロで</a:t>
+              <a:t>一括印刷</a:t>
+            </a:r>
+            <a:r>
+              <a:rPr kumimoji="1" lang="en-US" altLang="ja-JP" dirty="0" smtClean="0"/>
+              <a:t>VBA(</a:t>
+            </a:r>
+            <a:r>
+              <a:rPr kumimoji="1" lang="ja-JP" altLang="en-US" dirty="0" smtClean="0"/>
+              <a:t>変数宣言は略</a:t>
+            </a:r>
+            <a:r>
+              <a:rPr kumimoji="1" lang="en-US" altLang="ja-JP" dirty="0" smtClean="0"/>
+              <a:t>)</a:t>
             </a:r>
             <a:endParaRPr kumimoji="1" lang="ja-JP" altLang="en-US" dirty="0"/>
           </a:p>
@@ -12309,13 +15277,13 @@
         </p:nvSpPr>
         <p:spPr>
           <a:xfrm>
-            <a:off x="1115616" y="1124744"/>
-            <a:ext cx="8028384" cy="5544616"/>
+            <a:off x="395536" y="1124744"/>
+            <a:ext cx="8748464" cy="5733256"/>
           </a:xfrm>
         </p:spPr>
         <p:txBody>
           <a:bodyPr>
-            <a:normAutofit/>
+            <a:normAutofit fontScale="85000" lnSpcReduction="20000"/>
           </a:bodyPr>
           <a:lstStyle/>
           <a:p>
@@ -12323,10 +15291,373 @@
               <a:buNone/>
             </a:pPr>
             <a:r>
+              <a:rPr lang="en-US" altLang="ja-JP" dirty="0" err="1" smtClean="0"/>
+              <a:t>Fol</a:t>
+            </a:r>
+            <a:r>
+              <a:rPr lang="en-US" altLang="ja-JP" dirty="0" smtClean="0"/>
+              <a:t> </a:t>
+            </a:r>
+            <a:r>
+              <a:rPr lang="en-US" altLang="ja-JP" dirty="0"/>
+              <a:t>= </a:t>
+            </a:r>
+            <a:r>
+              <a:rPr lang="en-US" altLang="ja-JP" dirty="0" smtClean="0"/>
+              <a:t>“</a:t>
+            </a:r>
+            <a:r>
               <a:rPr lang="ja-JP" altLang="en-US" dirty="0" smtClean="0"/>
-              <a:t>それぞれマクロの内容貼る。</a:t>
+              <a:t>フォルダパス</a:t>
+            </a:r>
+            <a:r>
+              <a:rPr lang="en-US" altLang="ja-JP" dirty="0" smtClean="0"/>
+              <a:t>”</a:t>
             </a:r>
             <a:endParaRPr lang="en-US" altLang="ja-JP" dirty="0"/>
+          </a:p>
+          <a:p>
+            <a:pPr marL="82296" indent="0">
+              <a:buNone/>
+            </a:pPr>
+            <a:r>
+              <a:rPr lang="en-US" altLang="ja-JP" dirty="0" err="1" smtClean="0"/>
+              <a:t>Fname</a:t>
+            </a:r>
+            <a:r>
+              <a:rPr lang="en-US" altLang="ja-JP" dirty="0" smtClean="0"/>
+              <a:t> </a:t>
+            </a:r>
+            <a:r>
+              <a:rPr lang="en-US" altLang="ja-JP" dirty="0"/>
+              <a:t>= Dir(</a:t>
+            </a:r>
+            <a:r>
+              <a:rPr lang="en-US" altLang="ja-JP" dirty="0" err="1"/>
+              <a:t>Fol</a:t>
+            </a:r>
+            <a:r>
+              <a:rPr lang="en-US" altLang="ja-JP" dirty="0"/>
+              <a:t> &amp; "\*.</a:t>
+            </a:r>
+            <a:r>
+              <a:rPr lang="en-US" altLang="ja-JP" dirty="0" err="1"/>
+              <a:t>xlsx</a:t>
+            </a:r>
+            <a:r>
+              <a:rPr lang="en-US" altLang="ja-JP" dirty="0"/>
+              <a:t>")</a:t>
+            </a:r>
+          </a:p>
+          <a:p>
+            <a:pPr marL="82296" indent="0">
+              <a:buNone/>
+            </a:pPr>
+            <a:endParaRPr lang="en-US" altLang="ja-JP" dirty="0"/>
+          </a:p>
+          <a:p>
+            <a:pPr marL="82296" indent="0">
+              <a:buNone/>
+            </a:pPr>
+            <a:r>
+              <a:rPr lang="en-US" altLang="ja-JP" dirty="0" smtClean="0"/>
+              <a:t>Do </a:t>
+            </a:r>
+            <a:r>
+              <a:rPr lang="en-US" altLang="ja-JP" dirty="0"/>
+              <a:t>While </a:t>
+            </a:r>
+            <a:r>
+              <a:rPr lang="en-US" altLang="ja-JP" dirty="0" err="1"/>
+              <a:t>Fname</a:t>
+            </a:r>
+            <a:r>
+              <a:rPr lang="en-US" altLang="ja-JP" dirty="0"/>
+              <a:t> &lt;&gt; ""</a:t>
+            </a:r>
+          </a:p>
+          <a:p>
+            <a:pPr marL="82296" indent="0">
+              <a:buNone/>
+            </a:pPr>
+            <a:r>
+              <a:rPr lang="en-US" altLang="ja-JP" dirty="0" smtClean="0"/>
+              <a:t>  If </a:t>
+            </a:r>
+            <a:r>
+              <a:rPr lang="en-US" altLang="ja-JP" dirty="0" err="1"/>
+              <a:t>Fname</a:t>
+            </a:r>
+            <a:r>
+              <a:rPr lang="en-US" altLang="ja-JP" dirty="0"/>
+              <a:t> &lt;&gt; </a:t>
+            </a:r>
+            <a:r>
+              <a:rPr lang="en-US" altLang="ja-JP" dirty="0" err="1"/>
+              <a:t>ThisWorkbook.Name</a:t>
+            </a:r>
+            <a:r>
+              <a:rPr lang="en-US" altLang="ja-JP" dirty="0"/>
+              <a:t> Then</a:t>
+            </a:r>
+          </a:p>
+          <a:p>
+            <a:pPr marL="82296" indent="0">
+              <a:buNone/>
+            </a:pPr>
+            <a:r>
+              <a:rPr lang="en-US" altLang="ja-JP" dirty="0" smtClean="0"/>
+              <a:t>    </a:t>
+            </a:r>
+            <a:r>
+              <a:rPr lang="en-US" altLang="ja-JP" dirty="0" err="1" smtClean="0"/>
+              <a:t>Workbooks.Open</a:t>
+            </a:r>
+            <a:r>
+              <a:rPr lang="en-US" altLang="ja-JP" dirty="0" smtClean="0"/>
+              <a:t> </a:t>
+            </a:r>
+            <a:r>
+              <a:rPr lang="en-US" altLang="ja-JP" dirty="0" err="1"/>
+              <a:t>Fol</a:t>
+            </a:r>
+            <a:r>
+              <a:rPr lang="en-US" altLang="ja-JP" dirty="0"/>
+              <a:t> &amp; "\" &amp; </a:t>
+            </a:r>
+            <a:r>
+              <a:rPr lang="en-US" altLang="ja-JP" dirty="0" err="1"/>
+              <a:t>Fname</a:t>
+            </a:r>
+            <a:endParaRPr lang="en-US" altLang="ja-JP" dirty="0"/>
+          </a:p>
+          <a:p>
+            <a:pPr marL="82296" indent="0">
+              <a:buNone/>
+            </a:pPr>
+            <a:r>
+              <a:rPr lang="en-US" altLang="ja-JP" dirty="0" smtClean="0"/>
+              <a:t>    For </a:t>
+            </a:r>
+            <a:r>
+              <a:rPr lang="en-US" altLang="ja-JP" dirty="0"/>
+              <a:t>Each </a:t>
+            </a:r>
+            <a:r>
+              <a:rPr lang="en-US" altLang="ja-JP" dirty="0" err="1"/>
+              <a:t>ws</a:t>
+            </a:r>
+            <a:r>
+              <a:rPr lang="en-US" altLang="ja-JP" dirty="0"/>
+              <a:t> In Worksheets</a:t>
+            </a:r>
+          </a:p>
+          <a:p>
+            <a:pPr marL="82296" indent="0">
+              <a:buNone/>
+            </a:pPr>
+            <a:r>
+              <a:rPr lang="en-US" altLang="ja-JP" dirty="0" smtClean="0"/>
+              <a:t>      </a:t>
+            </a:r>
+            <a:r>
+              <a:rPr lang="en-US" altLang="ja-JP" dirty="0" err="1" smtClean="0"/>
+              <a:t>ws.PrintOut</a:t>
+            </a:r>
+            <a:endParaRPr lang="en-US" altLang="ja-JP" dirty="0">
+              <a:solidFill>
+                <a:srgbClr val="FFFF00"/>
+              </a:solidFill>
+            </a:endParaRPr>
+          </a:p>
+          <a:p>
+            <a:pPr marL="82296" indent="0">
+              <a:buNone/>
+            </a:pPr>
+            <a:r>
+              <a:rPr lang="en-US" altLang="ja-JP" dirty="0" smtClean="0"/>
+              <a:t>    Next</a:t>
+            </a:r>
+            <a:endParaRPr lang="en-US" altLang="ja-JP" dirty="0"/>
+          </a:p>
+          <a:p>
+            <a:pPr marL="82296" indent="0">
+              <a:buNone/>
+            </a:pPr>
+            <a:r>
+              <a:rPr lang="en-US" altLang="ja-JP" dirty="0"/>
+              <a:t>  </a:t>
+            </a:r>
+            <a:r>
+              <a:rPr lang="en-US" altLang="ja-JP" dirty="0" smtClean="0"/>
+              <a:t>  Workbooks(</a:t>
+            </a:r>
+            <a:r>
+              <a:rPr lang="en-US" altLang="ja-JP" dirty="0" err="1" smtClean="0"/>
+              <a:t>Fname</a:t>
+            </a:r>
+            <a:r>
+              <a:rPr lang="en-US" altLang="ja-JP" dirty="0"/>
+              <a:t>).</a:t>
+            </a:r>
+            <a:r>
+              <a:rPr lang="en-US" altLang="ja-JP" dirty="0" smtClean="0"/>
+              <a:t>Close</a:t>
+            </a:r>
+          </a:p>
+          <a:p>
+            <a:pPr marL="82296" indent="0">
+              <a:buNone/>
+            </a:pPr>
+            <a:r>
+              <a:rPr lang="en-US" altLang="ja-JP" dirty="0"/>
+              <a:t> </a:t>
+            </a:r>
+            <a:r>
+              <a:rPr lang="en-US" altLang="ja-JP" dirty="0" smtClean="0"/>
+              <a:t>   </a:t>
+            </a:r>
+            <a:r>
+              <a:rPr lang="en-US" altLang="ja-JP" dirty="0" err="1" smtClean="0"/>
+              <a:t>SaveChanges</a:t>
+            </a:r>
+            <a:r>
+              <a:rPr lang="en-US" altLang="ja-JP" dirty="0" smtClean="0"/>
+              <a:t>:=True</a:t>
+            </a:r>
+            <a:endParaRPr lang="en-US" altLang="ja-JP" dirty="0"/>
+          </a:p>
+          <a:p>
+            <a:pPr marL="82296" indent="0">
+              <a:buNone/>
+            </a:pPr>
+            <a:r>
+              <a:rPr lang="en-US" altLang="ja-JP" dirty="0"/>
+              <a:t>  </a:t>
+            </a:r>
+            <a:r>
+              <a:rPr lang="en-US" altLang="ja-JP" dirty="0" smtClean="0"/>
+              <a:t>End </a:t>
+            </a:r>
+            <a:r>
+              <a:rPr lang="en-US" altLang="ja-JP" dirty="0"/>
+              <a:t>If</a:t>
+            </a:r>
+          </a:p>
+          <a:p>
+            <a:pPr marL="82296" indent="0">
+              <a:buNone/>
+            </a:pPr>
+            <a:r>
+              <a:rPr lang="en-US" altLang="ja-JP" dirty="0" smtClean="0"/>
+              <a:t>  </a:t>
+            </a:r>
+            <a:r>
+              <a:rPr lang="en-US" altLang="ja-JP" dirty="0" err="1" smtClean="0"/>
+              <a:t>Fname</a:t>
+            </a:r>
+            <a:r>
+              <a:rPr lang="en-US" altLang="ja-JP" dirty="0" smtClean="0"/>
+              <a:t> </a:t>
+            </a:r>
+            <a:r>
+              <a:rPr lang="en-US" altLang="ja-JP" dirty="0"/>
+              <a:t>= Dir()</a:t>
+            </a:r>
+          </a:p>
+          <a:p>
+            <a:pPr marL="82296" indent="0">
+              <a:buNone/>
+            </a:pPr>
+            <a:r>
+              <a:rPr lang="en-US" altLang="ja-JP" dirty="0" smtClean="0"/>
+              <a:t>Loop</a:t>
+            </a:r>
+            <a:endParaRPr lang="en-US" altLang="ja-JP" dirty="0"/>
+          </a:p>
+        </p:txBody>
+      </p:sp>
+      <p:sp>
+        <p:nvSpPr>
+          <p:cNvPr id="4" name="正方形/長方形 3"/>
+          <p:cNvSpPr/>
+          <p:nvPr/>
+        </p:nvSpPr>
+        <p:spPr>
+          <a:xfrm>
+            <a:off x="1043608" y="3858868"/>
+            <a:ext cx="2520280" cy="504056"/>
+          </a:xfrm>
+          <a:prstGeom prst="rect">
+            <a:avLst/>
+          </a:prstGeom>
+          <a:noFill/>
+          <a:ln w="38100">
+            <a:solidFill>
+              <a:srgbClr val="FFFF00"/>
+            </a:solidFill>
+          </a:ln>
+        </p:spPr>
+        <p:style>
+          <a:lnRef idx="2">
+            <a:schemeClr val="accent1">
+              <a:shade val="50000"/>
+            </a:schemeClr>
+          </a:lnRef>
+          <a:fillRef idx="1">
+            <a:schemeClr val="accent1"/>
+          </a:fillRef>
+          <a:effectRef idx="0">
+            <a:schemeClr val="accent1"/>
+          </a:effectRef>
+          <a:fontRef idx="minor">
+            <a:schemeClr val="lt1"/>
+          </a:fontRef>
+        </p:style>
+        <p:txBody>
+          <a:bodyPr rtlCol="0" anchor="ctr"/>
+          <a:lstStyle/>
+          <a:p>
+            <a:pPr algn="ctr"/>
+            <a:endParaRPr kumimoji="1" lang="ja-JP" altLang="en-US"/>
+          </a:p>
+        </p:txBody>
+      </p:sp>
+      <p:sp>
+        <p:nvSpPr>
+          <p:cNvPr id="5" name="テキスト ボックス 4"/>
+          <p:cNvSpPr txBox="1"/>
+          <p:nvPr/>
+        </p:nvSpPr>
+        <p:spPr>
+          <a:xfrm>
+            <a:off x="3779912" y="3901259"/>
+            <a:ext cx="5256584" cy="461665"/>
+          </a:xfrm>
+          <a:prstGeom prst="rect">
+            <a:avLst/>
+          </a:prstGeom>
+          <a:noFill/>
+        </p:spPr>
+        <p:txBody>
+          <a:bodyPr wrap="square" rtlCol="0">
+            <a:spAutoFit/>
+          </a:bodyPr>
+          <a:lstStyle/>
+          <a:p>
+            <a:r>
+              <a:rPr lang="ja-JP" altLang="en-US" sz="2400" b="1" dirty="0" smtClean="0">
+                <a:solidFill>
+                  <a:srgbClr val="FFFF00"/>
+                </a:solidFill>
+              </a:rPr>
+              <a:t>←ここでやりたい処理をすればおｋ</a:t>
+            </a:r>
+            <a:endParaRPr kumimoji="1" lang="ja-JP" altLang="en-US" sz="2400" b="1" dirty="0">
+              <a:solidFill>
+                <a:srgbClr val="FFFF00"/>
+              </a:solidFill>
+            </a:endParaRPr>
           </a:p>
         </p:txBody>
       </p:sp>

--- a/hateful_excel.pptx
+++ b/hateful_excel.pptx
@@ -5,7 +5,7 @@
     <p:sldMasterId id="2147483720" r:id="rId1"/>
   </p:sldMasterIdLst>
   <p:handoutMasterIdLst>
-    <p:handoutMasterId r:id="rId38"/>
+    <p:handoutMasterId r:id="rId41"/>
   </p:handoutMasterIdLst>
   <p:sldIdLst>
     <p:sldId id="256" r:id="rId2"/>
@@ -13,37 +13,40 @@
     <p:sldId id="320" r:id="rId4"/>
     <p:sldId id="376" r:id="rId5"/>
     <p:sldId id="324" r:id="rId6"/>
-    <p:sldId id="377" r:id="rId7"/>
+    <p:sldId id="396" r:id="rId7"/>
     <p:sldId id="363" r:id="rId8"/>
-    <p:sldId id="325" r:id="rId9"/>
-    <p:sldId id="364" r:id="rId10"/>
-    <p:sldId id="361" r:id="rId11"/>
-    <p:sldId id="392" r:id="rId12"/>
-    <p:sldId id="393" r:id="rId13"/>
-    <p:sldId id="365" r:id="rId14"/>
-    <p:sldId id="367" r:id="rId15"/>
-    <p:sldId id="391" r:id="rId16"/>
-    <p:sldId id="394" r:id="rId17"/>
-    <p:sldId id="378" r:id="rId18"/>
-    <p:sldId id="362" r:id="rId19"/>
-    <p:sldId id="370" r:id="rId20"/>
-    <p:sldId id="371" r:id="rId21"/>
-    <p:sldId id="373" r:id="rId22"/>
-    <p:sldId id="372" r:id="rId23"/>
-    <p:sldId id="374" r:id="rId24"/>
-    <p:sldId id="395" r:id="rId25"/>
-    <p:sldId id="375" r:id="rId26"/>
-    <p:sldId id="379" r:id="rId27"/>
-    <p:sldId id="380" r:id="rId28"/>
-    <p:sldId id="382" r:id="rId29"/>
-    <p:sldId id="383" r:id="rId30"/>
-    <p:sldId id="384" r:id="rId31"/>
-    <p:sldId id="386" r:id="rId32"/>
-    <p:sldId id="387" r:id="rId33"/>
-    <p:sldId id="388" r:id="rId34"/>
-    <p:sldId id="385" r:id="rId35"/>
-    <p:sldId id="389" r:id="rId36"/>
-    <p:sldId id="390" r:id="rId37"/>
+    <p:sldId id="377" r:id="rId9"/>
+    <p:sldId id="325" r:id="rId10"/>
+    <p:sldId id="364" r:id="rId11"/>
+    <p:sldId id="361" r:id="rId12"/>
+    <p:sldId id="392" r:id="rId13"/>
+    <p:sldId id="393" r:id="rId14"/>
+    <p:sldId id="365" r:id="rId15"/>
+    <p:sldId id="367" r:id="rId16"/>
+    <p:sldId id="391" r:id="rId17"/>
+    <p:sldId id="394" r:id="rId18"/>
+    <p:sldId id="378" r:id="rId19"/>
+    <p:sldId id="362" r:id="rId20"/>
+    <p:sldId id="370" r:id="rId21"/>
+    <p:sldId id="371" r:id="rId22"/>
+    <p:sldId id="373" r:id="rId23"/>
+    <p:sldId id="372" r:id="rId24"/>
+    <p:sldId id="374" r:id="rId25"/>
+    <p:sldId id="395" r:id="rId26"/>
+    <p:sldId id="375" r:id="rId27"/>
+    <p:sldId id="379" r:id="rId28"/>
+    <p:sldId id="397" r:id="rId29"/>
+    <p:sldId id="380" r:id="rId30"/>
+    <p:sldId id="398" r:id="rId31"/>
+    <p:sldId id="382" r:id="rId32"/>
+    <p:sldId id="383" r:id="rId33"/>
+    <p:sldId id="384" r:id="rId34"/>
+    <p:sldId id="386" r:id="rId35"/>
+    <p:sldId id="387" r:id="rId36"/>
+    <p:sldId id="388" r:id="rId37"/>
+    <p:sldId id="385" r:id="rId38"/>
+    <p:sldId id="389" r:id="rId39"/>
+    <p:sldId id="390" r:id="rId40"/>
   </p:sldIdLst>
   <p:sldSz cx="9144000" cy="6858000" type="screen4x3"/>
   <p:notesSz cx="6858000" cy="9144000"/>
@@ -144,7 +147,7 @@
   </p:defaultTextStyle>
   <p:extLst>
     <p:ext uri="{EFAFB233-063F-42B5-8137-9DF3F51BA10A}">
-      <p15:sldGuideLst xmlns="" xmlns:p15="http://schemas.microsoft.com/office/powerpoint/2012/main">
+      <p15:sldGuideLst xmlns:p15="http://schemas.microsoft.com/office/powerpoint/2012/main" xmlns="">
         <p15:guide id="1" orient="horz" pos="2160">
           <p15:clr>
             <a:srgbClr val="A4A3A4"/>
@@ -243,7 +246,7 @@
           <a:p>
             <a:fld id="{5B94A26D-194A-4531-B371-D173F73365E6}" type="datetimeFigureOut">
               <a:rPr kumimoji="1" lang="ja-JP" altLang="en-US" smtClean="0"/>
-              <a:t>2017/3/13</a:t>
+              <a:t>2017/3/14</a:t>
             </a:fld>
             <a:endParaRPr kumimoji="1" lang="ja-JP" altLang="en-US"/>
           </a:p>
@@ -710,7 +713,7 @@
           <a:p>
             <a:fld id="{39378AC4-C49C-4159-B332-7738B007311C}" type="datetimeFigureOut">
               <a:rPr kumimoji="1" lang="ja-JP" altLang="en-US" smtClean="0"/>
-              <a:t>2017/3/13</a:t>
+              <a:t>2017/3/14</a:t>
             </a:fld>
             <a:endParaRPr kumimoji="1" lang="ja-JP" altLang="en-US"/>
           </a:p>
@@ -907,7 +910,7 @@
           <a:p>
             <a:fld id="{39378AC4-C49C-4159-B332-7738B007311C}" type="datetimeFigureOut">
               <a:rPr kumimoji="1" lang="ja-JP" altLang="en-US" smtClean="0"/>
-              <a:t>2017/3/13</a:t>
+              <a:t>2017/3/14</a:t>
             </a:fld>
             <a:endParaRPr kumimoji="1" lang="ja-JP" altLang="en-US"/>
           </a:p>
@@ -1114,7 +1117,7 @@
           <a:p>
             <a:fld id="{39378AC4-C49C-4159-B332-7738B007311C}" type="datetimeFigureOut">
               <a:rPr kumimoji="1" lang="ja-JP" altLang="en-US" smtClean="0"/>
-              <a:t>2017/3/13</a:t>
+              <a:t>2017/3/14</a:t>
             </a:fld>
             <a:endParaRPr kumimoji="1" lang="ja-JP" altLang="en-US"/>
           </a:p>
@@ -1315,7 +1318,7 @@
           <a:p>
             <a:fld id="{39378AC4-C49C-4159-B332-7738B007311C}" type="datetimeFigureOut">
               <a:rPr kumimoji="1" lang="ja-JP" altLang="en-US" smtClean="0"/>
-              <a:t>2017/3/13</a:t>
+              <a:t>2017/3/14</a:t>
             </a:fld>
             <a:endParaRPr kumimoji="1" lang="ja-JP" altLang="en-US"/>
           </a:p>
@@ -1770,7 +1773,7 @@
           <a:p>
             <a:fld id="{39378AC4-C49C-4159-B332-7738B007311C}" type="datetimeFigureOut">
               <a:rPr kumimoji="1" lang="ja-JP" altLang="en-US" smtClean="0"/>
-              <a:t>2017/3/13</a:t>
+              <a:t>2017/3/14</a:t>
             </a:fld>
             <a:endParaRPr kumimoji="1" lang="ja-JP" altLang="en-US"/>
           </a:p>
@@ -2098,7 +2101,7 @@
           <a:p>
             <a:fld id="{39378AC4-C49C-4159-B332-7738B007311C}" type="datetimeFigureOut">
               <a:rPr kumimoji="1" lang="ja-JP" altLang="en-US" smtClean="0"/>
-              <a:t>2017/3/13</a:t>
+              <a:t>2017/3/14</a:t>
             </a:fld>
             <a:endParaRPr kumimoji="1" lang="ja-JP" altLang="en-US"/>
           </a:p>
@@ -2536,7 +2539,7 @@
           <a:p>
             <a:fld id="{39378AC4-C49C-4159-B332-7738B007311C}" type="datetimeFigureOut">
               <a:rPr kumimoji="1" lang="ja-JP" altLang="en-US" smtClean="0"/>
-              <a:t>2017/3/13</a:t>
+              <a:t>2017/3/14</a:t>
             </a:fld>
             <a:endParaRPr kumimoji="1" lang="ja-JP" altLang="en-US"/>
           </a:p>
@@ -2658,7 +2661,7 @@
           <a:p>
             <a:fld id="{39378AC4-C49C-4159-B332-7738B007311C}" type="datetimeFigureOut">
               <a:rPr kumimoji="1" lang="ja-JP" altLang="en-US" smtClean="0"/>
-              <a:t>2017/3/13</a:t>
+              <a:t>2017/3/14</a:t>
             </a:fld>
             <a:endParaRPr kumimoji="1" lang="ja-JP" altLang="en-US"/>
           </a:p>
@@ -2748,7 +2751,7 @@
           <a:p>
             <a:fld id="{39378AC4-C49C-4159-B332-7738B007311C}" type="datetimeFigureOut">
               <a:rPr kumimoji="1" lang="ja-JP" altLang="en-US" smtClean="0"/>
-              <a:t>2017/3/13</a:t>
+              <a:t>2017/3/14</a:t>
             </a:fld>
             <a:endParaRPr kumimoji="1" lang="ja-JP" altLang="en-US"/>
           </a:p>
@@ -3029,7 +3032,7 @@
           <a:p>
             <a:fld id="{39378AC4-C49C-4159-B332-7738B007311C}" type="datetimeFigureOut">
               <a:rPr kumimoji="1" lang="ja-JP" altLang="en-US" smtClean="0"/>
-              <a:t>2017/3/13</a:t>
+              <a:t>2017/3/14</a:t>
             </a:fld>
             <a:endParaRPr kumimoji="1" lang="ja-JP" altLang="en-US"/>
           </a:p>
@@ -3288,7 +3291,7 @@
           <a:p>
             <a:fld id="{39378AC4-C49C-4159-B332-7738B007311C}" type="datetimeFigureOut">
               <a:rPr kumimoji="1" lang="ja-JP" altLang="en-US" smtClean="0"/>
-              <a:t>2017/3/13</a:t>
+              <a:t>2017/3/14</a:t>
             </a:fld>
             <a:endParaRPr kumimoji="1" lang="ja-JP" altLang="en-US"/>
           </a:p>
@@ -3724,7 +3727,7 @@
           <a:p>
             <a:fld id="{39378AC4-C49C-4159-B332-7738B007311C}" type="datetimeFigureOut">
               <a:rPr kumimoji="1" lang="ja-JP" altLang="en-US" smtClean="0"/>
-              <a:t>2017/3/13</a:t>
+              <a:t>2017/3/14</a:t>
             </a:fld>
             <a:endParaRPr kumimoji="1" lang="ja-JP" altLang="en-US"/>
           </a:p>
@@ -4338,18 +4341,33 @@
             <p:ph type="title"/>
           </p:nvPr>
         </p:nvSpPr>
-        <p:spPr/>
+        <p:spPr>
+          <a:xfrm>
+            <a:off x="457200" y="274638"/>
+            <a:ext cx="8003232" cy="1143000"/>
+          </a:xfrm>
+        </p:spPr>
         <p:txBody>
-          <a:bodyPr/>
+          <a:bodyPr>
+            <a:normAutofit/>
+          </a:bodyPr>
           <a:lstStyle/>
           <a:p>
             <a:r>
               <a:rPr kumimoji="1" lang="ja-JP" altLang="en-US" dirty="0" smtClean="0"/>
-              <a:t>２）内容</a:t>
+              <a:t>一括印刷</a:t>
+            </a:r>
+            <a:r>
+              <a:rPr kumimoji="1" lang="en-US" altLang="ja-JP" dirty="0" smtClean="0"/>
+              <a:t>VBA(</a:t>
             </a:r>
             <a:r>
               <a:rPr kumimoji="1" lang="ja-JP" altLang="en-US" dirty="0" smtClean="0"/>
-              <a:t>の修正</a:t>
+              <a:t>変数宣言は略</a:t>
+            </a:r>
+            <a:r>
+              <a:rPr kumimoji="1" lang="en-US" altLang="ja-JP" dirty="0" smtClean="0"/>
+              <a:t>)</a:t>
             </a:r>
             <a:endParaRPr kumimoji="1" lang="ja-JP" altLang="en-US" dirty="0"/>
           </a:p>
@@ -4367,13 +4385,13 @@
         </p:nvSpPr>
         <p:spPr>
           <a:xfrm>
-            <a:off x="1115616" y="1124744"/>
-            <a:ext cx="8028384" cy="5544616"/>
+            <a:off x="395536" y="1124744"/>
+            <a:ext cx="8748464" cy="5733256"/>
           </a:xfrm>
         </p:spPr>
         <p:txBody>
           <a:bodyPr>
-            <a:normAutofit/>
+            <a:normAutofit fontScale="85000" lnSpcReduction="20000"/>
           </a:bodyPr>
           <a:lstStyle/>
           <a:p>
@@ -4381,9 +4399,68 @@
               <a:buNone/>
             </a:pPr>
             <a:r>
+              <a:rPr lang="en-US" altLang="ja-JP" dirty="0" err="1" smtClean="0"/>
+              <a:t>Fol</a:t>
+            </a:r>
+            <a:r>
+              <a:rPr lang="en-US" altLang="ja-JP" dirty="0" smtClean="0"/>
+              <a:t> </a:t>
+            </a:r>
+            <a:r>
+              <a:rPr lang="en-US" altLang="ja-JP" dirty="0"/>
+              <a:t>= </a:t>
+            </a:r>
+            <a:r>
+              <a:rPr lang="en-US" altLang="ja-JP" dirty="0" smtClean="0"/>
+              <a:t>“</a:t>
+            </a:r>
+            <a:r>
               <a:rPr lang="ja-JP" altLang="en-US" dirty="0" smtClean="0"/>
-              <a:t>・特定のセルの値修正</a:t>
-            </a:r>
+              <a:t>フォルダパス</a:t>
+            </a:r>
+            <a:r>
+              <a:rPr lang="en-US" altLang="ja-JP" dirty="0" smtClean="0"/>
+              <a:t>”</a:t>
+            </a:r>
+            <a:endParaRPr lang="en-US" altLang="ja-JP" dirty="0"/>
+          </a:p>
+          <a:p>
+            <a:pPr marL="82296" indent="0">
+              <a:buNone/>
+            </a:pPr>
+            <a:r>
+              <a:rPr lang="en-US" altLang="ja-JP" dirty="0" err="1" smtClean="0"/>
+              <a:t>Fname</a:t>
+            </a:r>
+            <a:r>
+              <a:rPr lang="en-US" altLang="ja-JP" dirty="0" smtClean="0"/>
+              <a:t> </a:t>
+            </a:r>
+            <a:r>
+              <a:rPr lang="en-US" altLang="ja-JP" dirty="0"/>
+              <a:t>= Dir(</a:t>
+            </a:r>
+            <a:r>
+              <a:rPr lang="en-US" altLang="ja-JP" dirty="0" err="1"/>
+              <a:t>Fol</a:t>
+            </a:r>
+            <a:r>
+              <a:rPr lang="en-US" altLang="ja-JP" dirty="0"/>
+              <a:t> &amp; "\*.</a:t>
+            </a:r>
+            <a:r>
+              <a:rPr lang="en-US" altLang="ja-JP" dirty="0" err="1"/>
+              <a:t>xlsx</a:t>
+            </a:r>
+            <a:r>
+              <a:rPr lang="en-US" altLang="ja-JP" dirty="0" smtClean="0"/>
+              <a:t>")</a:t>
+            </a:r>
+          </a:p>
+          <a:p>
+            <a:pPr marL="82296" indent="0">
+              <a:buNone/>
+            </a:pPr>
             <a:endParaRPr lang="en-US" altLang="ja-JP" dirty="0" smtClean="0"/>
           </a:p>
           <a:p>
@@ -4391,8 +4468,135 @@
               <a:buNone/>
             </a:pPr>
             <a:r>
+              <a:rPr lang="en-US" altLang="ja-JP" dirty="0" smtClean="0"/>
+              <a:t>Do </a:t>
+            </a:r>
+            <a:r>
+              <a:rPr lang="en-US" altLang="ja-JP" dirty="0"/>
+              <a:t>While </a:t>
+            </a:r>
+            <a:r>
+              <a:rPr lang="en-US" altLang="ja-JP" dirty="0" err="1"/>
+              <a:t>Fname</a:t>
+            </a:r>
+            <a:r>
+              <a:rPr lang="en-US" altLang="ja-JP" dirty="0"/>
+              <a:t> &lt;&gt; ""</a:t>
+            </a:r>
+          </a:p>
+          <a:p>
+            <a:pPr marL="82296" indent="0">
+              <a:buNone/>
+            </a:pPr>
+            <a:r>
+              <a:rPr lang="en-US" altLang="ja-JP" dirty="0" smtClean="0"/>
+              <a:t>  If </a:t>
+            </a:r>
+            <a:r>
+              <a:rPr lang="en-US" altLang="ja-JP" dirty="0" err="1"/>
+              <a:t>Fname</a:t>
+            </a:r>
+            <a:r>
+              <a:rPr lang="en-US" altLang="ja-JP" dirty="0"/>
+              <a:t> &lt;&gt; </a:t>
+            </a:r>
+            <a:r>
+              <a:rPr lang="en-US" altLang="ja-JP" dirty="0" err="1"/>
+              <a:t>ThisWorkbook.Name</a:t>
+            </a:r>
+            <a:r>
+              <a:rPr lang="en-US" altLang="ja-JP" dirty="0"/>
+              <a:t> Then</a:t>
+            </a:r>
+          </a:p>
+          <a:p>
+            <a:pPr marL="82296" indent="0">
+              <a:buNone/>
+            </a:pPr>
+            <a:r>
+              <a:rPr lang="en-US" altLang="ja-JP" dirty="0" smtClean="0"/>
+              <a:t>    </a:t>
+            </a:r>
+            <a:r>
+              <a:rPr lang="en-US" altLang="ja-JP" dirty="0" err="1" smtClean="0"/>
+              <a:t>Workbooks.Open</a:t>
+            </a:r>
+            <a:r>
+              <a:rPr lang="en-US" altLang="ja-JP" dirty="0" smtClean="0"/>
+              <a:t> </a:t>
+            </a:r>
+            <a:r>
+              <a:rPr lang="en-US" altLang="ja-JP" dirty="0" err="1"/>
+              <a:t>Fol</a:t>
+            </a:r>
+            <a:r>
+              <a:rPr lang="en-US" altLang="ja-JP" dirty="0"/>
+              <a:t> &amp; "\" &amp; </a:t>
+            </a:r>
+            <a:r>
+              <a:rPr lang="en-US" altLang="ja-JP" dirty="0" err="1"/>
+              <a:t>Fname</a:t>
+            </a:r>
+            <a:endParaRPr lang="en-US" altLang="ja-JP" dirty="0"/>
+          </a:p>
+          <a:p>
+            <a:pPr marL="82296" indent="0">
+              <a:buNone/>
+            </a:pPr>
+            <a:r>
+              <a:rPr lang="en-US" altLang="ja-JP" dirty="0" smtClean="0"/>
+              <a:t>    For </a:t>
+            </a:r>
+            <a:r>
+              <a:rPr lang="en-US" altLang="ja-JP" dirty="0"/>
+              <a:t>Each </a:t>
+            </a:r>
+            <a:r>
+              <a:rPr lang="en-US" altLang="ja-JP" dirty="0" err="1"/>
+              <a:t>ws</a:t>
+            </a:r>
+            <a:r>
+              <a:rPr lang="en-US" altLang="ja-JP" dirty="0"/>
+              <a:t> In Worksheets</a:t>
+            </a:r>
+          </a:p>
+          <a:p>
+            <a:pPr marL="82296" indent="0">
+              <a:buNone/>
+            </a:pPr>
+            <a:r>
+              <a:rPr lang="en-US" altLang="ja-JP" dirty="0" smtClean="0"/>
+              <a:t>      </a:t>
+            </a:r>
+            <a:r>
+              <a:rPr lang="en-US" altLang="ja-JP" dirty="0" err="1" smtClean="0"/>
+              <a:t>ws.PrintOut</a:t>
+            </a:r>
+            <a:r>
               <a:rPr lang="ja-JP" altLang="en-US" dirty="0" smtClean="0"/>
-              <a:t>・特定文字の置換</a:t>
+              <a:t>　　</a:t>
+            </a:r>
+            <a:r>
+              <a:rPr lang="ja-JP" altLang="en-US" b="1" dirty="0" smtClean="0">
+                <a:solidFill>
+                  <a:srgbClr val="FFFF00"/>
+                </a:solidFill>
+              </a:rPr>
+              <a:t>←ここにやりたい処理</a:t>
+            </a:r>
+            <a:endParaRPr lang="en-US" altLang="ja-JP" dirty="0">
+              <a:solidFill>
+                <a:srgbClr val="FFFF00"/>
+              </a:solidFill>
+            </a:endParaRPr>
+          </a:p>
+          <a:p>
+            <a:pPr marL="82296" indent="0">
+              <a:buNone/>
+            </a:pPr>
+            <a:r>
+              <a:rPr lang="en-US" altLang="ja-JP" dirty="0" smtClean="0"/>
+              <a:t>    Next</a:t>
             </a:r>
             <a:endParaRPr lang="en-US" altLang="ja-JP" dirty="0"/>
           </a:p>
@@ -4401,8 +4605,45 @@
               <a:buNone/>
             </a:pPr>
             <a:r>
-              <a:rPr lang="ja-JP" altLang="en-US" dirty="0" smtClean="0"/>
-              <a:t>・罫線の編集</a:t>
+              <a:rPr lang="en-US" altLang="ja-JP" dirty="0"/>
+              <a:t>  </a:t>
+            </a:r>
+            <a:r>
+              <a:rPr lang="en-US" altLang="ja-JP" dirty="0" smtClean="0"/>
+              <a:t>  Workbooks(</a:t>
+            </a:r>
+            <a:r>
+              <a:rPr lang="en-US" altLang="ja-JP" dirty="0" err="1" smtClean="0"/>
+              <a:t>Fname</a:t>
+            </a:r>
+            <a:r>
+              <a:rPr lang="en-US" altLang="ja-JP" dirty="0"/>
+              <a:t>).</a:t>
+            </a:r>
+            <a:r>
+              <a:rPr lang="en-US" altLang="ja-JP" dirty="0" smtClean="0"/>
+              <a:t>Close</a:t>
+            </a:r>
+          </a:p>
+          <a:p>
+            <a:pPr marL="82296" indent="0">
+              <a:buNone/>
+            </a:pPr>
+            <a:r>
+              <a:rPr lang="en-US" altLang="ja-JP" dirty="0"/>
+              <a:t> </a:t>
+            </a:r>
+            <a:r>
+              <a:rPr lang="en-US" altLang="ja-JP" dirty="0" smtClean="0"/>
+              <a:t>   </a:t>
+            </a:r>
+            <a:r>
+              <a:rPr lang="en-US" altLang="ja-JP" dirty="0" err="1" smtClean="0"/>
+              <a:t>SaveChanges</a:t>
+            </a:r>
+            <a:r>
+              <a:rPr lang="en-US" altLang="ja-JP" dirty="0" smtClean="0"/>
+              <a:t>:=True</a:t>
             </a:r>
             <a:endParaRPr lang="en-US" altLang="ja-JP" dirty="0"/>
           </a:p>
@@ -4411,47 +4652,388 @@
               <a:buNone/>
             </a:pPr>
             <a:r>
-              <a:rPr lang="ja-JP" altLang="en-US" dirty="0" smtClean="0"/>
-              <a:t>・フォント変更</a:t>
-            </a:r>
-            <a:endParaRPr lang="en-US" altLang="ja-JP" dirty="0" smtClean="0"/>
-          </a:p>
-          <a:p>
-            <a:pPr marL="82296" indent="0">
-              <a:buNone/>
-            </a:pPr>
-            <a:r>
-              <a:rPr lang="ja-JP" altLang="en-US" dirty="0" smtClean="0"/>
-              <a:t>・塗りつぶし設定</a:t>
-            </a:r>
-            <a:endParaRPr lang="en-US" altLang="ja-JP" dirty="0" smtClean="0"/>
-          </a:p>
-          <a:p>
-            <a:pPr marL="82296" indent="0">
-              <a:buNone/>
-            </a:pPr>
-            <a:endParaRPr lang="en-US" altLang="ja-JP" dirty="0"/>
-          </a:p>
-          <a:p>
-            <a:pPr marL="82296" indent="0">
-              <a:buNone/>
-            </a:pPr>
-            <a:r>
-              <a:rPr lang="ja-JP" altLang="en-US" dirty="0" smtClean="0"/>
-              <a:t>この辺りは</a:t>
-            </a:r>
-            <a:r>
-              <a:rPr lang="ja-JP" altLang="en-US" dirty="0" smtClean="0"/>
-              <a:t>マクロでなんとかできます。</a:t>
+              <a:rPr lang="en-US" altLang="ja-JP" dirty="0"/>
+              <a:t>  </a:t>
+            </a:r>
+            <a:r>
+              <a:rPr lang="en-US" altLang="ja-JP" dirty="0" smtClean="0"/>
+              <a:t>End </a:t>
+            </a:r>
+            <a:r>
+              <a:rPr lang="en-US" altLang="ja-JP" dirty="0"/>
+              <a:t>If</a:t>
+            </a:r>
+          </a:p>
+          <a:p>
+            <a:pPr marL="82296" indent="0">
+              <a:buNone/>
+            </a:pPr>
+            <a:r>
+              <a:rPr lang="en-US" altLang="ja-JP" dirty="0" smtClean="0"/>
+              <a:t>  </a:t>
+            </a:r>
+            <a:r>
+              <a:rPr lang="en-US" altLang="ja-JP" dirty="0" err="1" smtClean="0"/>
+              <a:t>Fname</a:t>
+            </a:r>
+            <a:r>
+              <a:rPr lang="en-US" altLang="ja-JP" dirty="0" smtClean="0"/>
+              <a:t> </a:t>
+            </a:r>
+            <a:r>
+              <a:rPr lang="en-US" altLang="ja-JP" dirty="0"/>
+              <a:t>= Dir()</a:t>
+            </a:r>
+          </a:p>
+          <a:p>
+            <a:pPr marL="82296" indent="0">
+              <a:buNone/>
+            </a:pPr>
+            <a:r>
+              <a:rPr lang="en-US" altLang="ja-JP" dirty="0" smtClean="0"/>
+              <a:t>Loop</a:t>
             </a:r>
             <a:endParaRPr lang="en-US" altLang="ja-JP" dirty="0"/>
           </a:p>
         </p:txBody>
       </p:sp>
+      <p:grpSp>
+        <p:nvGrpSpPr>
+          <p:cNvPr id="35" name="グループ化 34"/>
+          <p:cNvGrpSpPr/>
+          <p:nvPr/>
+        </p:nvGrpSpPr>
+        <p:grpSpPr>
+          <a:xfrm>
+            <a:off x="395536" y="1124744"/>
+            <a:ext cx="7704856" cy="5616624"/>
+            <a:chOff x="395536" y="1124744"/>
+            <a:chExt cx="7704856" cy="5616624"/>
+          </a:xfrm>
+        </p:grpSpPr>
+        <p:sp>
+          <p:nvSpPr>
+            <p:cNvPr id="5" name="テキスト ボックス 4"/>
+            <p:cNvSpPr txBox="1"/>
+            <p:nvPr/>
+          </p:nvSpPr>
+          <p:spPr>
+            <a:xfrm>
+              <a:off x="2843808" y="6236244"/>
+              <a:ext cx="5256584" cy="461665"/>
+            </a:xfrm>
+            <a:prstGeom prst="rect">
+              <a:avLst/>
+            </a:prstGeom>
+            <a:noFill/>
+          </p:spPr>
+          <p:txBody>
+            <a:bodyPr wrap="square" rtlCol="0">
+              <a:spAutoFit/>
+            </a:bodyPr>
+            <a:lstStyle/>
+            <a:p>
+              <a:r>
+                <a:rPr kumimoji="1" lang="ja-JP" altLang="en-US" sz="2400" b="1" dirty="0" smtClean="0">
+                  <a:solidFill>
+                    <a:srgbClr val="FFFF00"/>
+                  </a:solidFill>
+                </a:rPr>
+                <a:t>ディレクトリ＆シート一括処理テンプレ</a:t>
+              </a:r>
+              <a:endParaRPr kumimoji="1" lang="ja-JP" altLang="en-US" sz="2400" b="1" dirty="0">
+                <a:solidFill>
+                  <a:srgbClr val="FFFF00"/>
+                </a:solidFill>
+              </a:endParaRPr>
+            </a:p>
+          </p:txBody>
+        </p:sp>
+        <p:cxnSp>
+          <p:nvCxnSpPr>
+            <p:cNvPr id="7" name="直線コネクタ 6"/>
+            <p:cNvCxnSpPr/>
+            <p:nvPr/>
+          </p:nvCxnSpPr>
+          <p:spPr>
+            <a:xfrm>
+              <a:off x="395536" y="1124744"/>
+              <a:ext cx="7344816" cy="0"/>
+            </a:xfrm>
+            <a:prstGeom prst="line">
+              <a:avLst/>
+            </a:prstGeom>
+            <a:ln w="38100">
+              <a:solidFill>
+                <a:srgbClr val="FFFF00"/>
+              </a:solidFill>
+            </a:ln>
+          </p:spPr>
+          <p:style>
+            <a:lnRef idx="1">
+              <a:schemeClr val="accent1"/>
+            </a:lnRef>
+            <a:fillRef idx="0">
+              <a:schemeClr val="accent1"/>
+            </a:fillRef>
+            <a:effectRef idx="0">
+              <a:schemeClr val="accent1"/>
+            </a:effectRef>
+            <a:fontRef idx="minor">
+              <a:schemeClr val="tx1"/>
+            </a:fontRef>
+          </p:style>
+        </p:cxnSp>
+        <p:cxnSp>
+          <p:nvCxnSpPr>
+            <p:cNvPr id="9" name="直線コネクタ 8"/>
+            <p:cNvCxnSpPr/>
+            <p:nvPr/>
+          </p:nvCxnSpPr>
+          <p:spPr>
+            <a:xfrm>
+              <a:off x="397487" y="1124744"/>
+              <a:ext cx="0" cy="5616624"/>
+            </a:xfrm>
+            <a:prstGeom prst="line">
+              <a:avLst/>
+            </a:prstGeom>
+            <a:ln w="38100">
+              <a:solidFill>
+                <a:srgbClr val="FFFF00"/>
+              </a:solidFill>
+            </a:ln>
+          </p:spPr>
+          <p:style>
+            <a:lnRef idx="1">
+              <a:schemeClr val="accent1"/>
+            </a:lnRef>
+            <a:fillRef idx="0">
+              <a:schemeClr val="accent1"/>
+            </a:fillRef>
+            <a:effectRef idx="0">
+              <a:schemeClr val="accent1"/>
+            </a:effectRef>
+            <a:fontRef idx="minor">
+              <a:schemeClr val="tx1"/>
+            </a:fontRef>
+          </p:style>
+        </p:cxnSp>
+        <p:cxnSp>
+          <p:nvCxnSpPr>
+            <p:cNvPr id="12" name="直線コネクタ 11"/>
+            <p:cNvCxnSpPr/>
+            <p:nvPr/>
+          </p:nvCxnSpPr>
+          <p:spPr>
+            <a:xfrm>
+              <a:off x="7730760" y="1124744"/>
+              <a:ext cx="0" cy="2776515"/>
+            </a:xfrm>
+            <a:prstGeom prst="line">
+              <a:avLst/>
+            </a:prstGeom>
+            <a:ln w="38100">
+              <a:solidFill>
+                <a:srgbClr val="FFFF00"/>
+              </a:solidFill>
+            </a:ln>
+          </p:spPr>
+          <p:style>
+            <a:lnRef idx="1">
+              <a:schemeClr val="accent1"/>
+            </a:lnRef>
+            <a:fillRef idx="0">
+              <a:schemeClr val="accent1"/>
+            </a:fillRef>
+            <a:effectRef idx="0">
+              <a:schemeClr val="accent1"/>
+            </a:effectRef>
+            <a:fontRef idx="minor">
+              <a:schemeClr val="tx1"/>
+            </a:fontRef>
+          </p:style>
+        </p:cxnSp>
+        <p:cxnSp>
+          <p:nvCxnSpPr>
+            <p:cNvPr id="14" name="直線コネクタ 13"/>
+            <p:cNvCxnSpPr/>
+            <p:nvPr/>
+          </p:nvCxnSpPr>
+          <p:spPr>
+            <a:xfrm>
+              <a:off x="395536" y="6727080"/>
+              <a:ext cx="7344816" cy="0"/>
+            </a:xfrm>
+            <a:prstGeom prst="line">
+              <a:avLst/>
+            </a:prstGeom>
+            <a:ln w="38100">
+              <a:solidFill>
+                <a:srgbClr val="FFFF00"/>
+              </a:solidFill>
+            </a:ln>
+          </p:spPr>
+          <p:style>
+            <a:lnRef idx="1">
+              <a:schemeClr val="accent1"/>
+            </a:lnRef>
+            <a:fillRef idx="0">
+              <a:schemeClr val="accent1"/>
+            </a:fillRef>
+            <a:effectRef idx="0">
+              <a:schemeClr val="accent1"/>
+            </a:effectRef>
+            <a:fontRef idx="minor">
+              <a:schemeClr val="tx1"/>
+            </a:fontRef>
+          </p:style>
+        </p:cxnSp>
+        <p:cxnSp>
+          <p:nvCxnSpPr>
+            <p:cNvPr id="16" name="直線コネクタ 15"/>
+            <p:cNvCxnSpPr/>
+            <p:nvPr/>
+          </p:nvCxnSpPr>
+          <p:spPr>
+            <a:xfrm>
+              <a:off x="7730760" y="4286724"/>
+              <a:ext cx="0" cy="2454644"/>
+            </a:xfrm>
+            <a:prstGeom prst="line">
+              <a:avLst/>
+            </a:prstGeom>
+            <a:ln w="38100">
+              <a:solidFill>
+                <a:srgbClr val="FFFF00"/>
+              </a:solidFill>
+            </a:ln>
+          </p:spPr>
+          <p:style>
+            <a:lnRef idx="1">
+              <a:schemeClr val="accent1"/>
+            </a:lnRef>
+            <a:fillRef idx="0">
+              <a:schemeClr val="accent1"/>
+            </a:fillRef>
+            <a:effectRef idx="0">
+              <a:schemeClr val="accent1"/>
+            </a:effectRef>
+            <a:fontRef idx="minor">
+              <a:schemeClr val="tx1"/>
+            </a:fontRef>
+          </p:style>
+        </p:cxnSp>
+        <p:cxnSp>
+          <p:nvCxnSpPr>
+            <p:cNvPr id="18" name="直線コネクタ 17"/>
+            <p:cNvCxnSpPr/>
+            <p:nvPr/>
+          </p:nvCxnSpPr>
+          <p:spPr>
+            <a:xfrm>
+              <a:off x="1084113" y="4286724"/>
+              <a:ext cx="6656240" cy="0"/>
+            </a:xfrm>
+            <a:prstGeom prst="line">
+              <a:avLst/>
+            </a:prstGeom>
+            <a:ln w="38100">
+              <a:solidFill>
+                <a:srgbClr val="FFFF00"/>
+              </a:solidFill>
+            </a:ln>
+          </p:spPr>
+          <p:style>
+            <a:lnRef idx="1">
+              <a:schemeClr val="accent1"/>
+            </a:lnRef>
+            <a:fillRef idx="0">
+              <a:schemeClr val="accent1"/>
+            </a:fillRef>
+            <a:effectRef idx="0">
+              <a:schemeClr val="accent1"/>
+            </a:effectRef>
+            <a:fontRef idx="minor">
+              <a:schemeClr val="tx1"/>
+            </a:fontRef>
+          </p:style>
+        </p:cxnSp>
+        <p:cxnSp>
+          <p:nvCxnSpPr>
+            <p:cNvPr id="22" name="直線コネクタ 21"/>
+            <p:cNvCxnSpPr/>
+            <p:nvPr/>
+          </p:nvCxnSpPr>
+          <p:spPr>
+            <a:xfrm>
+              <a:off x="1084113" y="3889080"/>
+              <a:ext cx="6656240" cy="0"/>
+            </a:xfrm>
+            <a:prstGeom prst="line">
+              <a:avLst/>
+            </a:prstGeom>
+            <a:ln w="38100">
+              <a:solidFill>
+                <a:srgbClr val="FFFF00"/>
+              </a:solidFill>
+            </a:ln>
+          </p:spPr>
+          <p:style>
+            <a:lnRef idx="1">
+              <a:schemeClr val="accent1"/>
+            </a:lnRef>
+            <a:fillRef idx="0">
+              <a:schemeClr val="accent1"/>
+            </a:fillRef>
+            <a:effectRef idx="0">
+              <a:schemeClr val="accent1"/>
+            </a:effectRef>
+            <a:fontRef idx="minor">
+              <a:schemeClr val="tx1"/>
+            </a:fontRef>
+          </p:style>
+        </p:cxnSp>
+        <p:cxnSp>
+          <p:nvCxnSpPr>
+            <p:cNvPr id="23" name="直線コネクタ 22"/>
+            <p:cNvCxnSpPr/>
+            <p:nvPr/>
+          </p:nvCxnSpPr>
+          <p:spPr>
+            <a:xfrm>
+              <a:off x="1084113" y="3901259"/>
+              <a:ext cx="0" cy="385465"/>
+            </a:xfrm>
+            <a:prstGeom prst="line">
+              <a:avLst/>
+            </a:prstGeom>
+            <a:ln w="38100">
+              <a:solidFill>
+                <a:srgbClr val="FFFF00"/>
+              </a:solidFill>
+            </a:ln>
+          </p:spPr>
+          <p:style>
+            <a:lnRef idx="1">
+              <a:schemeClr val="accent1"/>
+            </a:lnRef>
+            <a:fillRef idx="0">
+              <a:schemeClr val="accent1"/>
+            </a:fillRef>
+            <a:effectRef idx="0">
+              <a:schemeClr val="accent1"/>
+            </a:effectRef>
+            <a:fontRef idx="minor">
+              <a:schemeClr val="tx1"/>
+            </a:fontRef>
+          </p:style>
+        </p:cxnSp>
+      </p:grpSp>
     </p:spTree>
     <p:extLst>
       <p:ext uri="{BB962C8B-B14F-4D97-AF65-F5344CB8AC3E}">
-        <p14:creationId xmlns:p14="http://schemas.microsoft.com/office/powerpoint/2010/main" val="3084257041"/>
+        <p14:creationId xmlns:p14="http://schemas.microsoft.com/office/powerpoint/2010/main" val="1305029476"/>
       </p:ext>
     </p:extLst>
   </p:cSld>
@@ -4497,6 +5079,167 @@
         </p:nvSpPr>
         <p:spPr/>
         <p:txBody>
+          <a:bodyPr/>
+          <a:lstStyle/>
+          <a:p>
+            <a:r>
+              <a:rPr kumimoji="1" lang="ja-JP" altLang="en-US" dirty="0" smtClean="0"/>
+              <a:t>２）内容の修正</a:t>
+            </a:r>
+            <a:endParaRPr kumimoji="1" lang="ja-JP" altLang="en-US" dirty="0"/>
+          </a:p>
+        </p:txBody>
+      </p:sp>
+      <p:sp>
+        <p:nvSpPr>
+          <p:cNvPr id="3" name="コンテンツ プレースホルダー 2"/>
+          <p:cNvSpPr>
+            <a:spLocks noGrp="1"/>
+          </p:cNvSpPr>
+          <p:nvPr>
+            <p:ph idx="1"/>
+          </p:nvPr>
+        </p:nvSpPr>
+        <p:spPr>
+          <a:xfrm>
+            <a:off x="323528" y="1124744"/>
+            <a:ext cx="8820472" cy="5544616"/>
+          </a:xfrm>
+        </p:spPr>
+        <p:txBody>
+          <a:bodyPr>
+            <a:normAutofit/>
+          </a:bodyPr>
+          <a:lstStyle/>
+          <a:p>
+            <a:pPr marL="82296" indent="0">
+              <a:buNone/>
+            </a:pPr>
+            <a:r>
+              <a:rPr lang="ja-JP" altLang="en-US" dirty="0" smtClean="0"/>
+              <a:t>・特定のセルの値修正</a:t>
+            </a:r>
+            <a:endParaRPr lang="en-US" altLang="ja-JP" dirty="0" smtClean="0"/>
+          </a:p>
+          <a:p>
+            <a:pPr marL="82296" indent="0">
+              <a:buNone/>
+            </a:pPr>
+            <a:r>
+              <a:rPr lang="ja-JP" altLang="en-US" dirty="0" smtClean="0"/>
+              <a:t>・特定文字の置換</a:t>
+            </a:r>
+            <a:endParaRPr lang="en-US" altLang="ja-JP" dirty="0"/>
+          </a:p>
+          <a:p>
+            <a:pPr marL="82296" indent="0">
+              <a:buNone/>
+            </a:pPr>
+            <a:r>
+              <a:rPr lang="ja-JP" altLang="en-US" dirty="0" smtClean="0"/>
+              <a:t>・罫線の編集</a:t>
+            </a:r>
+            <a:endParaRPr lang="en-US" altLang="ja-JP" dirty="0"/>
+          </a:p>
+          <a:p>
+            <a:pPr marL="82296" indent="0">
+              <a:buNone/>
+            </a:pPr>
+            <a:r>
+              <a:rPr lang="ja-JP" altLang="en-US" dirty="0" smtClean="0"/>
+              <a:t>・フォント変更</a:t>
+            </a:r>
+            <a:endParaRPr lang="en-US" altLang="ja-JP" dirty="0" smtClean="0"/>
+          </a:p>
+          <a:p>
+            <a:pPr marL="82296" indent="0">
+              <a:buNone/>
+            </a:pPr>
+            <a:r>
+              <a:rPr lang="ja-JP" altLang="en-US" dirty="0" smtClean="0"/>
+              <a:t>・塗りつぶし</a:t>
+            </a:r>
+            <a:r>
+              <a:rPr lang="ja-JP" altLang="en-US" dirty="0" smtClean="0"/>
+              <a:t>設定　　　　など</a:t>
+            </a:r>
+            <a:endParaRPr lang="en-US" altLang="ja-JP" dirty="0" smtClean="0"/>
+          </a:p>
+          <a:p>
+            <a:pPr marL="82296" indent="0">
+              <a:buNone/>
+            </a:pPr>
+            <a:endParaRPr lang="en-US" altLang="ja-JP" dirty="0"/>
+          </a:p>
+          <a:p>
+            <a:pPr marL="82296" indent="0">
+              <a:buNone/>
+            </a:pPr>
+            <a:r>
+              <a:rPr lang="en-US" altLang="ja-JP" dirty="0" smtClean="0"/>
+              <a:t>×n</a:t>
+            </a:r>
+            <a:r>
+              <a:rPr lang="ja-JP" altLang="en-US" dirty="0" smtClean="0"/>
+              <a:t>ファイルなら</a:t>
+            </a:r>
+            <a:r>
+              <a:rPr lang="ja-JP" altLang="en-US" dirty="0" smtClean="0"/>
+              <a:t>マクロの方が圧倒的に効率良い。</a:t>
+            </a:r>
+            <a:endParaRPr lang="en-US" altLang="ja-JP" dirty="0"/>
+          </a:p>
+        </p:txBody>
+      </p:sp>
+    </p:spTree>
+    <p:extLst>
+      <p:ext uri="{BB962C8B-B14F-4D97-AF65-F5344CB8AC3E}">
+        <p14:creationId xmlns:p14="http://schemas.microsoft.com/office/powerpoint/2010/main" val="3084257041"/>
+      </p:ext>
+    </p:extLst>
+  </p:cSld>
+  <p:clrMapOvr>
+    <a:masterClrMapping/>
+  </p:clrMapOvr>
+  <p:timing>
+    <p:tnLst>
+      <p:par>
+        <p:cTn id="1" dur="indefinite" restart="never" nodeType="tmRoot"/>
+      </p:par>
+    </p:tnLst>
+  </p:timing>
+</p:sld>
+</file>
+
+<file path=ppt/slides/slide12.xml><?xml version="1.0" encoding="utf-8"?>
+<p:sld xmlns:a="http://schemas.openxmlformats.org/drawingml/2006/main" xmlns:r="http://schemas.openxmlformats.org/officeDocument/2006/relationships" xmlns:p="http://schemas.openxmlformats.org/presentationml/2006/main">
+  <p:cSld>
+    <p:spTree>
+      <p:nvGrpSpPr>
+        <p:cNvPr id="1" name=""/>
+        <p:cNvGrpSpPr/>
+        <p:nvPr/>
+      </p:nvGrpSpPr>
+      <p:grpSpPr>
+        <a:xfrm>
+          <a:off x="0" y="0"/>
+          <a:ext cx="0" cy="0"/>
+          <a:chOff x="0" y="0"/>
+          <a:chExt cx="0" cy="0"/>
+        </a:xfrm>
+      </p:grpSpPr>
+      <p:sp>
+        <p:nvSpPr>
+          <p:cNvPr id="2" name="タイトル 1"/>
+          <p:cNvSpPr>
+            <a:spLocks noGrp="1"/>
+          </p:cNvSpPr>
+          <p:nvPr>
+            <p:ph type="title"/>
+          </p:nvPr>
+        </p:nvSpPr>
+        <p:spPr/>
+        <p:txBody>
           <a:bodyPr>
             <a:normAutofit/>
           </a:bodyPr>
@@ -4604,12 +5347,12 @@
               <a:t>  For </a:t>
             </a:r>
             <a:r>
-              <a:rPr lang="en-US" altLang="ja-JP" sz="2400" dirty="0" err="1"/>
-              <a:t>i</a:t>
+              <a:rPr lang="en-US" altLang="ja-JP" sz="2400" dirty="0" smtClean="0"/>
+              <a:t>y </a:t>
             </a:r>
             <a:r>
               <a:rPr lang="en-US" altLang="ja-JP" sz="2400" dirty="0"/>
-              <a:t> = 5 To </a:t>
+              <a:t>= 5 To </a:t>
             </a:r>
             <a:r>
               <a:rPr lang="en-US" altLang="ja-JP" sz="2400" dirty="0" err="1"/>
@@ -4626,8 +5369,12 @@
               <a:t>    For </a:t>
             </a:r>
             <a:r>
+              <a:rPr lang="en-US" altLang="ja-JP" sz="2400" dirty="0" smtClean="0"/>
+              <a:t>x </a:t>
+            </a:r>
+            <a:r>
               <a:rPr lang="en-US" altLang="ja-JP" sz="2400" dirty="0"/>
-              <a:t>j = 2 To 63 </a:t>
+              <a:t>= 2 To 63 </a:t>
             </a:r>
             <a:r>
               <a:rPr lang="en-US" altLang="ja-JP" sz="2400" dirty="0" smtClean="0"/>
@@ -4664,15 +5411,11 @@
             </a:r>
             <a:r>
               <a:rPr lang="en-US" altLang="ja-JP" sz="2400" dirty="0" smtClean="0"/>
-              <a:t>(</a:t>
-            </a:r>
-            <a:r>
-              <a:rPr lang="en-US" altLang="ja-JP" sz="2400" dirty="0" err="1" smtClean="0"/>
-              <a:t>i</a:t>
+              <a:t>(y, x).</a:t>
             </a:r>
             <a:r>
               <a:rPr lang="en-US" altLang="ja-JP" sz="2400" dirty="0" smtClean="0"/>
-              <a:t>, j).Borders(</a:t>
+              <a:t>Borders(</a:t>
             </a:r>
             <a:r>
               <a:rPr lang="en-US" altLang="ja-JP" sz="2400" dirty="0" err="1" smtClean="0"/>
@@ -4814,7 +5557,7 @@
         <p:spPr>
           <a:xfrm>
             <a:off x="4499992" y="2060848"/>
-            <a:ext cx="4032448" cy="0"/>
+            <a:ext cx="4176464" cy="0"/>
           </a:xfrm>
           <a:prstGeom prst="line">
             <a:avLst/>
@@ -4898,7 +5641,7 @@
 </p:sld>
 </file>
 
-<file path=ppt/slides/slide12.xml><?xml version="1.0" encoding="utf-8"?>
+<file path=ppt/slides/slide13.xml><?xml version="1.0" encoding="utf-8"?>
 <p:sld xmlns:a="http://schemas.openxmlformats.org/drawingml/2006/main" xmlns:r="http://schemas.openxmlformats.org/officeDocument/2006/relationships" xmlns:p="http://schemas.openxmlformats.org/presentationml/2006/main">
   <p:cSld>
     <p:spTree>
@@ -4973,7 +5716,19 @@
             </a:r>
             <a:r>
               <a:rPr lang="ja-JP" altLang="en-US" dirty="0" smtClean="0"/>
-              <a:t>の編集が全てセル単位なことの弊害。</a:t>
+              <a:t>の</a:t>
+            </a:r>
+            <a:r>
+              <a:rPr lang="ja-JP" altLang="en-US" dirty="0" smtClean="0"/>
+              <a:t>編集単位が全てセル</a:t>
+            </a:r>
+            <a:r>
+              <a:rPr lang="ja-JP" altLang="en-US" dirty="0" smtClean="0"/>
+              <a:t>単位なことの弊害</a:t>
+            </a:r>
+            <a:r>
+              <a:rPr lang="ja-JP" altLang="en-US" dirty="0" smtClean="0"/>
+              <a:t>。</a:t>
             </a:r>
             <a:endParaRPr lang="en-US" altLang="ja-JP" dirty="0" smtClean="0"/>
           </a:p>
@@ -5055,7 +5810,11 @@
             </a:r>
             <a:r>
               <a:rPr lang="ja-JP" altLang="en-US" dirty="0" smtClean="0"/>
-              <a:t>挙動が直感的でなく非常にクソです。</a:t>
+              <a:t>挙動が直感的でなく非常にクソです</a:t>
+            </a:r>
+            <a:r>
+              <a:rPr lang="ja-JP" altLang="en-US" dirty="0" smtClean="0"/>
+              <a:t>。</a:t>
             </a:r>
             <a:endParaRPr lang="en-US" altLang="ja-JP" dirty="0" smtClean="0"/>
           </a:p>
@@ -5063,15 +5822,23 @@
             <a:pPr marL="82296" indent="0">
               <a:buNone/>
             </a:pPr>
-            <a:endParaRPr lang="en-US" altLang="ja-JP" dirty="0"/>
-          </a:p>
-          <a:p>
-            <a:pPr marL="82296" indent="0">
-              <a:buNone/>
-            </a:pPr>
             <a:r>
               <a:rPr lang="ja-JP" altLang="en-US" dirty="0" smtClean="0"/>
-              <a:t>→マクロでやる場合も両サイドを意識しましょう。</a:t>
+              <a:t>改ページを太線などにする場合は特に注意。</a:t>
+            </a:r>
+            <a:endParaRPr lang="en-US" altLang="ja-JP" dirty="0" smtClean="0"/>
+          </a:p>
+          <a:p>
+            <a:pPr marL="82296" indent="0">
+              <a:buNone/>
+            </a:pPr>
+            <a:r>
+              <a:rPr lang="ja-JP" altLang="en-US" dirty="0" smtClean="0"/>
+              <a:t>→</a:t>
+            </a:r>
+            <a:r>
+              <a:rPr lang="ja-JP" altLang="en-US" dirty="0" smtClean="0"/>
+              <a:t>マクロでやる場合も両サイドを意識しましょう。</a:t>
             </a:r>
             <a:endParaRPr lang="en-US" altLang="ja-JP" dirty="0"/>
           </a:p>
@@ -5127,7 +5894,7 @@
 </p:sld>
 </file>
 
-<file path=ppt/slides/slide13.xml><?xml version="1.0" encoding="utf-8"?>
+<file path=ppt/slides/slide14.xml><?xml version="1.0" encoding="utf-8"?>
 <p:sld xmlns:a="http://schemas.openxmlformats.org/drawingml/2006/main" xmlns:r="http://schemas.openxmlformats.org/officeDocument/2006/relationships" xmlns:p="http://schemas.openxmlformats.org/presentationml/2006/main">
   <p:cSld>
     <p:spTree>
@@ -5161,11 +5928,15 @@
           <a:p>
             <a:r>
               <a:rPr kumimoji="1" lang="ja-JP" altLang="en-US" dirty="0" smtClean="0"/>
-              <a:t>３）ヘッダー</a:t>
+              <a:t>３</a:t>
             </a:r>
             <a:r>
               <a:rPr kumimoji="1" lang="ja-JP" altLang="en-US" dirty="0" smtClean="0"/>
-              <a:t>の修正</a:t>
+              <a:t>）フッターの</a:t>
+            </a:r>
+            <a:r>
+              <a:rPr kumimoji="1" lang="ja-JP" altLang="en-US" dirty="0" smtClean="0"/>
+              <a:t>修正</a:t>
             </a:r>
             <a:endParaRPr kumimoji="1" lang="ja-JP" altLang="en-US" dirty="0"/>
           </a:p>
@@ -5183,8 +5954,8 @@
         </p:nvSpPr>
         <p:spPr>
           <a:xfrm>
-            <a:off x="1115616" y="1124744"/>
-            <a:ext cx="8028384" cy="5544616"/>
+            <a:off x="755576" y="1124744"/>
+            <a:ext cx="8388424" cy="5544616"/>
           </a:xfrm>
         </p:spPr>
         <p:txBody>
@@ -5198,7 +5969,11 @@
             </a:pPr>
             <a:r>
               <a:rPr lang="ja-JP" altLang="en-US" dirty="0" smtClean="0"/>
-              <a:t>・ヘッダーの内容、フォント変更</a:t>
+              <a:t>・フッターの</a:t>
+            </a:r>
+            <a:r>
+              <a:rPr lang="ja-JP" altLang="en-US" dirty="0" smtClean="0"/>
+              <a:t>内容、フォント変更</a:t>
             </a:r>
             <a:endParaRPr lang="en-US" altLang="ja-JP" dirty="0" smtClean="0"/>
           </a:p>
@@ -5240,7 +6015,11 @@
             </a:pPr>
             <a:r>
               <a:rPr lang="ja-JP" altLang="en-US" dirty="0" smtClean="0"/>
-              <a:t>ヘッダーは編集画面で確認しづらいので</a:t>
+              <a:t>ヘッダー＆フッターは</a:t>
+            </a:r>
+            <a:r>
+              <a:rPr lang="ja-JP" altLang="en-US" dirty="0" smtClean="0"/>
+              <a:t>編集画面で確認しづらいので</a:t>
             </a:r>
             <a:endParaRPr lang="en-US" altLang="ja-JP" dirty="0" smtClean="0"/>
           </a:p>
@@ -5276,7 +6055,7 @@
 </p:sld>
 </file>
 
-<file path=ppt/slides/slide14.xml><?xml version="1.0" encoding="utf-8"?>
+<file path=ppt/slides/slide15.xml><?xml version="1.0" encoding="utf-8"?>
 <p:sld xmlns:a="http://schemas.openxmlformats.org/drawingml/2006/main" xmlns:r="http://schemas.openxmlformats.org/officeDocument/2006/relationships" xmlns:p="http://schemas.openxmlformats.org/presentationml/2006/main">
   <p:cSld>
     <p:spTree>
@@ -5572,6 +6351,210 @@
           </a:p>
         </p:txBody>
       </p:sp>
+      <p:sp>
+        <p:nvSpPr>
+          <p:cNvPr id="4" name="コンテンツ プレースホルダー 2"/>
+          <p:cNvSpPr txBox="1">
+            <a:spLocks/>
+          </p:cNvSpPr>
+          <p:nvPr/>
+        </p:nvSpPr>
+        <p:spPr>
+          <a:xfrm>
+            <a:off x="0" y="4725144"/>
+            <a:ext cx="9144000" cy="1008112"/>
+          </a:xfrm>
+          <a:prstGeom prst="rect">
+            <a:avLst/>
+          </a:prstGeom>
+        </p:spPr>
+        <p:txBody>
+          <a:bodyPr vert="horz">
+            <a:normAutofit/>
+          </a:bodyPr>
+          <a:lstStyle>
+            <a:lvl1pPr marL="420624" indent="-384048" algn="l" rtl="0" eaLnBrk="1" latinLnBrk="0" hangingPunct="1">
+              <a:spcBef>
+                <a:spcPct val="20000"/>
+              </a:spcBef>
+              <a:buClr>
+                <a:schemeClr val="accent1"/>
+              </a:buClr>
+              <a:buSzPct val="80000"/>
+              <a:buFont typeface="Wingdings 2"/>
+              <a:buChar char=""/>
+              <a:defRPr kumimoji="1" sz="3000" kern="1200">
+                <a:solidFill>
+                  <a:schemeClr val="tx1"/>
+                </a:solidFill>
+                <a:latin typeface="+mn-lt"/>
+                <a:ea typeface="+mn-ea"/>
+                <a:cs typeface="+mn-cs"/>
+              </a:defRPr>
+            </a:lvl1pPr>
+            <a:lvl2pPr marL="722376" indent="-274320" algn="l" rtl="0" eaLnBrk="1" latinLnBrk="0" hangingPunct="1">
+              <a:spcBef>
+                <a:spcPct val="20000"/>
+              </a:spcBef>
+              <a:buClr>
+                <a:schemeClr val="accent1"/>
+              </a:buClr>
+              <a:buSzPct val="90000"/>
+              <a:buFont typeface="Wingdings 2"/>
+              <a:buChar char=""/>
+              <a:defRPr kumimoji="1" sz="2600" kern="1200">
+                <a:solidFill>
+                  <a:schemeClr val="tx1"/>
+                </a:solidFill>
+                <a:latin typeface="+mn-lt"/>
+                <a:ea typeface="+mn-ea"/>
+                <a:cs typeface="+mn-cs"/>
+              </a:defRPr>
+            </a:lvl2pPr>
+            <a:lvl3pPr marL="1005840" indent="-256032" algn="l" rtl="0" eaLnBrk="1" latinLnBrk="0" hangingPunct="1">
+              <a:spcBef>
+                <a:spcPct val="20000"/>
+              </a:spcBef>
+              <a:buClr>
+                <a:schemeClr val="accent2"/>
+              </a:buClr>
+              <a:buSzPct val="85000"/>
+              <a:buFont typeface="Arial"/>
+              <a:buChar char="○"/>
+              <a:defRPr kumimoji="1" sz="2400" kern="1200">
+                <a:solidFill>
+                  <a:schemeClr val="tx1"/>
+                </a:solidFill>
+                <a:latin typeface="+mn-lt"/>
+                <a:ea typeface="+mn-ea"/>
+                <a:cs typeface="+mn-cs"/>
+              </a:defRPr>
+            </a:lvl3pPr>
+            <a:lvl4pPr marL="1280160" indent="-237744" algn="l" rtl="0" eaLnBrk="1" latinLnBrk="0" hangingPunct="1">
+              <a:spcBef>
+                <a:spcPct val="20000"/>
+              </a:spcBef>
+              <a:buClr>
+                <a:schemeClr val="accent3"/>
+              </a:buClr>
+              <a:buSzPct val="90000"/>
+              <a:buFont typeface="Wingdings 2"/>
+              <a:buChar char=""/>
+              <a:defRPr kumimoji="1" sz="2000" kern="1200">
+                <a:solidFill>
+                  <a:schemeClr val="tx1"/>
+                </a:solidFill>
+                <a:latin typeface="+mn-lt"/>
+                <a:ea typeface="+mn-ea"/>
+                <a:cs typeface="+mn-cs"/>
+              </a:defRPr>
+            </a:lvl4pPr>
+            <a:lvl5pPr marL="1490472" indent="-182880" algn="l" rtl="0" eaLnBrk="1" latinLnBrk="0" hangingPunct="1">
+              <a:spcBef>
+                <a:spcPct val="20000"/>
+              </a:spcBef>
+              <a:buClr>
+                <a:schemeClr val="accent4"/>
+              </a:buClr>
+              <a:buSzPct val="100000"/>
+              <a:buFont typeface="Arial"/>
+              <a:buChar char="-"/>
+              <a:defRPr kumimoji="1" sz="2000" kern="1200">
+                <a:solidFill>
+                  <a:schemeClr val="tx1"/>
+                </a:solidFill>
+                <a:latin typeface="+mn-lt"/>
+                <a:ea typeface="+mn-ea"/>
+                <a:cs typeface="+mn-cs"/>
+              </a:defRPr>
+            </a:lvl5pPr>
+            <a:lvl6pPr marL="1700784" indent="-182880" algn="l" rtl="0" eaLnBrk="1" latinLnBrk="0" hangingPunct="1">
+              <a:spcBef>
+                <a:spcPct val="20000"/>
+              </a:spcBef>
+              <a:buClr>
+                <a:schemeClr val="accent5"/>
+              </a:buClr>
+              <a:buFont typeface="Arial"/>
+              <a:buChar char="-"/>
+              <a:defRPr kumimoji="1" sz="2000" kern="1200" baseline="0">
+                <a:solidFill>
+                  <a:schemeClr val="tx1"/>
+                </a:solidFill>
+                <a:latin typeface="+mn-lt"/>
+                <a:ea typeface="+mn-ea"/>
+                <a:cs typeface="+mn-cs"/>
+              </a:defRPr>
+            </a:lvl6pPr>
+            <a:lvl7pPr marL="1920240" indent="-182880" algn="l" rtl="0" eaLnBrk="1" latinLnBrk="0" hangingPunct="1">
+              <a:spcBef>
+                <a:spcPct val="20000"/>
+              </a:spcBef>
+              <a:buClr>
+                <a:schemeClr val="accent6"/>
+              </a:buClr>
+              <a:buSzPct val="100000"/>
+              <a:buFont typeface="Arial"/>
+              <a:buChar char="•"/>
+              <a:defRPr kumimoji="1" sz="1800" kern="1200" baseline="0">
+                <a:solidFill>
+                  <a:schemeClr val="tx1"/>
+                </a:solidFill>
+                <a:latin typeface="+mn-lt"/>
+                <a:ea typeface="+mn-ea"/>
+                <a:cs typeface="+mn-cs"/>
+              </a:defRPr>
+            </a:lvl7pPr>
+            <a:lvl8pPr marL="2139696" indent="-182880" algn="l" rtl="0" eaLnBrk="1" latinLnBrk="0" hangingPunct="1">
+              <a:spcBef>
+                <a:spcPct val="20000"/>
+              </a:spcBef>
+              <a:buClr>
+                <a:schemeClr val="accent6"/>
+              </a:buClr>
+              <a:buFont typeface="Arial"/>
+              <a:buChar char="▪"/>
+              <a:defRPr kumimoji="1" sz="1600" kern="1200">
+                <a:solidFill>
+                  <a:schemeClr val="tx1"/>
+                </a:solidFill>
+                <a:latin typeface="+mn-lt"/>
+                <a:ea typeface="+mn-ea"/>
+                <a:cs typeface="+mn-cs"/>
+              </a:defRPr>
+            </a:lvl8pPr>
+            <a:lvl9pPr marL="2331720" indent="-182880" algn="l" rtl="0" eaLnBrk="1" latinLnBrk="0" hangingPunct="1">
+              <a:spcBef>
+                <a:spcPct val="20000"/>
+              </a:spcBef>
+              <a:buClr>
+                <a:schemeClr val="accent6"/>
+              </a:buClr>
+              <a:buFont typeface="Arial"/>
+              <a:buChar char="•"/>
+              <a:defRPr kumimoji="1" sz="1600" kern="1200">
+                <a:solidFill>
+                  <a:schemeClr val="tx1"/>
+                </a:solidFill>
+                <a:latin typeface="+mn-lt"/>
+                <a:ea typeface="+mn-ea"/>
+                <a:cs typeface="+mn-cs"/>
+              </a:defRPr>
+            </a:lvl9pPr>
+          </a:lstStyle>
+          <a:p>
+            <a:pPr marL="36576" indent="0" algn="ctr">
+              <a:buFont typeface="Wingdings 2"/>
+              <a:buNone/>
+            </a:pPr>
+            <a:r>
+              <a:rPr lang="ja-JP" altLang="en-US" sz="3200" dirty="0" smtClean="0"/>
+              <a:t>超見づらくてすみません</a:t>
+            </a:r>
+            <a:endParaRPr lang="en-US" altLang="ja-JP" sz="3200" dirty="0"/>
+          </a:p>
+        </p:txBody>
+      </p:sp>
     </p:spTree>
     <p:extLst>
       <p:ext uri="{BB962C8B-B14F-4D97-AF65-F5344CB8AC3E}">
@@ -5592,7 +6575,7 @@
 </p:sld>
 </file>
 
-<file path=ppt/slides/slide15.xml><?xml version="1.0" encoding="utf-8"?>
+<file path=ppt/slides/slide16.xml><?xml version="1.0" encoding="utf-8"?>
 <p:sld xmlns:a="http://schemas.openxmlformats.org/drawingml/2006/main" xmlns:r="http://schemas.openxmlformats.org/officeDocument/2006/relationships" xmlns:p="http://schemas.openxmlformats.org/presentationml/2006/main">
   <p:cSld>
     <p:spTree>
@@ -7087,7 +8070,7 @@
 </p:sld>
 </file>
 
-<file path=ppt/slides/slide16.xml><?xml version="1.0" encoding="utf-8"?>
+<file path=ppt/slides/slide17.xml><?xml version="1.0" encoding="utf-8"?>
 <p:sld xmlns:a="http://schemas.openxmlformats.org/drawingml/2006/main" xmlns:r="http://schemas.openxmlformats.org/officeDocument/2006/relationships" xmlns:p="http://schemas.openxmlformats.org/presentationml/2006/main">
   <p:cSld>
     <p:spTree>
@@ -7161,14 +8144,16 @@
             </a:pPr>
             <a:r>
               <a:rPr lang="ja-JP" altLang="en-US" i="1" u="sng" dirty="0" smtClean="0"/>
-              <a:t>一度別のプリンタへ変更し、戻すとリセットできる</a:t>
-            </a:r>
-            <a:endParaRPr lang="en-US" altLang="ja-JP" i="1" u="sng" dirty="0" smtClean="0"/>
-          </a:p>
-          <a:p>
-            <a:pPr marL="82296" indent="0">
-              <a:buNone/>
-            </a:pPr>
+              <a:t>■一度</a:t>
+            </a:r>
+            <a:r>
+              <a:rPr lang="ja-JP" altLang="en-US" i="1" u="sng" dirty="0" smtClean="0"/>
+              <a:t>別のプリンタへ変更し、戻すとリセット</a:t>
+            </a:r>
+            <a:r>
+              <a:rPr lang="ja-JP" altLang="en-US" i="1" u="sng" dirty="0" smtClean="0"/>
+              <a:t>できる</a:t>
+            </a:r>
             <a:endParaRPr lang="en-US" altLang="ja-JP" dirty="0"/>
           </a:p>
           <a:p>
@@ -7177,11 +8162,25 @@
             </a:pPr>
             <a:r>
               <a:rPr lang="ja-JP" altLang="en-US" dirty="0" smtClean="0"/>
-              <a:t>参考：</a:t>
+              <a:t>参考</a:t>
+            </a:r>
+            <a:r>
+              <a:rPr lang="ja-JP" altLang="en-US" dirty="0" smtClean="0"/>
+              <a:t>：</a:t>
+            </a:r>
+            <a:endParaRPr lang="en-US" altLang="ja-JP" dirty="0" smtClean="0"/>
+          </a:p>
+          <a:p>
+            <a:pPr marL="82296" indent="0">
+              <a:buNone/>
+            </a:pPr>
+            <a:r>
+              <a:rPr lang="en-US" altLang="ja-JP" dirty="0" smtClean="0"/>
+              <a:t>http</a:t>
             </a:r>
             <a:r>
               <a:rPr lang="en-US" altLang="ja-JP" dirty="0"/>
-              <a:t>http://www.freia.jp/taka/blog/697</a:t>
+              <a:t>://www.freia.jp/taka/blog/697</a:t>
             </a:r>
             <a:r>
               <a:rPr lang="en-US" altLang="ja-JP" dirty="0" smtClean="0"/>
@@ -7200,7 +8199,23 @@
             </a:pPr>
             <a:r>
               <a:rPr lang="ja-JP" altLang="en-US" dirty="0" smtClean="0"/>
-              <a:t>「ブックを開く→仮のプリンタを設定→戻す」</a:t>
+              <a:t>「</a:t>
+            </a:r>
+            <a:r>
+              <a:rPr lang="ja-JP" altLang="en-US" dirty="0" smtClean="0"/>
+              <a:t>ブック開く</a:t>
+            </a:r>
+            <a:r>
+              <a:rPr lang="ja-JP" altLang="en-US" dirty="0" smtClean="0"/>
+              <a:t>→仮のプリンタを設定</a:t>
+            </a:r>
+            <a:r>
+              <a:rPr lang="ja-JP" altLang="en-US" dirty="0" smtClean="0"/>
+              <a:t>→元のプリンタに戻す</a:t>
+            </a:r>
+            <a:r>
+              <a:rPr lang="ja-JP" altLang="en-US" dirty="0" smtClean="0"/>
+              <a:t>」</a:t>
             </a:r>
             <a:endParaRPr lang="en-US" altLang="ja-JP" dirty="0" smtClean="0"/>
           </a:p>
@@ -7227,8 +8242,24 @@
               <a:buNone/>
             </a:pPr>
             <a:r>
+              <a:rPr lang="en-US" altLang="ja-JP" dirty="0" smtClean="0"/>
+              <a:t>(</a:t>
+            </a:r>
+            <a:r>
               <a:rPr lang="ja-JP" altLang="en-US" dirty="0" smtClean="0"/>
-              <a:t>環境依存なため使いまわしづらいのに注意！</a:t>
+              <a:t>環境</a:t>
+            </a:r>
+            <a:r>
+              <a:rPr lang="ja-JP" altLang="en-US" dirty="0" smtClean="0"/>
+              <a:t>依存なため使い</a:t>
+            </a:r>
+            <a:r>
+              <a:rPr lang="ja-JP" altLang="en-US" dirty="0" smtClean="0"/>
+              <a:t>まわしづらい点は注意</a:t>
+            </a:r>
+            <a:r>
+              <a:rPr lang="en-US" altLang="ja-JP" dirty="0" smtClean="0"/>
+              <a:t>)</a:t>
             </a:r>
             <a:endParaRPr lang="en-US" altLang="ja-JP" dirty="0" smtClean="0"/>
           </a:p>
@@ -7291,7 +8322,7 @@
 </p:sld>
 </file>
 
-<file path=ppt/slides/slide17.xml><?xml version="1.0" encoding="utf-8"?>
+<file path=ppt/slides/slide18.xml><?xml version="1.0" encoding="utf-8"?>
 <p:sld xmlns:a="http://schemas.openxmlformats.org/drawingml/2006/main" xmlns:r="http://schemas.openxmlformats.org/officeDocument/2006/relationships" xmlns:p="http://schemas.openxmlformats.org/presentationml/2006/main">
   <p:cSld>
     <p:spTree>
@@ -7392,7 +8423,7 @@
 </p:sld>
 </file>
 
-<file path=ppt/slides/slide18.xml><?xml version="1.0" encoding="utf-8"?>
+<file path=ppt/slides/slide19.xml><?xml version="1.0" encoding="utf-8"?>
 <p:sld xmlns:a="http://schemas.openxmlformats.org/drawingml/2006/main" xmlns:r="http://schemas.openxmlformats.org/officeDocument/2006/relationships" xmlns:p="http://schemas.openxmlformats.org/presentationml/2006/main">
   <p:cSld>
     <p:spTree>
@@ -7777,7 +8808,140 @@
 </p:sld>
 </file>
 
-<file path=ppt/slides/slide19.xml><?xml version="1.0" encoding="utf-8"?>
+<file path=ppt/slides/slide2.xml><?xml version="1.0" encoding="utf-8"?>
+<p:sld xmlns:a="http://schemas.openxmlformats.org/drawingml/2006/main" xmlns:r="http://schemas.openxmlformats.org/officeDocument/2006/relationships" xmlns:p="http://schemas.openxmlformats.org/presentationml/2006/main">
+  <p:cSld>
+    <p:spTree>
+      <p:nvGrpSpPr>
+        <p:cNvPr id="1" name=""/>
+        <p:cNvGrpSpPr/>
+        <p:nvPr/>
+      </p:nvGrpSpPr>
+      <p:grpSpPr>
+        <a:xfrm>
+          <a:off x="0" y="0"/>
+          <a:ext cx="0" cy="0"/>
+          <a:chOff x="0" y="0"/>
+          <a:chExt cx="0" cy="0"/>
+        </a:xfrm>
+      </p:grpSpPr>
+      <p:sp>
+        <p:nvSpPr>
+          <p:cNvPr id="2" name="タイトル 1"/>
+          <p:cNvSpPr>
+            <a:spLocks noGrp="1"/>
+          </p:cNvSpPr>
+          <p:nvPr>
+            <p:ph type="title"/>
+          </p:nvPr>
+        </p:nvSpPr>
+        <p:spPr/>
+        <p:txBody>
+          <a:bodyPr/>
+          <a:lstStyle/>
+          <a:p>
+            <a:r>
+              <a:rPr kumimoji="1" lang="ja-JP" altLang="en-US" dirty="0" smtClean="0"/>
+              <a:t>注意点</a:t>
+            </a:r>
+            <a:endParaRPr kumimoji="1" lang="ja-JP" altLang="en-US" dirty="0"/>
+          </a:p>
+        </p:txBody>
+      </p:sp>
+      <p:sp>
+        <p:nvSpPr>
+          <p:cNvPr id="3" name="コンテンツ プレースホルダー 2"/>
+          <p:cNvSpPr>
+            <a:spLocks noGrp="1"/>
+          </p:cNvSpPr>
+          <p:nvPr>
+            <p:ph idx="1"/>
+          </p:nvPr>
+        </p:nvSpPr>
+        <p:spPr>
+          <a:xfrm>
+            <a:off x="323528" y="1447800"/>
+            <a:ext cx="8424936" cy="4069432"/>
+          </a:xfrm>
+        </p:spPr>
+        <p:txBody>
+          <a:bodyPr>
+            <a:normAutofit/>
+          </a:bodyPr>
+          <a:lstStyle/>
+          <a:p>
+            <a:pPr marL="82296" indent="0" algn="ctr">
+              <a:buNone/>
+            </a:pPr>
+            <a:endParaRPr kumimoji="1" lang="en-US" altLang="ja-JP" sz="4400" dirty="0" smtClean="0"/>
+          </a:p>
+          <a:p>
+            <a:pPr marL="82296" indent="0" algn="ctr">
+              <a:buNone/>
+            </a:pPr>
+            <a:r>
+              <a:rPr lang="ja-JP" altLang="en-US" sz="4400" dirty="0"/>
+              <a:t>主に作った</a:t>
+            </a:r>
+            <a:r>
+              <a:rPr kumimoji="1" lang="ja-JP" altLang="en-US" sz="4400" dirty="0" smtClean="0"/>
+              <a:t>マクロ紹介と</a:t>
+            </a:r>
+            <a:endParaRPr kumimoji="1" lang="en-US" altLang="ja-JP" sz="4400" dirty="0" smtClean="0"/>
+          </a:p>
+          <a:p>
+            <a:pPr marL="82296" indent="0" algn="ctr">
+              <a:buNone/>
+            </a:pPr>
+            <a:r>
+              <a:rPr kumimoji="1" lang="ja-JP" altLang="en-US" sz="4400" dirty="0" smtClean="0"/>
+              <a:t>愚痴です</a:t>
+            </a:r>
+            <a:r>
+              <a:rPr kumimoji="1" lang="ja-JP" altLang="en-US" sz="4400" dirty="0" smtClean="0"/>
+              <a:t>。</a:t>
+            </a:r>
+            <a:endParaRPr kumimoji="1" lang="en-US" altLang="ja-JP" sz="4400" dirty="0" smtClean="0"/>
+          </a:p>
+          <a:p>
+            <a:pPr marL="82296" indent="0" algn="ctr">
+              <a:buNone/>
+            </a:pPr>
+            <a:endParaRPr lang="en-US" altLang="ja-JP" sz="4400" dirty="0"/>
+          </a:p>
+          <a:p>
+            <a:pPr marL="82296" indent="0" algn="ctr">
+              <a:buNone/>
+            </a:pPr>
+            <a:r>
+              <a:rPr kumimoji="1" lang="ja-JP" altLang="en-US" sz="900" dirty="0" smtClean="0"/>
+              <a:t>あと大塚ランチ紹介です。</a:t>
+            </a:r>
+            <a:endParaRPr kumimoji="1" lang="en-US" altLang="ja-JP" sz="900" dirty="0" smtClean="0"/>
+          </a:p>
+        </p:txBody>
+      </p:sp>
+    </p:spTree>
+    <p:extLst>
+      <p:ext uri="{BB962C8B-B14F-4D97-AF65-F5344CB8AC3E}">
+        <p14:creationId xmlns:p14="http://schemas.microsoft.com/office/powerpoint/2010/main" val="75281077"/>
+      </p:ext>
+    </p:extLst>
+  </p:cSld>
+  <p:clrMapOvr>
+    <a:masterClrMapping/>
+  </p:clrMapOvr>
+  <p:timing>
+    <p:tnLst>
+      <p:par>
+        <p:cTn id="1" dur="indefinite" restart="never" nodeType="tmRoot"/>
+      </p:par>
+    </p:tnLst>
+  </p:timing>
+</p:sld>
+</file>
+
+<file path=ppt/slides/slide20.xml><?xml version="1.0" encoding="utf-8"?>
 <p:sld xmlns:a="http://schemas.openxmlformats.org/drawingml/2006/main" xmlns:r="http://schemas.openxmlformats.org/officeDocument/2006/relationships" xmlns:p="http://schemas.openxmlformats.org/presentationml/2006/main">
   <p:cSld>
     <p:spTree>
@@ -7911,7 +9075,7 @@
         </p:spPr>
         <p:txBody>
           <a:bodyPr vert="horz">
-            <a:normAutofit lnSpcReduction="10000"/>
+            <a:normAutofit/>
           </a:bodyPr>
           <a:lstStyle>
             <a:lvl1pPr marL="420624" indent="-384048" algn="l" rtl="0" eaLnBrk="1" latinLnBrk="0" hangingPunct="1">
@@ -8121,7 +9285,11 @@
             </a:pPr>
             <a:r>
               <a:rPr lang="ja-JP" altLang="en-US" dirty="0" smtClean="0"/>
-              <a:t>　→段落分けや改ページとの兼ね合いから</a:t>
+              <a:t>　→段落分けや改ページとの兼ね合い</a:t>
+            </a:r>
+            <a:r>
+              <a:rPr lang="ja-JP" altLang="en-US" dirty="0" smtClean="0"/>
+              <a:t>から</a:t>
             </a:r>
             <a:endParaRPr lang="en-US" altLang="ja-JP" dirty="0" smtClean="0"/>
           </a:p>
@@ -8135,14 +9303,8 @@
             </a:r>
             <a:r>
               <a:rPr lang="ja-JP" altLang="en-US" dirty="0" smtClean="0"/>
-              <a:t>　結局手作業</a:t>
-            </a:r>
-            <a:endParaRPr lang="en-US" altLang="ja-JP" dirty="0" smtClean="0"/>
-          </a:p>
-          <a:p>
-            <a:pPr marL="82296" indent="0">
-              <a:buNone/>
-            </a:pPr>
+              <a:t>　　チェックはできても修正は難しい</a:t>
+            </a:r>
             <a:endParaRPr lang="en-US" altLang="ja-JP" dirty="0" smtClean="0"/>
           </a:p>
           <a:p>
@@ -8174,466 +9336,6 @@
     <p:extLst>
       <p:ext uri="{BB962C8B-B14F-4D97-AF65-F5344CB8AC3E}">
         <p14:creationId xmlns:p14="http://schemas.microsoft.com/office/powerpoint/2010/main" val="4294932539"/>
-      </p:ext>
-    </p:extLst>
-  </p:cSld>
-  <p:clrMapOvr>
-    <a:masterClrMapping/>
-  </p:clrMapOvr>
-  <p:timing>
-    <p:tnLst>
-      <p:par>
-        <p:cTn id="1" dur="indefinite" restart="never" nodeType="tmRoot"/>
-      </p:par>
-    </p:tnLst>
-  </p:timing>
-</p:sld>
-</file>
-
-<file path=ppt/slides/slide2.xml><?xml version="1.0" encoding="utf-8"?>
-<p:sld xmlns:a="http://schemas.openxmlformats.org/drawingml/2006/main" xmlns:r="http://schemas.openxmlformats.org/officeDocument/2006/relationships" xmlns:p="http://schemas.openxmlformats.org/presentationml/2006/main">
-  <p:cSld>
-    <p:spTree>
-      <p:nvGrpSpPr>
-        <p:cNvPr id="1" name=""/>
-        <p:cNvGrpSpPr/>
-        <p:nvPr/>
-      </p:nvGrpSpPr>
-      <p:grpSpPr>
-        <a:xfrm>
-          <a:off x="0" y="0"/>
-          <a:ext cx="0" cy="0"/>
-          <a:chOff x="0" y="0"/>
-          <a:chExt cx="0" cy="0"/>
-        </a:xfrm>
-      </p:grpSpPr>
-      <p:sp>
-        <p:nvSpPr>
-          <p:cNvPr id="2" name="タイトル 1"/>
-          <p:cNvSpPr>
-            <a:spLocks noGrp="1"/>
-          </p:cNvSpPr>
-          <p:nvPr>
-            <p:ph type="title"/>
-          </p:nvPr>
-        </p:nvSpPr>
-        <p:spPr/>
-        <p:txBody>
-          <a:bodyPr/>
-          <a:lstStyle/>
-          <a:p>
-            <a:r>
-              <a:rPr kumimoji="1" lang="ja-JP" altLang="en-US" dirty="0" smtClean="0"/>
-              <a:t>注意点</a:t>
-            </a:r>
-            <a:endParaRPr kumimoji="1" lang="ja-JP" altLang="en-US" dirty="0"/>
-          </a:p>
-        </p:txBody>
-      </p:sp>
-      <p:sp>
-        <p:nvSpPr>
-          <p:cNvPr id="3" name="コンテンツ プレースホルダー 2"/>
-          <p:cNvSpPr>
-            <a:spLocks noGrp="1"/>
-          </p:cNvSpPr>
-          <p:nvPr>
-            <p:ph idx="1"/>
-          </p:nvPr>
-        </p:nvSpPr>
-        <p:spPr>
-          <a:xfrm>
-            <a:off x="899592" y="1447800"/>
-            <a:ext cx="8136904" cy="4069432"/>
-          </a:xfrm>
-        </p:spPr>
-        <p:txBody>
-          <a:bodyPr>
-            <a:normAutofit/>
-          </a:bodyPr>
-          <a:lstStyle/>
-          <a:p>
-            <a:pPr marL="82296" indent="0" algn="ctr">
-              <a:buNone/>
-            </a:pPr>
-            <a:endParaRPr kumimoji="1" lang="en-US" altLang="ja-JP" sz="4400" dirty="0" smtClean="0"/>
-          </a:p>
-          <a:p>
-            <a:pPr marL="82296" indent="0" algn="ctr">
-              <a:buNone/>
-            </a:pPr>
-            <a:r>
-              <a:rPr lang="ja-JP" altLang="en-US" sz="4400" dirty="0"/>
-              <a:t>主に作った</a:t>
-            </a:r>
-            <a:r>
-              <a:rPr kumimoji="1" lang="ja-JP" altLang="en-US" sz="4400" dirty="0" smtClean="0"/>
-              <a:t>マクロ紹介と</a:t>
-            </a:r>
-            <a:endParaRPr kumimoji="1" lang="en-US" altLang="ja-JP" sz="4400" dirty="0" smtClean="0"/>
-          </a:p>
-          <a:p>
-            <a:pPr marL="82296" indent="0" algn="ctr">
-              <a:buNone/>
-            </a:pPr>
-            <a:r>
-              <a:rPr kumimoji="1" lang="ja-JP" altLang="en-US" sz="4400" dirty="0" smtClean="0"/>
-              <a:t>愚痴です。</a:t>
-            </a:r>
-            <a:endParaRPr kumimoji="1" lang="en-US" altLang="ja-JP" sz="4400" dirty="0" smtClean="0"/>
-          </a:p>
-        </p:txBody>
-      </p:sp>
-    </p:spTree>
-    <p:extLst>
-      <p:ext uri="{BB962C8B-B14F-4D97-AF65-F5344CB8AC3E}">
-        <p14:creationId xmlns:p14="http://schemas.microsoft.com/office/powerpoint/2010/main" val="75281077"/>
-      </p:ext>
-    </p:extLst>
-  </p:cSld>
-  <p:clrMapOvr>
-    <a:masterClrMapping/>
-  </p:clrMapOvr>
-  <p:timing>
-    <p:tnLst>
-      <p:par>
-        <p:cTn id="1" dur="indefinite" restart="never" nodeType="tmRoot"/>
-      </p:par>
-    </p:tnLst>
-  </p:timing>
-</p:sld>
-</file>
-
-<file path=ppt/slides/slide20.xml><?xml version="1.0" encoding="utf-8"?>
-<p:sld xmlns:a="http://schemas.openxmlformats.org/drawingml/2006/main" xmlns:r="http://schemas.openxmlformats.org/officeDocument/2006/relationships" xmlns:p="http://schemas.openxmlformats.org/presentationml/2006/main">
-  <p:cSld>
-    <p:spTree>
-      <p:nvGrpSpPr>
-        <p:cNvPr id="1" name=""/>
-        <p:cNvGrpSpPr/>
-        <p:nvPr/>
-      </p:nvGrpSpPr>
-      <p:grpSpPr>
-        <a:xfrm>
-          <a:off x="0" y="0"/>
-          <a:ext cx="0" cy="0"/>
-          <a:chOff x="0" y="0"/>
-          <a:chExt cx="0" cy="0"/>
-        </a:xfrm>
-      </p:grpSpPr>
-      <p:sp>
-        <p:nvSpPr>
-          <p:cNvPr id="2" name="タイトル 1"/>
-          <p:cNvSpPr>
-            <a:spLocks noGrp="1"/>
-          </p:cNvSpPr>
-          <p:nvPr>
-            <p:ph type="title"/>
-          </p:nvPr>
-        </p:nvSpPr>
-        <p:spPr/>
-        <p:txBody>
-          <a:bodyPr/>
-          <a:lstStyle/>
-          <a:p>
-            <a:r>
-              <a:rPr kumimoji="1" lang="ja-JP" altLang="en-US" dirty="0" smtClean="0"/>
-              <a:t>改ページがずれてる</a:t>
-            </a:r>
-            <a:endParaRPr kumimoji="1" lang="ja-JP" altLang="en-US" dirty="0"/>
-          </a:p>
-        </p:txBody>
-      </p:sp>
-      <p:sp>
-        <p:nvSpPr>
-          <p:cNvPr id="7" name="コンテンツ プレースホルダー 2"/>
-          <p:cNvSpPr txBox="1">
-            <a:spLocks/>
-          </p:cNvSpPr>
-          <p:nvPr/>
-        </p:nvSpPr>
-        <p:spPr>
-          <a:xfrm>
-            <a:off x="467544" y="1124744"/>
-            <a:ext cx="7818072" cy="5544616"/>
-          </a:xfrm>
-          <a:prstGeom prst="rect">
-            <a:avLst/>
-          </a:prstGeom>
-        </p:spPr>
-        <p:txBody>
-          <a:bodyPr>
-            <a:normAutofit/>
-          </a:bodyPr>
-          <a:lstStyle>
-            <a:lvl1pPr marL="365760" indent="-283464" algn="l" rtl="0" eaLnBrk="1" latinLnBrk="0" hangingPunct="1">
-              <a:lnSpc>
-                <a:spcPct val="100000"/>
-              </a:lnSpc>
-              <a:spcBef>
-                <a:spcPts val="600"/>
-              </a:spcBef>
-              <a:buClr>
-                <a:schemeClr val="accent1"/>
-              </a:buClr>
-              <a:buSzPct val="80000"/>
-              <a:buFont typeface="Wingdings 2"/>
-              <a:buChar char=""/>
-              <a:defRPr kumimoji="1" sz="3200" kern="1200">
-                <a:solidFill>
-                  <a:schemeClr val="tx1"/>
-                </a:solidFill>
-                <a:latin typeface="+mn-lt"/>
-                <a:ea typeface="+mn-ea"/>
-                <a:cs typeface="+mn-cs"/>
-              </a:defRPr>
-            </a:lvl1pPr>
-            <a:lvl2pPr marL="640080" indent="-237744" algn="l" rtl="0" eaLnBrk="1" latinLnBrk="0" hangingPunct="1">
-              <a:lnSpc>
-                <a:spcPct val="100000"/>
-              </a:lnSpc>
-              <a:spcBef>
-                <a:spcPts val="550"/>
-              </a:spcBef>
-              <a:buClr>
-                <a:schemeClr val="accent1"/>
-              </a:buClr>
-              <a:buFont typeface="Verdana"/>
-              <a:buChar char="◦"/>
-              <a:defRPr kumimoji="1" sz="2800" kern="1200">
-                <a:solidFill>
-                  <a:schemeClr val="tx1"/>
-                </a:solidFill>
-                <a:latin typeface="+mn-lt"/>
-                <a:ea typeface="+mn-ea"/>
-                <a:cs typeface="+mn-cs"/>
-              </a:defRPr>
-            </a:lvl2pPr>
-            <a:lvl3pPr marL="886968" indent="-228600" algn="l" rtl="0" eaLnBrk="1" latinLnBrk="0" hangingPunct="1">
-              <a:lnSpc>
-                <a:spcPct val="100000"/>
-              </a:lnSpc>
-              <a:spcBef>
-                <a:spcPct val="20000"/>
-              </a:spcBef>
-              <a:buClr>
-                <a:schemeClr val="accent2"/>
-              </a:buClr>
-              <a:buFont typeface="Wingdings 2"/>
-              <a:buChar char=""/>
-              <a:defRPr kumimoji="1" sz="2400" kern="1200">
-                <a:solidFill>
-                  <a:schemeClr val="tx1"/>
-                </a:solidFill>
-                <a:latin typeface="+mn-lt"/>
-                <a:ea typeface="+mn-ea"/>
-                <a:cs typeface="+mn-cs"/>
-              </a:defRPr>
-            </a:lvl3pPr>
-            <a:lvl4pPr marL="1097280" indent="-173736" algn="l" rtl="0" eaLnBrk="1" latinLnBrk="0" hangingPunct="1">
-              <a:lnSpc>
-                <a:spcPct val="100000"/>
-              </a:lnSpc>
-              <a:spcBef>
-                <a:spcPct val="20000"/>
-              </a:spcBef>
-              <a:buClr>
-                <a:schemeClr val="accent3"/>
-              </a:buClr>
-              <a:buFont typeface="Wingdings 2"/>
-              <a:buChar char=""/>
-              <a:defRPr kumimoji="1" sz="2000" kern="1200">
-                <a:solidFill>
-                  <a:schemeClr val="tx1"/>
-                </a:solidFill>
-                <a:latin typeface="+mn-lt"/>
-                <a:ea typeface="+mn-ea"/>
-                <a:cs typeface="+mn-cs"/>
-              </a:defRPr>
-            </a:lvl4pPr>
-            <a:lvl5pPr marL="1298448" indent="-182880" algn="l" rtl="0" eaLnBrk="1" latinLnBrk="0" hangingPunct="1">
-              <a:lnSpc>
-                <a:spcPct val="100000"/>
-              </a:lnSpc>
-              <a:spcBef>
-                <a:spcPct val="20000"/>
-              </a:spcBef>
-              <a:buClr>
-                <a:schemeClr val="accent4"/>
-              </a:buClr>
-              <a:buFont typeface="Wingdings 2"/>
-              <a:buChar char=""/>
-              <a:defRPr kumimoji="1" sz="2000" kern="1200">
-                <a:solidFill>
-                  <a:schemeClr val="tx1"/>
-                </a:solidFill>
-                <a:latin typeface="+mn-lt"/>
-                <a:ea typeface="+mn-ea"/>
-                <a:cs typeface="+mn-cs"/>
-              </a:defRPr>
-            </a:lvl5pPr>
-            <a:lvl6pPr marL="1508760" indent="-182880" algn="l" rtl="0" eaLnBrk="1" latinLnBrk="0" hangingPunct="1">
-              <a:lnSpc>
-                <a:spcPct val="100000"/>
-              </a:lnSpc>
-              <a:spcBef>
-                <a:spcPct val="20000"/>
-              </a:spcBef>
-              <a:buClr>
-                <a:schemeClr val="accent5"/>
-              </a:buClr>
-              <a:buFont typeface="Wingdings 2"/>
-              <a:buChar char=""/>
-              <a:defRPr kumimoji="1" sz="2000" kern="1200">
-                <a:solidFill>
-                  <a:schemeClr val="tx1"/>
-                </a:solidFill>
-                <a:latin typeface="+mn-lt"/>
-                <a:ea typeface="+mn-ea"/>
-                <a:cs typeface="+mn-cs"/>
-              </a:defRPr>
-            </a:lvl6pPr>
-            <a:lvl7pPr marL="1719072" indent="-182880" algn="l" rtl="0" eaLnBrk="1" latinLnBrk="0" hangingPunct="1">
-              <a:lnSpc>
-                <a:spcPct val="100000"/>
-              </a:lnSpc>
-              <a:spcBef>
-                <a:spcPct val="20000"/>
-              </a:spcBef>
-              <a:buClr>
-                <a:schemeClr val="accent6"/>
-              </a:buClr>
-              <a:buFont typeface="Wingdings 2"/>
-              <a:buChar char=""/>
-              <a:defRPr kumimoji="1" sz="2000" kern="1200">
-                <a:solidFill>
-                  <a:schemeClr val="tx1"/>
-                </a:solidFill>
-                <a:latin typeface="+mn-lt"/>
-                <a:ea typeface="+mn-ea"/>
-                <a:cs typeface="+mn-cs"/>
-              </a:defRPr>
-            </a:lvl7pPr>
-            <a:lvl8pPr marL="1920240" indent="-182880" algn="l" rtl="0" eaLnBrk="1" latinLnBrk="0" hangingPunct="1">
-              <a:lnSpc>
-                <a:spcPct val="100000"/>
-              </a:lnSpc>
-              <a:spcBef>
-                <a:spcPct val="20000"/>
-              </a:spcBef>
-              <a:buClr>
-                <a:schemeClr val="accent6"/>
-              </a:buClr>
-              <a:buFont typeface="Wingdings 2"/>
-              <a:buChar char=""/>
-              <a:defRPr kumimoji="1" sz="2000" kern="1200">
-                <a:solidFill>
-                  <a:schemeClr val="tx1"/>
-                </a:solidFill>
-                <a:latin typeface="+mn-lt"/>
-                <a:ea typeface="+mn-ea"/>
-                <a:cs typeface="+mn-cs"/>
-              </a:defRPr>
-            </a:lvl8pPr>
-            <a:lvl9pPr marL="2130552" indent="-182880" algn="l" rtl="0" eaLnBrk="1" latinLnBrk="0" hangingPunct="1">
-              <a:lnSpc>
-                <a:spcPct val="100000"/>
-              </a:lnSpc>
-              <a:spcBef>
-                <a:spcPct val="20000"/>
-              </a:spcBef>
-              <a:buClr>
-                <a:schemeClr val="accent6"/>
-              </a:buClr>
-              <a:buFont typeface="Wingdings 2"/>
-              <a:buChar char=""/>
-              <a:defRPr kumimoji="1" sz="2000" kern="1200">
-                <a:solidFill>
-                  <a:schemeClr val="tx1"/>
-                </a:solidFill>
-                <a:latin typeface="+mn-lt"/>
-                <a:ea typeface="+mn-ea"/>
-                <a:cs typeface="+mn-cs"/>
-              </a:defRPr>
-            </a:lvl9pPr>
-            <a:extLst/>
-          </a:lstStyle>
-          <a:p>
-            <a:pPr marL="82296" indent="0">
-              <a:buFont typeface="Wingdings 2"/>
-              <a:buNone/>
-            </a:pPr>
-            <a:r>
-              <a:rPr lang="ja-JP" altLang="en-US" dirty="0" smtClean="0"/>
-              <a:t>・ここに画像を貼る</a:t>
-            </a:r>
-            <a:endParaRPr lang="en-US" altLang="ja-JP" dirty="0" smtClean="0"/>
-          </a:p>
-          <a:p>
-            <a:pPr marL="82296" indent="0">
-              <a:buFont typeface="Wingdings 2"/>
-              <a:buNone/>
-            </a:pPr>
-            <a:endParaRPr lang="en-US" altLang="ja-JP" dirty="0"/>
-          </a:p>
-          <a:p>
-            <a:pPr marL="82296" indent="0">
-              <a:buFont typeface="Wingdings 2"/>
-              <a:buNone/>
-            </a:pPr>
-            <a:endParaRPr lang="en-US" altLang="ja-JP" dirty="0" smtClean="0"/>
-          </a:p>
-          <a:p>
-            <a:pPr marL="82296" indent="0">
-              <a:buFont typeface="Wingdings 2"/>
-              <a:buNone/>
-            </a:pPr>
-            <a:endParaRPr lang="en-US" altLang="ja-JP" dirty="0"/>
-          </a:p>
-          <a:p>
-            <a:pPr marL="82296" indent="0">
-              <a:buFont typeface="Wingdings 2"/>
-              <a:buNone/>
-            </a:pPr>
-            <a:endParaRPr lang="en-US" altLang="ja-JP" dirty="0" smtClean="0"/>
-          </a:p>
-          <a:p>
-            <a:pPr marL="82296" indent="0">
-              <a:buFont typeface="Wingdings 2"/>
-              <a:buNone/>
-            </a:pPr>
-            <a:endParaRPr lang="en-US" altLang="ja-JP" dirty="0"/>
-          </a:p>
-          <a:p>
-            <a:pPr marL="82296" indent="0">
-              <a:buFont typeface="Wingdings 2"/>
-              <a:buNone/>
-            </a:pPr>
-            <a:endParaRPr lang="en-US" altLang="ja-JP" dirty="0" smtClean="0"/>
-          </a:p>
-          <a:p>
-            <a:pPr marL="82296" indent="0">
-              <a:buFont typeface="Wingdings 2"/>
-              <a:buNone/>
-            </a:pPr>
-            <a:endParaRPr lang="en-US" altLang="ja-JP" dirty="0"/>
-          </a:p>
-          <a:p>
-            <a:pPr marL="82296" indent="0">
-              <a:buFont typeface="Wingdings 2"/>
-              <a:buNone/>
-            </a:pPr>
-            <a:r>
-              <a:rPr lang="ja-JP" altLang="en-US" dirty="0" smtClean="0"/>
-              <a:t>・正直これが本題とも言える</a:t>
-            </a:r>
-            <a:endParaRPr lang="en-US" altLang="ja-JP" dirty="0" smtClean="0"/>
-          </a:p>
-        </p:txBody>
-      </p:sp>
-    </p:spTree>
-    <p:extLst>
-      <p:ext uri="{BB962C8B-B14F-4D97-AF65-F5344CB8AC3E}">
-        <p14:creationId xmlns:p14="http://schemas.microsoft.com/office/powerpoint/2010/main" val="1493124575"/>
       </p:ext>
     </p:extLst>
   </p:cSld>
@@ -8679,14 +9381,12 @@
         </p:nvSpPr>
         <p:spPr/>
         <p:txBody>
-          <a:bodyPr>
-            <a:normAutofit/>
-          </a:bodyPr>
+          <a:bodyPr/>
           <a:lstStyle/>
           <a:p>
             <a:r>
               <a:rPr kumimoji="1" lang="ja-JP" altLang="en-US" dirty="0" smtClean="0"/>
-              <a:t>一応マクロはあるけど・・・</a:t>
+              <a:t>改ページのずれを直す</a:t>
             </a:r>
             <a:endParaRPr kumimoji="1" lang="ja-JP" altLang="en-US" dirty="0"/>
           </a:p>
@@ -8702,8 +9402,8 @@
         </p:nvSpPr>
         <p:spPr>
           <a:xfrm>
-            <a:off x="0" y="1340768"/>
-            <a:ext cx="9144000" cy="5517232"/>
+            <a:off x="467544" y="1124744"/>
+            <a:ext cx="7818072" cy="5544616"/>
           </a:xfrm>
           <a:prstGeom prst="rect">
             <a:avLst/>
@@ -8908,342 +9608,102 @@
           </a:lstStyle>
           <a:p>
             <a:pPr marL="82296" indent="0">
-              <a:buNone/>
-            </a:pPr>
-            <a:r>
-              <a:rPr lang="en-US" altLang="ja-JP" sz="2400" dirty="0" smtClean="0"/>
-              <a:t>Set </a:t>
-            </a:r>
-            <a:r>
-              <a:rPr lang="en-US" altLang="ja-JP" sz="2400" dirty="0" err="1"/>
-              <a:t>ActiveSheet.HPageBreaks</a:t>
-            </a:r>
-            <a:r>
-              <a:rPr lang="en-US" altLang="ja-JP" sz="2400" dirty="0"/>
-              <a:t>(1).Location = Range("A38</a:t>
-            </a:r>
-            <a:r>
-              <a:rPr lang="en-US" altLang="ja-JP" sz="2400" dirty="0" smtClean="0"/>
-              <a:t>")</a:t>
-            </a:r>
-          </a:p>
-          <a:p>
-            <a:pPr marL="82296" indent="0">
-              <a:buNone/>
-            </a:pPr>
-            <a:endParaRPr lang="en-US" altLang="ja-JP" sz="2400" dirty="0"/>
+              <a:buFont typeface="Wingdings 2"/>
+              <a:buNone/>
+            </a:pPr>
+            <a:r>
+              <a:rPr lang="en-US" altLang="ja-JP" dirty="0" smtClean="0"/>
+              <a:t>(</a:t>
+            </a:r>
+            <a:r>
+              <a:rPr lang="ja-JP" altLang="en-US" dirty="0" smtClean="0"/>
+              <a:t>画像貼るまでもないけど</a:t>
+            </a:r>
+            <a:r>
+              <a:rPr lang="en-US" altLang="ja-JP" dirty="0" smtClean="0"/>
+              <a:t>)</a:t>
+            </a:r>
+            <a:endParaRPr lang="en-US" altLang="ja-JP" dirty="0" smtClean="0"/>
+          </a:p>
+          <a:p>
+            <a:pPr marL="82296" indent="0">
+              <a:buFont typeface="Wingdings 2"/>
+              <a:buNone/>
+            </a:pPr>
+            <a:endParaRPr lang="en-US" altLang="ja-JP" dirty="0"/>
+          </a:p>
+          <a:p>
+            <a:pPr marL="82296" indent="0">
+              <a:buFont typeface="Wingdings 2"/>
+              <a:buNone/>
+            </a:pPr>
+            <a:endParaRPr lang="en-US" altLang="ja-JP" dirty="0" smtClean="0"/>
+          </a:p>
+          <a:p>
+            <a:pPr marL="82296" indent="0">
+              <a:buFont typeface="Wingdings 2"/>
+              <a:buNone/>
+            </a:pPr>
+            <a:endParaRPr lang="en-US" altLang="ja-JP" dirty="0"/>
+          </a:p>
+          <a:p>
+            <a:pPr marL="82296" indent="0">
+              <a:buFont typeface="Wingdings 2"/>
+              <a:buNone/>
+            </a:pPr>
+            <a:endParaRPr lang="en-US" altLang="ja-JP" dirty="0" smtClean="0"/>
+          </a:p>
+          <a:p>
+            <a:pPr marL="82296" indent="0">
+              <a:buFont typeface="Wingdings 2"/>
+              <a:buNone/>
+            </a:pPr>
+            <a:r>
+              <a:rPr lang="ja-JP" altLang="en-US" dirty="0" smtClean="0"/>
+              <a:t>・</a:t>
+            </a:r>
+            <a:r>
+              <a:rPr lang="ja-JP" altLang="en-US" dirty="0" smtClean="0"/>
+              <a:t>正直これが本題とも言える</a:t>
+            </a:r>
+            <a:endParaRPr lang="en-US" altLang="ja-JP" dirty="0" smtClean="0"/>
           </a:p>
         </p:txBody>
       </p:sp>
-      <p:sp>
-        <p:nvSpPr>
-          <p:cNvPr id="5" name="コンテンツ プレースホルダー 2"/>
-          <p:cNvSpPr txBox="1">
-            <a:spLocks/>
-          </p:cNvSpPr>
+      <p:pic>
+        <p:nvPicPr>
+          <p:cNvPr id="3" name="図 2"/>
+          <p:cNvPicPr>
+            <a:picLocks noChangeAspect="1"/>
+          </p:cNvPicPr>
           <p:nvPr/>
-        </p:nvSpPr>
+        </p:nvPicPr>
+        <p:blipFill>
+          <a:blip r:embed="rId2">
+            <a:extLst>
+              <a:ext uri="{28A0092B-C50C-407E-A947-70E740481C1C}">
+                <a14:useLocalDpi xmlns:a14="http://schemas.microsoft.com/office/drawing/2010/main" val="0"/>
+              </a:ext>
+            </a:extLst>
+          </a:blip>
+          <a:stretch>
+            <a:fillRect/>
+          </a:stretch>
+        </p:blipFill>
         <p:spPr>
           <a:xfrm>
-            <a:off x="251520" y="2204864"/>
-            <a:ext cx="8496944" cy="4248472"/>
+            <a:off x="401248" y="2276872"/>
+            <a:ext cx="8419224" cy="952663"/>
           </a:xfrm>
           <a:prstGeom prst="rect">
             <a:avLst/>
           </a:prstGeom>
         </p:spPr>
-        <p:txBody>
-          <a:bodyPr>
-            <a:normAutofit/>
-          </a:bodyPr>
-          <a:lstStyle>
-            <a:lvl1pPr marL="365760" indent="-283464" algn="l" rtl="0" eaLnBrk="1" latinLnBrk="0" hangingPunct="1">
-              <a:lnSpc>
-                <a:spcPct val="100000"/>
-              </a:lnSpc>
-              <a:spcBef>
-                <a:spcPts val="600"/>
-              </a:spcBef>
-              <a:buClr>
-                <a:schemeClr val="accent1"/>
-              </a:buClr>
-              <a:buSzPct val="80000"/>
-              <a:buFont typeface="Wingdings 2"/>
-              <a:buChar char=""/>
-              <a:defRPr kumimoji="1" sz="3200" kern="1200">
-                <a:solidFill>
-                  <a:schemeClr val="tx1"/>
-                </a:solidFill>
-                <a:latin typeface="+mn-lt"/>
-                <a:ea typeface="+mn-ea"/>
-                <a:cs typeface="+mn-cs"/>
-              </a:defRPr>
-            </a:lvl1pPr>
-            <a:lvl2pPr marL="640080" indent="-237744" algn="l" rtl="0" eaLnBrk="1" latinLnBrk="0" hangingPunct="1">
-              <a:lnSpc>
-                <a:spcPct val="100000"/>
-              </a:lnSpc>
-              <a:spcBef>
-                <a:spcPts val="550"/>
-              </a:spcBef>
-              <a:buClr>
-                <a:schemeClr val="accent1"/>
-              </a:buClr>
-              <a:buFont typeface="Verdana"/>
-              <a:buChar char="◦"/>
-              <a:defRPr kumimoji="1" sz="2800" kern="1200">
-                <a:solidFill>
-                  <a:schemeClr val="tx1"/>
-                </a:solidFill>
-                <a:latin typeface="+mn-lt"/>
-                <a:ea typeface="+mn-ea"/>
-                <a:cs typeface="+mn-cs"/>
-              </a:defRPr>
-            </a:lvl2pPr>
-            <a:lvl3pPr marL="886968" indent="-228600" algn="l" rtl="0" eaLnBrk="1" latinLnBrk="0" hangingPunct="1">
-              <a:lnSpc>
-                <a:spcPct val="100000"/>
-              </a:lnSpc>
-              <a:spcBef>
-                <a:spcPct val="20000"/>
-              </a:spcBef>
-              <a:buClr>
-                <a:schemeClr val="accent2"/>
-              </a:buClr>
-              <a:buFont typeface="Wingdings 2"/>
-              <a:buChar char=""/>
-              <a:defRPr kumimoji="1" sz="2400" kern="1200">
-                <a:solidFill>
-                  <a:schemeClr val="tx1"/>
-                </a:solidFill>
-                <a:latin typeface="+mn-lt"/>
-                <a:ea typeface="+mn-ea"/>
-                <a:cs typeface="+mn-cs"/>
-              </a:defRPr>
-            </a:lvl3pPr>
-            <a:lvl4pPr marL="1097280" indent="-173736" algn="l" rtl="0" eaLnBrk="1" latinLnBrk="0" hangingPunct="1">
-              <a:lnSpc>
-                <a:spcPct val="100000"/>
-              </a:lnSpc>
-              <a:spcBef>
-                <a:spcPct val="20000"/>
-              </a:spcBef>
-              <a:buClr>
-                <a:schemeClr val="accent3"/>
-              </a:buClr>
-              <a:buFont typeface="Wingdings 2"/>
-              <a:buChar char=""/>
-              <a:defRPr kumimoji="1" sz="2000" kern="1200">
-                <a:solidFill>
-                  <a:schemeClr val="tx1"/>
-                </a:solidFill>
-                <a:latin typeface="+mn-lt"/>
-                <a:ea typeface="+mn-ea"/>
-                <a:cs typeface="+mn-cs"/>
-              </a:defRPr>
-            </a:lvl4pPr>
-            <a:lvl5pPr marL="1298448" indent="-182880" algn="l" rtl="0" eaLnBrk="1" latinLnBrk="0" hangingPunct="1">
-              <a:lnSpc>
-                <a:spcPct val="100000"/>
-              </a:lnSpc>
-              <a:spcBef>
-                <a:spcPct val="20000"/>
-              </a:spcBef>
-              <a:buClr>
-                <a:schemeClr val="accent4"/>
-              </a:buClr>
-              <a:buFont typeface="Wingdings 2"/>
-              <a:buChar char=""/>
-              <a:defRPr kumimoji="1" sz="2000" kern="1200">
-                <a:solidFill>
-                  <a:schemeClr val="tx1"/>
-                </a:solidFill>
-                <a:latin typeface="+mn-lt"/>
-                <a:ea typeface="+mn-ea"/>
-                <a:cs typeface="+mn-cs"/>
-              </a:defRPr>
-            </a:lvl5pPr>
-            <a:lvl6pPr marL="1508760" indent="-182880" algn="l" rtl="0" eaLnBrk="1" latinLnBrk="0" hangingPunct="1">
-              <a:lnSpc>
-                <a:spcPct val="100000"/>
-              </a:lnSpc>
-              <a:spcBef>
-                <a:spcPct val="20000"/>
-              </a:spcBef>
-              <a:buClr>
-                <a:schemeClr val="accent5"/>
-              </a:buClr>
-              <a:buFont typeface="Wingdings 2"/>
-              <a:buChar char=""/>
-              <a:defRPr kumimoji="1" sz="2000" kern="1200">
-                <a:solidFill>
-                  <a:schemeClr val="tx1"/>
-                </a:solidFill>
-                <a:latin typeface="+mn-lt"/>
-                <a:ea typeface="+mn-ea"/>
-                <a:cs typeface="+mn-cs"/>
-              </a:defRPr>
-            </a:lvl6pPr>
-            <a:lvl7pPr marL="1719072" indent="-182880" algn="l" rtl="0" eaLnBrk="1" latinLnBrk="0" hangingPunct="1">
-              <a:lnSpc>
-                <a:spcPct val="100000"/>
-              </a:lnSpc>
-              <a:spcBef>
-                <a:spcPct val="20000"/>
-              </a:spcBef>
-              <a:buClr>
-                <a:schemeClr val="accent6"/>
-              </a:buClr>
-              <a:buFont typeface="Wingdings 2"/>
-              <a:buChar char=""/>
-              <a:defRPr kumimoji="1" sz="2000" kern="1200">
-                <a:solidFill>
-                  <a:schemeClr val="tx1"/>
-                </a:solidFill>
-                <a:latin typeface="+mn-lt"/>
-                <a:ea typeface="+mn-ea"/>
-                <a:cs typeface="+mn-cs"/>
-              </a:defRPr>
-            </a:lvl7pPr>
-            <a:lvl8pPr marL="1920240" indent="-182880" algn="l" rtl="0" eaLnBrk="1" latinLnBrk="0" hangingPunct="1">
-              <a:lnSpc>
-                <a:spcPct val="100000"/>
-              </a:lnSpc>
-              <a:spcBef>
-                <a:spcPct val="20000"/>
-              </a:spcBef>
-              <a:buClr>
-                <a:schemeClr val="accent6"/>
-              </a:buClr>
-              <a:buFont typeface="Wingdings 2"/>
-              <a:buChar char=""/>
-              <a:defRPr kumimoji="1" sz="2000" kern="1200">
-                <a:solidFill>
-                  <a:schemeClr val="tx1"/>
-                </a:solidFill>
-                <a:latin typeface="+mn-lt"/>
-                <a:ea typeface="+mn-ea"/>
-                <a:cs typeface="+mn-cs"/>
-              </a:defRPr>
-            </a:lvl8pPr>
-            <a:lvl9pPr marL="2130552" indent="-182880" algn="l" rtl="0" eaLnBrk="1" latinLnBrk="0" hangingPunct="1">
-              <a:lnSpc>
-                <a:spcPct val="100000"/>
-              </a:lnSpc>
-              <a:spcBef>
-                <a:spcPct val="20000"/>
-              </a:spcBef>
-              <a:buClr>
-                <a:schemeClr val="accent6"/>
-              </a:buClr>
-              <a:buFont typeface="Wingdings 2"/>
-              <a:buChar char=""/>
-              <a:defRPr kumimoji="1" sz="2000" kern="1200">
-                <a:solidFill>
-                  <a:schemeClr val="tx1"/>
-                </a:solidFill>
-                <a:latin typeface="+mn-lt"/>
-                <a:ea typeface="+mn-ea"/>
-                <a:cs typeface="+mn-cs"/>
-              </a:defRPr>
-            </a:lvl9pPr>
-            <a:extLst/>
-          </a:lstStyle>
-          <a:p>
-            <a:pPr marL="82296" indent="0">
-              <a:buFont typeface="Wingdings 2"/>
-              <a:buNone/>
-            </a:pPr>
-            <a:r>
-              <a:rPr lang="ja-JP" altLang="en-US" dirty="0" smtClean="0"/>
-              <a:t>・タイトル行によって変わる</a:t>
-            </a:r>
-            <a:endParaRPr lang="en-US" altLang="ja-JP" dirty="0" smtClean="0"/>
-          </a:p>
-          <a:p>
-            <a:pPr marL="82296" indent="0">
-              <a:buFont typeface="Wingdings 2"/>
-              <a:buNone/>
-            </a:pPr>
-            <a:r>
-              <a:rPr lang="ja-JP" altLang="en-US" dirty="0" smtClean="0"/>
-              <a:t>・</a:t>
-            </a:r>
-            <a:r>
-              <a:rPr lang="en-US" altLang="ja-JP" dirty="0" smtClean="0"/>
-              <a:t>Excel</a:t>
-            </a:r>
-            <a:r>
-              <a:rPr lang="ja-JP" altLang="en-US" dirty="0" smtClean="0"/>
-              <a:t>方眼紙</a:t>
-            </a:r>
-            <a:r>
-              <a:rPr lang="en-US" altLang="ja-JP" dirty="0" smtClean="0"/>
-              <a:t>()</a:t>
-            </a:r>
-            <a:r>
-              <a:rPr lang="ja-JP" altLang="en-US" dirty="0" smtClean="0"/>
-              <a:t>の行の高さで変わる</a:t>
-            </a:r>
-            <a:endParaRPr lang="en-US" altLang="ja-JP" dirty="0" smtClean="0"/>
-          </a:p>
-          <a:p>
-            <a:pPr marL="82296" indent="0">
-              <a:buFont typeface="Wingdings 2"/>
-              <a:buNone/>
-            </a:pPr>
-            <a:r>
-              <a:rPr lang="ja-JP" altLang="en-US" dirty="0" smtClean="0"/>
-              <a:t>・そもそも印刷サイズによって変わる</a:t>
-            </a:r>
-            <a:endParaRPr lang="en-US" altLang="ja-JP" dirty="0" smtClean="0"/>
-          </a:p>
-          <a:p>
-            <a:pPr marL="82296" indent="0">
-              <a:buFont typeface="Wingdings 2"/>
-              <a:buNone/>
-            </a:pPr>
-            <a:endParaRPr lang="en-US" altLang="ja-JP" dirty="0" smtClean="0"/>
-          </a:p>
-          <a:p>
-            <a:pPr marL="82296" indent="0">
-              <a:buFont typeface="Wingdings 2"/>
-              <a:buNone/>
-            </a:pPr>
-            <a:r>
-              <a:rPr lang="ja-JP" altLang="en-US" dirty="0" smtClean="0"/>
-              <a:t>・最初に完璧なフォーマットを作っても</a:t>
-            </a:r>
-            <a:endParaRPr lang="en-US" altLang="ja-JP" dirty="0" smtClean="0"/>
-          </a:p>
-          <a:p>
-            <a:pPr marL="82296" indent="0">
-              <a:buFont typeface="Wingdings 2"/>
-              <a:buNone/>
-            </a:pPr>
-            <a:r>
-              <a:rPr lang="ja-JP" altLang="en-US" dirty="0"/>
-              <a:t>　</a:t>
-            </a:r>
-            <a:r>
-              <a:rPr lang="ja-JP" altLang="en-US" dirty="0" smtClean="0"/>
-              <a:t>編集者がミスるとずれる</a:t>
-            </a:r>
-            <a:endParaRPr lang="en-US" altLang="ja-JP" dirty="0" smtClean="0"/>
-          </a:p>
-          <a:p>
-            <a:pPr marL="82296" indent="0">
-              <a:buFont typeface="Wingdings 2"/>
-              <a:buNone/>
-            </a:pPr>
-            <a:endParaRPr lang="en-US" altLang="ja-JP" dirty="0" smtClean="0"/>
-          </a:p>
-        </p:txBody>
-      </p:sp>
+      </p:pic>
     </p:spTree>
     <p:extLst>
       <p:ext uri="{BB962C8B-B14F-4D97-AF65-F5344CB8AC3E}">
-        <p14:creationId xmlns:p14="http://schemas.microsoft.com/office/powerpoint/2010/main" val="4019669595"/>
+        <p14:creationId xmlns:p14="http://schemas.microsoft.com/office/powerpoint/2010/main" val="1493124575"/>
       </p:ext>
     </p:extLst>
   </p:cSld>
@@ -9289,12 +9749,634 @@
         </p:nvSpPr>
         <p:spPr/>
         <p:txBody>
+          <a:bodyPr>
+            <a:normAutofit/>
+          </a:bodyPr>
+          <a:lstStyle/>
+          <a:p>
+            <a:r>
+              <a:rPr kumimoji="1" lang="ja-JP" altLang="en-US" dirty="0" smtClean="0"/>
+              <a:t>一応</a:t>
+            </a:r>
+            <a:r>
+              <a:rPr kumimoji="1" lang="en-US" altLang="ja-JP" dirty="0" smtClean="0"/>
+              <a:t>VBA</a:t>
+            </a:r>
+            <a:r>
+              <a:rPr kumimoji="1" lang="ja-JP" altLang="en-US" dirty="0" smtClean="0"/>
+              <a:t>に設定はある</a:t>
+            </a:r>
+            <a:r>
+              <a:rPr kumimoji="1" lang="ja-JP" altLang="en-US" dirty="0" smtClean="0"/>
+              <a:t>けど・・・</a:t>
+            </a:r>
+            <a:endParaRPr kumimoji="1" lang="ja-JP" altLang="en-US" dirty="0"/>
+          </a:p>
+        </p:txBody>
+      </p:sp>
+      <p:sp>
+        <p:nvSpPr>
+          <p:cNvPr id="7" name="コンテンツ プレースホルダー 2"/>
+          <p:cNvSpPr txBox="1">
+            <a:spLocks/>
+          </p:cNvSpPr>
+          <p:nvPr/>
+        </p:nvSpPr>
+        <p:spPr>
+          <a:xfrm>
+            <a:off x="0" y="1340768"/>
+            <a:ext cx="9144000" cy="5517232"/>
+          </a:xfrm>
+          <a:prstGeom prst="rect">
+            <a:avLst/>
+          </a:prstGeom>
+        </p:spPr>
+        <p:txBody>
+          <a:bodyPr>
+            <a:normAutofit/>
+          </a:bodyPr>
+          <a:lstStyle>
+            <a:lvl1pPr marL="365760" indent="-283464" algn="l" rtl="0" eaLnBrk="1" latinLnBrk="0" hangingPunct="1">
+              <a:lnSpc>
+                <a:spcPct val="100000"/>
+              </a:lnSpc>
+              <a:spcBef>
+                <a:spcPts val="600"/>
+              </a:spcBef>
+              <a:buClr>
+                <a:schemeClr val="accent1"/>
+              </a:buClr>
+              <a:buSzPct val="80000"/>
+              <a:buFont typeface="Wingdings 2"/>
+              <a:buChar char=""/>
+              <a:defRPr kumimoji="1" sz="3200" kern="1200">
+                <a:solidFill>
+                  <a:schemeClr val="tx1"/>
+                </a:solidFill>
+                <a:latin typeface="+mn-lt"/>
+                <a:ea typeface="+mn-ea"/>
+                <a:cs typeface="+mn-cs"/>
+              </a:defRPr>
+            </a:lvl1pPr>
+            <a:lvl2pPr marL="640080" indent="-237744" algn="l" rtl="0" eaLnBrk="1" latinLnBrk="0" hangingPunct="1">
+              <a:lnSpc>
+                <a:spcPct val="100000"/>
+              </a:lnSpc>
+              <a:spcBef>
+                <a:spcPts val="550"/>
+              </a:spcBef>
+              <a:buClr>
+                <a:schemeClr val="accent1"/>
+              </a:buClr>
+              <a:buFont typeface="Verdana"/>
+              <a:buChar char="◦"/>
+              <a:defRPr kumimoji="1" sz="2800" kern="1200">
+                <a:solidFill>
+                  <a:schemeClr val="tx1"/>
+                </a:solidFill>
+                <a:latin typeface="+mn-lt"/>
+                <a:ea typeface="+mn-ea"/>
+                <a:cs typeface="+mn-cs"/>
+              </a:defRPr>
+            </a:lvl2pPr>
+            <a:lvl3pPr marL="886968" indent="-228600" algn="l" rtl="0" eaLnBrk="1" latinLnBrk="0" hangingPunct="1">
+              <a:lnSpc>
+                <a:spcPct val="100000"/>
+              </a:lnSpc>
+              <a:spcBef>
+                <a:spcPct val="20000"/>
+              </a:spcBef>
+              <a:buClr>
+                <a:schemeClr val="accent2"/>
+              </a:buClr>
+              <a:buFont typeface="Wingdings 2"/>
+              <a:buChar char=""/>
+              <a:defRPr kumimoji="1" sz="2400" kern="1200">
+                <a:solidFill>
+                  <a:schemeClr val="tx1"/>
+                </a:solidFill>
+                <a:latin typeface="+mn-lt"/>
+                <a:ea typeface="+mn-ea"/>
+                <a:cs typeface="+mn-cs"/>
+              </a:defRPr>
+            </a:lvl3pPr>
+            <a:lvl4pPr marL="1097280" indent="-173736" algn="l" rtl="0" eaLnBrk="1" latinLnBrk="0" hangingPunct="1">
+              <a:lnSpc>
+                <a:spcPct val="100000"/>
+              </a:lnSpc>
+              <a:spcBef>
+                <a:spcPct val="20000"/>
+              </a:spcBef>
+              <a:buClr>
+                <a:schemeClr val="accent3"/>
+              </a:buClr>
+              <a:buFont typeface="Wingdings 2"/>
+              <a:buChar char=""/>
+              <a:defRPr kumimoji="1" sz="2000" kern="1200">
+                <a:solidFill>
+                  <a:schemeClr val="tx1"/>
+                </a:solidFill>
+                <a:latin typeface="+mn-lt"/>
+                <a:ea typeface="+mn-ea"/>
+                <a:cs typeface="+mn-cs"/>
+              </a:defRPr>
+            </a:lvl4pPr>
+            <a:lvl5pPr marL="1298448" indent="-182880" algn="l" rtl="0" eaLnBrk="1" latinLnBrk="0" hangingPunct="1">
+              <a:lnSpc>
+                <a:spcPct val="100000"/>
+              </a:lnSpc>
+              <a:spcBef>
+                <a:spcPct val="20000"/>
+              </a:spcBef>
+              <a:buClr>
+                <a:schemeClr val="accent4"/>
+              </a:buClr>
+              <a:buFont typeface="Wingdings 2"/>
+              <a:buChar char=""/>
+              <a:defRPr kumimoji="1" sz="2000" kern="1200">
+                <a:solidFill>
+                  <a:schemeClr val="tx1"/>
+                </a:solidFill>
+                <a:latin typeface="+mn-lt"/>
+                <a:ea typeface="+mn-ea"/>
+                <a:cs typeface="+mn-cs"/>
+              </a:defRPr>
+            </a:lvl5pPr>
+            <a:lvl6pPr marL="1508760" indent="-182880" algn="l" rtl="0" eaLnBrk="1" latinLnBrk="0" hangingPunct="1">
+              <a:lnSpc>
+                <a:spcPct val="100000"/>
+              </a:lnSpc>
+              <a:spcBef>
+                <a:spcPct val="20000"/>
+              </a:spcBef>
+              <a:buClr>
+                <a:schemeClr val="accent5"/>
+              </a:buClr>
+              <a:buFont typeface="Wingdings 2"/>
+              <a:buChar char=""/>
+              <a:defRPr kumimoji="1" sz="2000" kern="1200">
+                <a:solidFill>
+                  <a:schemeClr val="tx1"/>
+                </a:solidFill>
+                <a:latin typeface="+mn-lt"/>
+                <a:ea typeface="+mn-ea"/>
+                <a:cs typeface="+mn-cs"/>
+              </a:defRPr>
+            </a:lvl6pPr>
+            <a:lvl7pPr marL="1719072" indent="-182880" algn="l" rtl="0" eaLnBrk="1" latinLnBrk="0" hangingPunct="1">
+              <a:lnSpc>
+                <a:spcPct val="100000"/>
+              </a:lnSpc>
+              <a:spcBef>
+                <a:spcPct val="20000"/>
+              </a:spcBef>
+              <a:buClr>
+                <a:schemeClr val="accent6"/>
+              </a:buClr>
+              <a:buFont typeface="Wingdings 2"/>
+              <a:buChar char=""/>
+              <a:defRPr kumimoji="1" sz="2000" kern="1200">
+                <a:solidFill>
+                  <a:schemeClr val="tx1"/>
+                </a:solidFill>
+                <a:latin typeface="+mn-lt"/>
+                <a:ea typeface="+mn-ea"/>
+                <a:cs typeface="+mn-cs"/>
+              </a:defRPr>
+            </a:lvl7pPr>
+            <a:lvl8pPr marL="1920240" indent="-182880" algn="l" rtl="0" eaLnBrk="1" latinLnBrk="0" hangingPunct="1">
+              <a:lnSpc>
+                <a:spcPct val="100000"/>
+              </a:lnSpc>
+              <a:spcBef>
+                <a:spcPct val="20000"/>
+              </a:spcBef>
+              <a:buClr>
+                <a:schemeClr val="accent6"/>
+              </a:buClr>
+              <a:buFont typeface="Wingdings 2"/>
+              <a:buChar char=""/>
+              <a:defRPr kumimoji="1" sz="2000" kern="1200">
+                <a:solidFill>
+                  <a:schemeClr val="tx1"/>
+                </a:solidFill>
+                <a:latin typeface="+mn-lt"/>
+                <a:ea typeface="+mn-ea"/>
+                <a:cs typeface="+mn-cs"/>
+              </a:defRPr>
+            </a:lvl8pPr>
+            <a:lvl9pPr marL="2130552" indent="-182880" algn="l" rtl="0" eaLnBrk="1" latinLnBrk="0" hangingPunct="1">
+              <a:lnSpc>
+                <a:spcPct val="100000"/>
+              </a:lnSpc>
+              <a:spcBef>
+                <a:spcPct val="20000"/>
+              </a:spcBef>
+              <a:buClr>
+                <a:schemeClr val="accent6"/>
+              </a:buClr>
+              <a:buFont typeface="Wingdings 2"/>
+              <a:buChar char=""/>
+              <a:defRPr kumimoji="1" sz="2000" kern="1200">
+                <a:solidFill>
+                  <a:schemeClr val="tx1"/>
+                </a:solidFill>
+                <a:latin typeface="+mn-lt"/>
+                <a:ea typeface="+mn-ea"/>
+                <a:cs typeface="+mn-cs"/>
+              </a:defRPr>
+            </a:lvl9pPr>
+            <a:extLst/>
+          </a:lstStyle>
+          <a:p>
+            <a:pPr marL="82296" indent="0">
+              <a:buNone/>
+            </a:pPr>
+            <a:r>
+              <a:rPr lang="en-US" altLang="ja-JP" sz="2400" dirty="0" smtClean="0"/>
+              <a:t>Set </a:t>
+            </a:r>
+            <a:r>
+              <a:rPr lang="en-US" altLang="ja-JP" sz="2400" dirty="0" err="1"/>
+              <a:t>ActiveSheet.HPageBreaks</a:t>
+            </a:r>
+            <a:r>
+              <a:rPr lang="en-US" altLang="ja-JP" sz="2400" dirty="0"/>
+              <a:t>(1).Location = Range("A38</a:t>
+            </a:r>
+            <a:r>
+              <a:rPr lang="en-US" altLang="ja-JP" sz="2400" dirty="0" smtClean="0"/>
+              <a:t>")</a:t>
+            </a:r>
+          </a:p>
+          <a:p>
+            <a:pPr marL="82296" indent="0">
+              <a:buNone/>
+            </a:pPr>
+            <a:endParaRPr lang="en-US" altLang="ja-JP" sz="2400" dirty="0"/>
+          </a:p>
+        </p:txBody>
+      </p:sp>
+      <p:sp>
+        <p:nvSpPr>
+          <p:cNvPr id="5" name="コンテンツ プレースホルダー 2"/>
+          <p:cNvSpPr txBox="1">
+            <a:spLocks/>
+          </p:cNvSpPr>
+          <p:nvPr/>
+        </p:nvSpPr>
+        <p:spPr>
+          <a:xfrm>
+            <a:off x="251520" y="2204864"/>
+            <a:ext cx="8496944" cy="4248472"/>
+          </a:xfrm>
+          <a:prstGeom prst="rect">
+            <a:avLst/>
+          </a:prstGeom>
+        </p:spPr>
+        <p:txBody>
+          <a:bodyPr>
+            <a:normAutofit/>
+          </a:bodyPr>
+          <a:lstStyle>
+            <a:lvl1pPr marL="365760" indent="-283464" algn="l" rtl="0" eaLnBrk="1" latinLnBrk="0" hangingPunct="1">
+              <a:lnSpc>
+                <a:spcPct val="100000"/>
+              </a:lnSpc>
+              <a:spcBef>
+                <a:spcPts val="600"/>
+              </a:spcBef>
+              <a:buClr>
+                <a:schemeClr val="accent1"/>
+              </a:buClr>
+              <a:buSzPct val="80000"/>
+              <a:buFont typeface="Wingdings 2"/>
+              <a:buChar char=""/>
+              <a:defRPr kumimoji="1" sz="3200" kern="1200">
+                <a:solidFill>
+                  <a:schemeClr val="tx1"/>
+                </a:solidFill>
+                <a:latin typeface="+mn-lt"/>
+                <a:ea typeface="+mn-ea"/>
+                <a:cs typeface="+mn-cs"/>
+              </a:defRPr>
+            </a:lvl1pPr>
+            <a:lvl2pPr marL="640080" indent="-237744" algn="l" rtl="0" eaLnBrk="1" latinLnBrk="0" hangingPunct="1">
+              <a:lnSpc>
+                <a:spcPct val="100000"/>
+              </a:lnSpc>
+              <a:spcBef>
+                <a:spcPts val="550"/>
+              </a:spcBef>
+              <a:buClr>
+                <a:schemeClr val="accent1"/>
+              </a:buClr>
+              <a:buFont typeface="Verdana"/>
+              <a:buChar char="◦"/>
+              <a:defRPr kumimoji="1" sz="2800" kern="1200">
+                <a:solidFill>
+                  <a:schemeClr val="tx1"/>
+                </a:solidFill>
+                <a:latin typeface="+mn-lt"/>
+                <a:ea typeface="+mn-ea"/>
+                <a:cs typeface="+mn-cs"/>
+              </a:defRPr>
+            </a:lvl2pPr>
+            <a:lvl3pPr marL="886968" indent="-228600" algn="l" rtl="0" eaLnBrk="1" latinLnBrk="0" hangingPunct="1">
+              <a:lnSpc>
+                <a:spcPct val="100000"/>
+              </a:lnSpc>
+              <a:spcBef>
+                <a:spcPct val="20000"/>
+              </a:spcBef>
+              <a:buClr>
+                <a:schemeClr val="accent2"/>
+              </a:buClr>
+              <a:buFont typeface="Wingdings 2"/>
+              <a:buChar char=""/>
+              <a:defRPr kumimoji="1" sz="2400" kern="1200">
+                <a:solidFill>
+                  <a:schemeClr val="tx1"/>
+                </a:solidFill>
+                <a:latin typeface="+mn-lt"/>
+                <a:ea typeface="+mn-ea"/>
+                <a:cs typeface="+mn-cs"/>
+              </a:defRPr>
+            </a:lvl3pPr>
+            <a:lvl4pPr marL="1097280" indent="-173736" algn="l" rtl="0" eaLnBrk="1" latinLnBrk="0" hangingPunct="1">
+              <a:lnSpc>
+                <a:spcPct val="100000"/>
+              </a:lnSpc>
+              <a:spcBef>
+                <a:spcPct val="20000"/>
+              </a:spcBef>
+              <a:buClr>
+                <a:schemeClr val="accent3"/>
+              </a:buClr>
+              <a:buFont typeface="Wingdings 2"/>
+              <a:buChar char=""/>
+              <a:defRPr kumimoji="1" sz="2000" kern="1200">
+                <a:solidFill>
+                  <a:schemeClr val="tx1"/>
+                </a:solidFill>
+                <a:latin typeface="+mn-lt"/>
+                <a:ea typeface="+mn-ea"/>
+                <a:cs typeface="+mn-cs"/>
+              </a:defRPr>
+            </a:lvl4pPr>
+            <a:lvl5pPr marL="1298448" indent="-182880" algn="l" rtl="0" eaLnBrk="1" latinLnBrk="0" hangingPunct="1">
+              <a:lnSpc>
+                <a:spcPct val="100000"/>
+              </a:lnSpc>
+              <a:spcBef>
+                <a:spcPct val="20000"/>
+              </a:spcBef>
+              <a:buClr>
+                <a:schemeClr val="accent4"/>
+              </a:buClr>
+              <a:buFont typeface="Wingdings 2"/>
+              <a:buChar char=""/>
+              <a:defRPr kumimoji="1" sz="2000" kern="1200">
+                <a:solidFill>
+                  <a:schemeClr val="tx1"/>
+                </a:solidFill>
+                <a:latin typeface="+mn-lt"/>
+                <a:ea typeface="+mn-ea"/>
+                <a:cs typeface="+mn-cs"/>
+              </a:defRPr>
+            </a:lvl5pPr>
+            <a:lvl6pPr marL="1508760" indent="-182880" algn="l" rtl="0" eaLnBrk="1" latinLnBrk="0" hangingPunct="1">
+              <a:lnSpc>
+                <a:spcPct val="100000"/>
+              </a:lnSpc>
+              <a:spcBef>
+                <a:spcPct val="20000"/>
+              </a:spcBef>
+              <a:buClr>
+                <a:schemeClr val="accent5"/>
+              </a:buClr>
+              <a:buFont typeface="Wingdings 2"/>
+              <a:buChar char=""/>
+              <a:defRPr kumimoji="1" sz="2000" kern="1200">
+                <a:solidFill>
+                  <a:schemeClr val="tx1"/>
+                </a:solidFill>
+                <a:latin typeface="+mn-lt"/>
+                <a:ea typeface="+mn-ea"/>
+                <a:cs typeface="+mn-cs"/>
+              </a:defRPr>
+            </a:lvl6pPr>
+            <a:lvl7pPr marL="1719072" indent="-182880" algn="l" rtl="0" eaLnBrk="1" latinLnBrk="0" hangingPunct="1">
+              <a:lnSpc>
+                <a:spcPct val="100000"/>
+              </a:lnSpc>
+              <a:spcBef>
+                <a:spcPct val="20000"/>
+              </a:spcBef>
+              <a:buClr>
+                <a:schemeClr val="accent6"/>
+              </a:buClr>
+              <a:buFont typeface="Wingdings 2"/>
+              <a:buChar char=""/>
+              <a:defRPr kumimoji="1" sz="2000" kern="1200">
+                <a:solidFill>
+                  <a:schemeClr val="tx1"/>
+                </a:solidFill>
+                <a:latin typeface="+mn-lt"/>
+                <a:ea typeface="+mn-ea"/>
+                <a:cs typeface="+mn-cs"/>
+              </a:defRPr>
+            </a:lvl7pPr>
+            <a:lvl8pPr marL="1920240" indent="-182880" algn="l" rtl="0" eaLnBrk="1" latinLnBrk="0" hangingPunct="1">
+              <a:lnSpc>
+                <a:spcPct val="100000"/>
+              </a:lnSpc>
+              <a:spcBef>
+                <a:spcPct val="20000"/>
+              </a:spcBef>
+              <a:buClr>
+                <a:schemeClr val="accent6"/>
+              </a:buClr>
+              <a:buFont typeface="Wingdings 2"/>
+              <a:buChar char=""/>
+              <a:defRPr kumimoji="1" sz="2000" kern="1200">
+                <a:solidFill>
+                  <a:schemeClr val="tx1"/>
+                </a:solidFill>
+                <a:latin typeface="+mn-lt"/>
+                <a:ea typeface="+mn-ea"/>
+                <a:cs typeface="+mn-cs"/>
+              </a:defRPr>
+            </a:lvl8pPr>
+            <a:lvl9pPr marL="2130552" indent="-182880" algn="l" rtl="0" eaLnBrk="1" latinLnBrk="0" hangingPunct="1">
+              <a:lnSpc>
+                <a:spcPct val="100000"/>
+              </a:lnSpc>
+              <a:spcBef>
+                <a:spcPct val="20000"/>
+              </a:spcBef>
+              <a:buClr>
+                <a:schemeClr val="accent6"/>
+              </a:buClr>
+              <a:buFont typeface="Wingdings 2"/>
+              <a:buChar char=""/>
+              <a:defRPr kumimoji="1" sz="2000" kern="1200">
+                <a:solidFill>
+                  <a:schemeClr val="tx1"/>
+                </a:solidFill>
+                <a:latin typeface="+mn-lt"/>
+                <a:ea typeface="+mn-ea"/>
+                <a:cs typeface="+mn-cs"/>
+              </a:defRPr>
+            </a:lvl9pPr>
+            <a:extLst/>
+          </a:lstStyle>
+          <a:p>
+            <a:pPr marL="82296" indent="0">
+              <a:buFont typeface="Wingdings 2"/>
+              <a:buNone/>
+            </a:pPr>
+            <a:r>
+              <a:rPr lang="ja-JP" altLang="en-US" dirty="0" smtClean="0"/>
+              <a:t>・タイトル行によって変わる</a:t>
+            </a:r>
+            <a:endParaRPr lang="en-US" altLang="ja-JP" dirty="0" smtClean="0"/>
+          </a:p>
+          <a:p>
+            <a:pPr marL="82296" indent="0">
+              <a:buFont typeface="Wingdings 2"/>
+              <a:buNone/>
+            </a:pPr>
+            <a:r>
+              <a:rPr lang="ja-JP" altLang="en-US" dirty="0" smtClean="0"/>
+              <a:t>・</a:t>
+            </a:r>
+            <a:r>
+              <a:rPr lang="en-US" altLang="ja-JP" dirty="0" smtClean="0"/>
+              <a:t>Excel</a:t>
+            </a:r>
+            <a:r>
+              <a:rPr lang="ja-JP" altLang="en-US" dirty="0" smtClean="0"/>
+              <a:t>方眼紙</a:t>
+            </a:r>
+            <a:r>
+              <a:rPr lang="en-US" altLang="ja-JP" dirty="0" smtClean="0"/>
+              <a:t>()</a:t>
+            </a:r>
+            <a:r>
+              <a:rPr lang="ja-JP" altLang="en-US" dirty="0" smtClean="0"/>
+              <a:t>の行の高さで変わる</a:t>
+            </a:r>
+            <a:endParaRPr lang="en-US" altLang="ja-JP" dirty="0" smtClean="0"/>
+          </a:p>
+          <a:p>
+            <a:pPr marL="82296" indent="0">
+              <a:buFont typeface="Wingdings 2"/>
+              <a:buNone/>
+            </a:pPr>
+            <a:r>
+              <a:rPr lang="ja-JP" altLang="en-US" dirty="0" smtClean="0"/>
+              <a:t>・そもそも印刷サイズによって変わる</a:t>
+            </a:r>
+            <a:endParaRPr lang="en-US" altLang="ja-JP" dirty="0" smtClean="0"/>
+          </a:p>
+          <a:p>
+            <a:pPr marL="82296" indent="0">
+              <a:buFont typeface="Wingdings 2"/>
+              <a:buNone/>
+            </a:pPr>
+            <a:endParaRPr lang="en-US" altLang="ja-JP" dirty="0" smtClean="0"/>
+          </a:p>
+          <a:p>
+            <a:pPr marL="82296" indent="0">
+              <a:buFont typeface="Wingdings 2"/>
+              <a:buNone/>
+            </a:pPr>
+            <a:r>
+              <a:rPr lang="ja-JP" altLang="en-US" dirty="0" smtClean="0"/>
+              <a:t>・最初に完璧なフォーマットを作っても</a:t>
+            </a:r>
+            <a:endParaRPr lang="en-US" altLang="ja-JP" dirty="0" smtClean="0"/>
+          </a:p>
+          <a:p>
+            <a:pPr marL="82296" indent="0">
+              <a:buFont typeface="Wingdings 2"/>
+              <a:buNone/>
+            </a:pPr>
+            <a:r>
+              <a:rPr lang="ja-JP" altLang="en-US" dirty="0"/>
+              <a:t>　</a:t>
+            </a:r>
+            <a:r>
+              <a:rPr lang="ja-JP" altLang="en-US" dirty="0" smtClean="0"/>
+              <a:t>編集者がミスるとずれる</a:t>
+            </a:r>
+            <a:endParaRPr lang="en-US" altLang="ja-JP" dirty="0" smtClean="0"/>
+          </a:p>
+          <a:p>
+            <a:pPr marL="82296" indent="0">
+              <a:buFont typeface="Wingdings 2"/>
+              <a:buNone/>
+            </a:pPr>
+            <a:endParaRPr lang="en-US" altLang="ja-JP" dirty="0" smtClean="0"/>
+          </a:p>
+        </p:txBody>
+      </p:sp>
+    </p:spTree>
+    <p:extLst>
+      <p:ext uri="{BB962C8B-B14F-4D97-AF65-F5344CB8AC3E}">
+        <p14:creationId xmlns:p14="http://schemas.microsoft.com/office/powerpoint/2010/main" val="4019669595"/>
+      </p:ext>
+    </p:extLst>
+  </p:cSld>
+  <p:clrMapOvr>
+    <a:masterClrMapping/>
+  </p:clrMapOvr>
+  <p:timing>
+    <p:tnLst>
+      <p:par>
+        <p:cTn id="1" dur="indefinite" restart="never" nodeType="tmRoot"/>
+      </p:par>
+    </p:tnLst>
+  </p:timing>
+</p:sld>
+</file>
+
+<file path=ppt/slides/slide23.xml><?xml version="1.0" encoding="utf-8"?>
+<p:sld xmlns:a="http://schemas.openxmlformats.org/drawingml/2006/main" xmlns:r="http://schemas.openxmlformats.org/officeDocument/2006/relationships" xmlns:p="http://schemas.openxmlformats.org/presentationml/2006/main">
+  <p:cSld>
+    <p:spTree>
+      <p:nvGrpSpPr>
+        <p:cNvPr id="1" name=""/>
+        <p:cNvGrpSpPr/>
+        <p:nvPr/>
+      </p:nvGrpSpPr>
+      <p:grpSpPr>
+        <a:xfrm>
+          <a:off x="0" y="0"/>
+          <a:ext cx="0" cy="0"/>
+          <a:chOff x="0" y="0"/>
+          <a:chExt cx="0" cy="0"/>
+        </a:xfrm>
+      </p:grpSpPr>
+      <p:sp>
+        <p:nvSpPr>
+          <p:cNvPr id="2" name="タイトル 1"/>
+          <p:cNvSpPr>
+            <a:spLocks noGrp="1"/>
+          </p:cNvSpPr>
+          <p:nvPr>
+            <p:ph type="title"/>
+          </p:nvPr>
+        </p:nvSpPr>
+        <p:spPr/>
+        <p:txBody>
           <a:bodyPr/>
           <a:lstStyle/>
           <a:p>
             <a:r>
               <a:rPr kumimoji="1" lang="ja-JP" altLang="en-US" dirty="0" smtClean="0"/>
-              <a:t>改ページがずれてる</a:t>
+              <a:t>改ページのずれを直す</a:t>
             </a:r>
             <a:endParaRPr kumimoji="1" lang="ja-JP" altLang="en-US" dirty="0"/>
           </a:p>
@@ -9577,7 +10659,7 @@
 </p:sld>
 </file>
 
-<file path=ppt/slides/slide23.xml><?xml version="1.0" encoding="utf-8"?>
+<file path=ppt/slides/slide24.xml><?xml version="1.0" encoding="utf-8"?>
 <p:sld xmlns:a="http://schemas.openxmlformats.org/drawingml/2006/main" xmlns:r="http://schemas.openxmlformats.org/officeDocument/2006/relationships" xmlns:p="http://schemas.openxmlformats.org/presentationml/2006/main">
   <p:cSld>
     <p:spTree>
@@ -9962,7 +11044,7 @@
 </p:sld>
 </file>
 
-<file path=ppt/slides/slide24.xml><?xml version="1.0" encoding="utf-8"?>
+<file path=ppt/slides/slide25.xml><?xml version="1.0" encoding="utf-8"?>
 <p:sld xmlns:a="http://schemas.openxmlformats.org/drawingml/2006/main" xmlns:r="http://schemas.openxmlformats.org/officeDocument/2006/relationships" xmlns:p="http://schemas.openxmlformats.org/presentationml/2006/main">
   <p:cSld>
     <p:spTree>
@@ -10302,107 +11384,6 @@
     <p:extLst>
       <p:ext uri="{BB962C8B-B14F-4D97-AF65-F5344CB8AC3E}">
         <p14:creationId xmlns:p14="http://schemas.microsoft.com/office/powerpoint/2010/main" val="3377537266"/>
-      </p:ext>
-    </p:extLst>
-  </p:cSld>
-  <p:clrMapOvr>
-    <a:masterClrMapping/>
-  </p:clrMapOvr>
-  <p:timing>
-    <p:tnLst>
-      <p:par>
-        <p:cTn id="1" dur="indefinite" restart="never" nodeType="tmRoot"/>
-      </p:par>
-    </p:tnLst>
-  </p:timing>
-</p:sld>
-</file>
-
-<file path=ppt/slides/slide25.xml><?xml version="1.0" encoding="utf-8"?>
-<p:sld xmlns:a="http://schemas.openxmlformats.org/drawingml/2006/main" xmlns:r="http://schemas.openxmlformats.org/officeDocument/2006/relationships" xmlns:p="http://schemas.openxmlformats.org/presentationml/2006/main">
-  <p:cSld>
-    <p:spTree>
-      <p:nvGrpSpPr>
-        <p:cNvPr id="1" name=""/>
-        <p:cNvGrpSpPr/>
-        <p:nvPr/>
-      </p:nvGrpSpPr>
-      <p:grpSpPr>
-        <a:xfrm>
-          <a:off x="0" y="0"/>
-          <a:ext cx="0" cy="0"/>
-          <a:chOff x="0" y="0"/>
-          <a:chExt cx="0" cy="0"/>
-        </a:xfrm>
-      </p:grpSpPr>
-      <p:sp>
-        <p:nvSpPr>
-          <p:cNvPr id="2" name="タイトル 1"/>
-          <p:cNvSpPr>
-            <a:spLocks noGrp="1"/>
-          </p:cNvSpPr>
-          <p:nvPr>
-            <p:ph type="title"/>
-          </p:nvPr>
-        </p:nvSpPr>
-        <p:spPr/>
-        <p:txBody>
-          <a:bodyPr/>
-          <a:lstStyle/>
-          <a:p>
-            <a:endParaRPr kumimoji="1" lang="ja-JP" altLang="en-US" dirty="0"/>
-          </a:p>
-        </p:txBody>
-      </p:sp>
-      <p:sp>
-        <p:nvSpPr>
-          <p:cNvPr id="3" name="コンテンツ プレースホルダー 2"/>
-          <p:cNvSpPr>
-            <a:spLocks noGrp="1"/>
-          </p:cNvSpPr>
-          <p:nvPr>
-            <p:ph idx="1"/>
-          </p:nvPr>
-        </p:nvSpPr>
-        <p:spPr>
-          <a:xfrm>
-            <a:off x="395536" y="1447800"/>
-            <a:ext cx="8136904" cy="4069432"/>
-          </a:xfrm>
-        </p:spPr>
-        <p:txBody>
-          <a:bodyPr>
-            <a:normAutofit/>
-          </a:bodyPr>
-          <a:lstStyle/>
-          <a:p>
-            <a:pPr marL="82296" indent="0" algn="ctr">
-              <a:buNone/>
-            </a:pPr>
-            <a:endParaRPr kumimoji="1" lang="en-US" altLang="ja-JP" sz="4400" dirty="0" smtClean="0"/>
-          </a:p>
-          <a:p>
-            <a:pPr marL="82296" indent="0" algn="ctr">
-              <a:buNone/>
-            </a:pPr>
-            <a:endParaRPr kumimoji="1" lang="en-US" altLang="ja-JP" sz="4400" dirty="0" smtClean="0"/>
-          </a:p>
-          <a:p>
-            <a:pPr marL="82296" indent="0" algn="ctr">
-              <a:buNone/>
-            </a:pPr>
-            <a:r>
-              <a:rPr kumimoji="1" lang="ja-JP" altLang="en-US" sz="4400" dirty="0" smtClean="0"/>
-              <a:t>④まとめ</a:t>
-            </a:r>
-            <a:endParaRPr kumimoji="1" lang="en-US" altLang="ja-JP" sz="4400" dirty="0" smtClean="0"/>
-          </a:p>
-        </p:txBody>
-      </p:sp>
-    </p:spTree>
-    <p:extLst>
-      <p:ext uri="{BB962C8B-B14F-4D97-AF65-F5344CB8AC3E}">
-        <p14:creationId xmlns:p14="http://schemas.microsoft.com/office/powerpoint/2010/main" val="2598387404"/>
       </p:ext>
     </p:extLst>
   </p:cSld>
@@ -10451,309 +11432,59 @@
           <a:bodyPr/>
           <a:lstStyle/>
           <a:p>
-            <a:r>
-              <a:rPr kumimoji="1" lang="ja-JP" altLang="en-US" dirty="0" smtClean="0"/>
-              <a:t>まとめ</a:t>
-            </a:r>
             <a:endParaRPr kumimoji="1" lang="ja-JP" altLang="en-US" dirty="0"/>
           </a:p>
         </p:txBody>
       </p:sp>
       <p:sp>
         <p:nvSpPr>
-          <p:cNvPr id="7" name="コンテンツ プレースホルダー 2"/>
-          <p:cNvSpPr txBox="1">
-            <a:spLocks/>
+          <p:cNvPr id="3" name="コンテンツ プレースホルダー 2"/>
+          <p:cNvSpPr>
+            <a:spLocks noGrp="1"/>
           </p:cNvSpPr>
-          <p:nvPr/>
+          <p:nvPr>
+            <p:ph idx="1"/>
+          </p:nvPr>
         </p:nvSpPr>
         <p:spPr>
           <a:xfrm>
-            <a:off x="467544" y="1124744"/>
-            <a:ext cx="7818072" cy="5544616"/>
+            <a:off x="395536" y="1447800"/>
+            <a:ext cx="8136904" cy="4069432"/>
           </a:xfrm>
-          <a:prstGeom prst="rect">
-            <a:avLst/>
-          </a:prstGeom>
         </p:spPr>
         <p:txBody>
           <a:bodyPr>
             <a:normAutofit/>
           </a:bodyPr>
-          <a:lstStyle>
-            <a:lvl1pPr marL="365760" indent="-283464" algn="l" rtl="0" eaLnBrk="1" latinLnBrk="0" hangingPunct="1">
-              <a:lnSpc>
-                <a:spcPct val="100000"/>
-              </a:lnSpc>
-              <a:spcBef>
-                <a:spcPts val="600"/>
-              </a:spcBef>
-              <a:buClr>
-                <a:schemeClr val="accent1"/>
-              </a:buClr>
-              <a:buSzPct val="80000"/>
-              <a:buFont typeface="Wingdings 2"/>
-              <a:buChar char=""/>
-              <a:defRPr kumimoji="1" sz="3200" kern="1200">
-                <a:solidFill>
-                  <a:schemeClr val="tx1"/>
-                </a:solidFill>
-                <a:latin typeface="+mn-lt"/>
-                <a:ea typeface="+mn-ea"/>
-                <a:cs typeface="+mn-cs"/>
-              </a:defRPr>
-            </a:lvl1pPr>
-            <a:lvl2pPr marL="640080" indent="-237744" algn="l" rtl="0" eaLnBrk="1" latinLnBrk="0" hangingPunct="1">
-              <a:lnSpc>
-                <a:spcPct val="100000"/>
-              </a:lnSpc>
-              <a:spcBef>
-                <a:spcPts val="550"/>
-              </a:spcBef>
-              <a:buClr>
-                <a:schemeClr val="accent1"/>
-              </a:buClr>
-              <a:buFont typeface="Verdana"/>
-              <a:buChar char="◦"/>
-              <a:defRPr kumimoji="1" sz="2800" kern="1200">
-                <a:solidFill>
-                  <a:schemeClr val="tx1"/>
-                </a:solidFill>
-                <a:latin typeface="+mn-lt"/>
-                <a:ea typeface="+mn-ea"/>
-                <a:cs typeface="+mn-cs"/>
-              </a:defRPr>
-            </a:lvl2pPr>
-            <a:lvl3pPr marL="886968" indent="-228600" algn="l" rtl="0" eaLnBrk="1" latinLnBrk="0" hangingPunct="1">
-              <a:lnSpc>
-                <a:spcPct val="100000"/>
-              </a:lnSpc>
-              <a:spcBef>
-                <a:spcPct val="20000"/>
-              </a:spcBef>
-              <a:buClr>
-                <a:schemeClr val="accent2"/>
-              </a:buClr>
-              <a:buFont typeface="Wingdings 2"/>
-              <a:buChar char=""/>
-              <a:defRPr kumimoji="1" sz="2400" kern="1200">
-                <a:solidFill>
-                  <a:schemeClr val="tx1"/>
-                </a:solidFill>
-                <a:latin typeface="+mn-lt"/>
-                <a:ea typeface="+mn-ea"/>
-                <a:cs typeface="+mn-cs"/>
-              </a:defRPr>
-            </a:lvl3pPr>
-            <a:lvl4pPr marL="1097280" indent="-173736" algn="l" rtl="0" eaLnBrk="1" latinLnBrk="0" hangingPunct="1">
-              <a:lnSpc>
-                <a:spcPct val="100000"/>
-              </a:lnSpc>
-              <a:spcBef>
-                <a:spcPct val="20000"/>
-              </a:spcBef>
-              <a:buClr>
-                <a:schemeClr val="accent3"/>
-              </a:buClr>
-              <a:buFont typeface="Wingdings 2"/>
-              <a:buChar char=""/>
-              <a:defRPr kumimoji="1" sz="2000" kern="1200">
-                <a:solidFill>
-                  <a:schemeClr val="tx1"/>
-                </a:solidFill>
-                <a:latin typeface="+mn-lt"/>
-                <a:ea typeface="+mn-ea"/>
-                <a:cs typeface="+mn-cs"/>
-              </a:defRPr>
-            </a:lvl4pPr>
-            <a:lvl5pPr marL="1298448" indent="-182880" algn="l" rtl="0" eaLnBrk="1" latinLnBrk="0" hangingPunct="1">
-              <a:lnSpc>
-                <a:spcPct val="100000"/>
-              </a:lnSpc>
-              <a:spcBef>
-                <a:spcPct val="20000"/>
-              </a:spcBef>
-              <a:buClr>
-                <a:schemeClr val="accent4"/>
-              </a:buClr>
-              <a:buFont typeface="Wingdings 2"/>
-              <a:buChar char=""/>
-              <a:defRPr kumimoji="1" sz="2000" kern="1200">
-                <a:solidFill>
-                  <a:schemeClr val="tx1"/>
-                </a:solidFill>
-                <a:latin typeface="+mn-lt"/>
-                <a:ea typeface="+mn-ea"/>
-                <a:cs typeface="+mn-cs"/>
-              </a:defRPr>
-            </a:lvl5pPr>
-            <a:lvl6pPr marL="1508760" indent="-182880" algn="l" rtl="0" eaLnBrk="1" latinLnBrk="0" hangingPunct="1">
-              <a:lnSpc>
-                <a:spcPct val="100000"/>
-              </a:lnSpc>
-              <a:spcBef>
-                <a:spcPct val="20000"/>
-              </a:spcBef>
-              <a:buClr>
-                <a:schemeClr val="accent5"/>
-              </a:buClr>
-              <a:buFont typeface="Wingdings 2"/>
-              <a:buChar char=""/>
-              <a:defRPr kumimoji="1" sz="2000" kern="1200">
-                <a:solidFill>
-                  <a:schemeClr val="tx1"/>
-                </a:solidFill>
-                <a:latin typeface="+mn-lt"/>
-                <a:ea typeface="+mn-ea"/>
-                <a:cs typeface="+mn-cs"/>
-              </a:defRPr>
-            </a:lvl6pPr>
-            <a:lvl7pPr marL="1719072" indent="-182880" algn="l" rtl="0" eaLnBrk="1" latinLnBrk="0" hangingPunct="1">
-              <a:lnSpc>
-                <a:spcPct val="100000"/>
-              </a:lnSpc>
-              <a:spcBef>
-                <a:spcPct val="20000"/>
-              </a:spcBef>
-              <a:buClr>
-                <a:schemeClr val="accent6"/>
-              </a:buClr>
-              <a:buFont typeface="Wingdings 2"/>
-              <a:buChar char=""/>
-              <a:defRPr kumimoji="1" sz="2000" kern="1200">
-                <a:solidFill>
-                  <a:schemeClr val="tx1"/>
-                </a:solidFill>
-                <a:latin typeface="+mn-lt"/>
-                <a:ea typeface="+mn-ea"/>
-                <a:cs typeface="+mn-cs"/>
-              </a:defRPr>
-            </a:lvl7pPr>
-            <a:lvl8pPr marL="1920240" indent="-182880" algn="l" rtl="0" eaLnBrk="1" latinLnBrk="0" hangingPunct="1">
-              <a:lnSpc>
-                <a:spcPct val="100000"/>
-              </a:lnSpc>
-              <a:spcBef>
-                <a:spcPct val="20000"/>
-              </a:spcBef>
-              <a:buClr>
-                <a:schemeClr val="accent6"/>
-              </a:buClr>
-              <a:buFont typeface="Wingdings 2"/>
-              <a:buChar char=""/>
-              <a:defRPr kumimoji="1" sz="2000" kern="1200">
-                <a:solidFill>
-                  <a:schemeClr val="tx1"/>
-                </a:solidFill>
-                <a:latin typeface="+mn-lt"/>
-                <a:ea typeface="+mn-ea"/>
-                <a:cs typeface="+mn-cs"/>
-              </a:defRPr>
-            </a:lvl8pPr>
-            <a:lvl9pPr marL="2130552" indent="-182880" algn="l" rtl="0" eaLnBrk="1" latinLnBrk="0" hangingPunct="1">
-              <a:lnSpc>
-                <a:spcPct val="100000"/>
-              </a:lnSpc>
-              <a:spcBef>
-                <a:spcPct val="20000"/>
-              </a:spcBef>
-              <a:buClr>
-                <a:schemeClr val="accent6"/>
-              </a:buClr>
-              <a:buFont typeface="Wingdings 2"/>
-              <a:buChar char=""/>
-              <a:defRPr kumimoji="1" sz="2000" kern="1200">
-                <a:solidFill>
-                  <a:schemeClr val="tx1"/>
-                </a:solidFill>
-                <a:latin typeface="+mn-lt"/>
-                <a:ea typeface="+mn-ea"/>
-                <a:cs typeface="+mn-cs"/>
-              </a:defRPr>
-            </a:lvl9pPr>
-            <a:extLst/>
-          </a:lstStyle>
-          <a:p>
-            <a:pPr marL="82296" indent="0">
-              <a:buFont typeface="Wingdings 2"/>
-              <a:buNone/>
-            </a:pPr>
-            <a:r>
-              <a:rPr lang="ja-JP" altLang="en-US" dirty="0" smtClean="0"/>
-              <a:t>・</a:t>
-            </a:r>
-            <a:r>
-              <a:rPr lang="en-US" altLang="ja-JP" dirty="0" smtClean="0"/>
-              <a:t>VBA</a:t>
-            </a:r>
-            <a:r>
-              <a:rPr lang="ja-JP" altLang="en-US" dirty="0" smtClean="0"/>
-              <a:t>と</a:t>
-            </a:r>
-            <a:r>
-              <a:rPr lang="en-US" altLang="ja-JP" dirty="0" smtClean="0"/>
-              <a:t>poi</a:t>
-            </a:r>
-            <a:r>
-              <a:rPr lang="ja-JP" altLang="en-US" dirty="0" smtClean="0"/>
-              <a:t>について雑感</a:t>
-            </a:r>
-            <a:endParaRPr lang="en-US" altLang="ja-JP" dirty="0" smtClean="0"/>
-          </a:p>
-          <a:p>
-            <a:pPr marL="82296" indent="0">
-              <a:buFont typeface="Wingdings 2"/>
-              <a:buNone/>
-            </a:pPr>
-            <a:endParaRPr lang="en-US" altLang="ja-JP" dirty="0"/>
-          </a:p>
-          <a:p>
-            <a:pPr marL="82296" indent="0">
-              <a:buFont typeface="Wingdings 2"/>
-              <a:buNone/>
-            </a:pPr>
-            <a:endParaRPr lang="en-US" altLang="ja-JP" dirty="0" smtClean="0"/>
-          </a:p>
-          <a:p>
-            <a:pPr marL="82296" indent="0">
-              <a:buFont typeface="Wingdings 2"/>
-              <a:buNone/>
-            </a:pPr>
-            <a:r>
-              <a:rPr lang="ja-JP" altLang="en-US" dirty="0" smtClean="0"/>
-              <a:t>・結局</a:t>
-            </a:r>
-            <a:r>
-              <a:rPr lang="en-US" altLang="ja-JP" dirty="0" smtClean="0"/>
-              <a:t>excel</a:t>
-            </a:r>
-            <a:r>
-              <a:rPr lang="ja-JP" altLang="en-US" dirty="0" smtClean="0"/>
-              <a:t>使うのや</a:t>
-            </a:r>
-            <a:r>
-              <a:rPr lang="ja-JP" altLang="en-US" dirty="0" err="1" smtClean="0"/>
-              <a:t>めるんが</a:t>
-            </a:r>
-            <a:r>
-              <a:rPr lang="ja-JP" altLang="en-US" dirty="0" smtClean="0"/>
-              <a:t>一番</a:t>
-            </a:r>
-            <a:endParaRPr lang="en-US" altLang="ja-JP" dirty="0" smtClean="0"/>
-          </a:p>
-          <a:p>
-            <a:pPr marL="82296" indent="0">
-              <a:buFont typeface="Wingdings 2"/>
-              <a:buNone/>
-            </a:pPr>
-            <a:endParaRPr lang="en-US" altLang="ja-JP" dirty="0"/>
+          <a:lstStyle/>
+          <a:p>
+            <a:pPr marL="82296" indent="0" algn="ctr">
+              <a:buNone/>
+            </a:pPr>
+            <a:endParaRPr kumimoji="1" lang="en-US" altLang="ja-JP" sz="4400" dirty="0" smtClean="0"/>
+          </a:p>
+          <a:p>
+            <a:pPr marL="82296" indent="0" algn="ctr">
+              <a:buNone/>
+            </a:pPr>
+            <a:endParaRPr kumimoji="1" lang="en-US" altLang="ja-JP" sz="4400" dirty="0" smtClean="0"/>
+          </a:p>
+          <a:p>
+            <a:pPr marL="82296" indent="0" algn="ctr">
+              <a:buNone/>
+            </a:pPr>
+            <a:r>
+              <a:rPr kumimoji="1" lang="ja-JP" altLang="en-US" sz="4400" dirty="0" smtClean="0"/>
+              <a:t>④まとめ</a:t>
+            </a:r>
+            <a:endParaRPr kumimoji="1" lang="en-US" altLang="ja-JP" sz="4400" dirty="0" smtClean="0"/>
           </a:p>
         </p:txBody>
       </p:sp>
     </p:spTree>
     <p:extLst>
       <p:ext uri="{BB962C8B-B14F-4D97-AF65-F5344CB8AC3E}">
-        <p14:creationId xmlns:p14="http://schemas.microsoft.com/office/powerpoint/2010/main" val="1358451711"/>
+        <p14:creationId xmlns:p14="http://schemas.microsoft.com/office/powerpoint/2010/main" val="2598387404"/>
       </p:ext>
     </p:extLst>
   </p:cSld>
@@ -10802,59 +11533,346 @@
           <a:bodyPr/>
           <a:lstStyle/>
           <a:p>
+            <a:r>
+              <a:rPr kumimoji="1" lang="ja-JP" altLang="en-US" dirty="0" smtClean="0"/>
+              <a:t>まとめ</a:t>
+            </a:r>
             <a:endParaRPr kumimoji="1" lang="ja-JP" altLang="en-US" dirty="0"/>
           </a:p>
         </p:txBody>
       </p:sp>
       <p:sp>
         <p:nvSpPr>
-          <p:cNvPr id="3" name="コンテンツ プレースホルダー 2"/>
-          <p:cNvSpPr>
-            <a:spLocks noGrp="1"/>
+          <p:cNvPr id="7" name="コンテンツ プレースホルダー 2"/>
+          <p:cNvSpPr txBox="1">
+            <a:spLocks/>
           </p:cNvSpPr>
-          <p:nvPr>
-            <p:ph idx="1"/>
-          </p:nvPr>
+          <p:nvPr/>
         </p:nvSpPr>
         <p:spPr>
           <a:xfrm>
-            <a:off x="395536" y="1447800"/>
-            <a:ext cx="8136904" cy="4069432"/>
+            <a:off x="467544" y="1124744"/>
+            <a:ext cx="7818072" cy="5544616"/>
           </a:xfrm>
+          <a:prstGeom prst="rect">
+            <a:avLst/>
+          </a:prstGeom>
         </p:spPr>
         <p:txBody>
           <a:bodyPr>
             <a:normAutofit/>
           </a:bodyPr>
-          <a:lstStyle/>
+          <a:lstStyle>
+            <a:lvl1pPr marL="365760" indent="-283464" algn="l" rtl="0" eaLnBrk="1" latinLnBrk="0" hangingPunct="1">
+              <a:lnSpc>
+                <a:spcPct val="100000"/>
+              </a:lnSpc>
+              <a:spcBef>
+                <a:spcPts val="600"/>
+              </a:spcBef>
+              <a:buClr>
+                <a:schemeClr val="accent1"/>
+              </a:buClr>
+              <a:buSzPct val="80000"/>
+              <a:buFont typeface="Wingdings 2"/>
+              <a:buChar char=""/>
+              <a:defRPr kumimoji="1" sz="3200" kern="1200">
+                <a:solidFill>
+                  <a:schemeClr val="tx1"/>
+                </a:solidFill>
+                <a:latin typeface="+mn-lt"/>
+                <a:ea typeface="+mn-ea"/>
+                <a:cs typeface="+mn-cs"/>
+              </a:defRPr>
+            </a:lvl1pPr>
+            <a:lvl2pPr marL="640080" indent="-237744" algn="l" rtl="0" eaLnBrk="1" latinLnBrk="0" hangingPunct="1">
+              <a:lnSpc>
+                <a:spcPct val="100000"/>
+              </a:lnSpc>
+              <a:spcBef>
+                <a:spcPts val="550"/>
+              </a:spcBef>
+              <a:buClr>
+                <a:schemeClr val="accent1"/>
+              </a:buClr>
+              <a:buFont typeface="Verdana"/>
+              <a:buChar char="◦"/>
+              <a:defRPr kumimoji="1" sz="2800" kern="1200">
+                <a:solidFill>
+                  <a:schemeClr val="tx1"/>
+                </a:solidFill>
+                <a:latin typeface="+mn-lt"/>
+                <a:ea typeface="+mn-ea"/>
+                <a:cs typeface="+mn-cs"/>
+              </a:defRPr>
+            </a:lvl2pPr>
+            <a:lvl3pPr marL="886968" indent="-228600" algn="l" rtl="0" eaLnBrk="1" latinLnBrk="0" hangingPunct="1">
+              <a:lnSpc>
+                <a:spcPct val="100000"/>
+              </a:lnSpc>
+              <a:spcBef>
+                <a:spcPct val="20000"/>
+              </a:spcBef>
+              <a:buClr>
+                <a:schemeClr val="accent2"/>
+              </a:buClr>
+              <a:buFont typeface="Wingdings 2"/>
+              <a:buChar char=""/>
+              <a:defRPr kumimoji="1" sz="2400" kern="1200">
+                <a:solidFill>
+                  <a:schemeClr val="tx1"/>
+                </a:solidFill>
+                <a:latin typeface="+mn-lt"/>
+                <a:ea typeface="+mn-ea"/>
+                <a:cs typeface="+mn-cs"/>
+              </a:defRPr>
+            </a:lvl3pPr>
+            <a:lvl4pPr marL="1097280" indent="-173736" algn="l" rtl="0" eaLnBrk="1" latinLnBrk="0" hangingPunct="1">
+              <a:lnSpc>
+                <a:spcPct val="100000"/>
+              </a:lnSpc>
+              <a:spcBef>
+                <a:spcPct val="20000"/>
+              </a:spcBef>
+              <a:buClr>
+                <a:schemeClr val="accent3"/>
+              </a:buClr>
+              <a:buFont typeface="Wingdings 2"/>
+              <a:buChar char=""/>
+              <a:defRPr kumimoji="1" sz="2000" kern="1200">
+                <a:solidFill>
+                  <a:schemeClr val="tx1"/>
+                </a:solidFill>
+                <a:latin typeface="+mn-lt"/>
+                <a:ea typeface="+mn-ea"/>
+                <a:cs typeface="+mn-cs"/>
+              </a:defRPr>
+            </a:lvl4pPr>
+            <a:lvl5pPr marL="1298448" indent="-182880" algn="l" rtl="0" eaLnBrk="1" latinLnBrk="0" hangingPunct="1">
+              <a:lnSpc>
+                <a:spcPct val="100000"/>
+              </a:lnSpc>
+              <a:spcBef>
+                <a:spcPct val="20000"/>
+              </a:spcBef>
+              <a:buClr>
+                <a:schemeClr val="accent4"/>
+              </a:buClr>
+              <a:buFont typeface="Wingdings 2"/>
+              <a:buChar char=""/>
+              <a:defRPr kumimoji="1" sz="2000" kern="1200">
+                <a:solidFill>
+                  <a:schemeClr val="tx1"/>
+                </a:solidFill>
+                <a:latin typeface="+mn-lt"/>
+                <a:ea typeface="+mn-ea"/>
+                <a:cs typeface="+mn-cs"/>
+              </a:defRPr>
+            </a:lvl5pPr>
+            <a:lvl6pPr marL="1508760" indent="-182880" algn="l" rtl="0" eaLnBrk="1" latinLnBrk="0" hangingPunct="1">
+              <a:lnSpc>
+                <a:spcPct val="100000"/>
+              </a:lnSpc>
+              <a:spcBef>
+                <a:spcPct val="20000"/>
+              </a:spcBef>
+              <a:buClr>
+                <a:schemeClr val="accent5"/>
+              </a:buClr>
+              <a:buFont typeface="Wingdings 2"/>
+              <a:buChar char=""/>
+              <a:defRPr kumimoji="1" sz="2000" kern="1200">
+                <a:solidFill>
+                  <a:schemeClr val="tx1"/>
+                </a:solidFill>
+                <a:latin typeface="+mn-lt"/>
+                <a:ea typeface="+mn-ea"/>
+                <a:cs typeface="+mn-cs"/>
+              </a:defRPr>
+            </a:lvl6pPr>
+            <a:lvl7pPr marL="1719072" indent="-182880" algn="l" rtl="0" eaLnBrk="1" latinLnBrk="0" hangingPunct="1">
+              <a:lnSpc>
+                <a:spcPct val="100000"/>
+              </a:lnSpc>
+              <a:spcBef>
+                <a:spcPct val="20000"/>
+              </a:spcBef>
+              <a:buClr>
+                <a:schemeClr val="accent6"/>
+              </a:buClr>
+              <a:buFont typeface="Wingdings 2"/>
+              <a:buChar char=""/>
+              <a:defRPr kumimoji="1" sz="2000" kern="1200">
+                <a:solidFill>
+                  <a:schemeClr val="tx1"/>
+                </a:solidFill>
+                <a:latin typeface="+mn-lt"/>
+                <a:ea typeface="+mn-ea"/>
+                <a:cs typeface="+mn-cs"/>
+              </a:defRPr>
+            </a:lvl7pPr>
+            <a:lvl8pPr marL="1920240" indent="-182880" algn="l" rtl="0" eaLnBrk="1" latinLnBrk="0" hangingPunct="1">
+              <a:lnSpc>
+                <a:spcPct val="100000"/>
+              </a:lnSpc>
+              <a:spcBef>
+                <a:spcPct val="20000"/>
+              </a:spcBef>
+              <a:buClr>
+                <a:schemeClr val="accent6"/>
+              </a:buClr>
+              <a:buFont typeface="Wingdings 2"/>
+              <a:buChar char=""/>
+              <a:defRPr kumimoji="1" sz="2000" kern="1200">
+                <a:solidFill>
+                  <a:schemeClr val="tx1"/>
+                </a:solidFill>
+                <a:latin typeface="+mn-lt"/>
+                <a:ea typeface="+mn-ea"/>
+                <a:cs typeface="+mn-cs"/>
+              </a:defRPr>
+            </a:lvl8pPr>
+            <a:lvl9pPr marL="2130552" indent="-182880" algn="l" rtl="0" eaLnBrk="1" latinLnBrk="0" hangingPunct="1">
+              <a:lnSpc>
+                <a:spcPct val="100000"/>
+              </a:lnSpc>
+              <a:spcBef>
+                <a:spcPct val="20000"/>
+              </a:spcBef>
+              <a:buClr>
+                <a:schemeClr val="accent6"/>
+              </a:buClr>
+              <a:buFont typeface="Wingdings 2"/>
+              <a:buChar char=""/>
+              <a:defRPr kumimoji="1" sz="2000" kern="1200">
+                <a:solidFill>
+                  <a:schemeClr val="tx1"/>
+                </a:solidFill>
+                <a:latin typeface="+mn-lt"/>
+                <a:ea typeface="+mn-ea"/>
+                <a:cs typeface="+mn-cs"/>
+              </a:defRPr>
+            </a:lvl9pPr>
+            <a:extLst/>
+          </a:lstStyle>
+          <a:p>
+            <a:pPr marL="82296" indent="0">
+              <a:buFont typeface="Wingdings 2"/>
+              <a:buNone/>
+            </a:pPr>
+            <a:endParaRPr lang="en-US" altLang="ja-JP" dirty="0" smtClean="0"/>
+          </a:p>
+          <a:p>
+            <a:pPr marL="82296" indent="0">
+              <a:buFont typeface="Wingdings 2"/>
+              <a:buNone/>
+            </a:pPr>
+            <a:r>
+              <a:rPr lang="en-US" altLang="ja-JP" dirty="0" smtClean="0"/>
+              <a:t>Excel</a:t>
+            </a:r>
+            <a:r>
+              <a:rPr lang="ja-JP" altLang="en-US" dirty="0" smtClean="0"/>
+              <a:t>は表計算ソフトであり</a:t>
+            </a:r>
+            <a:endParaRPr lang="en-US" altLang="ja-JP" dirty="0" smtClean="0"/>
+          </a:p>
+          <a:p>
+            <a:pPr marL="82296" indent="0">
+              <a:buFont typeface="Wingdings 2"/>
+              <a:buNone/>
+            </a:pPr>
+            <a:r>
+              <a:rPr lang="ja-JP" altLang="en-US" dirty="0" smtClean="0"/>
+              <a:t>ドキュメント執筆</a:t>
+            </a:r>
+            <a:r>
+              <a:rPr lang="ja-JP" altLang="en-US" dirty="0"/>
+              <a:t>ソフト</a:t>
+            </a:r>
+            <a:r>
+              <a:rPr lang="ja-JP" altLang="en-US" dirty="0" smtClean="0"/>
+              <a:t>ではありません。</a:t>
+            </a:r>
+            <a:endParaRPr lang="en-US" altLang="ja-JP" dirty="0"/>
+          </a:p>
+          <a:p>
+            <a:pPr marL="82296" indent="0">
+              <a:buFont typeface="Wingdings 2"/>
+              <a:buNone/>
+            </a:pPr>
+            <a:endParaRPr lang="en-US" altLang="ja-JP" dirty="0" smtClean="0"/>
+          </a:p>
+          <a:p>
+            <a:pPr marL="82296" indent="0">
+              <a:buFont typeface="Wingdings 2"/>
+              <a:buNone/>
+            </a:pPr>
+            <a:endParaRPr lang="en-US" altLang="ja-JP" dirty="0"/>
+          </a:p>
           <a:p>
             <a:pPr marL="82296" indent="0" algn="ctr">
-              <a:buNone/>
-            </a:pPr>
-            <a:endParaRPr kumimoji="1" lang="en-US" altLang="ja-JP" sz="4400" dirty="0" smtClean="0"/>
-          </a:p>
-          <a:p>
-            <a:pPr marL="82296" indent="0" algn="ctr">
-              <a:buNone/>
-            </a:pPr>
-            <a:endParaRPr kumimoji="1" lang="en-US" altLang="ja-JP" sz="4400" dirty="0" smtClean="0"/>
-          </a:p>
-          <a:p>
-            <a:pPr marL="82296" indent="0" algn="ctr">
-              <a:buNone/>
-            </a:pPr>
-            <a:r>
-              <a:rPr kumimoji="1" lang="ja-JP" altLang="en-US" sz="4400" dirty="0" smtClean="0"/>
-              <a:t>⑤大塚駅ランチ</a:t>
-            </a:r>
-            <a:endParaRPr kumimoji="1" lang="en-US" altLang="ja-JP" sz="4400" dirty="0" smtClean="0"/>
+              <a:buFont typeface="Wingdings 2"/>
+              <a:buNone/>
+            </a:pPr>
+            <a:r>
+              <a:rPr lang="ja-JP" altLang="en-US" sz="4000" b="1" dirty="0" smtClean="0"/>
+              <a:t>結局</a:t>
+            </a:r>
+            <a:r>
+              <a:rPr lang="en-US" altLang="ja-JP" sz="4000" b="1" dirty="0" smtClean="0"/>
+              <a:t>excel</a:t>
+            </a:r>
+            <a:r>
+              <a:rPr lang="ja-JP" altLang="en-US" sz="4000" b="1" dirty="0" err="1" smtClean="0"/>
+              <a:t>使うの</a:t>
+            </a:r>
+            <a:r>
+              <a:rPr lang="ja-JP" altLang="en-US" sz="4000" b="1" dirty="0" smtClean="0"/>
+              <a:t>やめるのが</a:t>
+            </a:r>
+            <a:r>
+              <a:rPr lang="ja-JP" altLang="en-US" sz="4000" b="1" dirty="0" smtClean="0"/>
+              <a:t>一番</a:t>
+            </a:r>
+            <a:endParaRPr lang="en-US" altLang="ja-JP" sz="4000" b="1" dirty="0" smtClean="0"/>
+          </a:p>
+          <a:p>
+            <a:pPr marL="82296" indent="0">
+              <a:buFont typeface="Wingdings 2"/>
+              <a:buNone/>
+            </a:pPr>
+            <a:endParaRPr lang="en-US" altLang="ja-JP" dirty="0" smtClean="0"/>
+          </a:p>
+          <a:p>
+            <a:pPr marL="82296" indent="0">
+              <a:buFont typeface="Wingdings 2"/>
+              <a:buNone/>
+            </a:pPr>
+            <a:r>
+              <a:rPr lang="ja-JP" altLang="en-US" dirty="0" smtClean="0"/>
+              <a:t>そんな組織になっていくと良いですね</a:t>
+            </a:r>
+            <a:r>
+              <a:rPr lang="en-US" altLang="ja-JP" dirty="0" smtClean="0"/>
+              <a:t>(</a:t>
+            </a:r>
+            <a:r>
+              <a:rPr lang="ja-JP" altLang="en-US" dirty="0" smtClean="0"/>
+              <a:t>遠い目</a:t>
+            </a:r>
+            <a:r>
+              <a:rPr lang="en-US" altLang="ja-JP" dirty="0" smtClean="0"/>
+              <a:t>)</a:t>
+            </a:r>
+            <a:endParaRPr lang="en-US" altLang="ja-JP" dirty="0"/>
           </a:p>
         </p:txBody>
       </p:sp>
     </p:spTree>
     <p:extLst>
       <p:ext uri="{BB962C8B-B14F-4D97-AF65-F5344CB8AC3E}">
-        <p14:creationId xmlns:p14="http://schemas.microsoft.com/office/powerpoint/2010/main" val="4024685519"/>
+        <p14:creationId xmlns:p14="http://schemas.microsoft.com/office/powerpoint/2010/main" val="1358451711"/>
       </p:ext>
     </p:extLst>
   </p:cSld>
@@ -10904,8 +11922,20 @@
           <a:lstStyle/>
           <a:p>
             <a:r>
+              <a:rPr kumimoji="1" lang="en-US" altLang="ja-JP" dirty="0" smtClean="0"/>
+              <a:t>VBA</a:t>
+            </a:r>
+            <a:r>
               <a:rPr kumimoji="1" lang="ja-JP" altLang="en-US" dirty="0" smtClean="0"/>
-              <a:t>煮干しそば暁</a:t>
+              <a:t>と</a:t>
+            </a:r>
+            <a:r>
+              <a:rPr kumimoji="1" lang="en-US" altLang="ja-JP" dirty="0" smtClean="0"/>
+              <a:t>poi</a:t>
+            </a:r>
+            <a:r>
+              <a:rPr kumimoji="1" lang="ja-JP" altLang="en-US" dirty="0" smtClean="0"/>
+              <a:t>について</a:t>
             </a:r>
             <a:endParaRPr kumimoji="1" lang="ja-JP" altLang="en-US" dirty="0"/>
           </a:p>
@@ -10922,7 +11952,7 @@
         <p:spPr>
           <a:xfrm>
             <a:off x="467544" y="1124744"/>
-            <a:ext cx="8676456" cy="3024336"/>
+            <a:ext cx="8676456" cy="5544616"/>
           </a:xfrm>
           <a:prstGeom prst="rect">
             <a:avLst/>
@@ -11132,9 +12162,86 @@
             </a:pPr>
             <a:r>
               <a:rPr lang="ja-JP" altLang="en-US" dirty="0" smtClean="0"/>
-              <a:t>・基本は魚介系ラーメン</a:t>
+              <a:t>■</a:t>
+            </a:r>
+            <a:r>
+              <a:rPr lang="en-US" altLang="ja-JP" dirty="0" smtClean="0"/>
+              <a:t>VBA</a:t>
+            </a:r>
+          </a:p>
+          <a:p>
+            <a:pPr marL="82296" indent="0">
+              <a:buFont typeface="Wingdings 2"/>
+              <a:buNone/>
+            </a:pPr>
+            <a:r>
+              <a:rPr lang="ja-JP" altLang="en-US" dirty="0" smtClean="0"/>
+              <a:t>・修正処理は早い</a:t>
+            </a:r>
+            <a:endParaRPr lang="en-US" altLang="ja-JP" dirty="0"/>
+          </a:p>
+          <a:p>
+            <a:pPr marL="82296" indent="0">
+              <a:buFont typeface="Wingdings 2"/>
+              <a:buNone/>
+            </a:pPr>
+            <a:r>
+              <a:rPr lang="ja-JP" altLang="en-US" dirty="0" smtClean="0"/>
+              <a:t>・いちいちブックを開くので別の作業しづらい？</a:t>
             </a:r>
             <a:endParaRPr lang="en-US" altLang="ja-JP" dirty="0" smtClean="0"/>
+          </a:p>
+          <a:p>
+            <a:pPr marL="82296" indent="0">
+              <a:buFont typeface="Wingdings 2"/>
+              <a:buNone/>
+            </a:pPr>
+            <a:r>
+              <a:rPr lang="ja-JP" altLang="en-US" dirty="0" smtClean="0"/>
+              <a:t>・ボタンとか作れば他人に使ってもらいやすい</a:t>
+            </a:r>
+            <a:endParaRPr lang="en-US" altLang="ja-JP" dirty="0" smtClean="0"/>
+          </a:p>
+          <a:p>
+            <a:pPr marL="82296" indent="0">
+              <a:buFont typeface="Wingdings 2"/>
+              <a:buNone/>
+            </a:pPr>
+            <a:endParaRPr lang="en-US" altLang="ja-JP" dirty="0"/>
+          </a:p>
+          <a:p>
+            <a:pPr marL="82296" indent="0">
+              <a:buFont typeface="Wingdings 2"/>
+              <a:buNone/>
+            </a:pPr>
+            <a:r>
+              <a:rPr lang="ja-JP" altLang="en-US" dirty="0"/>
+              <a:t>■</a:t>
+            </a:r>
+            <a:r>
+              <a:rPr lang="en-US" altLang="ja-JP" dirty="0" smtClean="0"/>
+              <a:t>poi</a:t>
+            </a:r>
+            <a:endParaRPr lang="en-US" altLang="ja-JP" dirty="0" smtClean="0"/>
+          </a:p>
+          <a:p>
+            <a:pPr marL="82296" indent="0">
+              <a:buFont typeface="Wingdings 2"/>
+              <a:buNone/>
+            </a:pPr>
+            <a:r>
+              <a:rPr lang="ja-JP" altLang="en-US" dirty="0" smtClean="0"/>
+              <a:t>・大きな処理すると重</a:t>
+            </a:r>
+            <a:r>
+              <a:rPr lang="ja-JP" altLang="en-US" dirty="0"/>
+              <a:t>い</a:t>
+            </a:r>
+            <a:r>
+              <a:rPr lang="ja-JP" altLang="en-US" dirty="0" smtClean="0"/>
+              <a:t>かも</a:t>
+            </a:r>
+            <a:endParaRPr lang="en-US" altLang="ja-JP" dirty="0"/>
           </a:p>
           <a:p>
             <a:pPr marL="82296" indent="0">
@@ -11147,100 +12254,31 @@
             </a:r>
             <a:r>
               <a:rPr lang="en-US" altLang="ja-JP" dirty="0" smtClean="0"/>
-              <a:t>”</a:t>
+              <a:t>Excel</a:t>
             </a:r>
             <a:r>
               <a:rPr lang="ja-JP" altLang="en-US" dirty="0" smtClean="0"/>
-              <a:t>塩分や脂分に頼らず旨味で勝負</a:t>
-            </a:r>
-            <a:r>
-              <a:rPr lang="en-US" altLang="ja-JP" dirty="0" smtClean="0"/>
-              <a:t>”</a:t>
-            </a:r>
-          </a:p>
-          <a:p>
-            <a:pPr marL="82296" indent="0">
-              <a:buFont typeface="Wingdings 2"/>
-              <a:buNone/>
-            </a:pPr>
-            <a:r>
-              <a:rPr lang="ja-JP" altLang="en-US" dirty="0"/>
-              <a:t>　</a:t>
-            </a:r>
+              <a:t>プロセスは立ち上がらないので便利</a:t>
+            </a:r>
+            <a:endParaRPr lang="en-US" altLang="ja-JP" dirty="0" smtClean="0"/>
+          </a:p>
+          <a:p>
+            <a:pPr marL="82296" indent="0">
+              <a:buFont typeface="Wingdings 2"/>
+              <a:buNone/>
+            </a:pPr>
             <a:r>
               <a:rPr lang="ja-JP" altLang="en-US" dirty="0" smtClean="0"/>
-              <a:t>の店主の自身にも納得の味</a:t>
-            </a:r>
-            <a:endParaRPr lang="en-US" altLang="ja-JP" dirty="0" smtClean="0"/>
-          </a:p>
-          <a:p>
-            <a:pPr marL="82296" indent="0">
-              <a:buFont typeface="Wingdings 2"/>
-              <a:buNone/>
-            </a:pPr>
-            <a:r>
-              <a:rPr lang="ja-JP" altLang="en-US" dirty="0" smtClean="0"/>
-              <a:t>・立地が悪めなおかげで混まないのも</a:t>
-            </a:r>
-            <a:r>
-              <a:rPr lang="en-US" altLang="ja-JP" dirty="0" smtClean="0"/>
-              <a:t>good</a:t>
-            </a:r>
-          </a:p>
-          <a:p>
-            <a:pPr marL="82296" indent="0">
-              <a:buFont typeface="Wingdings 2"/>
-              <a:buNone/>
-            </a:pPr>
-            <a:r>
-              <a:rPr lang="ja-JP" altLang="en-US" dirty="0" smtClean="0"/>
-              <a:t>・個人的に一押し</a:t>
-            </a:r>
-            <a:endParaRPr lang="en-US" altLang="ja-JP" dirty="0" smtClean="0"/>
-          </a:p>
-          <a:p>
-            <a:pPr marL="82296" indent="0">
-              <a:buFont typeface="Wingdings 2"/>
-              <a:buNone/>
-            </a:pPr>
+              <a:t>・他人に使わせるハードルは高い</a:t>
+            </a:r>
             <a:endParaRPr lang="en-US" altLang="ja-JP" dirty="0"/>
           </a:p>
         </p:txBody>
       </p:sp>
-      <p:pic>
-        <p:nvPicPr>
-          <p:cNvPr id="4" name="図 3"/>
-          <p:cNvPicPr>
-            <a:picLocks noChangeAspect="1"/>
-          </p:cNvPicPr>
-          <p:nvPr/>
-        </p:nvPicPr>
-        <p:blipFill>
-          <a:blip r:embed="rId2" cstate="print">
-            <a:extLst>
-              <a:ext uri="{28A0092B-C50C-407E-A947-70E740481C1C}">
-                <a14:useLocalDpi xmlns:a14="http://schemas.microsoft.com/office/drawing/2010/main" val="0"/>
-              </a:ext>
-            </a:extLst>
-          </a:blip>
-          <a:stretch>
-            <a:fillRect/>
-          </a:stretch>
-        </p:blipFill>
-        <p:spPr>
-          <a:xfrm>
-            <a:off x="6156176" y="3597019"/>
-            <a:ext cx="2304256" cy="3072341"/>
-          </a:xfrm>
-          <a:prstGeom prst="rect">
-            <a:avLst/>
-          </a:prstGeom>
-        </p:spPr>
-      </p:pic>
     </p:spTree>
     <p:extLst>
       <p:ext uri="{BB962C8B-B14F-4D97-AF65-F5344CB8AC3E}">
-        <p14:creationId xmlns:p14="http://schemas.microsoft.com/office/powerpoint/2010/main" val="1726105602"/>
+        <p14:creationId xmlns:p14="http://schemas.microsoft.com/office/powerpoint/2010/main" val="1340301543"/>
       </p:ext>
     </p:extLst>
   </p:cSld>
@@ -11289,342 +12327,63 @@
           <a:bodyPr/>
           <a:lstStyle/>
           <a:p>
-            <a:r>
-              <a:rPr lang="ja-JP" altLang="en-US" dirty="0" smtClean="0"/>
-              <a:t>洋食</a:t>
-            </a:r>
-            <a:r>
-              <a:rPr lang="en-US" altLang="ja-JP" dirty="0" smtClean="0"/>
-              <a:t>GOTTO</a:t>
-            </a:r>
             <a:endParaRPr kumimoji="1" lang="ja-JP" altLang="en-US" dirty="0"/>
           </a:p>
         </p:txBody>
       </p:sp>
       <p:sp>
         <p:nvSpPr>
-          <p:cNvPr id="7" name="コンテンツ プレースホルダー 2"/>
-          <p:cNvSpPr txBox="1">
-            <a:spLocks/>
+          <p:cNvPr id="3" name="コンテンツ プレースホルダー 2"/>
+          <p:cNvSpPr>
+            <a:spLocks noGrp="1"/>
           </p:cNvSpPr>
-          <p:nvPr/>
+          <p:nvPr>
+            <p:ph idx="1"/>
+          </p:nvPr>
         </p:nvSpPr>
         <p:spPr>
           <a:xfrm>
-            <a:off x="467544" y="1124744"/>
-            <a:ext cx="7818072" cy="5544616"/>
+            <a:off x="395536" y="1447800"/>
+            <a:ext cx="8136904" cy="4069432"/>
           </a:xfrm>
-          <a:prstGeom prst="rect">
-            <a:avLst/>
-          </a:prstGeom>
         </p:spPr>
         <p:txBody>
           <a:bodyPr>
             <a:normAutofit/>
           </a:bodyPr>
-          <a:lstStyle>
-            <a:lvl1pPr marL="365760" indent="-283464" algn="l" rtl="0" eaLnBrk="1" latinLnBrk="0" hangingPunct="1">
-              <a:lnSpc>
-                <a:spcPct val="100000"/>
-              </a:lnSpc>
-              <a:spcBef>
-                <a:spcPts val="600"/>
-              </a:spcBef>
-              <a:buClr>
-                <a:schemeClr val="accent1"/>
-              </a:buClr>
-              <a:buSzPct val="80000"/>
-              <a:buFont typeface="Wingdings 2"/>
-              <a:buChar char=""/>
-              <a:defRPr kumimoji="1" sz="3200" kern="1200">
-                <a:solidFill>
-                  <a:schemeClr val="tx1"/>
-                </a:solidFill>
-                <a:latin typeface="+mn-lt"/>
-                <a:ea typeface="+mn-ea"/>
-                <a:cs typeface="+mn-cs"/>
-              </a:defRPr>
-            </a:lvl1pPr>
-            <a:lvl2pPr marL="640080" indent="-237744" algn="l" rtl="0" eaLnBrk="1" latinLnBrk="0" hangingPunct="1">
-              <a:lnSpc>
-                <a:spcPct val="100000"/>
-              </a:lnSpc>
-              <a:spcBef>
-                <a:spcPts val="550"/>
-              </a:spcBef>
-              <a:buClr>
-                <a:schemeClr val="accent1"/>
-              </a:buClr>
-              <a:buFont typeface="Verdana"/>
-              <a:buChar char="◦"/>
-              <a:defRPr kumimoji="1" sz="2800" kern="1200">
-                <a:solidFill>
-                  <a:schemeClr val="tx1"/>
-                </a:solidFill>
-                <a:latin typeface="+mn-lt"/>
-                <a:ea typeface="+mn-ea"/>
-                <a:cs typeface="+mn-cs"/>
-              </a:defRPr>
-            </a:lvl2pPr>
-            <a:lvl3pPr marL="886968" indent="-228600" algn="l" rtl="0" eaLnBrk="1" latinLnBrk="0" hangingPunct="1">
-              <a:lnSpc>
-                <a:spcPct val="100000"/>
-              </a:lnSpc>
-              <a:spcBef>
-                <a:spcPct val="20000"/>
-              </a:spcBef>
-              <a:buClr>
-                <a:schemeClr val="accent2"/>
-              </a:buClr>
-              <a:buFont typeface="Wingdings 2"/>
-              <a:buChar char=""/>
-              <a:defRPr kumimoji="1" sz="2400" kern="1200">
-                <a:solidFill>
-                  <a:schemeClr val="tx1"/>
-                </a:solidFill>
-                <a:latin typeface="+mn-lt"/>
-                <a:ea typeface="+mn-ea"/>
-                <a:cs typeface="+mn-cs"/>
-              </a:defRPr>
-            </a:lvl3pPr>
-            <a:lvl4pPr marL="1097280" indent="-173736" algn="l" rtl="0" eaLnBrk="1" latinLnBrk="0" hangingPunct="1">
-              <a:lnSpc>
-                <a:spcPct val="100000"/>
-              </a:lnSpc>
-              <a:spcBef>
-                <a:spcPct val="20000"/>
-              </a:spcBef>
-              <a:buClr>
-                <a:schemeClr val="accent3"/>
-              </a:buClr>
-              <a:buFont typeface="Wingdings 2"/>
-              <a:buChar char=""/>
-              <a:defRPr kumimoji="1" sz="2000" kern="1200">
-                <a:solidFill>
-                  <a:schemeClr val="tx1"/>
-                </a:solidFill>
-                <a:latin typeface="+mn-lt"/>
-                <a:ea typeface="+mn-ea"/>
-                <a:cs typeface="+mn-cs"/>
-              </a:defRPr>
-            </a:lvl4pPr>
-            <a:lvl5pPr marL="1298448" indent="-182880" algn="l" rtl="0" eaLnBrk="1" latinLnBrk="0" hangingPunct="1">
-              <a:lnSpc>
-                <a:spcPct val="100000"/>
-              </a:lnSpc>
-              <a:spcBef>
-                <a:spcPct val="20000"/>
-              </a:spcBef>
-              <a:buClr>
-                <a:schemeClr val="accent4"/>
-              </a:buClr>
-              <a:buFont typeface="Wingdings 2"/>
-              <a:buChar char=""/>
-              <a:defRPr kumimoji="1" sz="2000" kern="1200">
-                <a:solidFill>
-                  <a:schemeClr val="tx1"/>
-                </a:solidFill>
-                <a:latin typeface="+mn-lt"/>
-                <a:ea typeface="+mn-ea"/>
-                <a:cs typeface="+mn-cs"/>
-              </a:defRPr>
-            </a:lvl5pPr>
-            <a:lvl6pPr marL="1508760" indent="-182880" algn="l" rtl="0" eaLnBrk="1" latinLnBrk="0" hangingPunct="1">
-              <a:lnSpc>
-                <a:spcPct val="100000"/>
-              </a:lnSpc>
-              <a:spcBef>
-                <a:spcPct val="20000"/>
-              </a:spcBef>
-              <a:buClr>
-                <a:schemeClr val="accent5"/>
-              </a:buClr>
-              <a:buFont typeface="Wingdings 2"/>
-              <a:buChar char=""/>
-              <a:defRPr kumimoji="1" sz="2000" kern="1200">
-                <a:solidFill>
-                  <a:schemeClr val="tx1"/>
-                </a:solidFill>
-                <a:latin typeface="+mn-lt"/>
-                <a:ea typeface="+mn-ea"/>
-                <a:cs typeface="+mn-cs"/>
-              </a:defRPr>
-            </a:lvl6pPr>
-            <a:lvl7pPr marL="1719072" indent="-182880" algn="l" rtl="0" eaLnBrk="1" latinLnBrk="0" hangingPunct="1">
-              <a:lnSpc>
-                <a:spcPct val="100000"/>
-              </a:lnSpc>
-              <a:spcBef>
-                <a:spcPct val="20000"/>
-              </a:spcBef>
-              <a:buClr>
-                <a:schemeClr val="accent6"/>
-              </a:buClr>
-              <a:buFont typeface="Wingdings 2"/>
-              <a:buChar char=""/>
-              <a:defRPr kumimoji="1" sz="2000" kern="1200">
-                <a:solidFill>
-                  <a:schemeClr val="tx1"/>
-                </a:solidFill>
-                <a:latin typeface="+mn-lt"/>
-                <a:ea typeface="+mn-ea"/>
-                <a:cs typeface="+mn-cs"/>
-              </a:defRPr>
-            </a:lvl7pPr>
-            <a:lvl8pPr marL="1920240" indent="-182880" algn="l" rtl="0" eaLnBrk="1" latinLnBrk="0" hangingPunct="1">
-              <a:lnSpc>
-                <a:spcPct val="100000"/>
-              </a:lnSpc>
-              <a:spcBef>
-                <a:spcPct val="20000"/>
-              </a:spcBef>
-              <a:buClr>
-                <a:schemeClr val="accent6"/>
-              </a:buClr>
-              <a:buFont typeface="Wingdings 2"/>
-              <a:buChar char=""/>
-              <a:defRPr kumimoji="1" sz="2000" kern="1200">
-                <a:solidFill>
-                  <a:schemeClr val="tx1"/>
-                </a:solidFill>
-                <a:latin typeface="+mn-lt"/>
-                <a:ea typeface="+mn-ea"/>
-                <a:cs typeface="+mn-cs"/>
-              </a:defRPr>
-            </a:lvl8pPr>
-            <a:lvl9pPr marL="2130552" indent="-182880" algn="l" rtl="0" eaLnBrk="1" latinLnBrk="0" hangingPunct="1">
-              <a:lnSpc>
-                <a:spcPct val="100000"/>
-              </a:lnSpc>
-              <a:spcBef>
-                <a:spcPct val="20000"/>
-              </a:spcBef>
-              <a:buClr>
-                <a:schemeClr val="accent6"/>
-              </a:buClr>
-              <a:buFont typeface="Wingdings 2"/>
-              <a:buChar char=""/>
-              <a:defRPr kumimoji="1" sz="2000" kern="1200">
-                <a:solidFill>
-                  <a:schemeClr val="tx1"/>
-                </a:solidFill>
-                <a:latin typeface="+mn-lt"/>
-                <a:ea typeface="+mn-ea"/>
-                <a:cs typeface="+mn-cs"/>
-              </a:defRPr>
-            </a:lvl9pPr>
-            <a:extLst/>
-          </a:lstStyle>
-          <a:p>
-            <a:pPr marL="82296" indent="0">
-              <a:buFont typeface="Wingdings 2"/>
-              <a:buNone/>
-            </a:pPr>
-            <a:r>
-              <a:rPr lang="ja-JP" altLang="en-US" dirty="0" smtClean="0"/>
-              <a:t>・大塚駅に</a:t>
-            </a:r>
-            <a:r>
-              <a:rPr lang="ja-JP" altLang="en-US" dirty="0" err="1" smtClean="0"/>
-              <a:t>ほど</a:t>
-            </a:r>
-            <a:r>
-              <a:rPr lang="ja-JP" altLang="en-US" dirty="0" smtClean="0"/>
-              <a:t>近い、歴史ある洋食屋</a:t>
-            </a:r>
-            <a:endParaRPr lang="en-US" altLang="ja-JP" dirty="0" smtClean="0"/>
-          </a:p>
-          <a:p>
-            <a:pPr marL="82296" indent="0">
-              <a:buFont typeface="Wingdings 2"/>
-              <a:buNone/>
-            </a:pPr>
-            <a:r>
-              <a:rPr lang="ja-JP" altLang="en-US" dirty="0" smtClean="0"/>
-              <a:t>・お昼時には毎日行列ができる</a:t>
-            </a:r>
-            <a:endParaRPr lang="en-US" altLang="ja-JP" dirty="0" smtClean="0"/>
-          </a:p>
-          <a:p>
-            <a:pPr marL="82296" indent="0">
-              <a:buFont typeface="Wingdings 2"/>
-              <a:buNone/>
-            </a:pPr>
-            <a:r>
-              <a:rPr lang="ja-JP" altLang="en-US" dirty="0" smtClean="0"/>
-              <a:t>・ランチメニューが曜日代わりなのがずるい</a:t>
-            </a:r>
-            <a:endParaRPr lang="en-US" altLang="ja-JP" dirty="0" smtClean="0"/>
-          </a:p>
-          <a:p>
-            <a:pPr marL="82296" indent="0">
-              <a:buFont typeface="Wingdings 2"/>
-              <a:buNone/>
-            </a:pPr>
-            <a:r>
-              <a:rPr lang="ja-JP" altLang="en-US" dirty="0" smtClean="0"/>
-              <a:t>・姉妹店に喫茶もあり</a:t>
-            </a:r>
-            <a:endParaRPr lang="en-US" altLang="ja-JP" dirty="0" smtClean="0"/>
-          </a:p>
-          <a:p>
-            <a:pPr marL="82296" indent="0">
-              <a:buFont typeface="Wingdings 2"/>
-              <a:buNone/>
-            </a:pPr>
-            <a:r>
-              <a:rPr lang="ja-JP" altLang="en-US" dirty="0"/>
-              <a:t>　</a:t>
-            </a:r>
-            <a:r>
-              <a:rPr lang="ja-JP" altLang="en-US" dirty="0" smtClean="0"/>
-              <a:t>（→の写真は喫茶店の方）</a:t>
-            </a:r>
-            <a:endParaRPr lang="en-US" altLang="ja-JP" dirty="0" smtClean="0"/>
-          </a:p>
-          <a:p>
-            <a:pPr marL="82296" indent="0">
-              <a:buFont typeface="Wingdings 2"/>
-              <a:buNone/>
-            </a:pPr>
-            <a:endParaRPr lang="en-US" altLang="ja-JP" dirty="0"/>
+          <a:lstStyle/>
+          <a:p>
+            <a:pPr marL="82296" indent="0" algn="ctr">
+              <a:buNone/>
+            </a:pPr>
+            <a:endParaRPr kumimoji="1" lang="en-US" altLang="ja-JP" sz="4400" dirty="0" smtClean="0"/>
+          </a:p>
+          <a:p>
+            <a:pPr marL="82296" indent="0" algn="ctr">
+              <a:buNone/>
+            </a:pPr>
+            <a:endParaRPr kumimoji="1" lang="en-US" altLang="ja-JP" sz="4400" dirty="0" smtClean="0"/>
+          </a:p>
+          <a:p>
+            <a:pPr marL="82296" indent="0" algn="ctr">
+              <a:buNone/>
+            </a:pPr>
+            <a:r>
+              <a:rPr kumimoji="1" lang="ja-JP" altLang="en-US" sz="4400" dirty="0" smtClean="0"/>
+              <a:t>⑤</a:t>
+            </a:r>
+            <a:r>
+              <a:rPr kumimoji="1" lang="ja-JP" altLang="en-US" sz="4400" dirty="0" smtClean="0"/>
+              <a:t>大塚駅</a:t>
+            </a:r>
+            <a:endParaRPr kumimoji="1" lang="en-US" altLang="ja-JP" sz="4400" dirty="0" smtClean="0"/>
           </a:p>
         </p:txBody>
       </p:sp>
-      <p:pic>
-        <p:nvPicPr>
-          <p:cNvPr id="3" name="図 2"/>
-          <p:cNvPicPr>
-            <a:picLocks noChangeAspect="1"/>
-          </p:cNvPicPr>
-          <p:nvPr/>
-        </p:nvPicPr>
-        <p:blipFill>
-          <a:blip r:embed="rId2" cstate="print">
-            <a:extLst>
-              <a:ext uri="{28A0092B-C50C-407E-A947-70E740481C1C}">
-                <a14:useLocalDpi xmlns:a14="http://schemas.microsoft.com/office/drawing/2010/main" val="0"/>
-              </a:ext>
-            </a:extLst>
-          </a:blip>
-          <a:stretch>
-            <a:fillRect/>
-          </a:stretch>
-        </p:blipFill>
-        <p:spPr>
-          <a:xfrm>
-            <a:off x="6372200" y="3432381"/>
-            <a:ext cx="2427734" cy="3236979"/>
-          </a:xfrm>
-          <a:prstGeom prst="rect">
-            <a:avLst/>
-          </a:prstGeom>
-        </p:spPr>
-      </p:pic>
     </p:spTree>
     <p:extLst>
       <p:ext uri="{BB962C8B-B14F-4D97-AF65-F5344CB8AC3E}">
-        <p14:creationId xmlns:p14="http://schemas.microsoft.com/office/powerpoint/2010/main" val="1726105602"/>
+        <p14:creationId xmlns:p14="http://schemas.microsoft.com/office/powerpoint/2010/main" val="4024685519"/>
       </p:ext>
     </p:extLst>
   </p:cSld>
@@ -11756,11 +12515,7 @@
             </a:r>
             <a:r>
               <a:rPr kumimoji="1" lang="ja-JP" altLang="en-US" sz="4400" dirty="0" smtClean="0"/>
-              <a:t>大塚</a:t>
-            </a:r>
-            <a:r>
-              <a:rPr kumimoji="1" lang="ja-JP" altLang="en-US" sz="4400" dirty="0" smtClean="0"/>
-              <a:t>は良い街です</a:t>
+              <a:t>大塚は良い街です</a:t>
             </a:r>
             <a:endParaRPr kumimoji="1" lang="en-US" altLang="ja-JP" sz="4400" dirty="0" smtClean="0"/>
           </a:p>
@@ -11820,6 +12575,1173 @@
           <a:p>
             <a:r>
               <a:rPr kumimoji="1" lang="ja-JP" altLang="en-US" dirty="0" smtClean="0"/>
+              <a:t>大塚とは</a:t>
+            </a:r>
+            <a:endParaRPr kumimoji="1" lang="ja-JP" altLang="en-US" dirty="0"/>
+          </a:p>
+        </p:txBody>
+      </p:sp>
+      <p:sp>
+        <p:nvSpPr>
+          <p:cNvPr id="7" name="コンテンツ プレースホルダー 2"/>
+          <p:cNvSpPr txBox="1">
+            <a:spLocks/>
+          </p:cNvSpPr>
+          <p:nvPr/>
+        </p:nvSpPr>
+        <p:spPr>
+          <a:xfrm>
+            <a:off x="467544" y="1124744"/>
+            <a:ext cx="7818072" cy="5544616"/>
+          </a:xfrm>
+          <a:prstGeom prst="rect">
+            <a:avLst/>
+          </a:prstGeom>
+        </p:spPr>
+        <p:txBody>
+          <a:bodyPr>
+            <a:normAutofit lnSpcReduction="10000"/>
+          </a:bodyPr>
+          <a:lstStyle>
+            <a:lvl1pPr marL="365760" indent="-283464" algn="l" rtl="0" eaLnBrk="1" latinLnBrk="0" hangingPunct="1">
+              <a:lnSpc>
+                <a:spcPct val="100000"/>
+              </a:lnSpc>
+              <a:spcBef>
+                <a:spcPts val="600"/>
+              </a:spcBef>
+              <a:buClr>
+                <a:schemeClr val="accent1"/>
+              </a:buClr>
+              <a:buSzPct val="80000"/>
+              <a:buFont typeface="Wingdings 2"/>
+              <a:buChar char=""/>
+              <a:defRPr kumimoji="1" sz="3200" kern="1200">
+                <a:solidFill>
+                  <a:schemeClr val="tx1"/>
+                </a:solidFill>
+                <a:latin typeface="+mn-lt"/>
+                <a:ea typeface="+mn-ea"/>
+                <a:cs typeface="+mn-cs"/>
+              </a:defRPr>
+            </a:lvl1pPr>
+            <a:lvl2pPr marL="640080" indent="-237744" algn="l" rtl="0" eaLnBrk="1" latinLnBrk="0" hangingPunct="1">
+              <a:lnSpc>
+                <a:spcPct val="100000"/>
+              </a:lnSpc>
+              <a:spcBef>
+                <a:spcPts val="550"/>
+              </a:spcBef>
+              <a:buClr>
+                <a:schemeClr val="accent1"/>
+              </a:buClr>
+              <a:buFont typeface="Verdana"/>
+              <a:buChar char="◦"/>
+              <a:defRPr kumimoji="1" sz="2800" kern="1200">
+                <a:solidFill>
+                  <a:schemeClr val="tx1"/>
+                </a:solidFill>
+                <a:latin typeface="+mn-lt"/>
+                <a:ea typeface="+mn-ea"/>
+                <a:cs typeface="+mn-cs"/>
+              </a:defRPr>
+            </a:lvl2pPr>
+            <a:lvl3pPr marL="886968" indent="-228600" algn="l" rtl="0" eaLnBrk="1" latinLnBrk="0" hangingPunct="1">
+              <a:lnSpc>
+                <a:spcPct val="100000"/>
+              </a:lnSpc>
+              <a:spcBef>
+                <a:spcPct val="20000"/>
+              </a:spcBef>
+              <a:buClr>
+                <a:schemeClr val="accent2"/>
+              </a:buClr>
+              <a:buFont typeface="Wingdings 2"/>
+              <a:buChar char=""/>
+              <a:defRPr kumimoji="1" sz="2400" kern="1200">
+                <a:solidFill>
+                  <a:schemeClr val="tx1"/>
+                </a:solidFill>
+                <a:latin typeface="+mn-lt"/>
+                <a:ea typeface="+mn-ea"/>
+                <a:cs typeface="+mn-cs"/>
+              </a:defRPr>
+            </a:lvl3pPr>
+            <a:lvl4pPr marL="1097280" indent="-173736" algn="l" rtl="0" eaLnBrk="1" latinLnBrk="0" hangingPunct="1">
+              <a:lnSpc>
+                <a:spcPct val="100000"/>
+              </a:lnSpc>
+              <a:spcBef>
+                <a:spcPct val="20000"/>
+              </a:spcBef>
+              <a:buClr>
+                <a:schemeClr val="accent3"/>
+              </a:buClr>
+              <a:buFont typeface="Wingdings 2"/>
+              <a:buChar char=""/>
+              <a:defRPr kumimoji="1" sz="2000" kern="1200">
+                <a:solidFill>
+                  <a:schemeClr val="tx1"/>
+                </a:solidFill>
+                <a:latin typeface="+mn-lt"/>
+                <a:ea typeface="+mn-ea"/>
+                <a:cs typeface="+mn-cs"/>
+              </a:defRPr>
+            </a:lvl4pPr>
+            <a:lvl5pPr marL="1298448" indent="-182880" algn="l" rtl="0" eaLnBrk="1" latinLnBrk="0" hangingPunct="1">
+              <a:lnSpc>
+                <a:spcPct val="100000"/>
+              </a:lnSpc>
+              <a:spcBef>
+                <a:spcPct val="20000"/>
+              </a:spcBef>
+              <a:buClr>
+                <a:schemeClr val="accent4"/>
+              </a:buClr>
+              <a:buFont typeface="Wingdings 2"/>
+              <a:buChar char=""/>
+              <a:defRPr kumimoji="1" sz="2000" kern="1200">
+                <a:solidFill>
+                  <a:schemeClr val="tx1"/>
+                </a:solidFill>
+                <a:latin typeface="+mn-lt"/>
+                <a:ea typeface="+mn-ea"/>
+                <a:cs typeface="+mn-cs"/>
+              </a:defRPr>
+            </a:lvl5pPr>
+            <a:lvl6pPr marL="1508760" indent="-182880" algn="l" rtl="0" eaLnBrk="1" latinLnBrk="0" hangingPunct="1">
+              <a:lnSpc>
+                <a:spcPct val="100000"/>
+              </a:lnSpc>
+              <a:spcBef>
+                <a:spcPct val="20000"/>
+              </a:spcBef>
+              <a:buClr>
+                <a:schemeClr val="accent5"/>
+              </a:buClr>
+              <a:buFont typeface="Wingdings 2"/>
+              <a:buChar char=""/>
+              <a:defRPr kumimoji="1" sz="2000" kern="1200">
+                <a:solidFill>
+                  <a:schemeClr val="tx1"/>
+                </a:solidFill>
+                <a:latin typeface="+mn-lt"/>
+                <a:ea typeface="+mn-ea"/>
+                <a:cs typeface="+mn-cs"/>
+              </a:defRPr>
+            </a:lvl6pPr>
+            <a:lvl7pPr marL="1719072" indent="-182880" algn="l" rtl="0" eaLnBrk="1" latinLnBrk="0" hangingPunct="1">
+              <a:lnSpc>
+                <a:spcPct val="100000"/>
+              </a:lnSpc>
+              <a:spcBef>
+                <a:spcPct val="20000"/>
+              </a:spcBef>
+              <a:buClr>
+                <a:schemeClr val="accent6"/>
+              </a:buClr>
+              <a:buFont typeface="Wingdings 2"/>
+              <a:buChar char=""/>
+              <a:defRPr kumimoji="1" sz="2000" kern="1200">
+                <a:solidFill>
+                  <a:schemeClr val="tx1"/>
+                </a:solidFill>
+                <a:latin typeface="+mn-lt"/>
+                <a:ea typeface="+mn-ea"/>
+                <a:cs typeface="+mn-cs"/>
+              </a:defRPr>
+            </a:lvl7pPr>
+            <a:lvl8pPr marL="1920240" indent="-182880" algn="l" rtl="0" eaLnBrk="1" latinLnBrk="0" hangingPunct="1">
+              <a:lnSpc>
+                <a:spcPct val="100000"/>
+              </a:lnSpc>
+              <a:spcBef>
+                <a:spcPct val="20000"/>
+              </a:spcBef>
+              <a:buClr>
+                <a:schemeClr val="accent6"/>
+              </a:buClr>
+              <a:buFont typeface="Wingdings 2"/>
+              <a:buChar char=""/>
+              <a:defRPr kumimoji="1" sz="2000" kern="1200">
+                <a:solidFill>
+                  <a:schemeClr val="tx1"/>
+                </a:solidFill>
+                <a:latin typeface="+mn-lt"/>
+                <a:ea typeface="+mn-ea"/>
+                <a:cs typeface="+mn-cs"/>
+              </a:defRPr>
+            </a:lvl8pPr>
+            <a:lvl9pPr marL="2130552" indent="-182880" algn="l" rtl="0" eaLnBrk="1" latinLnBrk="0" hangingPunct="1">
+              <a:lnSpc>
+                <a:spcPct val="100000"/>
+              </a:lnSpc>
+              <a:spcBef>
+                <a:spcPct val="20000"/>
+              </a:spcBef>
+              <a:buClr>
+                <a:schemeClr val="accent6"/>
+              </a:buClr>
+              <a:buFont typeface="Wingdings 2"/>
+              <a:buChar char=""/>
+              <a:defRPr kumimoji="1" sz="2000" kern="1200">
+                <a:solidFill>
+                  <a:schemeClr val="tx1"/>
+                </a:solidFill>
+                <a:latin typeface="+mn-lt"/>
+                <a:ea typeface="+mn-ea"/>
+                <a:cs typeface="+mn-cs"/>
+              </a:defRPr>
+            </a:lvl9pPr>
+            <a:extLst/>
+          </a:lstStyle>
+          <a:p>
+            <a:pPr marL="82296" indent="0">
+              <a:buFont typeface="Wingdings 2"/>
+              <a:buNone/>
+            </a:pPr>
+            <a:r>
+              <a:rPr lang="en-US" altLang="ja-JP" dirty="0" smtClean="0"/>
+              <a:t>JR</a:t>
+            </a:r>
+            <a:r>
+              <a:rPr lang="ja-JP" altLang="en-US" dirty="0" smtClean="0"/>
+              <a:t>山手線</a:t>
+            </a:r>
+            <a:endParaRPr lang="en-US" altLang="ja-JP" dirty="0" smtClean="0"/>
+          </a:p>
+          <a:p>
+            <a:pPr marL="82296" indent="0">
+              <a:buFont typeface="Wingdings 2"/>
+              <a:buNone/>
+            </a:pPr>
+            <a:r>
+              <a:rPr lang="ja-JP" altLang="en-US" dirty="0"/>
+              <a:t>池</a:t>
+            </a:r>
+            <a:r>
+              <a:rPr lang="ja-JP" altLang="en-US" dirty="0" smtClean="0"/>
+              <a:t>袋　←　大塚　→　巣鴨</a:t>
+            </a:r>
+            <a:endParaRPr lang="en-US" altLang="ja-JP" dirty="0"/>
+          </a:p>
+          <a:p>
+            <a:pPr marL="82296" indent="0">
+              <a:buFont typeface="Wingdings 2"/>
+              <a:buNone/>
+            </a:pPr>
+            <a:r>
+              <a:rPr lang="ja-JP" altLang="en-US" dirty="0" smtClean="0"/>
+              <a:t>都電荒川線・丸の内線も近い</a:t>
+            </a:r>
+            <a:endParaRPr lang="en-US" altLang="ja-JP" dirty="0" smtClean="0"/>
+          </a:p>
+          <a:p>
+            <a:pPr marL="82296" indent="0">
+              <a:buFont typeface="Wingdings 2"/>
+              <a:buNone/>
+            </a:pPr>
+            <a:endParaRPr lang="en-US" altLang="ja-JP" dirty="0" smtClean="0"/>
+          </a:p>
+          <a:p>
+            <a:pPr marL="82296" indent="0">
+              <a:buFont typeface="Wingdings 2"/>
+              <a:buNone/>
+            </a:pPr>
+            <a:r>
+              <a:rPr lang="ja-JP" altLang="en-US" dirty="0" smtClean="0"/>
+              <a:t>・レトロな街並みと都会の利便性</a:t>
+            </a:r>
+            <a:endParaRPr lang="en-US" altLang="ja-JP" dirty="0" smtClean="0"/>
+          </a:p>
+          <a:p>
+            <a:pPr marL="82296" indent="0">
+              <a:buFont typeface="Wingdings 2"/>
+              <a:buNone/>
+            </a:pPr>
+            <a:endParaRPr lang="en-US" altLang="ja-JP" dirty="0"/>
+          </a:p>
+          <a:p>
+            <a:pPr marL="82296" indent="0">
+              <a:buFont typeface="Wingdings 2"/>
+              <a:buNone/>
+            </a:pPr>
+            <a:r>
+              <a:rPr lang="ja-JP" altLang="en-US" dirty="0" smtClean="0"/>
+              <a:t>・飯がうまい</a:t>
+            </a:r>
+            <a:r>
+              <a:rPr lang="en-US" altLang="ja-JP" dirty="0" smtClean="0"/>
+              <a:t>(</a:t>
+            </a:r>
+            <a:r>
+              <a:rPr lang="ja-JP" altLang="en-US" dirty="0" smtClean="0"/>
+              <a:t>重要</a:t>
+            </a:r>
+            <a:r>
+              <a:rPr lang="en-US" altLang="ja-JP" dirty="0" smtClean="0"/>
+              <a:t>)</a:t>
+            </a:r>
+          </a:p>
+          <a:p>
+            <a:pPr marL="82296" indent="0">
+              <a:buFont typeface="Wingdings 2"/>
+              <a:buNone/>
+            </a:pPr>
+            <a:endParaRPr lang="en-US" altLang="ja-JP" dirty="0"/>
+          </a:p>
+          <a:p>
+            <a:pPr marL="82296" indent="0">
+              <a:buFont typeface="Wingdings 2"/>
+              <a:buNone/>
+            </a:pPr>
+            <a:r>
+              <a:rPr lang="ja-JP" altLang="en-US" dirty="0" smtClean="0"/>
+              <a:t>・なぜかエスニック系外国人が多く住んでおり</a:t>
+            </a:r>
+            <a:endParaRPr lang="en-US" altLang="ja-JP" dirty="0" smtClean="0"/>
+          </a:p>
+          <a:p>
+            <a:pPr marL="82296" indent="0">
+              <a:buFont typeface="Wingdings 2"/>
+              <a:buNone/>
+            </a:pPr>
+            <a:r>
+              <a:rPr lang="ja-JP" altLang="en-US" dirty="0"/>
+              <a:t>　</a:t>
+            </a:r>
+            <a:r>
+              <a:rPr lang="ja-JP" altLang="en-US" dirty="0" smtClean="0"/>
+              <a:t>そういう料理もレベルが高い</a:t>
+            </a:r>
+            <a:endParaRPr lang="en-US" altLang="ja-JP" dirty="0" smtClean="0"/>
+          </a:p>
+        </p:txBody>
+      </p:sp>
+    </p:spTree>
+    <p:extLst>
+      <p:ext uri="{BB962C8B-B14F-4D97-AF65-F5344CB8AC3E}">
+        <p14:creationId xmlns:p14="http://schemas.microsoft.com/office/powerpoint/2010/main" val="1340301543"/>
+      </p:ext>
+    </p:extLst>
+  </p:cSld>
+  <p:clrMapOvr>
+    <a:masterClrMapping/>
+  </p:clrMapOvr>
+  <p:timing>
+    <p:tnLst>
+      <p:par>
+        <p:cTn id="1" dur="indefinite" restart="never" nodeType="tmRoot"/>
+      </p:par>
+    </p:tnLst>
+  </p:timing>
+</p:sld>
+</file>
+
+<file path=ppt/slides/slide31.xml><?xml version="1.0" encoding="utf-8"?>
+<p:sld xmlns:a="http://schemas.openxmlformats.org/drawingml/2006/main" xmlns:r="http://schemas.openxmlformats.org/officeDocument/2006/relationships" xmlns:p="http://schemas.openxmlformats.org/presentationml/2006/main">
+  <p:cSld>
+    <p:spTree>
+      <p:nvGrpSpPr>
+        <p:cNvPr id="1" name=""/>
+        <p:cNvGrpSpPr/>
+        <p:nvPr/>
+      </p:nvGrpSpPr>
+      <p:grpSpPr>
+        <a:xfrm>
+          <a:off x="0" y="0"/>
+          <a:ext cx="0" cy="0"/>
+          <a:chOff x="0" y="0"/>
+          <a:chExt cx="0" cy="0"/>
+        </a:xfrm>
+      </p:grpSpPr>
+      <p:sp>
+        <p:nvSpPr>
+          <p:cNvPr id="2" name="タイトル 1"/>
+          <p:cNvSpPr>
+            <a:spLocks noGrp="1"/>
+          </p:cNvSpPr>
+          <p:nvPr>
+            <p:ph type="title"/>
+          </p:nvPr>
+        </p:nvSpPr>
+        <p:spPr/>
+        <p:txBody>
+          <a:bodyPr/>
+          <a:lstStyle/>
+          <a:p>
+            <a:r>
+              <a:rPr kumimoji="1" lang="ja-JP" altLang="en-US" dirty="0" smtClean="0"/>
+              <a:t>煮干しそば暁</a:t>
+            </a:r>
+            <a:endParaRPr kumimoji="1" lang="ja-JP" altLang="en-US" dirty="0"/>
+          </a:p>
+        </p:txBody>
+      </p:sp>
+      <p:sp>
+        <p:nvSpPr>
+          <p:cNvPr id="7" name="コンテンツ プレースホルダー 2"/>
+          <p:cNvSpPr txBox="1">
+            <a:spLocks/>
+          </p:cNvSpPr>
+          <p:nvPr/>
+        </p:nvSpPr>
+        <p:spPr>
+          <a:xfrm>
+            <a:off x="467544" y="1124744"/>
+            <a:ext cx="8676456" cy="3024336"/>
+          </a:xfrm>
+          <a:prstGeom prst="rect">
+            <a:avLst/>
+          </a:prstGeom>
+        </p:spPr>
+        <p:txBody>
+          <a:bodyPr>
+            <a:normAutofit/>
+          </a:bodyPr>
+          <a:lstStyle>
+            <a:lvl1pPr marL="365760" indent="-283464" algn="l" rtl="0" eaLnBrk="1" latinLnBrk="0" hangingPunct="1">
+              <a:lnSpc>
+                <a:spcPct val="100000"/>
+              </a:lnSpc>
+              <a:spcBef>
+                <a:spcPts val="600"/>
+              </a:spcBef>
+              <a:buClr>
+                <a:schemeClr val="accent1"/>
+              </a:buClr>
+              <a:buSzPct val="80000"/>
+              <a:buFont typeface="Wingdings 2"/>
+              <a:buChar char=""/>
+              <a:defRPr kumimoji="1" sz="3200" kern="1200">
+                <a:solidFill>
+                  <a:schemeClr val="tx1"/>
+                </a:solidFill>
+                <a:latin typeface="+mn-lt"/>
+                <a:ea typeface="+mn-ea"/>
+                <a:cs typeface="+mn-cs"/>
+              </a:defRPr>
+            </a:lvl1pPr>
+            <a:lvl2pPr marL="640080" indent="-237744" algn="l" rtl="0" eaLnBrk="1" latinLnBrk="0" hangingPunct="1">
+              <a:lnSpc>
+                <a:spcPct val="100000"/>
+              </a:lnSpc>
+              <a:spcBef>
+                <a:spcPts val="550"/>
+              </a:spcBef>
+              <a:buClr>
+                <a:schemeClr val="accent1"/>
+              </a:buClr>
+              <a:buFont typeface="Verdana"/>
+              <a:buChar char="◦"/>
+              <a:defRPr kumimoji="1" sz="2800" kern="1200">
+                <a:solidFill>
+                  <a:schemeClr val="tx1"/>
+                </a:solidFill>
+                <a:latin typeface="+mn-lt"/>
+                <a:ea typeface="+mn-ea"/>
+                <a:cs typeface="+mn-cs"/>
+              </a:defRPr>
+            </a:lvl2pPr>
+            <a:lvl3pPr marL="886968" indent="-228600" algn="l" rtl="0" eaLnBrk="1" latinLnBrk="0" hangingPunct="1">
+              <a:lnSpc>
+                <a:spcPct val="100000"/>
+              </a:lnSpc>
+              <a:spcBef>
+                <a:spcPct val="20000"/>
+              </a:spcBef>
+              <a:buClr>
+                <a:schemeClr val="accent2"/>
+              </a:buClr>
+              <a:buFont typeface="Wingdings 2"/>
+              <a:buChar char=""/>
+              <a:defRPr kumimoji="1" sz="2400" kern="1200">
+                <a:solidFill>
+                  <a:schemeClr val="tx1"/>
+                </a:solidFill>
+                <a:latin typeface="+mn-lt"/>
+                <a:ea typeface="+mn-ea"/>
+                <a:cs typeface="+mn-cs"/>
+              </a:defRPr>
+            </a:lvl3pPr>
+            <a:lvl4pPr marL="1097280" indent="-173736" algn="l" rtl="0" eaLnBrk="1" latinLnBrk="0" hangingPunct="1">
+              <a:lnSpc>
+                <a:spcPct val="100000"/>
+              </a:lnSpc>
+              <a:spcBef>
+                <a:spcPct val="20000"/>
+              </a:spcBef>
+              <a:buClr>
+                <a:schemeClr val="accent3"/>
+              </a:buClr>
+              <a:buFont typeface="Wingdings 2"/>
+              <a:buChar char=""/>
+              <a:defRPr kumimoji="1" sz="2000" kern="1200">
+                <a:solidFill>
+                  <a:schemeClr val="tx1"/>
+                </a:solidFill>
+                <a:latin typeface="+mn-lt"/>
+                <a:ea typeface="+mn-ea"/>
+                <a:cs typeface="+mn-cs"/>
+              </a:defRPr>
+            </a:lvl4pPr>
+            <a:lvl5pPr marL="1298448" indent="-182880" algn="l" rtl="0" eaLnBrk="1" latinLnBrk="0" hangingPunct="1">
+              <a:lnSpc>
+                <a:spcPct val="100000"/>
+              </a:lnSpc>
+              <a:spcBef>
+                <a:spcPct val="20000"/>
+              </a:spcBef>
+              <a:buClr>
+                <a:schemeClr val="accent4"/>
+              </a:buClr>
+              <a:buFont typeface="Wingdings 2"/>
+              <a:buChar char=""/>
+              <a:defRPr kumimoji="1" sz="2000" kern="1200">
+                <a:solidFill>
+                  <a:schemeClr val="tx1"/>
+                </a:solidFill>
+                <a:latin typeface="+mn-lt"/>
+                <a:ea typeface="+mn-ea"/>
+                <a:cs typeface="+mn-cs"/>
+              </a:defRPr>
+            </a:lvl5pPr>
+            <a:lvl6pPr marL="1508760" indent="-182880" algn="l" rtl="0" eaLnBrk="1" latinLnBrk="0" hangingPunct="1">
+              <a:lnSpc>
+                <a:spcPct val="100000"/>
+              </a:lnSpc>
+              <a:spcBef>
+                <a:spcPct val="20000"/>
+              </a:spcBef>
+              <a:buClr>
+                <a:schemeClr val="accent5"/>
+              </a:buClr>
+              <a:buFont typeface="Wingdings 2"/>
+              <a:buChar char=""/>
+              <a:defRPr kumimoji="1" sz="2000" kern="1200">
+                <a:solidFill>
+                  <a:schemeClr val="tx1"/>
+                </a:solidFill>
+                <a:latin typeface="+mn-lt"/>
+                <a:ea typeface="+mn-ea"/>
+                <a:cs typeface="+mn-cs"/>
+              </a:defRPr>
+            </a:lvl6pPr>
+            <a:lvl7pPr marL="1719072" indent="-182880" algn="l" rtl="0" eaLnBrk="1" latinLnBrk="0" hangingPunct="1">
+              <a:lnSpc>
+                <a:spcPct val="100000"/>
+              </a:lnSpc>
+              <a:spcBef>
+                <a:spcPct val="20000"/>
+              </a:spcBef>
+              <a:buClr>
+                <a:schemeClr val="accent6"/>
+              </a:buClr>
+              <a:buFont typeface="Wingdings 2"/>
+              <a:buChar char=""/>
+              <a:defRPr kumimoji="1" sz="2000" kern="1200">
+                <a:solidFill>
+                  <a:schemeClr val="tx1"/>
+                </a:solidFill>
+                <a:latin typeface="+mn-lt"/>
+                <a:ea typeface="+mn-ea"/>
+                <a:cs typeface="+mn-cs"/>
+              </a:defRPr>
+            </a:lvl7pPr>
+            <a:lvl8pPr marL="1920240" indent="-182880" algn="l" rtl="0" eaLnBrk="1" latinLnBrk="0" hangingPunct="1">
+              <a:lnSpc>
+                <a:spcPct val="100000"/>
+              </a:lnSpc>
+              <a:spcBef>
+                <a:spcPct val="20000"/>
+              </a:spcBef>
+              <a:buClr>
+                <a:schemeClr val="accent6"/>
+              </a:buClr>
+              <a:buFont typeface="Wingdings 2"/>
+              <a:buChar char=""/>
+              <a:defRPr kumimoji="1" sz="2000" kern="1200">
+                <a:solidFill>
+                  <a:schemeClr val="tx1"/>
+                </a:solidFill>
+                <a:latin typeface="+mn-lt"/>
+                <a:ea typeface="+mn-ea"/>
+                <a:cs typeface="+mn-cs"/>
+              </a:defRPr>
+            </a:lvl8pPr>
+            <a:lvl9pPr marL="2130552" indent="-182880" algn="l" rtl="0" eaLnBrk="1" latinLnBrk="0" hangingPunct="1">
+              <a:lnSpc>
+                <a:spcPct val="100000"/>
+              </a:lnSpc>
+              <a:spcBef>
+                <a:spcPct val="20000"/>
+              </a:spcBef>
+              <a:buClr>
+                <a:schemeClr val="accent6"/>
+              </a:buClr>
+              <a:buFont typeface="Wingdings 2"/>
+              <a:buChar char=""/>
+              <a:defRPr kumimoji="1" sz="2000" kern="1200">
+                <a:solidFill>
+                  <a:schemeClr val="tx1"/>
+                </a:solidFill>
+                <a:latin typeface="+mn-lt"/>
+                <a:ea typeface="+mn-ea"/>
+                <a:cs typeface="+mn-cs"/>
+              </a:defRPr>
+            </a:lvl9pPr>
+            <a:extLst/>
+          </a:lstStyle>
+          <a:p>
+            <a:pPr marL="82296" indent="0">
+              <a:buFont typeface="Wingdings 2"/>
+              <a:buNone/>
+            </a:pPr>
+            <a:r>
+              <a:rPr lang="ja-JP" altLang="en-US" dirty="0" smtClean="0"/>
+              <a:t>・基本は魚介系ラーメン</a:t>
+            </a:r>
+            <a:endParaRPr lang="en-US" altLang="ja-JP" dirty="0" smtClean="0"/>
+          </a:p>
+          <a:p>
+            <a:pPr marL="82296" indent="0">
+              <a:buFont typeface="Wingdings 2"/>
+              <a:buNone/>
+            </a:pPr>
+            <a:r>
+              <a:rPr lang="ja-JP" altLang="en-US" dirty="0" smtClean="0"/>
+              <a:t>・</a:t>
+            </a:r>
+            <a:r>
+              <a:rPr lang="en-US" altLang="ja-JP" dirty="0" smtClean="0"/>
+              <a:t>”</a:t>
+            </a:r>
+            <a:r>
+              <a:rPr lang="ja-JP" altLang="en-US" dirty="0" smtClean="0"/>
+              <a:t>塩分や脂分に頼らず旨味で勝負</a:t>
+            </a:r>
+            <a:r>
+              <a:rPr lang="en-US" altLang="ja-JP" dirty="0" smtClean="0"/>
+              <a:t>”</a:t>
+            </a:r>
+          </a:p>
+          <a:p>
+            <a:pPr marL="82296" indent="0">
+              <a:buFont typeface="Wingdings 2"/>
+              <a:buNone/>
+            </a:pPr>
+            <a:r>
+              <a:rPr lang="ja-JP" altLang="en-US" dirty="0"/>
+              <a:t>　</a:t>
+            </a:r>
+            <a:r>
+              <a:rPr lang="ja-JP" altLang="en-US" dirty="0" smtClean="0"/>
+              <a:t>の店主の自身にも納得の味</a:t>
+            </a:r>
+            <a:endParaRPr lang="en-US" altLang="ja-JP" dirty="0" smtClean="0"/>
+          </a:p>
+          <a:p>
+            <a:pPr marL="82296" indent="0">
+              <a:buFont typeface="Wingdings 2"/>
+              <a:buNone/>
+            </a:pPr>
+            <a:r>
+              <a:rPr lang="ja-JP" altLang="en-US" dirty="0" smtClean="0"/>
+              <a:t>・立地が悪めなおかげで混まないのも</a:t>
+            </a:r>
+            <a:r>
+              <a:rPr lang="en-US" altLang="ja-JP" dirty="0" smtClean="0"/>
+              <a:t>good</a:t>
+            </a:r>
+          </a:p>
+          <a:p>
+            <a:pPr marL="82296" indent="0">
+              <a:buFont typeface="Wingdings 2"/>
+              <a:buNone/>
+            </a:pPr>
+            <a:r>
+              <a:rPr lang="ja-JP" altLang="en-US" dirty="0" smtClean="0"/>
+              <a:t>・個人的に一押し</a:t>
+            </a:r>
+            <a:endParaRPr lang="en-US" altLang="ja-JP" dirty="0" smtClean="0"/>
+          </a:p>
+          <a:p>
+            <a:pPr marL="82296" indent="0">
+              <a:buFont typeface="Wingdings 2"/>
+              <a:buNone/>
+            </a:pPr>
+            <a:endParaRPr lang="en-US" altLang="ja-JP" dirty="0"/>
+          </a:p>
+        </p:txBody>
+      </p:sp>
+      <p:pic>
+        <p:nvPicPr>
+          <p:cNvPr id="4" name="図 3"/>
+          <p:cNvPicPr>
+            <a:picLocks noChangeAspect="1"/>
+          </p:cNvPicPr>
+          <p:nvPr/>
+        </p:nvPicPr>
+        <p:blipFill>
+          <a:blip r:embed="rId2" cstate="print">
+            <a:extLst>
+              <a:ext uri="{28A0092B-C50C-407E-A947-70E740481C1C}">
+                <a14:useLocalDpi xmlns:a14="http://schemas.microsoft.com/office/drawing/2010/main" val="0"/>
+              </a:ext>
+            </a:extLst>
+          </a:blip>
+          <a:stretch>
+            <a:fillRect/>
+          </a:stretch>
+        </p:blipFill>
+        <p:spPr>
+          <a:xfrm>
+            <a:off x="6156176" y="3597019"/>
+            <a:ext cx="2304256" cy="3072341"/>
+          </a:xfrm>
+          <a:prstGeom prst="rect">
+            <a:avLst/>
+          </a:prstGeom>
+        </p:spPr>
+      </p:pic>
+    </p:spTree>
+    <p:extLst>
+      <p:ext uri="{BB962C8B-B14F-4D97-AF65-F5344CB8AC3E}">
+        <p14:creationId xmlns:p14="http://schemas.microsoft.com/office/powerpoint/2010/main" val="1726105602"/>
+      </p:ext>
+    </p:extLst>
+  </p:cSld>
+  <p:clrMapOvr>
+    <a:masterClrMapping/>
+  </p:clrMapOvr>
+  <p:timing>
+    <p:tnLst>
+      <p:par>
+        <p:cTn id="1" dur="indefinite" restart="never" nodeType="tmRoot"/>
+      </p:par>
+    </p:tnLst>
+  </p:timing>
+</p:sld>
+</file>
+
+<file path=ppt/slides/slide32.xml><?xml version="1.0" encoding="utf-8"?>
+<p:sld xmlns:a="http://schemas.openxmlformats.org/drawingml/2006/main" xmlns:r="http://schemas.openxmlformats.org/officeDocument/2006/relationships" xmlns:p="http://schemas.openxmlformats.org/presentationml/2006/main">
+  <p:cSld>
+    <p:spTree>
+      <p:nvGrpSpPr>
+        <p:cNvPr id="1" name=""/>
+        <p:cNvGrpSpPr/>
+        <p:nvPr/>
+      </p:nvGrpSpPr>
+      <p:grpSpPr>
+        <a:xfrm>
+          <a:off x="0" y="0"/>
+          <a:ext cx="0" cy="0"/>
+          <a:chOff x="0" y="0"/>
+          <a:chExt cx="0" cy="0"/>
+        </a:xfrm>
+      </p:grpSpPr>
+      <p:sp>
+        <p:nvSpPr>
+          <p:cNvPr id="2" name="タイトル 1"/>
+          <p:cNvSpPr>
+            <a:spLocks noGrp="1"/>
+          </p:cNvSpPr>
+          <p:nvPr>
+            <p:ph type="title"/>
+          </p:nvPr>
+        </p:nvSpPr>
+        <p:spPr/>
+        <p:txBody>
+          <a:bodyPr/>
+          <a:lstStyle/>
+          <a:p>
+            <a:r>
+              <a:rPr lang="ja-JP" altLang="en-US" dirty="0" smtClean="0"/>
+              <a:t>洋食</a:t>
+            </a:r>
+            <a:r>
+              <a:rPr lang="en-US" altLang="ja-JP" dirty="0" smtClean="0"/>
+              <a:t>GOTTO</a:t>
+            </a:r>
+            <a:endParaRPr kumimoji="1" lang="ja-JP" altLang="en-US" dirty="0"/>
+          </a:p>
+        </p:txBody>
+      </p:sp>
+      <p:sp>
+        <p:nvSpPr>
+          <p:cNvPr id="7" name="コンテンツ プレースホルダー 2"/>
+          <p:cNvSpPr txBox="1">
+            <a:spLocks/>
+          </p:cNvSpPr>
+          <p:nvPr/>
+        </p:nvSpPr>
+        <p:spPr>
+          <a:xfrm>
+            <a:off x="467544" y="1124744"/>
+            <a:ext cx="7818072" cy="5544616"/>
+          </a:xfrm>
+          <a:prstGeom prst="rect">
+            <a:avLst/>
+          </a:prstGeom>
+        </p:spPr>
+        <p:txBody>
+          <a:bodyPr>
+            <a:normAutofit/>
+          </a:bodyPr>
+          <a:lstStyle>
+            <a:lvl1pPr marL="365760" indent="-283464" algn="l" rtl="0" eaLnBrk="1" latinLnBrk="0" hangingPunct="1">
+              <a:lnSpc>
+                <a:spcPct val="100000"/>
+              </a:lnSpc>
+              <a:spcBef>
+                <a:spcPts val="600"/>
+              </a:spcBef>
+              <a:buClr>
+                <a:schemeClr val="accent1"/>
+              </a:buClr>
+              <a:buSzPct val="80000"/>
+              <a:buFont typeface="Wingdings 2"/>
+              <a:buChar char=""/>
+              <a:defRPr kumimoji="1" sz="3200" kern="1200">
+                <a:solidFill>
+                  <a:schemeClr val="tx1"/>
+                </a:solidFill>
+                <a:latin typeface="+mn-lt"/>
+                <a:ea typeface="+mn-ea"/>
+                <a:cs typeface="+mn-cs"/>
+              </a:defRPr>
+            </a:lvl1pPr>
+            <a:lvl2pPr marL="640080" indent="-237744" algn="l" rtl="0" eaLnBrk="1" latinLnBrk="0" hangingPunct="1">
+              <a:lnSpc>
+                <a:spcPct val="100000"/>
+              </a:lnSpc>
+              <a:spcBef>
+                <a:spcPts val="550"/>
+              </a:spcBef>
+              <a:buClr>
+                <a:schemeClr val="accent1"/>
+              </a:buClr>
+              <a:buFont typeface="Verdana"/>
+              <a:buChar char="◦"/>
+              <a:defRPr kumimoji="1" sz="2800" kern="1200">
+                <a:solidFill>
+                  <a:schemeClr val="tx1"/>
+                </a:solidFill>
+                <a:latin typeface="+mn-lt"/>
+                <a:ea typeface="+mn-ea"/>
+                <a:cs typeface="+mn-cs"/>
+              </a:defRPr>
+            </a:lvl2pPr>
+            <a:lvl3pPr marL="886968" indent="-228600" algn="l" rtl="0" eaLnBrk="1" latinLnBrk="0" hangingPunct="1">
+              <a:lnSpc>
+                <a:spcPct val="100000"/>
+              </a:lnSpc>
+              <a:spcBef>
+                <a:spcPct val="20000"/>
+              </a:spcBef>
+              <a:buClr>
+                <a:schemeClr val="accent2"/>
+              </a:buClr>
+              <a:buFont typeface="Wingdings 2"/>
+              <a:buChar char=""/>
+              <a:defRPr kumimoji="1" sz="2400" kern="1200">
+                <a:solidFill>
+                  <a:schemeClr val="tx1"/>
+                </a:solidFill>
+                <a:latin typeface="+mn-lt"/>
+                <a:ea typeface="+mn-ea"/>
+                <a:cs typeface="+mn-cs"/>
+              </a:defRPr>
+            </a:lvl3pPr>
+            <a:lvl4pPr marL="1097280" indent="-173736" algn="l" rtl="0" eaLnBrk="1" latinLnBrk="0" hangingPunct="1">
+              <a:lnSpc>
+                <a:spcPct val="100000"/>
+              </a:lnSpc>
+              <a:spcBef>
+                <a:spcPct val="20000"/>
+              </a:spcBef>
+              <a:buClr>
+                <a:schemeClr val="accent3"/>
+              </a:buClr>
+              <a:buFont typeface="Wingdings 2"/>
+              <a:buChar char=""/>
+              <a:defRPr kumimoji="1" sz="2000" kern="1200">
+                <a:solidFill>
+                  <a:schemeClr val="tx1"/>
+                </a:solidFill>
+                <a:latin typeface="+mn-lt"/>
+                <a:ea typeface="+mn-ea"/>
+                <a:cs typeface="+mn-cs"/>
+              </a:defRPr>
+            </a:lvl4pPr>
+            <a:lvl5pPr marL="1298448" indent="-182880" algn="l" rtl="0" eaLnBrk="1" latinLnBrk="0" hangingPunct="1">
+              <a:lnSpc>
+                <a:spcPct val="100000"/>
+              </a:lnSpc>
+              <a:spcBef>
+                <a:spcPct val="20000"/>
+              </a:spcBef>
+              <a:buClr>
+                <a:schemeClr val="accent4"/>
+              </a:buClr>
+              <a:buFont typeface="Wingdings 2"/>
+              <a:buChar char=""/>
+              <a:defRPr kumimoji="1" sz="2000" kern="1200">
+                <a:solidFill>
+                  <a:schemeClr val="tx1"/>
+                </a:solidFill>
+                <a:latin typeface="+mn-lt"/>
+                <a:ea typeface="+mn-ea"/>
+                <a:cs typeface="+mn-cs"/>
+              </a:defRPr>
+            </a:lvl5pPr>
+            <a:lvl6pPr marL="1508760" indent="-182880" algn="l" rtl="0" eaLnBrk="1" latinLnBrk="0" hangingPunct="1">
+              <a:lnSpc>
+                <a:spcPct val="100000"/>
+              </a:lnSpc>
+              <a:spcBef>
+                <a:spcPct val="20000"/>
+              </a:spcBef>
+              <a:buClr>
+                <a:schemeClr val="accent5"/>
+              </a:buClr>
+              <a:buFont typeface="Wingdings 2"/>
+              <a:buChar char=""/>
+              <a:defRPr kumimoji="1" sz="2000" kern="1200">
+                <a:solidFill>
+                  <a:schemeClr val="tx1"/>
+                </a:solidFill>
+                <a:latin typeface="+mn-lt"/>
+                <a:ea typeface="+mn-ea"/>
+                <a:cs typeface="+mn-cs"/>
+              </a:defRPr>
+            </a:lvl6pPr>
+            <a:lvl7pPr marL="1719072" indent="-182880" algn="l" rtl="0" eaLnBrk="1" latinLnBrk="0" hangingPunct="1">
+              <a:lnSpc>
+                <a:spcPct val="100000"/>
+              </a:lnSpc>
+              <a:spcBef>
+                <a:spcPct val="20000"/>
+              </a:spcBef>
+              <a:buClr>
+                <a:schemeClr val="accent6"/>
+              </a:buClr>
+              <a:buFont typeface="Wingdings 2"/>
+              <a:buChar char=""/>
+              <a:defRPr kumimoji="1" sz="2000" kern="1200">
+                <a:solidFill>
+                  <a:schemeClr val="tx1"/>
+                </a:solidFill>
+                <a:latin typeface="+mn-lt"/>
+                <a:ea typeface="+mn-ea"/>
+                <a:cs typeface="+mn-cs"/>
+              </a:defRPr>
+            </a:lvl7pPr>
+            <a:lvl8pPr marL="1920240" indent="-182880" algn="l" rtl="0" eaLnBrk="1" latinLnBrk="0" hangingPunct="1">
+              <a:lnSpc>
+                <a:spcPct val="100000"/>
+              </a:lnSpc>
+              <a:spcBef>
+                <a:spcPct val="20000"/>
+              </a:spcBef>
+              <a:buClr>
+                <a:schemeClr val="accent6"/>
+              </a:buClr>
+              <a:buFont typeface="Wingdings 2"/>
+              <a:buChar char=""/>
+              <a:defRPr kumimoji="1" sz="2000" kern="1200">
+                <a:solidFill>
+                  <a:schemeClr val="tx1"/>
+                </a:solidFill>
+                <a:latin typeface="+mn-lt"/>
+                <a:ea typeface="+mn-ea"/>
+                <a:cs typeface="+mn-cs"/>
+              </a:defRPr>
+            </a:lvl8pPr>
+            <a:lvl9pPr marL="2130552" indent="-182880" algn="l" rtl="0" eaLnBrk="1" latinLnBrk="0" hangingPunct="1">
+              <a:lnSpc>
+                <a:spcPct val="100000"/>
+              </a:lnSpc>
+              <a:spcBef>
+                <a:spcPct val="20000"/>
+              </a:spcBef>
+              <a:buClr>
+                <a:schemeClr val="accent6"/>
+              </a:buClr>
+              <a:buFont typeface="Wingdings 2"/>
+              <a:buChar char=""/>
+              <a:defRPr kumimoji="1" sz="2000" kern="1200">
+                <a:solidFill>
+                  <a:schemeClr val="tx1"/>
+                </a:solidFill>
+                <a:latin typeface="+mn-lt"/>
+                <a:ea typeface="+mn-ea"/>
+                <a:cs typeface="+mn-cs"/>
+              </a:defRPr>
+            </a:lvl9pPr>
+            <a:extLst/>
+          </a:lstStyle>
+          <a:p>
+            <a:pPr marL="82296" indent="0">
+              <a:buFont typeface="Wingdings 2"/>
+              <a:buNone/>
+            </a:pPr>
+            <a:r>
+              <a:rPr lang="ja-JP" altLang="en-US" dirty="0" smtClean="0"/>
+              <a:t>・大塚駅に</a:t>
+            </a:r>
+            <a:r>
+              <a:rPr lang="ja-JP" altLang="en-US" dirty="0" err="1" smtClean="0"/>
+              <a:t>ほど</a:t>
+            </a:r>
+            <a:r>
+              <a:rPr lang="ja-JP" altLang="en-US" dirty="0" smtClean="0"/>
+              <a:t>近い、歴史ある洋食屋</a:t>
+            </a:r>
+            <a:endParaRPr lang="en-US" altLang="ja-JP" dirty="0" smtClean="0"/>
+          </a:p>
+          <a:p>
+            <a:pPr marL="82296" indent="0">
+              <a:buFont typeface="Wingdings 2"/>
+              <a:buNone/>
+            </a:pPr>
+            <a:r>
+              <a:rPr lang="ja-JP" altLang="en-US" dirty="0" smtClean="0"/>
+              <a:t>・お昼時には毎日行列ができる</a:t>
+            </a:r>
+            <a:endParaRPr lang="en-US" altLang="ja-JP" dirty="0" smtClean="0"/>
+          </a:p>
+          <a:p>
+            <a:pPr marL="82296" indent="0">
+              <a:buFont typeface="Wingdings 2"/>
+              <a:buNone/>
+            </a:pPr>
+            <a:r>
+              <a:rPr lang="ja-JP" altLang="en-US" dirty="0" smtClean="0"/>
+              <a:t>・ランチメニューが曜日代わりなのがずるい</a:t>
+            </a:r>
+            <a:endParaRPr lang="en-US" altLang="ja-JP" dirty="0" smtClean="0"/>
+          </a:p>
+          <a:p>
+            <a:pPr marL="82296" indent="0">
+              <a:buFont typeface="Wingdings 2"/>
+              <a:buNone/>
+            </a:pPr>
+            <a:r>
+              <a:rPr lang="ja-JP" altLang="en-US" dirty="0" smtClean="0"/>
+              <a:t>・姉妹店に喫茶もあり</a:t>
+            </a:r>
+            <a:endParaRPr lang="en-US" altLang="ja-JP" dirty="0" smtClean="0"/>
+          </a:p>
+          <a:p>
+            <a:pPr marL="82296" indent="0">
+              <a:buFont typeface="Wingdings 2"/>
+              <a:buNone/>
+            </a:pPr>
+            <a:r>
+              <a:rPr lang="ja-JP" altLang="en-US" dirty="0"/>
+              <a:t>　</a:t>
+            </a:r>
+            <a:r>
+              <a:rPr lang="ja-JP" altLang="en-US" dirty="0" smtClean="0"/>
+              <a:t>（→の写真は喫茶店の方）</a:t>
+            </a:r>
+            <a:endParaRPr lang="en-US" altLang="ja-JP" dirty="0" smtClean="0"/>
+          </a:p>
+          <a:p>
+            <a:pPr marL="82296" indent="0">
+              <a:buFont typeface="Wingdings 2"/>
+              <a:buNone/>
+            </a:pPr>
+            <a:endParaRPr lang="en-US" altLang="ja-JP" dirty="0"/>
+          </a:p>
+        </p:txBody>
+      </p:sp>
+      <p:pic>
+        <p:nvPicPr>
+          <p:cNvPr id="3" name="図 2"/>
+          <p:cNvPicPr>
+            <a:picLocks noChangeAspect="1"/>
+          </p:cNvPicPr>
+          <p:nvPr/>
+        </p:nvPicPr>
+        <p:blipFill>
+          <a:blip r:embed="rId2" cstate="print">
+            <a:extLst>
+              <a:ext uri="{28A0092B-C50C-407E-A947-70E740481C1C}">
+                <a14:useLocalDpi xmlns:a14="http://schemas.microsoft.com/office/drawing/2010/main" val="0"/>
+              </a:ext>
+            </a:extLst>
+          </a:blip>
+          <a:stretch>
+            <a:fillRect/>
+          </a:stretch>
+        </p:blipFill>
+        <p:spPr>
+          <a:xfrm>
+            <a:off x="6372200" y="3432381"/>
+            <a:ext cx="2427734" cy="3236979"/>
+          </a:xfrm>
+          <a:prstGeom prst="rect">
+            <a:avLst/>
+          </a:prstGeom>
+        </p:spPr>
+      </p:pic>
+    </p:spTree>
+    <p:extLst>
+      <p:ext uri="{BB962C8B-B14F-4D97-AF65-F5344CB8AC3E}">
+        <p14:creationId xmlns:p14="http://schemas.microsoft.com/office/powerpoint/2010/main" val="1726105602"/>
+      </p:ext>
+    </p:extLst>
+  </p:cSld>
+  <p:clrMapOvr>
+    <a:masterClrMapping/>
+  </p:clrMapOvr>
+  <p:timing>
+    <p:tnLst>
+      <p:par>
+        <p:cTn id="1" dur="indefinite" restart="never" nodeType="tmRoot"/>
+      </p:par>
+    </p:tnLst>
+  </p:timing>
+</p:sld>
+</file>
+
+<file path=ppt/slides/slide33.xml><?xml version="1.0" encoding="utf-8"?>
+<p:sld xmlns:a="http://schemas.openxmlformats.org/drawingml/2006/main" xmlns:r="http://schemas.openxmlformats.org/officeDocument/2006/relationships" xmlns:p="http://schemas.openxmlformats.org/presentationml/2006/main">
+  <p:cSld>
+    <p:spTree>
+      <p:nvGrpSpPr>
+        <p:cNvPr id="1" name=""/>
+        <p:cNvGrpSpPr/>
+        <p:nvPr/>
+      </p:nvGrpSpPr>
+      <p:grpSpPr>
+        <a:xfrm>
+          <a:off x="0" y="0"/>
+          <a:ext cx="0" cy="0"/>
+          <a:chOff x="0" y="0"/>
+          <a:chExt cx="0" cy="0"/>
+        </a:xfrm>
+      </p:grpSpPr>
+      <p:sp>
+        <p:nvSpPr>
+          <p:cNvPr id="2" name="タイトル 1"/>
+          <p:cNvSpPr>
+            <a:spLocks noGrp="1"/>
+          </p:cNvSpPr>
+          <p:nvPr>
+            <p:ph type="title"/>
+          </p:nvPr>
+        </p:nvSpPr>
+        <p:spPr/>
+        <p:txBody>
+          <a:bodyPr/>
+          <a:lstStyle/>
+          <a:p>
+            <a:r>
+              <a:rPr kumimoji="1" lang="ja-JP" altLang="en-US" dirty="0" smtClean="0"/>
               <a:t>創作麺工房　鳴龍</a:t>
             </a:r>
             <a:endParaRPr kumimoji="1" lang="ja-JP" altLang="en-US" dirty="0"/>
@@ -12169,7 +14091,7 @@
 </p:sld>
 </file>
 
-<file path=ppt/slides/slide31.xml><?xml version="1.0" encoding="utf-8"?>
+<file path=ppt/slides/slide34.xml><?xml version="1.0" encoding="utf-8"?>
 <p:sld xmlns:a="http://schemas.openxmlformats.org/drawingml/2006/main" xmlns:r="http://schemas.openxmlformats.org/officeDocument/2006/relationships" xmlns:p="http://schemas.openxmlformats.org/presentationml/2006/main">
   <p:cSld>
     <p:spTree>
@@ -12430,7 +14352,11 @@
             </a:pPr>
             <a:r>
               <a:rPr lang="ja-JP" altLang="en-US" dirty="0" smtClean="0"/>
-              <a:t>・インドカレーの店</a:t>
+              <a:t>・日本人のやるインドカレー</a:t>
+            </a:r>
+            <a:r>
+              <a:rPr lang="ja-JP" altLang="en-US" dirty="0" smtClean="0"/>
+              <a:t>の店</a:t>
             </a:r>
             <a:endParaRPr lang="en-US" altLang="ja-JP" dirty="0" smtClean="0"/>
           </a:p>
@@ -12456,7 +14382,11 @@
             </a:r>
             <a:r>
               <a:rPr lang="ja-JP" altLang="en-US" dirty="0" smtClean="0"/>
-              <a:t>サイドメニューもやたらうまい</a:t>
+              <a:t>サイドメニューも</a:t>
+            </a:r>
+            <a:r>
+              <a:rPr lang="ja-JP" altLang="en-US" dirty="0" smtClean="0"/>
+              <a:t>やたらとうまい</a:t>
             </a:r>
             <a:endParaRPr lang="en-US" altLang="ja-JP" dirty="0" smtClean="0"/>
           </a:p>
@@ -12467,12 +14397,13 @@
             </a:pPr>
             <a:r>
               <a:rPr lang="ja-JP" altLang="en-US" dirty="0" smtClean="0"/>
-              <a:t>　特にチーズクルチャがうまかった</a:t>
-            </a:r>
-            <a:r>
-              <a:rPr lang="en-US" altLang="ja-JP" dirty="0" smtClean="0"/>
-              <a:t>…</a:t>
-            </a:r>
+              <a:t>　特にチーズクルチャ</a:t>
+            </a:r>
+            <a:r>
+              <a:rPr lang="ja-JP" altLang="en-US" dirty="0" smtClean="0"/>
+              <a:t>が最高</a:t>
+            </a:r>
+            <a:endParaRPr lang="en-US" altLang="ja-JP" dirty="0" smtClean="0"/>
           </a:p>
           <a:p>
             <a:pPr marL="82296" indent="0">
@@ -12537,7 +14468,7 @@
 </p:sld>
 </file>
 
-<file path=ppt/slides/slide32.xml><?xml version="1.0" encoding="utf-8"?>
+<file path=ppt/slides/slide35.xml><?xml version="1.0" encoding="utf-8"?>
 <p:sld xmlns:a="http://schemas.openxmlformats.org/drawingml/2006/main" xmlns:r="http://schemas.openxmlformats.org/officeDocument/2006/relationships" xmlns:p="http://schemas.openxmlformats.org/presentationml/2006/main">
   <p:cSld>
     <p:spTree>
@@ -12898,7 +14829,7 @@
 </p:sld>
 </file>
 
-<file path=ppt/slides/slide33.xml><?xml version="1.0" encoding="utf-8"?>
+<file path=ppt/slides/slide36.xml><?xml version="1.0" encoding="utf-8"?>
 <p:sld xmlns:a="http://schemas.openxmlformats.org/drawingml/2006/main" xmlns:r="http://schemas.openxmlformats.org/officeDocument/2006/relationships" xmlns:p="http://schemas.openxmlformats.org/presentationml/2006/main">
   <p:cSld>
     <p:spTree>
@@ -13252,7 +15183,7 @@
 </p:sld>
 </file>
 
-<file path=ppt/slides/slide34.xml><?xml version="1.0" encoding="utf-8"?>
+<file path=ppt/slides/slide37.xml><?xml version="1.0" encoding="utf-8"?>
 <p:sld xmlns:a="http://schemas.openxmlformats.org/drawingml/2006/main" xmlns:r="http://schemas.openxmlformats.org/officeDocument/2006/relationships" xmlns:p="http://schemas.openxmlformats.org/presentationml/2006/main">
   <p:cSld>
     <p:spTree>
@@ -13534,7 +15465,11 @@
             </a:pPr>
             <a:r>
               <a:rPr lang="ja-JP" altLang="en-US" dirty="0" smtClean="0"/>
-              <a:t>・量も多めでコスパ良好。うまいし</a:t>
+              <a:t>・量も多め</a:t>
+            </a:r>
+            <a:r>
+              <a:rPr lang="ja-JP" altLang="en-US" dirty="0" smtClean="0"/>
+              <a:t>でうまくてコスパ良好</a:t>
             </a:r>
             <a:endParaRPr lang="en-US" altLang="ja-JP" dirty="0" smtClean="0"/>
           </a:p>
@@ -13586,8 +15521,8 @@
           </a:lstStyle>
           <a:p>
             <a:r>
-              <a:rPr lang="ja-JP" altLang="en-US" dirty="0" smtClean="0"/>
-              <a:t>ホーリーヘッド</a:t>
+              <a:rPr lang="en-US" altLang="ja-JP" dirty="0" err="1" smtClean="0"/>
+              <a:t>Ramri</a:t>
             </a:r>
             <a:endParaRPr lang="ja-JP" altLang="en-US" dirty="0"/>
           </a:p>
@@ -13814,7 +15749,7 @@
             </a:pPr>
             <a:r>
               <a:rPr lang="ja-JP" altLang="en-US" dirty="0" smtClean="0"/>
-              <a:t>・昼はカレー屋、夜はブリティッシュバーという</a:t>
+              <a:t>・シンガポール・マレーシア料理の店</a:t>
             </a:r>
             <a:endParaRPr lang="en-US" altLang="ja-JP" dirty="0" smtClean="0"/>
           </a:p>
@@ -13824,23 +15759,8 @@
               <a:buNone/>
             </a:pPr>
             <a:r>
-              <a:rPr lang="ja-JP" altLang="en-US" dirty="0"/>
-              <a:t>　</a:t>
-            </a:r>
-            <a:r>
               <a:rPr lang="ja-JP" altLang="en-US" dirty="0" smtClean="0"/>
-              <a:t>感じの店</a:t>
-            </a:r>
-            <a:endParaRPr lang="en-US" altLang="ja-JP" dirty="0" smtClean="0"/>
-          </a:p>
-          <a:p>
-            <a:pPr marL="82296" indent="0">
-              <a:buFont typeface="Wingdings 2"/>
-              <a:buNone/>
-            </a:pPr>
-            <a:r>
-              <a:rPr lang="ja-JP" altLang="en-US" dirty="0" smtClean="0"/>
-              <a:t>・牛筋カレーとキーマカレーの相がけがオススメ</a:t>
+              <a:t>・海老のダシが効きまくった辛麺がうまい</a:t>
             </a:r>
             <a:endParaRPr lang="en-US" altLang="ja-JP" dirty="0" smtClean="0"/>
           </a:p>
@@ -13863,7 +15783,7 @@
         </p:nvSpPr>
         <p:spPr>
           <a:xfrm>
-            <a:off x="457200" y="4437112"/>
+            <a:off x="457200" y="4158209"/>
             <a:ext cx="7467600" cy="1143000"/>
           </a:xfrm>
           <a:prstGeom prst="rect">
@@ -13909,7 +15829,7 @@
         </p:nvSpPr>
         <p:spPr>
           <a:xfrm>
-            <a:off x="467544" y="5301209"/>
+            <a:off x="467544" y="5022306"/>
             <a:ext cx="7818072" cy="1556792"/>
           </a:xfrm>
           <a:prstGeom prst="rect">
@@ -14165,7 +16085,7 @@
 </p:sld>
 </file>
 
-<file path=ppt/slides/slide35.xml><?xml version="1.0" encoding="utf-8"?>
+<file path=ppt/slides/slide38.xml><?xml version="1.0" encoding="utf-8"?>
 <p:sld xmlns:a="http://schemas.openxmlformats.org/drawingml/2006/main" xmlns:r="http://schemas.openxmlformats.org/officeDocument/2006/relationships" xmlns:p="http://schemas.openxmlformats.org/presentationml/2006/main">
   <p:cSld>
     <p:spTree>
@@ -14214,7 +16134,7 @@
         <p:spPr>
           <a:xfrm>
             <a:off x="395536" y="1447800"/>
-            <a:ext cx="8136904" cy="4069432"/>
+            <a:ext cx="8136904" cy="4717504"/>
           </a:xfrm>
         </p:spPr>
         <p:txBody>
@@ -14232,12 +16152,6 @@
             <a:pPr marL="82296" indent="0" algn="ctr">
               <a:buNone/>
             </a:pPr>
-            <a:endParaRPr kumimoji="1" lang="en-US" altLang="ja-JP" sz="4400" dirty="0" smtClean="0"/>
-          </a:p>
-          <a:p>
-            <a:pPr marL="82296" indent="0" algn="ctr">
-              <a:buNone/>
-            </a:pPr>
             <a:r>
               <a:rPr kumimoji="1" lang="ja-JP" altLang="en-US" sz="4400" dirty="0" smtClean="0"/>
               <a:t>もっと紹介したいけど</a:t>
@@ -14257,10 +16171,44 @@
               <a:t>で</a:t>
             </a:r>
             <a:r>
-              <a:rPr lang="ja-JP" altLang="en-US" sz="4400" dirty="0"/>
+              <a:rPr lang="ja-JP" altLang="en-US" sz="4400" dirty="0" smtClean="0"/>
               <a:t>。</a:t>
             </a:r>
-            <a:endParaRPr kumimoji="1" lang="en-US" altLang="ja-JP" sz="4400" dirty="0" smtClean="0"/>
+            <a:endParaRPr lang="en-US" altLang="ja-JP" sz="4400" dirty="0" smtClean="0"/>
+          </a:p>
+          <a:p>
+            <a:pPr marL="82296" indent="0" algn="ctr">
+              <a:buNone/>
+            </a:pPr>
+            <a:endParaRPr kumimoji="1" lang="en-US" altLang="ja-JP" sz="4400" dirty="0"/>
+          </a:p>
+          <a:p>
+            <a:pPr marL="82296" indent="0" algn="ctr">
+              <a:buNone/>
+            </a:pPr>
+            <a:r>
+              <a:rPr lang="ja-JP" altLang="en-US" sz="3500" dirty="0" smtClean="0"/>
+              <a:t>正直</a:t>
+            </a:r>
+            <a:r>
+              <a:rPr lang="en-US" altLang="ja-JP" sz="3500" dirty="0" smtClean="0"/>
+              <a:t>PMO</a:t>
+            </a:r>
+            <a:r>
+              <a:rPr lang="ja-JP" altLang="en-US" sz="3500" dirty="0" smtClean="0"/>
+              <a:t>支援の一か月半は</a:t>
+            </a:r>
+            <a:endParaRPr lang="en-US" altLang="ja-JP" sz="3500" dirty="0" smtClean="0"/>
+          </a:p>
+          <a:p>
+            <a:pPr marL="82296" indent="0" algn="ctr">
+              <a:buNone/>
+            </a:pPr>
+            <a:r>
+              <a:rPr lang="ja-JP" altLang="en-US" sz="3500" dirty="0" smtClean="0"/>
+              <a:t>悪くなかったです</a:t>
+            </a:r>
+            <a:endParaRPr kumimoji="1" lang="en-US" altLang="ja-JP" sz="3500" dirty="0" smtClean="0"/>
           </a:p>
         </p:txBody>
       </p:sp>
@@ -14284,7 +16232,7 @@
 </p:sld>
 </file>
 
-<file path=ppt/slides/slide36.xml><?xml version="1.0" encoding="utf-8"?>
+<file path=ppt/slides/slide39.xml><?xml version="1.0" encoding="utf-8"?>
 <p:sld xmlns:a="http://schemas.openxmlformats.org/drawingml/2006/main" xmlns:r="http://schemas.openxmlformats.org/officeDocument/2006/relationships" xmlns:p="http://schemas.openxmlformats.org/presentationml/2006/main">
   <p:cSld>
     <p:spTree>
@@ -14619,67 +16567,57 @@
             </a:pPr>
             <a:r>
               <a:rPr lang="ja-JP" altLang="en-US" dirty="0"/>
-              <a:t>　約</a:t>
-            </a:r>
-            <a:r>
-              <a:rPr lang="ja-JP" altLang="en-US" dirty="0" smtClean="0"/>
+              <a:t>　</a:t>
+            </a:r>
+            <a:r>
+              <a:rPr lang="ja-JP" altLang="en-US" sz="3200" b="1" u="sng" dirty="0"/>
+              <a:t>約</a:t>
+            </a:r>
+            <a:r>
+              <a:rPr lang="ja-JP" altLang="en-US" sz="3200" b="1" u="sng" dirty="0" smtClean="0"/>
               <a:t>２万ページある</a:t>
             </a:r>
             <a:r>
-              <a:rPr lang="en-US" altLang="ja-JP" dirty="0" smtClean="0"/>
+              <a:rPr lang="en-US" altLang="ja-JP" sz="3200" b="1" u="sng" dirty="0" smtClean="0"/>
               <a:t>Excel</a:t>
             </a:r>
             <a:r>
-              <a:rPr lang="ja-JP" altLang="en-US" dirty="0"/>
+              <a:rPr lang="ja-JP" altLang="en-US" sz="3200" b="1" u="sng" dirty="0"/>
               <a:t>設計書</a:t>
             </a:r>
             <a:r>
-              <a:rPr lang="ja-JP" altLang="en-US" dirty="0" smtClean="0"/>
+              <a:rPr lang="ja-JP" altLang="en-US" sz="3200" b="1" u="sng" dirty="0" smtClean="0"/>
               <a:t>の</a:t>
             </a:r>
-            <a:endParaRPr lang="en-US" altLang="ja-JP" dirty="0" smtClean="0"/>
-          </a:p>
-          <a:p>
-            <a:pPr marL="82296" indent="0">
-              <a:buNone/>
-            </a:pPr>
-            <a:r>
-              <a:rPr lang="ja-JP" altLang="en-US" dirty="0"/>
+            <a:endParaRPr lang="en-US" altLang="ja-JP" sz="3200" b="1" u="sng" dirty="0" smtClean="0"/>
+          </a:p>
+          <a:p>
+            <a:pPr marL="82296" indent="0">
+              <a:buNone/>
+            </a:pPr>
+            <a:r>
+              <a:rPr lang="ja-JP" altLang="en-US" sz="3200" b="1" dirty="0"/>
               <a:t>　</a:t>
             </a:r>
             <a:r>
-              <a:rPr lang="ja-JP" altLang="en-US" dirty="0" smtClean="0"/>
+              <a:rPr lang="ja-JP" altLang="en-US" sz="3200" b="1" u="sng" dirty="0" smtClean="0"/>
               <a:t>見</a:t>
             </a:r>
             <a:r>
-              <a:rPr lang="ja-JP" altLang="en-US" dirty="0"/>
+              <a:rPr lang="ja-JP" altLang="en-US" sz="3200" b="1" u="sng" dirty="0"/>
               <a:t>切れチェック＆修正⇒印刷</a:t>
             </a:r>
             <a:r>
-              <a:rPr lang="ja-JP" altLang="en-US" dirty="0" smtClean="0"/>
+              <a:rPr lang="ja-JP" altLang="en-US" sz="3200" b="1" u="sng" dirty="0" smtClean="0"/>
               <a:t>。</a:t>
             </a:r>
-            <a:endParaRPr lang="en-US" altLang="ja-JP" dirty="0" smtClean="0"/>
+            <a:endParaRPr lang="en-US" altLang="ja-JP" sz="3200" b="1" u="sng" dirty="0" smtClean="0"/>
           </a:p>
           <a:p>
             <a:pPr marL="82296" indent="0">
               <a:buNone/>
             </a:pPr>
             <a:endParaRPr lang="en-US" altLang="ja-JP" dirty="0"/>
-          </a:p>
-          <a:p>
-            <a:pPr marL="82296" indent="0">
-              <a:buNone/>
-            </a:pPr>
-            <a:r>
-              <a:rPr lang="en-US" altLang="ja-JP" dirty="0" smtClean="0"/>
-              <a:t>Excel</a:t>
-            </a:r>
-            <a:r>
-              <a:rPr lang="ja-JP" altLang="en-US" dirty="0" smtClean="0"/>
-              <a:t>様とたっぷり触れ合いました！</a:t>
-            </a:r>
-            <a:endParaRPr lang="en-US" altLang="ja-JP" dirty="0" smtClean="0"/>
           </a:p>
         </p:txBody>
       </p:sp>
@@ -14772,22 +16710,42 @@
             </a:pPr>
             <a:endParaRPr kumimoji="1" lang="en-US" altLang="ja-JP" sz="4400" dirty="0" smtClean="0"/>
           </a:p>
-          <a:p>
-            <a:pPr marL="82296" indent="0" algn="ctr">
-              <a:buNone/>
-            </a:pPr>
-            <a:r>
-              <a:rPr lang="ja-JP" altLang="en-US" sz="4400" dirty="0" smtClean="0"/>
-              <a:t>②やったこと</a:t>
-            </a:r>
-            <a:endParaRPr kumimoji="1" lang="en-US" altLang="ja-JP" sz="4400" dirty="0" smtClean="0"/>
-          </a:p>
         </p:txBody>
       </p:sp>
+      <p:pic>
+        <p:nvPicPr>
+          <p:cNvPr id="4" name="図 3"/>
+          <p:cNvPicPr>
+            <a:picLocks noChangeAspect="1"/>
+          </p:cNvPicPr>
+          <p:nvPr/>
+        </p:nvPicPr>
+        <p:blipFill>
+          <a:blip r:embed="rId2">
+            <a:extLst>
+              <a:ext uri="{28A0092B-C50C-407E-A947-70E740481C1C}">
+                <a14:useLocalDpi xmlns:a14="http://schemas.microsoft.com/office/drawing/2010/main" val="0"/>
+              </a:ext>
+            </a:extLst>
+          </a:blip>
+          <a:stretch>
+            <a:fillRect/>
+          </a:stretch>
+        </p:blipFill>
+        <p:spPr>
+          <a:xfrm>
+            <a:off x="2915816" y="2708920"/>
+            <a:ext cx="2970468" cy="2286360"/>
+          </a:xfrm>
+          <a:prstGeom prst="rect">
+            <a:avLst/>
+          </a:prstGeom>
+        </p:spPr>
+      </p:pic>
     </p:spTree>
     <p:extLst>
       <p:ext uri="{BB962C8B-B14F-4D97-AF65-F5344CB8AC3E}">
-        <p14:creationId xmlns:p14="http://schemas.microsoft.com/office/powerpoint/2010/main" val="2197857766"/>
+        <p14:creationId xmlns:p14="http://schemas.microsoft.com/office/powerpoint/2010/main" val="1575904358"/>
       </p:ext>
     </p:extLst>
   </p:cSld>
@@ -14850,11 +16808,7 @@
             </a:r>
             <a:r>
               <a:rPr kumimoji="1" lang="ja-JP" altLang="en-US" dirty="0" smtClean="0"/>
-              <a:t>おも</a:t>
-            </a:r>
-            <a:r>
-              <a:rPr kumimoji="1" lang="ja-JP" altLang="en-US" dirty="0" smtClean="0"/>
-              <a:t>な要件・観点</a:t>
+              <a:t>おもな要件・観点</a:t>
             </a:r>
             <a:endParaRPr kumimoji="1" lang="ja-JP" altLang="en-US" dirty="0"/>
           </a:p>
@@ -14897,11 +16851,7 @@
             </a:pPr>
             <a:r>
               <a:rPr lang="ja-JP" altLang="en-US" dirty="0" smtClean="0"/>
-              <a:t>・</a:t>
-            </a:r>
-            <a:r>
-              <a:rPr lang="ja-JP" altLang="en-US" dirty="0" smtClean="0"/>
-              <a:t>タイトル行に誤字</a:t>
+              <a:t>・タイトル行に誤字</a:t>
             </a:r>
             <a:endParaRPr lang="en-US" altLang="ja-JP" dirty="0"/>
           </a:p>
@@ -15025,24 +16975,11 @@
             <p:ph type="title"/>
           </p:nvPr>
         </p:nvSpPr>
-        <p:spPr>
-          <a:xfrm>
-            <a:off x="457200" y="274638"/>
-            <a:ext cx="8219256" cy="1143000"/>
-          </a:xfrm>
-        </p:spPr>
+        <p:spPr/>
         <p:txBody>
           <a:bodyPr/>
           <a:lstStyle/>
           <a:p>
-            <a:r>
-              <a:rPr kumimoji="1" lang="ja-JP" altLang="en-US" dirty="0" smtClean="0"/>
-              <a:t>１）一括</a:t>
-            </a:r>
-            <a:r>
-              <a:rPr kumimoji="1" lang="ja-JP" altLang="en-US" dirty="0" smtClean="0"/>
-              <a:t>印刷ができない問題</a:t>
-            </a:r>
             <a:endParaRPr kumimoji="1" lang="ja-JP" altLang="en-US" dirty="0"/>
           </a:p>
         </p:txBody>
@@ -15059,8 +16996,8 @@
         </p:nvSpPr>
         <p:spPr>
           <a:xfrm>
-            <a:off x="107504" y="1124744"/>
-            <a:ext cx="9036496" cy="5733256"/>
+            <a:off x="395536" y="1447800"/>
+            <a:ext cx="8136904" cy="4069432"/>
           </a:xfrm>
         </p:spPr>
         <p:txBody>
@@ -15069,127 +17006,33 @@
           </a:bodyPr>
           <a:lstStyle/>
           <a:p>
-            <a:pPr marL="82296" indent="0">
-              <a:buNone/>
-            </a:pPr>
-            <a:r>
-              <a:rPr lang="ja-JP" altLang="en-US" sz="2800" dirty="0" smtClean="0"/>
-              <a:t>・エクスプローラの右クリック→印刷</a:t>
-            </a:r>
-            <a:endParaRPr lang="en-US" altLang="ja-JP" sz="2800" dirty="0"/>
-          </a:p>
-          <a:p>
-            <a:pPr marL="82296" indent="0">
-              <a:buNone/>
-            </a:pPr>
-            <a:r>
-              <a:rPr lang="ja-JP" altLang="en-US" sz="2800" dirty="0" smtClean="0"/>
-              <a:t>　→</a:t>
-            </a:r>
-            <a:r>
-              <a:rPr lang="ja-JP" altLang="en-US" sz="2800" b="1" dirty="0" smtClean="0"/>
-              <a:t>１シート目しか印刷されない</a:t>
-            </a:r>
-            <a:endParaRPr lang="en-US" altLang="ja-JP" sz="2800" b="1" dirty="0" smtClean="0"/>
-          </a:p>
-          <a:p>
-            <a:pPr marL="82296" indent="0">
-              <a:buNone/>
-            </a:pPr>
-            <a:endParaRPr lang="en-US" altLang="ja-JP" sz="2800" dirty="0"/>
-          </a:p>
-          <a:p>
-            <a:pPr marL="82296" indent="0">
-              <a:buNone/>
-            </a:pPr>
-            <a:r>
-              <a:rPr lang="ja-JP" altLang="en-US" sz="2800" dirty="0" smtClean="0"/>
-              <a:t>・エクスプローラで複数ファイル選択→印刷</a:t>
-            </a:r>
-            <a:endParaRPr lang="en-US" altLang="ja-JP" sz="2800" dirty="0" smtClean="0"/>
-          </a:p>
-          <a:p>
-            <a:pPr marL="82296" indent="0">
-              <a:buNone/>
-            </a:pPr>
-            <a:r>
-              <a:rPr lang="ja-JP" altLang="en-US" sz="2800" dirty="0" smtClean="0"/>
-              <a:t>　→可能なのは</a:t>
-            </a:r>
-            <a:r>
-              <a:rPr lang="en-US" altLang="ja-JP" sz="2800" dirty="0" smtClean="0"/>
-              <a:t>15</a:t>
-            </a:r>
-            <a:r>
-              <a:rPr lang="ja-JP" altLang="en-US" sz="2800" dirty="0" smtClean="0"/>
-              <a:t>ファイルまで</a:t>
-            </a:r>
-            <a:endParaRPr lang="en-US" altLang="ja-JP" sz="2800" dirty="0" smtClean="0"/>
-          </a:p>
-          <a:p>
-            <a:pPr marL="82296" indent="0">
-              <a:buNone/>
-            </a:pPr>
-            <a:endParaRPr lang="en-US" altLang="ja-JP" sz="2800" b="1" dirty="0"/>
-          </a:p>
-          <a:p>
-            <a:pPr marL="82296" indent="0">
-              <a:buNone/>
-            </a:pPr>
-            <a:r>
-              <a:rPr lang="ja-JP" altLang="en-US" sz="2800" dirty="0" smtClean="0"/>
-              <a:t>・ブックを開き、印刷設定で「ブック全体を印刷」</a:t>
-            </a:r>
-            <a:endParaRPr lang="en-US" altLang="ja-JP" sz="2800" dirty="0" smtClean="0"/>
-          </a:p>
-          <a:p>
-            <a:pPr marL="82296" indent="0">
-              <a:buNone/>
-            </a:pPr>
-            <a:r>
-              <a:rPr lang="ja-JP" altLang="en-US" sz="2800" dirty="0"/>
-              <a:t>　</a:t>
-            </a:r>
-            <a:r>
-              <a:rPr lang="ja-JP" altLang="en-US" sz="2800" dirty="0" smtClean="0"/>
-              <a:t>を選択</a:t>
-            </a:r>
-            <a:endParaRPr lang="en-US" altLang="ja-JP" sz="2800" dirty="0" smtClean="0"/>
-          </a:p>
-          <a:p>
-            <a:pPr marL="82296" indent="0">
-              <a:buNone/>
-            </a:pPr>
-            <a:r>
-              <a:rPr lang="ja-JP" altLang="en-US" sz="2800" dirty="0"/>
-              <a:t>　</a:t>
-            </a:r>
-            <a:r>
-              <a:rPr lang="ja-JP" altLang="en-US" sz="2800" dirty="0" smtClean="0"/>
-              <a:t>→全シートが１シートとして印刷される</a:t>
-            </a:r>
-            <a:endParaRPr lang="en-US" altLang="ja-JP" sz="2800" dirty="0" smtClean="0"/>
-          </a:p>
-          <a:p>
-            <a:pPr marL="82296" indent="0">
-              <a:buNone/>
-            </a:pPr>
-            <a:r>
-              <a:rPr lang="ja-JP" altLang="en-US" sz="2800" dirty="0"/>
-              <a:t>　</a:t>
-            </a:r>
-            <a:r>
-              <a:rPr lang="ja-JP" altLang="en-US" sz="2800" dirty="0" smtClean="0"/>
-              <a:t>　（ページ数設定が死亡する）</a:t>
-            </a:r>
-            <a:endParaRPr lang="en-US" altLang="ja-JP" sz="2800" dirty="0"/>
+            <a:pPr marL="82296" indent="0" algn="ctr">
+              <a:buNone/>
+            </a:pPr>
+            <a:endParaRPr kumimoji="1" lang="en-US" altLang="ja-JP" sz="4400" dirty="0" smtClean="0"/>
+          </a:p>
+          <a:p>
+            <a:pPr marL="82296" indent="0" algn="ctr">
+              <a:buNone/>
+            </a:pPr>
+            <a:endParaRPr kumimoji="1" lang="en-US" altLang="ja-JP" sz="4400" dirty="0" smtClean="0"/>
+          </a:p>
+          <a:p>
+            <a:pPr marL="82296" indent="0" algn="ctr">
+              <a:buNone/>
+            </a:pPr>
+            <a:r>
+              <a:rPr lang="ja-JP" altLang="en-US" sz="4400" dirty="0" smtClean="0"/>
+              <a:t>②やったこと</a:t>
+            </a:r>
+            <a:endParaRPr kumimoji="1" lang="en-US" altLang="ja-JP" sz="4400" dirty="0" smtClean="0"/>
           </a:p>
         </p:txBody>
       </p:sp>
     </p:spTree>
     <p:extLst>
       <p:ext uri="{BB962C8B-B14F-4D97-AF65-F5344CB8AC3E}">
-        <p14:creationId xmlns:p14="http://schemas.microsoft.com/office/powerpoint/2010/main" val="1548140014"/>
+        <p14:creationId xmlns:p14="http://schemas.microsoft.com/office/powerpoint/2010/main" val="2197857766"/>
       </p:ext>
     </p:extLst>
   </p:cSld>
@@ -15236,30 +17079,20 @@
         <p:spPr>
           <a:xfrm>
             <a:off x="457200" y="274638"/>
-            <a:ext cx="8003232" cy="1143000"/>
+            <a:ext cx="8219256" cy="1143000"/>
           </a:xfrm>
         </p:spPr>
         <p:txBody>
-          <a:bodyPr>
-            <a:normAutofit/>
-          </a:bodyPr>
+          <a:bodyPr/>
           <a:lstStyle/>
           <a:p>
             <a:r>
               <a:rPr kumimoji="1" lang="ja-JP" altLang="en-US" dirty="0" smtClean="0"/>
-              <a:t>一括印刷</a:t>
-            </a:r>
-            <a:r>
-              <a:rPr kumimoji="1" lang="en-US" altLang="ja-JP" dirty="0" smtClean="0"/>
-              <a:t>VBA(</a:t>
+              <a:t>１）一括印刷が</a:t>
             </a:r>
             <a:r>
               <a:rPr kumimoji="1" lang="ja-JP" altLang="en-US" dirty="0" smtClean="0"/>
-              <a:t>変数宣言は略</a:t>
-            </a:r>
-            <a:r>
-              <a:rPr kumimoji="1" lang="en-US" altLang="ja-JP" dirty="0" smtClean="0"/>
-              <a:t>)</a:t>
+              <a:t>できない</a:t>
             </a:r>
             <a:endParaRPr kumimoji="1" lang="ja-JP" altLang="en-US" dirty="0"/>
           </a:p>
@@ -15277,13 +17110,13 @@
         </p:nvSpPr>
         <p:spPr>
           <a:xfrm>
-            <a:off x="395536" y="1124744"/>
-            <a:ext cx="8748464" cy="5733256"/>
+            <a:off x="107504" y="1124744"/>
+            <a:ext cx="9036496" cy="5733256"/>
           </a:xfrm>
         </p:spPr>
         <p:txBody>
           <a:bodyPr>
-            <a:normAutofit fontScale="85000" lnSpcReduction="20000"/>
+            <a:normAutofit/>
           </a:bodyPr>
           <a:lstStyle/>
           <a:p>
@@ -15291,380 +17124,123 @@
               <a:buNone/>
             </a:pPr>
             <a:r>
-              <a:rPr lang="en-US" altLang="ja-JP" dirty="0" err="1" smtClean="0"/>
-              <a:t>Fol</a:t>
-            </a:r>
-            <a:r>
-              <a:rPr lang="en-US" altLang="ja-JP" dirty="0" smtClean="0"/>
-              <a:t> </a:t>
-            </a:r>
-            <a:r>
-              <a:rPr lang="en-US" altLang="ja-JP" dirty="0"/>
-              <a:t>= </a:t>
-            </a:r>
-            <a:r>
-              <a:rPr lang="en-US" altLang="ja-JP" dirty="0" smtClean="0"/>
-              <a:t>“</a:t>
-            </a:r>
-            <a:r>
-              <a:rPr lang="ja-JP" altLang="en-US" dirty="0" smtClean="0"/>
-              <a:t>フォルダパス</a:t>
-            </a:r>
-            <a:r>
-              <a:rPr lang="en-US" altLang="ja-JP" dirty="0" smtClean="0"/>
-              <a:t>”</a:t>
-            </a:r>
-            <a:endParaRPr lang="en-US" altLang="ja-JP" dirty="0"/>
-          </a:p>
-          <a:p>
-            <a:pPr marL="82296" indent="0">
-              <a:buNone/>
-            </a:pPr>
-            <a:r>
-              <a:rPr lang="en-US" altLang="ja-JP" dirty="0" err="1" smtClean="0"/>
-              <a:t>Fname</a:t>
-            </a:r>
-            <a:r>
-              <a:rPr lang="en-US" altLang="ja-JP" dirty="0" smtClean="0"/>
-              <a:t> </a:t>
-            </a:r>
-            <a:r>
-              <a:rPr lang="en-US" altLang="ja-JP" dirty="0"/>
-              <a:t>= Dir(</a:t>
-            </a:r>
-            <a:r>
-              <a:rPr lang="en-US" altLang="ja-JP" dirty="0" err="1"/>
-              <a:t>Fol</a:t>
-            </a:r>
-            <a:r>
-              <a:rPr lang="en-US" altLang="ja-JP" dirty="0"/>
-              <a:t> &amp; "\*.</a:t>
-            </a:r>
-            <a:r>
-              <a:rPr lang="en-US" altLang="ja-JP" dirty="0" err="1"/>
-              <a:t>xlsx</a:t>
-            </a:r>
-            <a:r>
-              <a:rPr lang="en-US" altLang="ja-JP" dirty="0"/>
-              <a:t>")</a:t>
-            </a:r>
-          </a:p>
-          <a:p>
-            <a:pPr marL="82296" indent="0">
-              <a:buNone/>
-            </a:pPr>
-            <a:endParaRPr lang="en-US" altLang="ja-JP" dirty="0"/>
-          </a:p>
-          <a:p>
-            <a:pPr marL="82296" indent="0">
-              <a:buNone/>
-            </a:pPr>
-            <a:r>
-              <a:rPr lang="en-US" altLang="ja-JP" dirty="0" smtClean="0"/>
-              <a:t>Do </a:t>
-            </a:r>
-            <a:r>
-              <a:rPr lang="en-US" altLang="ja-JP" dirty="0"/>
-              <a:t>While </a:t>
-            </a:r>
-            <a:r>
-              <a:rPr lang="en-US" altLang="ja-JP" dirty="0" err="1"/>
-              <a:t>Fname</a:t>
-            </a:r>
-            <a:r>
-              <a:rPr lang="en-US" altLang="ja-JP" dirty="0"/>
-              <a:t> &lt;&gt; ""</a:t>
-            </a:r>
-          </a:p>
-          <a:p>
-            <a:pPr marL="82296" indent="0">
-              <a:buNone/>
-            </a:pPr>
-            <a:r>
-              <a:rPr lang="en-US" altLang="ja-JP" dirty="0" smtClean="0"/>
-              <a:t>  If </a:t>
-            </a:r>
-            <a:r>
-              <a:rPr lang="en-US" altLang="ja-JP" dirty="0" err="1"/>
-              <a:t>Fname</a:t>
-            </a:r>
-            <a:r>
-              <a:rPr lang="en-US" altLang="ja-JP" dirty="0"/>
-              <a:t> &lt;&gt; </a:t>
-            </a:r>
-            <a:r>
-              <a:rPr lang="en-US" altLang="ja-JP" dirty="0" err="1"/>
-              <a:t>ThisWorkbook.Name</a:t>
-            </a:r>
-            <a:r>
-              <a:rPr lang="en-US" altLang="ja-JP" dirty="0"/>
-              <a:t> Then</a:t>
-            </a:r>
-          </a:p>
-          <a:p>
-            <a:pPr marL="82296" indent="0">
-              <a:buNone/>
-            </a:pPr>
-            <a:r>
-              <a:rPr lang="en-US" altLang="ja-JP" dirty="0" smtClean="0"/>
-              <a:t>    </a:t>
-            </a:r>
-            <a:r>
-              <a:rPr lang="en-US" altLang="ja-JP" dirty="0" err="1" smtClean="0"/>
-              <a:t>Workbooks.Open</a:t>
-            </a:r>
-            <a:r>
-              <a:rPr lang="en-US" altLang="ja-JP" dirty="0" smtClean="0"/>
-              <a:t> </a:t>
-            </a:r>
-            <a:r>
-              <a:rPr lang="en-US" altLang="ja-JP" dirty="0" err="1"/>
-              <a:t>Fol</a:t>
-            </a:r>
-            <a:r>
-              <a:rPr lang="en-US" altLang="ja-JP" dirty="0"/>
-              <a:t> &amp; "\" &amp; </a:t>
-            </a:r>
-            <a:r>
-              <a:rPr lang="en-US" altLang="ja-JP" dirty="0" err="1"/>
-              <a:t>Fname</a:t>
-            </a:r>
-            <a:endParaRPr lang="en-US" altLang="ja-JP" dirty="0"/>
-          </a:p>
-          <a:p>
-            <a:pPr marL="82296" indent="0">
-              <a:buNone/>
-            </a:pPr>
-            <a:r>
-              <a:rPr lang="en-US" altLang="ja-JP" dirty="0" smtClean="0"/>
-              <a:t>    For </a:t>
-            </a:r>
-            <a:r>
-              <a:rPr lang="en-US" altLang="ja-JP" dirty="0"/>
-              <a:t>Each </a:t>
-            </a:r>
-            <a:r>
-              <a:rPr lang="en-US" altLang="ja-JP" dirty="0" err="1"/>
-              <a:t>ws</a:t>
-            </a:r>
-            <a:r>
-              <a:rPr lang="en-US" altLang="ja-JP" dirty="0"/>
-              <a:t> In Worksheets</a:t>
-            </a:r>
-          </a:p>
-          <a:p>
-            <a:pPr marL="82296" indent="0">
-              <a:buNone/>
-            </a:pPr>
-            <a:r>
-              <a:rPr lang="en-US" altLang="ja-JP" dirty="0" smtClean="0"/>
-              <a:t>      </a:t>
-            </a:r>
-            <a:r>
-              <a:rPr lang="en-US" altLang="ja-JP" dirty="0" err="1" smtClean="0"/>
-              <a:t>ws.PrintOut</a:t>
-            </a:r>
-            <a:endParaRPr lang="en-US" altLang="ja-JP" dirty="0">
-              <a:solidFill>
-                <a:srgbClr val="FFFF00"/>
-              </a:solidFill>
-            </a:endParaRPr>
-          </a:p>
-          <a:p>
-            <a:pPr marL="82296" indent="0">
-              <a:buNone/>
-            </a:pPr>
-            <a:r>
-              <a:rPr lang="en-US" altLang="ja-JP" dirty="0" smtClean="0"/>
-              <a:t>    Next</a:t>
-            </a:r>
-            <a:endParaRPr lang="en-US" altLang="ja-JP" dirty="0"/>
-          </a:p>
-          <a:p>
-            <a:pPr marL="82296" indent="0">
-              <a:buNone/>
-            </a:pPr>
-            <a:r>
-              <a:rPr lang="en-US" altLang="ja-JP" dirty="0"/>
-              <a:t>  </a:t>
-            </a:r>
-            <a:r>
-              <a:rPr lang="en-US" altLang="ja-JP" dirty="0" smtClean="0"/>
-              <a:t>  Workbooks(</a:t>
-            </a:r>
-            <a:r>
-              <a:rPr lang="en-US" altLang="ja-JP" dirty="0" err="1" smtClean="0"/>
-              <a:t>Fname</a:t>
-            </a:r>
-            <a:r>
-              <a:rPr lang="en-US" altLang="ja-JP" dirty="0"/>
-              <a:t>).</a:t>
-            </a:r>
-            <a:r>
-              <a:rPr lang="en-US" altLang="ja-JP" dirty="0" smtClean="0"/>
-              <a:t>Close</a:t>
-            </a:r>
-          </a:p>
-          <a:p>
-            <a:pPr marL="82296" indent="0">
-              <a:buNone/>
-            </a:pPr>
-            <a:r>
-              <a:rPr lang="en-US" altLang="ja-JP" dirty="0"/>
-              <a:t> </a:t>
-            </a:r>
-            <a:r>
-              <a:rPr lang="en-US" altLang="ja-JP" dirty="0" smtClean="0"/>
-              <a:t>   </a:t>
-            </a:r>
-            <a:r>
-              <a:rPr lang="en-US" altLang="ja-JP" dirty="0" err="1" smtClean="0"/>
-              <a:t>SaveChanges</a:t>
-            </a:r>
-            <a:r>
-              <a:rPr lang="en-US" altLang="ja-JP" dirty="0" smtClean="0"/>
-              <a:t>:=True</a:t>
-            </a:r>
-            <a:endParaRPr lang="en-US" altLang="ja-JP" dirty="0"/>
-          </a:p>
-          <a:p>
-            <a:pPr marL="82296" indent="0">
-              <a:buNone/>
-            </a:pPr>
-            <a:r>
-              <a:rPr lang="en-US" altLang="ja-JP" dirty="0"/>
-              <a:t>  </a:t>
-            </a:r>
-            <a:r>
-              <a:rPr lang="en-US" altLang="ja-JP" dirty="0" smtClean="0"/>
-              <a:t>End </a:t>
-            </a:r>
-            <a:r>
-              <a:rPr lang="en-US" altLang="ja-JP" dirty="0"/>
-              <a:t>If</a:t>
-            </a:r>
-          </a:p>
-          <a:p>
-            <a:pPr marL="82296" indent="0">
-              <a:buNone/>
-            </a:pPr>
-            <a:r>
-              <a:rPr lang="en-US" altLang="ja-JP" dirty="0" smtClean="0"/>
-              <a:t>  </a:t>
-            </a:r>
-            <a:r>
-              <a:rPr lang="en-US" altLang="ja-JP" dirty="0" err="1" smtClean="0"/>
-              <a:t>Fname</a:t>
-            </a:r>
-            <a:r>
-              <a:rPr lang="en-US" altLang="ja-JP" dirty="0" smtClean="0"/>
-              <a:t> </a:t>
-            </a:r>
-            <a:r>
-              <a:rPr lang="en-US" altLang="ja-JP" dirty="0"/>
-              <a:t>= Dir()</a:t>
-            </a:r>
-          </a:p>
-          <a:p>
-            <a:pPr marL="82296" indent="0">
-              <a:buNone/>
-            </a:pPr>
-            <a:r>
-              <a:rPr lang="en-US" altLang="ja-JP" dirty="0" smtClean="0"/>
-              <a:t>Loop</a:t>
-            </a:r>
-            <a:endParaRPr lang="en-US" altLang="ja-JP" dirty="0"/>
-          </a:p>
-        </p:txBody>
-      </p:sp>
-      <p:sp>
-        <p:nvSpPr>
-          <p:cNvPr id="4" name="正方形/長方形 3"/>
-          <p:cNvSpPr/>
-          <p:nvPr/>
-        </p:nvSpPr>
-        <p:spPr>
-          <a:xfrm>
-            <a:off x="1043608" y="3858868"/>
-            <a:ext cx="2520280" cy="504056"/>
-          </a:xfrm>
-          <a:prstGeom prst="rect">
-            <a:avLst/>
-          </a:prstGeom>
-          <a:noFill/>
-          <a:ln w="38100">
-            <a:solidFill>
-              <a:srgbClr val="FFFF00"/>
-            </a:solidFill>
-          </a:ln>
-        </p:spPr>
-        <p:style>
-          <a:lnRef idx="2">
-            <a:schemeClr val="accent1">
-              <a:shade val="50000"/>
-            </a:schemeClr>
-          </a:lnRef>
-          <a:fillRef idx="1">
-            <a:schemeClr val="accent1"/>
-          </a:fillRef>
-          <a:effectRef idx="0">
-            <a:schemeClr val="accent1"/>
-          </a:effectRef>
-          <a:fontRef idx="minor">
-            <a:schemeClr val="lt1"/>
-          </a:fontRef>
-        </p:style>
-        <p:txBody>
-          <a:bodyPr rtlCol="0" anchor="ctr"/>
-          <a:lstStyle/>
-          <a:p>
-            <a:pPr algn="ctr"/>
-            <a:endParaRPr kumimoji="1" lang="ja-JP" altLang="en-US"/>
-          </a:p>
-        </p:txBody>
-      </p:sp>
-      <p:sp>
-        <p:nvSpPr>
-          <p:cNvPr id="5" name="テキスト ボックス 4"/>
-          <p:cNvSpPr txBox="1"/>
-          <p:nvPr/>
-        </p:nvSpPr>
-        <p:spPr>
-          <a:xfrm>
-            <a:off x="3779912" y="3901259"/>
-            <a:ext cx="5256584" cy="461665"/>
-          </a:xfrm>
-          <a:prstGeom prst="rect">
-            <a:avLst/>
-          </a:prstGeom>
-          <a:noFill/>
-        </p:spPr>
-        <p:txBody>
-          <a:bodyPr wrap="square" rtlCol="0">
-            <a:spAutoFit/>
-          </a:bodyPr>
-          <a:lstStyle/>
-          <a:p>
-            <a:r>
-              <a:rPr lang="ja-JP" altLang="en-US" sz="2400" b="1" dirty="0" smtClean="0">
-                <a:solidFill>
-                  <a:srgbClr val="FFFF00"/>
-                </a:solidFill>
-              </a:rPr>
-              <a:t>←ここでやりたい処理をすればおｋ</a:t>
-            </a:r>
-            <a:endParaRPr kumimoji="1" lang="ja-JP" altLang="en-US" sz="2400" b="1" dirty="0">
-              <a:solidFill>
-                <a:srgbClr val="FFFF00"/>
-              </a:solidFill>
-            </a:endParaRPr>
+              <a:rPr lang="ja-JP" altLang="en-US" sz="2800" dirty="0" smtClean="0"/>
+              <a:t>・エクスプローラの右クリック→印刷</a:t>
+            </a:r>
+            <a:endParaRPr lang="en-US" altLang="ja-JP" sz="2800" dirty="0"/>
+          </a:p>
+          <a:p>
+            <a:pPr marL="82296" indent="0">
+              <a:buNone/>
+            </a:pPr>
+            <a:r>
+              <a:rPr lang="ja-JP" altLang="en-US" sz="2800" dirty="0" smtClean="0"/>
+              <a:t>　→</a:t>
+            </a:r>
+            <a:r>
+              <a:rPr lang="ja-JP" altLang="en-US" sz="2800" b="1" dirty="0" smtClean="0"/>
+              <a:t>１シート目しか印刷されない</a:t>
+            </a:r>
+            <a:endParaRPr lang="en-US" altLang="ja-JP" sz="2800" b="1" dirty="0" smtClean="0"/>
+          </a:p>
+          <a:p>
+            <a:pPr marL="82296" indent="0">
+              <a:buNone/>
+            </a:pPr>
+            <a:endParaRPr lang="en-US" altLang="ja-JP" sz="2800" dirty="0"/>
+          </a:p>
+          <a:p>
+            <a:pPr marL="82296" indent="0">
+              <a:buNone/>
+            </a:pPr>
+            <a:r>
+              <a:rPr lang="ja-JP" altLang="en-US" sz="2800" dirty="0" smtClean="0"/>
+              <a:t>・エクスプローラで複数ファイル選択→印刷</a:t>
+            </a:r>
+            <a:endParaRPr lang="en-US" altLang="ja-JP" sz="2800" dirty="0" smtClean="0"/>
+          </a:p>
+          <a:p>
+            <a:pPr marL="82296" indent="0">
+              <a:buNone/>
+            </a:pPr>
+            <a:r>
+              <a:rPr lang="ja-JP" altLang="en-US" sz="2800" dirty="0" smtClean="0"/>
+              <a:t>　→可能なのは</a:t>
+            </a:r>
+            <a:r>
+              <a:rPr lang="en-US" altLang="ja-JP" sz="2800" dirty="0" smtClean="0"/>
+              <a:t>15</a:t>
+            </a:r>
+            <a:r>
+              <a:rPr lang="ja-JP" altLang="en-US" sz="2800" dirty="0" smtClean="0"/>
+              <a:t>ファイルまで</a:t>
+            </a:r>
+            <a:endParaRPr lang="en-US" altLang="ja-JP" sz="2800" dirty="0" smtClean="0"/>
+          </a:p>
+          <a:p>
+            <a:pPr marL="82296" indent="0">
+              <a:buNone/>
+            </a:pPr>
+            <a:endParaRPr lang="en-US" altLang="ja-JP" sz="2800" b="1" dirty="0"/>
+          </a:p>
+          <a:p>
+            <a:pPr marL="82296" indent="0">
+              <a:buNone/>
+            </a:pPr>
+            <a:r>
+              <a:rPr lang="ja-JP" altLang="en-US" sz="2800" dirty="0" smtClean="0"/>
+              <a:t>・ブックを開き、印刷設定で「ブック全体を印刷」</a:t>
+            </a:r>
+            <a:endParaRPr lang="en-US" altLang="ja-JP" sz="2800" dirty="0" smtClean="0"/>
+          </a:p>
+          <a:p>
+            <a:pPr marL="82296" indent="0">
+              <a:buNone/>
+            </a:pPr>
+            <a:r>
+              <a:rPr lang="ja-JP" altLang="en-US" sz="2800" dirty="0"/>
+              <a:t>　</a:t>
+            </a:r>
+            <a:r>
+              <a:rPr lang="ja-JP" altLang="en-US" sz="2800" dirty="0" smtClean="0"/>
+              <a:t>を選択</a:t>
+            </a:r>
+            <a:endParaRPr lang="en-US" altLang="ja-JP" sz="2800" dirty="0" smtClean="0"/>
+          </a:p>
+          <a:p>
+            <a:pPr marL="82296" indent="0">
+              <a:buNone/>
+            </a:pPr>
+            <a:r>
+              <a:rPr lang="ja-JP" altLang="en-US" sz="2800" dirty="0"/>
+              <a:t>　</a:t>
+            </a:r>
+            <a:r>
+              <a:rPr lang="ja-JP" altLang="en-US" sz="2800" dirty="0" smtClean="0"/>
+              <a:t>→全シートが１シートとして印刷される</a:t>
+            </a:r>
+            <a:endParaRPr lang="en-US" altLang="ja-JP" sz="2800" dirty="0" smtClean="0"/>
+          </a:p>
+          <a:p>
+            <a:pPr marL="82296" indent="0">
+              <a:buNone/>
+            </a:pPr>
+            <a:r>
+              <a:rPr lang="ja-JP" altLang="en-US" sz="2800" dirty="0"/>
+              <a:t>　</a:t>
+            </a:r>
+            <a:r>
+              <a:rPr lang="ja-JP" altLang="en-US" sz="2800" dirty="0" smtClean="0"/>
+              <a:t>　（ページ数設定が死亡する）</a:t>
+            </a:r>
+            <a:endParaRPr lang="en-US" altLang="ja-JP" sz="2800" dirty="0"/>
           </a:p>
         </p:txBody>
       </p:sp>
     </p:spTree>
     <p:extLst>
       <p:ext uri="{BB962C8B-B14F-4D97-AF65-F5344CB8AC3E}">
-        <p14:creationId xmlns:p14="http://schemas.microsoft.com/office/powerpoint/2010/main" val="1305029476"/>
+        <p14:creationId xmlns:p14="http://schemas.microsoft.com/office/powerpoint/2010/main" val="1548140014"/>
       </p:ext>
     </p:extLst>
   </p:cSld>
